--- a/Diapo.pptx
+++ b/Diapo.pptx
@@ -125,7 +125,7 @@
   </p:defaultTextStyle>
   <p:extLst>
     <p:ext uri="{EFAFB233-063F-42B5-8137-9DF3F51BA10A}">
-      <p15:sldGuideLst xmlns:p15="http://schemas.microsoft.com/office/powerpoint/2012/main">
+      <p15:sldGuideLst xmlns:p15="http://schemas.microsoft.com/office/powerpoint/2012/main" xmlns="">
         <p15:guide id="1" orient="horz" pos="2160">
           <p15:clr>
             <a:srgbClr val="A4A3A4"/>
@@ -143,7 +143,7 @@
 </file>
 
 <file path=ppt/charts/chart1.xml><?xml version="1.0" encoding="utf-8"?>
-<c:chartSpace xmlns:c="http://schemas.openxmlformats.org/drawingml/2006/chart" xmlns:a="http://schemas.openxmlformats.org/drawingml/2006/main" xmlns:r="http://schemas.openxmlformats.org/officeDocument/2006/relationships" xmlns:c16r2="http://schemas.microsoft.com/office/drawing/2015/06/chart">
+<c:chartSpace xmlns:c="http://schemas.openxmlformats.org/drawingml/2006/chart" xmlns:a="http://schemas.openxmlformats.org/drawingml/2006/main" xmlns:r="http://schemas.openxmlformats.org/officeDocument/2006/relationships">
   <c:date1904 val="0"/>
   <c:lang val="fr-FR"/>
   <c:roundedCorners val="0"/>
@@ -157,6 +157,7 @@
   </mc:AlternateContent>
   <c:chart>
     <c:title>
+      <c:layout/>
       <c:overlay val="0"/>
       <c:txPr>
         <a:bodyPr/>
@@ -207,7 +208,7 @@
               <c:showSerName val="0"/>
               <c:showPercent val="1"/>
               <c:showBubbleSize val="0"/>
-              <c:extLst>
+              <c:extLst xmlns:c16r2="http://schemas.microsoft.com/office/drawing/2015/06/chart">
                 <c:ext xmlns:c15="http://schemas.microsoft.com/office/drawing/2012/chart" uri="{CE6537A1-D6FC-4f65-9D91-7224C49458BB}"/>
                 <c:ext xmlns:c16="http://schemas.microsoft.com/office/drawing/2014/chart" uri="{C3380CC4-5D6E-409C-BE32-E72D297353CC}">
                   <c16:uniqueId val="{00000000-2C37-4A0D-ACB1-BDFD7487C63C}"/>
@@ -229,7 +230,7 @@
               <c:showSerName val="0"/>
               <c:showPercent val="1"/>
               <c:showBubbleSize val="0"/>
-              <c:extLst>
+              <c:extLst xmlns:c16r2="http://schemas.microsoft.com/office/drawing/2015/06/chart">
                 <c:ext xmlns:c15="http://schemas.microsoft.com/office/drawing/2012/chart" uri="{CE6537A1-D6FC-4f65-9D91-7224C49458BB}"/>
                 <c:ext xmlns:c16="http://schemas.microsoft.com/office/drawing/2014/chart" uri="{C3380CC4-5D6E-409C-BE32-E72D297353CC}">
                   <c16:uniqueId val="{00000001-2C37-4A0D-ACB1-BDFD7487C63C}"/>
@@ -251,7 +252,7 @@
               <c:showSerName val="0"/>
               <c:showPercent val="1"/>
               <c:showBubbleSize val="0"/>
-              <c:extLst>
+              <c:extLst xmlns:c16r2="http://schemas.microsoft.com/office/drawing/2015/06/chart">
                 <c:ext xmlns:c15="http://schemas.microsoft.com/office/drawing/2012/chart" uri="{CE6537A1-D6FC-4f65-9D91-7224C49458BB}"/>
                 <c:ext xmlns:c16="http://schemas.microsoft.com/office/drawing/2014/chart" uri="{C3380CC4-5D6E-409C-BE32-E72D297353CC}">
                   <c16:uniqueId val="{00000002-2C37-4A0D-ACB1-BDFD7487C63C}"/>
@@ -273,7 +274,7 @@
               <c:showSerName val="0"/>
               <c:showPercent val="1"/>
               <c:showBubbleSize val="0"/>
-              <c:extLst>
+              <c:extLst xmlns:c16r2="http://schemas.microsoft.com/office/drawing/2015/06/chart">
                 <c:ext xmlns:c15="http://schemas.microsoft.com/office/drawing/2012/chart" uri="{CE6537A1-D6FC-4f65-9D91-7224C49458BB}"/>
                 <c:ext xmlns:c16="http://schemas.microsoft.com/office/drawing/2014/chart" uri="{C3380CC4-5D6E-409C-BE32-E72D297353CC}">
                   <c16:uniqueId val="{00000003-2C37-4A0D-ACB1-BDFD7487C63C}"/>
@@ -308,7 +309,7 @@
             <c:showPercent val="1"/>
             <c:showBubbleSize val="0"/>
             <c:showLeaderLines val="1"/>
-            <c:extLst>
+            <c:extLst xmlns:c16r2="http://schemas.microsoft.com/office/drawing/2015/06/chart">
               <c:ext xmlns:c15="http://schemas.microsoft.com/office/drawing/2012/chart" uri="{CE6537A1-D6FC-4f65-9D91-7224C49458BB}"/>
             </c:extLst>
           </c:dLbls>
@@ -353,7 +354,7 @@
               </c:numCache>
             </c:numRef>
           </c:val>
-          <c:extLst>
+          <c:extLst xmlns:c16r2="http://schemas.microsoft.com/office/drawing/2015/06/chart">
             <c:ext xmlns:c16="http://schemas.microsoft.com/office/drawing/2014/chart" uri="{C3380CC4-5D6E-409C-BE32-E72D297353CC}">
               <c16:uniqueId val="{00000004-2C37-4A0D-ACB1-BDFD7487C63C}"/>
             </c:ext>
@@ -418,7 +419,7 @@
           <p:cNvPr id="2" name="Espace réservé de l'en-tête 1">
             <a:extLst>
               <a:ext uri="{FF2B5EF4-FFF2-40B4-BE49-F238E27FC236}">
-                <a16:creationId xmlns:a16="http://schemas.microsoft.com/office/drawing/2014/main" id="{E36B3949-00EB-E3BD-35D3-0BEE56598ED8}"/>
+                <a16:creationId xmlns:a16="http://schemas.microsoft.com/office/drawing/2014/main" xmlns="" id="{E36B3949-00EB-E3BD-35D3-0BEE56598ED8}"/>
               </a:ext>
             </a:extLst>
           </p:cNvPr>
@@ -455,7 +456,7 @@
           <p:cNvPr id="3" name="Espace réservé de la date 2">
             <a:extLst>
               <a:ext uri="{FF2B5EF4-FFF2-40B4-BE49-F238E27FC236}">
-                <a16:creationId xmlns:a16="http://schemas.microsoft.com/office/drawing/2014/main" id="{CE2C867B-7B70-F807-5EB0-3A59C61D5D76}"/>
+                <a16:creationId xmlns:a16="http://schemas.microsoft.com/office/drawing/2014/main" xmlns="" id="{CE2C867B-7B70-F807-5EB0-3A59C61D5D76}"/>
               </a:ext>
             </a:extLst>
           </p:cNvPr>
@@ -496,7 +497,7 @@
           <p:cNvPr id="4" name="Espace réservé du pied de page 3">
             <a:extLst>
               <a:ext uri="{FF2B5EF4-FFF2-40B4-BE49-F238E27FC236}">
-                <a16:creationId xmlns:a16="http://schemas.microsoft.com/office/drawing/2014/main" id="{3D14359A-E475-BA79-5C82-D2EB5D8E939A}"/>
+                <a16:creationId xmlns:a16="http://schemas.microsoft.com/office/drawing/2014/main" xmlns="" id="{3D14359A-E475-BA79-5C82-D2EB5D8E939A}"/>
               </a:ext>
             </a:extLst>
           </p:cNvPr>
@@ -533,7 +534,7 @@
           <p:cNvPr id="5" name="Espace réservé du numéro de diapositive 4">
             <a:extLst>
               <a:ext uri="{FF2B5EF4-FFF2-40B4-BE49-F238E27FC236}">
-                <a16:creationId xmlns:a16="http://schemas.microsoft.com/office/drawing/2014/main" id="{DC76065D-0241-640D-BD4C-709B5A2B9740}"/>
+                <a16:creationId xmlns:a16="http://schemas.microsoft.com/office/drawing/2014/main" xmlns="" id="{DC76065D-0241-640D-BD4C-709B5A2B9740}"/>
               </a:ext>
             </a:extLst>
           </p:cNvPr>
@@ -1007,7 +1008,7 @@
           <p:cNvPr id="5" name="Espace réservé du pied de page 4">
             <a:extLst>
               <a:ext uri="{FF2B5EF4-FFF2-40B4-BE49-F238E27FC236}">
-                <a16:creationId xmlns:a16="http://schemas.microsoft.com/office/drawing/2014/main" id="{1C956917-E71F-0283-A9DC-ADC40AA0A9E4}"/>
+                <a16:creationId xmlns:a16="http://schemas.microsoft.com/office/drawing/2014/main" xmlns="" id="{1C956917-E71F-0283-A9DC-ADC40AA0A9E4}"/>
               </a:ext>
             </a:extLst>
           </p:cNvPr>
@@ -1116,7 +1117,7 @@
           <p:cNvPr id="5" name="Espace réservé du pied de page 4">
             <a:extLst>
               <a:ext uri="{FF2B5EF4-FFF2-40B4-BE49-F238E27FC236}">
-                <a16:creationId xmlns:a16="http://schemas.microsoft.com/office/drawing/2014/main" id="{A615E9EC-3214-F00A-8D3B-44B62B285DF5}"/>
+                <a16:creationId xmlns:a16="http://schemas.microsoft.com/office/drawing/2014/main" xmlns="" id="{A615E9EC-3214-F00A-8D3B-44B62B285DF5}"/>
               </a:ext>
             </a:extLst>
           </p:cNvPr>
@@ -8714,10 +8715,10 @@
           <p:cNvPr id="60" name="Group 59">
             <a:extLst>
               <a:ext uri="{FF2B5EF4-FFF2-40B4-BE49-F238E27FC236}">
-                <a16:creationId xmlns:a16="http://schemas.microsoft.com/office/drawing/2014/main" id="{8CD25866-F15D-40A4-AEC5-47C044637AB7}"/>
+                <a16:creationId xmlns:a16="http://schemas.microsoft.com/office/drawing/2014/main" xmlns="" id="{8CD25866-F15D-40A4-AEC5-47C044637AB7}"/>
               </a:ext>
               <a:ext uri="{C183D7F6-B498-43B3-948B-1728B52AA6E4}">
-                <adec:decorative xmlns:adec="http://schemas.microsoft.com/office/drawing/2017/decorative" val="1"/>
+                <adec:decorative xmlns:adec="http://schemas.microsoft.com/office/drawing/2017/decorative" xmlns="" val="1"/>
               </a:ext>
             </a:extLst>
           </p:cNvPr>
@@ -8727,7 +8728,7 @@
           <p:nvPr>
             <p:extLst>
               <p:ext uri="{386F3935-93C4-4BCD-93E2-E3B085C9AB24}">
-                <p16:designElem xmlns:p16="http://schemas.microsoft.com/office/powerpoint/2015/main" val="1"/>
+                <p16:designElem xmlns:p16="http://schemas.microsoft.com/office/powerpoint/2015/main" xmlns="" val="1"/>
               </p:ext>
             </p:extLst>
           </p:nvPr>
@@ -8745,10 +8746,10 @@
             <p:cNvPr id="61" name="Freeform 11">
               <a:extLst>
                 <a:ext uri="{FF2B5EF4-FFF2-40B4-BE49-F238E27FC236}">
-                  <a16:creationId xmlns:a16="http://schemas.microsoft.com/office/drawing/2014/main" id="{DCB8E995-36E8-40B6-82D4-F52DE2987B54}"/>
+                  <a16:creationId xmlns:a16="http://schemas.microsoft.com/office/drawing/2014/main" xmlns="" id="{DCB8E995-36E8-40B6-82D4-F52DE2987B54}"/>
                 </a:ext>
                 <a:ext uri="{C183D7F6-B498-43B3-948B-1728B52AA6E4}">
-                  <adec:decorative xmlns:adec="http://schemas.microsoft.com/office/drawing/2017/decorative" val="1"/>
+                  <adec:decorative xmlns:adec="http://schemas.microsoft.com/office/drawing/2017/decorative" xmlns="" val="1"/>
                 </a:ext>
               </a:extLst>
             </p:cNvPr>
@@ -8756,7 +8757,7 @@
             <p:nvPr>
               <p:extLst>
                 <p:ext uri="{386F3935-93C4-4BCD-93E2-E3B085C9AB24}">
-                  <p16:designElem xmlns:p16="http://schemas.microsoft.com/office/powerpoint/2015/main" val="1"/>
+                  <p16:designElem xmlns:p16="http://schemas.microsoft.com/office/powerpoint/2015/main" xmlns="" val="1"/>
                 </p:ext>
               </p:extLst>
             </p:nvPr>
@@ -8821,10 +8822,10 @@
             <p:cNvPr id="62" name="Freeform 12">
               <a:extLst>
                 <a:ext uri="{FF2B5EF4-FFF2-40B4-BE49-F238E27FC236}">
-                  <a16:creationId xmlns:a16="http://schemas.microsoft.com/office/drawing/2014/main" id="{DF54AEB5-68B5-46AE-B8F0-EEBE5DFED809}"/>
+                  <a16:creationId xmlns:a16="http://schemas.microsoft.com/office/drawing/2014/main" xmlns="" id="{DF54AEB5-68B5-46AE-B8F0-EEBE5DFED809}"/>
                 </a:ext>
                 <a:ext uri="{C183D7F6-B498-43B3-948B-1728B52AA6E4}">
-                  <adec:decorative xmlns:adec="http://schemas.microsoft.com/office/drawing/2017/decorative" val="1"/>
+                  <adec:decorative xmlns:adec="http://schemas.microsoft.com/office/drawing/2017/decorative" xmlns="" val="1"/>
                 </a:ext>
               </a:extLst>
             </p:cNvPr>
@@ -8832,7 +8833,7 @@
             <p:nvPr>
               <p:extLst>
                 <p:ext uri="{386F3935-93C4-4BCD-93E2-E3B085C9AB24}">
-                  <p16:designElem xmlns:p16="http://schemas.microsoft.com/office/powerpoint/2015/main" val="1"/>
+                  <p16:designElem xmlns:p16="http://schemas.microsoft.com/office/powerpoint/2015/main" xmlns="" val="1"/>
                 </p:ext>
               </p:extLst>
             </p:nvPr>
@@ -8902,10 +8903,10 @@
             <p:cNvPr id="63" name="Freeform 13">
               <a:extLst>
                 <a:ext uri="{FF2B5EF4-FFF2-40B4-BE49-F238E27FC236}">
-                  <a16:creationId xmlns:a16="http://schemas.microsoft.com/office/drawing/2014/main" id="{E3F708CB-F094-4EE7-8AD5-A462F1DF8B8D}"/>
+                  <a16:creationId xmlns:a16="http://schemas.microsoft.com/office/drawing/2014/main" xmlns="" id="{E3F708CB-F094-4EE7-8AD5-A462F1DF8B8D}"/>
                 </a:ext>
                 <a:ext uri="{C183D7F6-B498-43B3-948B-1728B52AA6E4}">
-                  <adec:decorative xmlns:adec="http://schemas.microsoft.com/office/drawing/2017/decorative" val="1"/>
+                  <adec:decorative xmlns:adec="http://schemas.microsoft.com/office/drawing/2017/decorative" xmlns="" val="1"/>
                 </a:ext>
               </a:extLst>
             </p:cNvPr>
@@ -8913,7 +8914,7 @@
             <p:nvPr>
               <p:extLst>
                 <p:ext uri="{386F3935-93C4-4BCD-93E2-E3B085C9AB24}">
-                  <p16:designElem xmlns:p16="http://schemas.microsoft.com/office/powerpoint/2015/main" val="1"/>
+                  <p16:designElem xmlns:p16="http://schemas.microsoft.com/office/powerpoint/2015/main" xmlns="" val="1"/>
                 </p:ext>
               </p:extLst>
             </p:nvPr>
@@ -8988,10 +8989,10 @@
             <p:cNvPr id="64" name="Freeform 14">
               <a:extLst>
                 <a:ext uri="{FF2B5EF4-FFF2-40B4-BE49-F238E27FC236}">
-                  <a16:creationId xmlns:a16="http://schemas.microsoft.com/office/drawing/2014/main" id="{ECFCFB22-E8B5-4FAC-A354-E7E0CE6F2B65}"/>
+                  <a16:creationId xmlns:a16="http://schemas.microsoft.com/office/drawing/2014/main" xmlns="" id="{ECFCFB22-E8B5-4FAC-A354-E7E0CE6F2B65}"/>
                 </a:ext>
                 <a:ext uri="{C183D7F6-B498-43B3-948B-1728B52AA6E4}">
-                  <adec:decorative xmlns:adec="http://schemas.microsoft.com/office/drawing/2017/decorative" val="1"/>
+                  <adec:decorative xmlns:adec="http://schemas.microsoft.com/office/drawing/2017/decorative" xmlns="" val="1"/>
                 </a:ext>
               </a:extLst>
             </p:cNvPr>
@@ -8999,7 +9000,7 @@
             <p:nvPr>
               <p:extLst>
                 <p:ext uri="{386F3935-93C4-4BCD-93E2-E3B085C9AB24}">
-                  <p16:designElem xmlns:p16="http://schemas.microsoft.com/office/powerpoint/2015/main" val="1"/>
+                  <p16:designElem xmlns:p16="http://schemas.microsoft.com/office/powerpoint/2015/main" xmlns="" val="1"/>
                 </p:ext>
               </p:extLst>
             </p:nvPr>
@@ -9054,10 +9055,10 @@
             <p:cNvPr id="65" name="Freeform 15">
               <a:extLst>
                 <a:ext uri="{FF2B5EF4-FFF2-40B4-BE49-F238E27FC236}">
-                  <a16:creationId xmlns:a16="http://schemas.microsoft.com/office/drawing/2014/main" id="{ED1DB3B4-A6DC-476F-986E-DF361EE8421D}"/>
+                  <a16:creationId xmlns:a16="http://schemas.microsoft.com/office/drawing/2014/main" xmlns="" id="{ED1DB3B4-A6DC-476F-986E-DF361EE8421D}"/>
                 </a:ext>
                 <a:ext uri="{C183D7F6-B498-43B3-948B-1728B52AA6E4}">
-                  <adec:decorative xmlns:adec="http://schemas.microsoft.com/office/drawing/2017/decorative" val="1"/>
+                  <adec:decorative xmlns:adec="http://schemas.microsoft.com/office/drawing/2017/decorative" xmlns="" val="1"/>
                 </a:ext>
               </a:extLst>
             </p:cNvPr>
@@ -9065,7 +9066,7 @@
             <p:nvPr>
               <p:extLst>
                 <p:ext uri="{386F3935-93C4-4BCD-93E2-E3B085C9AB24}">
-                  <p16:designElem xmlns:p16="http://schemas.microsoft.com/office/powerpoint/2015/main" val="1"/>
+                  <p16:designElem xmlns:p16="http://schemas.microsoft.com/office/powerpoint/2015/main" xmlns="" val="1"/>
                 </p:ext>
               </p:extLst>
             </p:nvPr>
@@ -9155,10 +9156,10 @@
             <p:cNvPr id="66" name="Freeform 16">
               <a:extLst>
                 <a:ext uri="{FF2B5EF4-FFF2-40B4-BE49-F238E27FC236}">
-                  <a16:creationId xmlns:a16="http://schemas.microsoft.com/office/drawing/2014/main" id="{4EE13DFA-3489-4DE6-9154-34D9CB400549}"/>
+                  <a16:creationId xmlns:a16="http://schemas.microsoft.com/office/drawing/2014/main" xmlns="" id="{4EE13DFA-3489-4DE6-9154-34D9CB400549}"/>
                 </a:ext>
                 <a:ext uri="{C183D7F6-B498-43B3-948B-1728B52AA6E4}">
-                  <adec:decorative xmlns:adec="http://schemas.microsoft.com/office/drawing/2017/decorative" val="1"/>
+                  <adec:decorative xmlns:adec="http://schemas.microsoft.com/office/drawing/2017/decorative" xmlns="" val="1"/>
                 </a:ext>
               </a:extLst>
             </p:cNvPr>
@@ -9166,7 +9167,7 @@
             <p:nvPr>
               <p:extLst>
                 <p:ext uri="{386F3935-93C4-4BCD-93E2-E3B085C9AB24}">
-                  <p16:designElem xmlns:p16="http://schemas.microsoft.com/office/powerpoint/2015/main" val="1"/>
+                  <p16:designElem xmlns:p16="http://schemas.microsoft.com/office/powerpoint/2015/main" xmlns="" val="1"/>
                 </p:ext>
               </p:extLst>
             </p:nvPr>
@@ -9251,10 +9252,10 @@
             <p:cNvPr id="67" name="Freeform 17">
               <a:extLst>
                 <a:ext uri="{FF2B5EF4-FFF2-40B4-BE49-F238E27FC236}">
-                  <a16:creationId xmlns:a16="http://schemas.microsoft.com/office/drawing/2014/main" id="{5CD12D51-F9A8-4CC9-B9C9-206EAFD8C166}"/>
+                  <a16:creationId xmlns:a16="http://schemas.microsoft.com/office/drawing/2014/main" xmlns="" id="{5CD12D51-F9A8-4CC9-B9C9-206EAFD8C166}"/>
                 </a:ext>
                 <a:ext uri="{C183D7F6-B498-43B3-948B-1728B52AA6E4}">
-                  <adec:decorative xmlns:adec="http://schemas.microsoft.com/office/drawing/2017/decorative" val="1"/>
+                  <adec:decorative xmlns:adec="http://schemas.microsoft.com/office/drawing/2017/decorative" xmlns="" val="1"/>
                 </a:ext>
               </a:extLst>
             </p:cNvPr>
@@ -9262,7 +9263,7 @@
             <p:nvPr>
               <p:extLst>
                 <p:ext uri="{386F3935-93C4-4BCD-93E2-E3B085C9AB24}">
-                  <p16:designElem xmlns:p16="http://schemas.microsoft.com/office/powerpoint/2015/main" val="1"/>
+                  <p16:designElem xmlns:p16="http://schemas.microsoft.com/office/powerpoint/2015/main" xmlns="" val="1"/>
                 </p:ext>
               </p:extLst>
             </p:nvPr>
@@ -9327,10 +9328,10 @@
             <p:cNvPr id="68" name="Freeform 18">
               <a:extLst>
                 <a:ext uri="{FF2B5EF4-FFF2-40B4-BE49-F238E27FC236}">
-                  <a16:creationId xmlns:a16="http://schemas.microsoft.com/office/drawing/2014/main" id="{266B326C-1178-40F9-A265-6067D363B4B4}"/>
+                  <a16:creationId xmlns:a16="http://schemas.microsoft.com/office/drawing/2014/main" xmlns="" id="{266B326C-1178-40F9-A265-6067D363B4B4}"/>
                 </a:ext>
                 <a:ext uri="{C183D7F6-B498-43B3-948B-1728B52AA6E4}">
-                  <adec:decorative xmlns:adec="http://schemas.microsoft.com/office/drawing/2017/decorative" val="1"/>
+                  <adec:decorative xmlns:adec="http://schemas.microsoft.com/office/drawing/2017/decorative" xmlns="" val="1"/>
                 </a:ext>
               </a:extLst>
             </p:cNvPr>
@@ -9338,7 +9339,7 @@
             <p:nvPr>
               <p:extLst>
                 <p:ext uri="{386F3935-93C4-4BCD-93E2-E3B085C9AB24}">
-                  <p16:designElem xmlns:p16="http://schemas.microsoft.com/office/powerpoint/2015/main" val="1"/>
+                  <p16:designElem xmlns:p16="http://schemas.microsoft.com/office/powerpoint/2015/main" xmlns="" val="1"/>
                 </p:ext>
               </p:extLst>
             </p:nvPr>
@@ -9423,10 +9424,10 @@
             <p:cNvPr id="69" name="Freeform 19">
               <a:extLst>
                 <a:ext uri="{FF2B5EF4-FFF2-40B4-BE49-F238E27FC236}">
-                  <a16:creationId xmlns:a16="http://schemas.microsoft.com/office/drawing/2014/main" id="{12F3B319-F00B-4755-BC54-95511E21DB20}"/>
+                  <a16:creationId xmlns:a16="http://schemas.microsoft.com/office/drawing/2014/main" xmlns="" id="{12F3B319-F00B-4755-BC54-95511E21DB20}"/>
                 </a:ext>
                 <a:ext uri="{C183D7F6-B498-43B3-948B-1728B52AA6E4}">
-                  <adec:decorative xmlns:adec="http://schemas.microsoft.com/office/drawing/2017/decorative" val="1"/>
+                  <adec:decorative xmlns:adec="http://schemas.microsoft.com/office/drawing/2017/decorative" xmlns="" val="1"/>
                 </a:ext>
               </a:extLst>
             </p:cNvPr>
@@ -9434,7 +9435,7 @@
             <p:nvPr>
               <p:extLst>
                 <p:ext uri="{386F3935-93C4-4BCD-93E2-E3B085C9AB24}">
-                  <p16:designElem xmlns:p16="http://schemas.microsoft.com/office/powerpoint/2015/main" val="1"/>
+                  <p16:designElem xmlns:p16="http://schemas.microsoft.com/office/powerpoint/2015/main" xmlns="" val="1"/>
                 </p:ext>
               </p:extLst>
             </p:nvPr>
@@ -9554,10 +9555,10 @@
             <p:cNvPr id="70" name="Freeform 20">
               <a:extLst>
                 <a:ext uri="{FF2B5EF4-FFF2-40B4-BE49-F238E27FC236}">
-                  <a16:creationId xmlns:a16="http://schemas.microsoft.com/office/drawing/2014/main" id="{3079D7BD-8A3F-47F6-8407-D9DA96FF3514}"/>
+                  <a16:creationId xmlns:a16="http://schemas.microsoft.com/office/drawing/2014/main" xmlns="" id="{3079D7BD-8A3F-47F6-8407-D9DA96FF3514}"/>
                 </a:ext>
                 <a:ext uri="{C183D7F6-B498-43B3-948B-1728B52AA6E4}">
-                  <adec:decorative xmlns:adec="http://schemas.microsoft.com/office/drawing/2017/decorative" val="1"/>
+                  <adec:decorative xmlns:adec="http://schemas.microsoft.com/office/drawing/2017/decorative" xmlns="" val="1"/>
                 </a:ext>
               </a:extLst>
             </p:cNvPr>
@@ -9565,7 +9566,7 @@
             <p:nvPr>
               <p:extLst>
                 <p:ext uri="{386F3935-93C4-4BCD-93E2-E3B085C9AB24}">
-                  <p16:designElem xmlns:p16="http://schemas.microsoft.com/office/powerpoint/2015/main" val="1"/>
+                  <p16:designElem xmlns:p16="http://schemas.microsoft.com/office/powerpoint/2015/main" xmlns="" val="1"/>
                 </p:ext>
               </p:extLst>
             </p:nvPr>
@@ -9620,10 +9621,10 @@
             <p:cNvPr id="71" name="Freeform 21">
               <a:extLst>
                 <a:ext uri="{FF2B5EF4-FFF2-40B4-BE49-F238E27FC236}">
-                  <a16:creationId xmlns:a16="http://schemas.microsoft.com/office/drawing/2014/main" id="{1F97C31C-8585-43FB-924B-8ADD6512332E}"/>
+                  <a16:creationId xmlns:a16="http://schemas.microsoft.com/office/drawing/2014/main" xmlns="" id="{1F97C31C-8585-43FB-924B-8ADD6512332E}"/>
                 </a:ext>
                 <a:ext uri="{C183D7F6-B498-43B3-948B-1728B52AA6E4}">
-                  <adec:decorative xmlns:adec="http://schemas.microsoft.com/office/drawing/2017/decorative" val="1"/>
+                  <adec:decorative xmlns:adec="http://schemas.microsoft.com/office/drawing/2017/decorative" xmlns="" val="1"/>
                 </a:ext>
               </a:extLst>
             </p:cNvPr>
@@ -9631,7 +9632,7 @@
             <p:nvPr>
               <p:extLst>
                 <p:ext uri="{386F3935-93C4-4BCD-93E2-E3B085C9AB24}">
-                  <p16:designElem xmlns:p16="http://schemas.microsoft.com/office/powerpoint/2015/main" val="1"/>
+                  <p16:designElem xmlns:p16="http://schemas.microsoft.com/office/powerpoint/2015/main" xmlns="" val="1"/>
                 </p:ext>
               </p:extLst>
             </p:nvPr>
@@ -9696,10 +9697,10 @@
             <p:cNvPr id="72" name="Freeform 22">
               <a:extLst>
                 <a:ext uri="{FF2B5EF4-FFF2-40B4-BE49-F238E27FC236}">
-                  <a16:creationId xmlns:a16="http://schemas.microsoft.com/office/drawing/2014/main" id="{A33E1C89-7E74-49BF-A5D1-9A352ED03E2D}"/>
+                  <a16:creationId xmlns:a16="http://schemas.microsoft.com/office/drawing/2014/main" xmlns="" id="{A33E1C89-7E74-49BF-A5D1-9A352ED03E2D}"/>
                 </a:ext>
                 <a:ext uri="{C183D7F6-B498-43B3-948B-1728B52AA6E4}">
-                  <adec:decorative xmlns:adec="http://schemas.microsoft.com/office/drawing/2017/decorative" val="1"/>
+                  <adec:decorative xmlns:adec="http://schemas.microsoft.com/office/drawing/2017/decorative" xmlns="" val="1"/>
                 </a:ext>
               </a:extLst>
             </p:cNvPr>
@@ -9707,7 +9708,7 @@
             <p:nvPr>
               <p:extLst>
                 <p:ext uri="{386F3935-93C4-4BCD-93E2-E3B085C9AB24}">
-                  <p16:designElem xmlns:p16="http://schemas.microsoft.com/office/powerpoint/2015/main" val="1"/>
+                  <p16:designElem xmlns:p16="http://schemas.microsoft.com/office/powerpoint/2015/main" xmlns="" val="1"/>
                 </p:ext>
               </p:extLst>
             </p:nvPr>
@@ -9783,10 +9784,10 @@
           <p:cNvPr id="74" name="Group 73">
             <a:extLst>
               <a:ext uri="{FF2B5EF4-FFF2-40B4-BE49-F238E27FC236}">
-                <a16:creationId xmlns:a16="http://schemas.microsoft.com/office/drawing/2014/main" id="{0C4A17ED-96AA-44A6-A050-E1A7A1CDD9E7}"/>
+                <a16:creationId xmlns:a16="http://schemas.microsoft.com/office/drawing/2014/main" xmlns="" id="{0C4A17ED-96AA-44A6-A050-E1A7A1CDD9E7}"/>
               </a:ext>
               <a:ext uri="{C183D7F6-B498-43B3-948B-1728B52AA6E4}">
-                <adec:decorative xmlns:adec="http://schemas.microsoft.com/office/drawing/2017/decorative" val="1"/>
+                <adec:decorative xmlns:adec="http://schemas.microsoft.com/office/drawing/2017/decorative" xmlns="" val="1"/>
               </a:ext>
             </a:extLst>
           </p:cNvPr>
@@ -9796,7 +9797,7 @@
           <p:nvPr>
             <p:extLst>
               <p:ext uri="{386F3935-93C4-4BCD-93E2-E3B085C9AB24}">
-                <p16:designElem xmlns:p16="http://schemas.microsoft.com/office/powerpoint/2015/main" val="1"/>
+                <p16:designElem xmlns:p16="http://schemas.microsoft.com/office/powerpoint/2015/main" xmlns="" val="1"/>
               </p:ext>
             </p:extLst>
           </p:nvPr>
@@ -9814,10 +9815,10 @@
             <p:cNvPr id="75" name="Freeform 27">
               <a:extLst>
                 <a:ext uri="{FF2B5EF4-FFF2-40B4-BE49-F238E27FC236}">
-                  <a16:creationId xmlns:a16="http://schemas.microsoft.com/office/drawing/2014/main" id="{FBB2A87E-3E24-4A6F-9FD8-0F1436D4D357}"/>
+                  <a16:creationId xmlns:a16="http://schemas.microsoft.com/office/drawing/2014/main" xmlns="" id="{FBB2A87E-3E24-4A6F-9FD8-0F1436D4D357}"/>
                 </a:ext>
                 <a:ext uri="{C183D7F6-B498-43B3-948B-1728B52AA6E4}">
-                  <adec:decorative xmlns:adec="http://schemas.microsoft.com/office/drawing/2017/decorative" val="1"/>
+                  <adec:decorative xmlns:adec="http://schemas.microsoft.com/office/drawing/2017/decorative" xmlns="" val="1"/>
                 </a:ext>
               </a:extLst>
             </p:cNvPr>
@@ -9825,7 +9826,7 @@
             <p:nvPr>
               <p:extLst>
                 <p:ext uri="{386F3935-93C4-4BCD-93E2-E3B085C9AB24}">
-                  <p16:designElem xmlns:p16="http://schemas.microsoft.com/office/powerpoint/2015/main" val="1"/>
+                  <p16:designElem xmlns:p16="http://schemas.microsoft.com/office/powerpoint/2015/main" xmlns="" val="1"/>
                 </p:ext>
               </p:extLst>
             </p:nvPr>
@@ -9933,10 +9934,10 @@
             <p:cNvPr id="76" name="Freeform 28">
               <a:extLst>
                 <a:ext uri="{FF2B5EF4-FFF2-40B4-BE49-F238E27FC236}">
-                  <a16:creationId xmlns:a16="http://schemas.microsoft.com/office/drawing/2014/main" id="{257F945B-2AA3-4328-BFF5-20DE64011B0A}"/>
+                  <a16:creationId xmlns:a16="http://schemas.microsoft.com/office/drawing/2014/main" xmlns="" id="{257F945B-2AA3-4328-BFF5-20DE64011B0A}"/>
                 </a:ext>
                 <a:ext uri="{C183D7F6-B498-43B3-948B-1728B52AA6E4}">
-                  <adec:decorative xmlns:adec="http://schemas.microsoft.com/office/drawing/2017/decorative" val="1"/>
+                  <adec:decorative xmlns:adec="http://schemas.microsoft.com/office/drawing/2017/decorative" xmlns="" val="1"/>
                 </a:ext>
               </a:extLst>
             </p:cNvPr>
@@ -9944,7 +9945,7 @@
             <p:nvPr>
               <p:extLst>
                 <p:ext uri="{386F3935-93C4-4BCD-93E2-E3B085C9AB24}">
-                  <p16:designElem xmlns:p16="http://schemas.microsoft.com/office/powerpoint/2015/main" val="1"/>
+                  <p16:designElem xmlns:p16="http://schemas.microsoft.com/office/powerpoint/2015/main" xmlns="" val="1"/>
                 </p:ext>
               </p:extLst>
             </p:nvPr>
@@ -10017,10 +10018,10 @@
             <p:cNvPr id="77" name="Freeform 29">
               <a:extLst>
                 <a:ext uri="{FF2B5EF4-FFF2-40B4-BE49-F238E27FC236}">
-                  <a16:creationId xmlns:a16="http://schemas.microsoft.com/office/drawing/2014/main" id="{E1A7230F-6A6F-403C-9D83-7176E285251C}"/>
+                  <a16:creationId xmlns:a16="http://schemas.microsoft.com/office/drawing/2014/main" xmlns="" id="{E1A7230F-6A6F-403C-9D83-7176E285251C}"/>
                 </a:ext>
                 <a:ext uri="{C183D7F6-B498-43B3-948B-1728B52AA6E4}">
-                  <adec:decorative xmlns:adec="http://schemas.microsoft.com/office/drawing/2017/decorative" val="1"/>
+                  <adec:decorative xmlns:adec="http://schemas.microsoft.com/office/drawing/2017/decorative" xmlns="" val="1"/>
                 </a:ext>
               </a:extLst>
             </p:cNvPr>
@@ -10028,7 +10029,7 @@
             <p:nvPr>
               <p:extLst>
                 <p:ext uri="{386F3935-93C4-4BCD-93E2-E3B085C9AB24}">
-                  <p16:designElem xmlns:p16="http://schemas.microsoft.com/office/powerpoint/2015/main" val="1"/>
+                  <p16:designElem xmlns:p16="http://schemas.microsoft.com/office/powerpoint/2015/main" xmlns="" val="1"/>
                 </p:ext>
               </p:extLst>
             </p:nvPr>
@@ -10101,10 +10102,10 @@
             <p:cNvPr id="78" name="Freeform 30">
               <a:extLst>
                 <a:ext uri="{FF2B5EF4-FFF2-40B4-BE49-F238E27FC236}">
-                  <a16:creationId xmlns:a16="http://schemas.microsoft.com/office/drawing/2014/main" id="{E33E315A-9CB0-460E-A8B7-0A064BBFA05F}"/>
+                  <a16:creationId xmlns:a16="http://schemas.microsoft.com/office/drawing/2014/main" xmlns="" id="{E33E315A-9CB0-460E-A8B7-0A064BBFA05F}"/>
                 </a:ext>
                 <a:ext uri="{C183D7F6-B498-43B3-948B-1728B52AA6E4}">
-                  <adec:decorative xmlns:adec="http://schemas.microsoft.com/office/drawing/2017/decorative" val="1"/>
+                  <adec:decorative xmlns:adec="http://schemas.microsoft.com/office/drawing/2017/decorative" xmlns="" val="1"/>
                 </a:ext>
               </a:extLst>
             </p:cNvPr>
@@ -10112,7 +10113,7 @@
             <p:nvPr>
               <p:extLst>
                 <p:ext uri="{386F3935-93C4-4BCD-93E2-E3B085C9AB24}">
-                  <p16:designElem xmlns:p16="http://schemas.microsoft.com/office/powerpoint/2015/main" val="1"/>
+                  <p16:designElem xmlns:p16="http://schemas.microsoft.com/office/powerpoint/2015/main" xmlns="" val="1"/>
                 </p:ext>
               </p:extLst>
             </p:nvPr>
@@ -10200,10 +10201,10 @@
             <p:cNvPr id="79" name="Freeform 31">
               <a:extLst>
                 <a:ext uri="{FF2B5EF4-FFF2-40B4-BE49-F238E27FC236}">
-                  <a16:creationId xmlns:a16="http://schemas.microsoft.com/office/drawing/2014/main" id="{22CAAD33-CFAD-4E61-82AE-0C6F838530D4}"/>
+                  <a16:creationId xmlns:a16="http://schemas.microsoft.com/office/drawing/2014/main" xmlns="" id="{22CAAD33-CFAD-4E61-82AE-0C6F838530D4}"/>
                 </a:ext>
                 <a:ext uri="{C183D7F6-B498-43B3-948B-1728B52AA6E4}">
-                  <adec:decorative xmlns:adec="http://schemas.microsoft.com/office/drawing/2017/decorative" val="1"/>
+                  <adec:decorative xmlns:adec="http://schemas.microsoft.com/office/drawing/2017/decorative" xmlns="" val="1"/>
                 </a:ext>
               </a:extLst>
             </p:cNvPr>
@@ -10211,7 +10212,7 @@
             <p:nvPr>
               <p:extLst>
                 <p:ext uri="{386F3935-93C4-4BCD-93E2-E3B085C9AB24}">
-                  <p16:designElem xmlns:p16="http://schemas.microsoft.com/office/powerpoint/2015/main" val="1"/>
+                  <p16:designElem xmlns:p16="http://schemas.microsoft.com/office/powerpoint/2015/main" xmlns="" val="1"/>
                 </p:ext>
               </p:extLst>
             </p:nvPr>
@@ -10309,10 +10310,10 @@
             <p:cNvPr id="80" name="Freeform 32">
               <a:extLst>
                 <a:ext uri="{FF2B5EF4-FFF2-40B4-BE49-F238E27FC236}">
-                  <a16:creationId xmlns:a16="http://schemas.microsoft.com/office/drawing/2014/main" id="{1A20E13C-2540-4000-A13B-8F781100E380}"/>
+                  <a16:creationId xmlns:a16="http://schemas.microsoft.com/office/drawing/2014/main" xmlns="" id="{1A20E13C-2540-4000-A13B-8F781100E380}"/>
                 </a:ext>
                 <a:ext uri="{C183D7F6-B498-43B3-948B-1728B52AA6E4}">
-                  <adec:decorative xmlns:adec="http://schemas.microsoft.com/office/drawing/2017/decorative" val="1"/>
+                  <adec:decorative xmlns:adec="http://schemas.microsoft.com/office/drawing/2017/decorative" xmlns="" val="1"/>
                 </a:ext>
               </a:extLst>
             </p:cNvPr>
@@ -10320,7 +10321,7 @@
             <p:nvPr>
               <p:extLst>
                 <p:ext uri="{386F3935-93C4-4BCD-93E2-E3B085C9AB24}">
-                  <p16:designElem xmlns:p16="http://schemas.microsoft.com/office/powerpoint/2015/main" val="1"/>
+                  <p16:designElem xmlns:p16="http://schemas.microsoft.com/office/powerpoint/2015/main" xmlns="" val="1"/>
                 </p:ext>
               </p:extLst>
             </p:nvPr>
@@ -10373,10 +10374,10 @@
             <p:cNvPr id="81" name="Freeform 33">
               <a:extLst>
                 <a:ext uri="{FF2B5EF4-FFF2-40B4-BE49-F238E27FC236}">
-                  <a16:creationId xmlns:a16="http://schemas.microsoft.com/office/drawing/2014/main" id="{51EF0A01-E03D-448B-B12E-D5BFC6D0D226}"/>
+                  <a16:creationId xmlns:a16="http://schemas.microsoft.com/office/drawing/2014/main" xmlns="" id="{51EF0A01-E03D-448B-B12E-D5BFC6D0D226}"/>
                 </a:ext>
                 <a:ext uri="{C183D7F6-B498-43B3-948B-1728B52AA6E4}">
-                  <adec:decorative xmlns:adec="http://schemas.microsoft.com/office/drawing/2017/decorative" val="1"/>
+                  <adec:decorative xmlns:adec="http://schemas.microsoft.com/office/drawing/2017/decorative" xmlns="" val="1"/>
                 </a:ext>
               </a:extLst>
             </p:cNvPr>
@@ -10384,7 +10385,7 @@
             <p:nvPr>
               <p:extLst>
                 <p:ext uri="{386F3935-93C4-4BCD-93E2-E3B085C9AB24}">
-                  <p16:designElem xmlns:p16="http://schemas.microsoft.com/office/powerpoint/2015/main" val="1"/>
+                  <p16:designElem xmlns:p16="http://schemas.microsoft.com/office/powerpoint/2015/main" xmlns="" val="1"/>
                 </p:ext>
               </p:extLst>
             </p:nvPr>
@@ -10452,10 +10453,10 @@
             <p:cNvPr id="82" name="Freeform 34">
               <a:extLst>
                 <a:ext uri="{FF2B5EF4-FFF2-40B4-BE49-F238E27FC236}">
-                  <a16:creationId xmlns:a16="http://schemas.microsoft.com/office/drawing/2014/main" id="{58286A03-168E-477B-8876-2C53E4950DB5}"/>
+                  <a16:creationId xmlns:a16="http://schemas.microsoft.com/office/drawing/2014/main" xmlns="" id="{58286A03-168E-477B-8876-2C53E4950DB5}"/>
                 </a:ext>
                 <a:ext uri="{C183D7F6-B498-43B3-948B-1728B52AA6E4}">
-                  <adec:decorative xmlns:adec="http://schemas.microsoft.com/office/drawing/2017/decorative" val="1"/>
+                  <adec:decorative xmlns:adec="http://schemas.microsoft.com/office/drawing/2017/decorative" xmlns="" val="1"/>
                 </a:ext>
               </a:extLst>
             </p:cNvPr>
@@ -10463,7 +10464,7 @@
             <p:nvPr>
               <p:extLst>
                 <p:ext uri="{386F3935-93C4-4BCD-93E2-E3B085C9AB24}">
-                  <p16:designElem xmlns:p16="http://schemas.microsoft.com/office/powerpoint/2015/main" val="1"/>
+                  <p16:designElem xmlns:p16="http://schemas.microsoft.com/office/powerpoint/2015/main" xmlns="" val="1"/>
                 </p:ext>
               </p:extLst>
             </p:nvPr>
@@ -10576,10 +10577,10 @@
             <p:cNvPr id="83" name="Freeform 35">
               <a:extLst>
                 <a:ext uri="{FF2B5EF4-FFF2-40B4-BE49-F238E27FC236}">
-                  <a16:creationId xmlns:a16="http://schemas.microsoft.com/office/drawing/2014/main" id="{3DFFC705-1899-4E4C-AE76-F85BAF2F66EF}"/>
+                  <a16:creationId xmlns:a16="http://schemas.microsoft.com/office/drawing/2014/main" xmlns="" id="{3DFFC705-1899-4E4C-AE76-F85BAF2F66EF}"/>
                 </a:ext>
                 <a:ext uri="{C183D7F6-B498-43B3-948B-1728B52AA6E4}">
-                  <adec:decorative xmlns:adec="http://schemas.microsoft.com/office/drawing/2017/decorative" val="1"/>
+                  <adec:decorative xmlns:adec="http://schemas.microsoft.com/office/drawing/2017/decorative" xmlns="" val="1"/>
                 </a:ext>
               </a:extLst>
             </p:cNvPr>
@@ -10587,7 +10588,7 @@
             <p:nvPr>
               <p:extLst>
                 <p:ext uri="{386F3935-93C4-4BCD-93E2-E3B085C9AB24}">
-                  <p16:designElem xmlns:p16="http://schemas.microsoft.com/office/powerpoint/2015/main" val="1"/>
+                  <p16:designElem xmlns:p16="http://schemas.microsoft.com/office/powerpoint/2015/main" xmlns="" val="1"/>
                 </p:ext>
               </p:extLst>
             </p:nvPr>
@@ -10640,10 +10641,10 @@
             <p:cNvPr id="84" name="Freeform 36">
               <a:extLst>
                 <a:ext uri="{FF2B5EF4-FFF2-40B4-BE49-F238E27FC236}">
-                  <a16:creationId xmlns:a16="http://schemas.microsoft.com/office/drawing/2014/main" id="{01C9598D-BDF6-4A24-83B6-4DCA4D134941}"/>
+                  <a16:creationId xmlns:a16="http://schemas.microsoft.com/office/drawing/2014/main" xmlns="" id="{01C9598D-BDF6-4A24-83B6-4DCA4D134941}"/>
                 </a:ext>
                 <a:ext uri="{C183D7F6-B498-43B3-948B-1728B52AA6E4}">
-                  <adec:decorative xmlns:adec="http://schemas.microsoft.com/office/drawing/2017/decorative" val="1"/>
+                  <adec:decorative xmlns:adec="http://schemas.microsoft.com/office/drawing/2017/decorative" xmlns="" val="1"/>
                 </a:ext>
               </a:extLst>
             </p:cNvPr>
@@ -10651,7 +10652,7 @@
             <p:nvPr>
               <p:extLst>
                 <p:ext uri="{386F3935-93C4-4BCD-93E2-E3B085C9AB24}">
-                  <p16:designElem xmlns:p16="http://schemas.microsoft.com/office/powerpoint/2015/main" val="1"/>
+                  <p16:designElem xmlns:p16="http://schemas.microsoft.com/office/powerpoint/2015/main" xmlns="" val="1"/>
                 </p:ext>
               </p:extLst>
             </p:nvPr>
@@ -10724,10 +10725,10 @@
             <p:cNvPr id="85" name="Freeform 37">
               <a:extLst>
                 <a:ext uri="{FF2B5EF4-FFF2-40B4-BE49-F238E27FC236}">
-                  <a16:creationId xmlns:a16="http://schemas.microsoft.com/office/drawing/2014/main" id="{950C8213-67CD-4DEF-AA44-8BB310139243}"/>
+                  <a16:creationId xmlns:a16="http://schemas.microsoft.com/office/drawing/2014/main" xmlns="" id="{950C8213-67CD-4DEF-AA44-8BB310139243}"/>
                 </a:ext>
                 <a:ext uri="{C183D7F6-B498-43B3-948B-1728B52AA6E4}">
-                  <adec:decorative xmlns:adec="http://schemas.microsoft.com/office/drawing/2017/decorative" val="1"/>
+                  <adec:decorative xmlns:adec="http://schemas.microsoft.com/office/drawing/2017/decorative" xmlns="" val="1"/>
                 </a:ext>
               </a:extLst>
             </p:cNvPr>
@@ -10735,7 +10736,7 @@
             <p:nvPr>
               <p:extLst>
                 <p:ext uri="{386F3935-93C4-4BCD-93E2-E3B085C9AB24}">
-                  <p16:designElem xmlns:p16="http://schemas.microsoft.com/office/powerpoint/2015/main" val="1"/>
+                  <p16:designElem xmlns:p16="http://schemas.microsoft.com/office/powerpoint/2015/main" xmlns="" val="1"/>
                 </p:ext>
               </p:extLst>
             </p:nvPr>
@@ -10803,10 +10804,10 @@
             <p:cNvPr id="86" name="Freeform 38">
               <a:extLst>
                 <a:ext uri="{FF2B5EF4-FFF2-40B4-BE49-F238E27FC236}">
-                  <a16:creationId xmlns:a16="http://schemas.microsoft.com/office/drawing/2014/main" id="{2016FE1D-E3EB-4CF6-809B-159872CC7873}"/>
+                  <a16:creationId xmlns:a16="http://schemas.microsoft.com/office/drawing/2014/main" xmlns="" id="{2016FE1D-E3EB-4CF6-809B-159872CC7873}"/>
                 </a:ext>
                 <a:ext uri="{C183D7F6-B498-43B3-948B-1728B52AA6E4}">
-                  <adec:decorative xmlns:adec="http://schemas.microsoft.com/office/drawing/2017/decorative" val="1"/>
+                  <adec:decorative xmlns:adec="http://schemas.microsoft.com/office/drawing/2017/decorative" xmlns="" val="1"/>
                 </a:ext>
               </a:extLst>
             </p:cNvPr>
@@ -10814,7 +10815,7 @@
             <p:nvPr>
               <p:extLst>
                 <p:ext uri="{386F3935-93C4-4BCD-93E2-E3B085C9AB24}">
-                  <p16:designElem xmlns:p16="http://schemas.microsoft.com/office/powerpoint/2015/main" val="1"/>
+                  <p16:designElem xmlns:p16="http://schemas.microsoft.com/office/powerpoint/2015/main" xmlns="" val="1"/>
                 </p:ext>
               </p:extLst>
             </p:nvPr>
@@ -10888,10 +10889,10 @@
           <p:cNvPr id="88" name="Rectangle 87">
             <a:extLst>
               <a:ext uri="{FF2B5EF4-FFF2-40B4-BE49-F238E27FC236}">
-                <a16:creationId xmlns:a16="http://schemas.microsoft.com/office/drawing/2014/main" id="{CE6C63DC-BAE4-42B6-8FDF-F6467C2D23AC}"/>
+                <a16:creationId xmlns:a16="http://schemas.microsoft.com/office/drawing/2014/main" xmlns="" id="{CE6C63DC-BAE4-42B6-8FDF-F6467C2D23AC}"/>
               </a:ext>
               <a:ext uri="{C183D7F6-B498-43B3-948B-1728B52AA6E4}">
-                <adec:decorative xmlns:adec="http://schemas.microsoft.com/office/drawing/2017/decorative" val="1"/>
+                <adec:decorative xmlns:adec="http://schemas.microsoft.com/office/drawing/2017/decorative" xmlns="" val="1"/>
               </a:ext>
             </a:extLst>
           </p:cNvPr>
@@ -10901,7 +10902,7 @@
           <p:nvPr>
             <p:extLst>
               <p:ext uri="{386F3935-93C4-4BCD-93E2-E3B085C9AB24}">
-                <p16:designElem xmlns:p16="http://schemas.microsoft.com/office/powerpoint/2015/main" val="1"/>
+                <p16:designElem xmlns:p16="http://schemas.microsoft.com/office/powerpoint/2015/main" xmlns="" val="1"/>
               </p:ext>
             </p:extLst>
           </p:nvPr>
@@ -10942,10 +10943,10 @@
           <p:cNvPr id="90" name="Freeform 11">
             <a:extLst>
               <a:ext uri="{FF2B5EF4-FFF2-40B4-BE49-F238E27FC236}">
-                <a16:creationId xmlns:a16="http://schemas.microsoft.com/office/drawing/2014/main" id="{BFE4781A-41C7-4F27-8792-A74EFB8E5CF1}"/>
+                <a16:creationId xmlns:a16="http://schemas.microsoft.com/office/drawing/2014/main" xmlns="" id="{BFE4781A-41C7-4F27-8792-A74EFB8E5CF1}"/>
               </a:ext>
               <a:ext uri="{C183D7F6-B498-43B3-948B-1728B52AA6E4}">
-                <adec:decorative xmlns:adec="http://schemas.microsoft.com/office/drawing/2017/decorative" val="1"/>
+                <adec:decorative xmlns:adec="http://schemas.microsoft.com/office/drawing/2017/decorative" xmlns="" val="1"/>
               </a:ext>
             </a:extLst>
           </p:cNvPr>
@@ -10955,7 +10956,7 @@
           <p:nvPr>
             <p:extLst>
               <p:ext uri="{386F3935-93C4-4BCD-93E2-E3B085C9AB24}">
-                <p16:designElem xmlns:p16="http://schemas.microsoft.com/office/powerpoint/2015/main" val="1"/>
+                <p16:designElem xmlns:p16="http://schemas.microsoft.com/office/powerpoint/2015/main" xmlns="" val="1"/>
               </p:ext>
             </p:extLst>
           </p:nvPr>
@@ -11041,10 +11042,10 @@
           <p:cNvPr id="92" name="Rectangle 91">
             <a:extLst>
               <a:ext uri="{FF2B5EF4-FFF2-40B4-BE49-F238E27FC236}">
-                <a16:creationId xmlns:a16="http://schemas.microsoft.com/office/drawing/2014/main" id="{0A46F010-D160-4609-8979-FFD8C1EA6C43}"/>
+                <a16:creationId xmlns:a16="http://schemas.microsoft.com/office/drawing/2014/main" xmlns="" id="{0A46F010-D160-4609-8979-FFD8C1EA6C43}"/>
               </a:ext>
               <a:ext uri="{C183D7F6-B498-43B3-948B-1728B52AA6E4}">
-                <adec:decorative xmlns:adec="http://schemas.microsoft.com/office/drawing/2017/decorative" val="1"/>
+                <adec:decorative xmlns:adec="http://schemas.microsoft.com/office/drawing/2017/decorative" xmlns="" val="1"/>
               </a:ext>
             </a:extLst>
           </p:cNvPr>
@@ -11054,7 +11055,7 @@
           <p:nvPr>
             <p:extLst>
               <p:ext uri="{386F3935-93C4-4BCD-93E2-E3B085C9AB24}">
-                <p16:designElem xmlns:p16="http://schemas.microsoft.com/office/powerpoint/2015/main" val="1"/>
+                <p16:designElem xmlns:p16="http://schemas.microsoft.com/office/powerpoint/2015/main" xmlns="" val="1"/>
               </p:ext>
             </p:extLst>
           </p:nvPr>
@@ -11127,10 +11128,10 @@
           <p:cNvPr id="94" name="Rectangle 93">
             <a:extLst>
               <a:ext uri="{FF2B5EF4-FFF2-40B4-BE49-F238E27FC236}">
-                <a16:creationId xmlns:a16="http://schemas.microsoft.com/office/drawing/2014/main" id="{81B8C4F6-C3AC-4C94-8EC7-E4F7B7E9CDB6}"/>
+                <a16:creationId xmlns:a16="http://schemas.microsoft.com/office/drawing/2014/main" xmlns="" id="{81B8C4F6-C3AC-4C94-8EC7-E4F7B7E9CDB6}"/>
               </a:ext>
               <a:ext uri="{C183D7F6-B498-43B3-948B-1728B52AA6E4}">
-                <adec:decorative xmlns:adec="http://schemas.microsoft.com/office/drawing/2017/decorative" val="1"/>
+                <adec:decorative xmlns:adec="http://schemas.microsoft.com/office/drawing/2017/decorative" xmlns="" val="1"/>
               </a:ext>
             </a:extLst>
           </p:cNvPr>
@@ -11140,7 +11141,7 @@
           <p:nvPr>
             <p:extLst>
               <p:ext uri="{386F3935-93C4-4BCD-93E2-E3B085C9AB24}">
-                <p16:designElem xmlns:p16="http://schemas.microsoft.com/office/powerpoint/2015/main" val="1"/>
+                <p16:designElem xmlns:p16="http://schemas.microsoft.com/office/powerpoint/2015/main" xmlns="" val="1"/>
               </p:ext>
             </p:extLst>
           </p:nvPr>
@@ -11190,10 +11191,10 @@
           <p:cNvPr id="96" name="Group 95">
             <a:extLst>
               <a:ext uri="{FF2B5EF4-FFF2-40B4-BE49-F238E27FC236}">
-                <a16:creationId xmlns:a16="http://schemas.microsoft.com/office/drawing/2014/main" id="{0B789310-9859-4942-98C8-3D2F12AAAE73}"/>
+                <a16:creationId xmlns:a16="http://schemas.microsoft.com/office/drawing/2014/main" xmlns="" id="{0B789310-9859-4942-98C8-3D2F12AAAE73}"/>
               </a:ext>
               <a:ext uri="{C183D7F6-B498-43B3-948B-1728B52AA6E4}">
-                <adec:decorative xmlns:adec="http://schemas.microsoft.com/office/drawing/2017/decorative" val="1"/>
+                <adec:decorative xmlns:adec="http://schemas.microsoft.com/office/drawing/2017/decorative" xmlns="" val="1"/>
               </a:ext>
             </a:extLst>
           </p:cNvPr>
@@ -11203,7 +11204,7 @@
           <p:nvPr>
             <p:extLst>
               <p:ext uri="{386F3935-93C4-4BCD-93E2-E3B085C9AB24}">
-                <p16:designElem xmlns:p16="http://schemas.microsoft.com/office/powerpoint/2015/main" val="1"/>
+                <p16:designElem xmlns:p16="http://schemas.microsoft.com/office/powerpoint/2015/main" xmlns="" val="1"/>
               </p:ext>
             </p:extLst>
           </p:nvPr>
@@ -11228,10 +11229,10 @@
             <p:cNvPr id="97" name="Freeform 11">
               <a:extLst>
                 <a:ext uri="{FF2B5EF4-FFF2-40B4-BE49-F238E27FC236}">
-                  <a16:creationId xmlns:a16="http://schemas.microsoft.com/office/drawing/2014/main" id="{FE9E5460-2AA9-4786-B69C-23DBEF356809}"/>
+                  <a16:creationId xmlns:a16="http://schemas.microsoft.com/office/drawing/2014/main" xmlns="" id="{FE9E5460-2AA9-4786-B69C-23DBEF356809}"/>
                 </a:ext>
                 <a:ext uri="{C183D7F6-B498-43B3-948B-1728B52AA6E4}">
-                  <adec:decorative xmlns:adec="http://schemas.microsoft.com/office/drawing/2017/decorative" val="1"/>
+                  <adec:decorative xmlns:adec="http://schemas.microsoft.com/office/drawing/2017/decorative" xmlns="" val="1"/>
                 </a:ext>
               </a:extLst>
             </p:cNvPr>
@@ -11239,7 +11240,7 @@
             <p:nvPr>
               <p:extLst>
                 <p:ext uri="{386F3935-93C4-4BCD-93E2-E3B085C9AB24}">
-                  <p16:designElem xmlns:p16="http://schemas.microsoft.com/office/powerpoint/2015/main" val="1"/>
+                  <p16:designElem xmlns:p16="http://schemas.microsoft.com/office/powerpoint/2015/main" xmlns="" val="1"/>
                 </p:ext>
               </p:extLst>
             </p:nvPr>
@@ -11300,10 +11301,10 @@
             <p:cNvPr id="98" name="Freeform 12">
               <a:extLst>
                 <a:ext uri="{FF2B5EF4-FFF2-40B4-BE49-F238E27FC236}">
-                  <a16:creationId xmlns:a16="http://schemas.microsoft.com/office/drawing/2014/main" id="{E344A2AF-3860-4427-B13E-98021C17ABF4}"/>
+                  <a16:creationId xmlns:a16="http://schemas.microsoft.com/office/drawing/2014/main" xmlns="" id="{E344A2AF-3860-4427-B13E-98021C17ABF4}"/>
                 </a:ext>
                 <a:ext uri="{C183D7F6-B498-43B3-948B-1728B52AA6E4}">
-                  <adec:decorative xmlns:adec="http://schemas.microsoft.com/office/drawing/2017/decorative" val="1"/>
+                  <adec:decorative xmlns:adec="http://schemas.microsoft.com/office/drawing/2017/decorative" xmlns="" val="1"/>
                 </a:ext>
               </a:extLst>
             </p:cNvPr>
@@ -11311,7 +11312,7 @@
             <p:nvPr>
               <p:extLst>
                 <p:ext uri="{386F3935-93C4-4BCD-93E2-E3B085C9AB24}">
-                  <p16:designElem xmlns:p16="http://schemas.microsoft.com/office/powerpoint/2015/main" val="1"/>
+                  <p16:designElem xmlns:p16="http://schemas.microsoft.com/office/powerpoint/2015/main" xmlns="" val="1"/>
                 </p:ext>
               </p:extLst>
             </p:nvPr>
@@ -11377,10 +11378,10 @@
             <p:cNvPr id="99" name="Freeform 13">
               <a:extLst>
                 <a:ext uri="{FF2B5EF4-FFF2-40B4-BE49-F238E27FC236}">
-                  <a16:creationId xmlns:a16="http://schemas.microsoft.com/office/drawing/2014/main" id="{DDBDD44E-1DC0-48AB-8FEC-E098D919740C}"/>
+                  <a16:creationId xmlns:a16="http://schemas.microsoft.com/office/drawing/2014/main" xmlns="" id="{DDBDD44E-1DC0-48AB-8FEC-E098D919740C}"/>
                 </a:ext>
                 <a:ext uri="{C183D7F6-B498-43B3-948B-1728B52AA6E4}">
-                  <adec:decorative xmlns:adec="http://schemas.microsoft.com/office/drawing/2017/decorative" val="1"/>
+                  <adec:decorative xmlns:adec="http://schemas.microsoft.com/office/drawing/2017/decorative" xmlns="" val="1"/>
                 </a:ext>
               </a:extLst>
             </p:cNvPr>
@@ -11388,7 +11389,7 @@
             <p:nvPr>
               <p:extLst>
                 <p:ext uri="{386F3935-93C4-4BCD-93E2-E3B085C9AB24}">
-                  <p16:designElem xmlns:p16="http://schemas.microsoft.com/office/powerpoint/2015/main" val="1"/>
+                  <p16:designElem xmlns:p16="http://schemas.microsoft.com/office/powerpoint/2015/main" xmlns="" val="1"/>
                 </p:ext>
               </p:extLst>
             </p:nvPr>
@@ -11459,10 +11460,10 @@
             <p:cNvPr id="100" name="Freeform 14">
               <a:extLst>
                 <a:ext uri="{FF2B5EF4-FFF2-40B4-BE49-F238E27FC236}">
-                  <a16:creationId xmlns:a16="http://schemas.microsoft.com/office/drawing/2014/main" id="{3151FF3E-5E3F-4D82-A684-0003BACEA854}"/>
+                  <a16:creationId xmlns:a16="http://schemas.microsoft.com/office/drawing/2014/main" xmlns="" id="{3151FF3E-5E3F-4D82-A684-0003BACEA854}"/>
                 </a:ext>
                 <a:ext uri="{C183D7F6-B498-43B3-948B-1728B52AA6E4}">
-                  <adec:decorative xmlns:adec="http://schemas.microsoft.com/office/drawing/2017/decorative" val="1"/>
+                  <adec:decorative xmlns:adec="http://schemas.microsoft.com/office/drawing/2017/decorative" xmlns="" val="1"/>
                 </a:ext>
               </a:extLst>
             </p:cNvPr>
@@ -11470,7 +11471,7 @@
             <p:nvPr>
               <p:extLst>
                 <p:ext uri="{386F3935-93C4-4BCD-93E2-E3B085C9AB24}">
-                  <p16:designElem xmlns:p16="http://schemas.microsoft.com/office/powerpoint/2015/main" val="1"/>
+                  <p16:designElem xmlns:p16="http://schemas.microsoft.com/office/powerpoint/2015/main" xmlns="" val="1"/>
                 </p:ext>
               </p:extLst>
             </p:nvPr>
@@ -11521,10 +11522,10 @@
             <p:cNvPr id="101" name="Freeform 15">
               <a:extLst>
                 <a:ext uri="{FF2B5EF4-FFF2-40B4-BE49-F238E27FC236}">
-                  <a16:creationId xmlns:a16="http://schemas.microsoft.com/office/drawing/2014/main" id="{C6CBF27E-7F0C-4489-95A7-82DE1C0460A9}"/>
+                  <a16:creationId xmlns:a16="http://schemas.microsoft.com/office/drawing/2014/main" xmlns="" id="{C6CBF27E-7F0C-4489-95A7-82DE1C0460A9}"/>
                 </a:ext>
                 <a:ext uri="{C183D7F6-B498-43B3-948B-1728B52AA6E4}">
-                  <adec:decorative xmlns:adec="http://schemas.microsoft.com/office/drawing/2017/decorative" val="1"/>
+                  <adec:decorative xmlns:adec="http://schemas.microsoft.com/office/drawing/2017/decorative" xmlns="" val="1"/>
                 </a:ext>
               </a:extLst>
             </p:cNvPr>
@@ -11532,7 +11533,7 @@
             <p:nvPr>
               <p:extLst>
                 <p:ext uri="{386F3935-93C4-4BCD-93E2-E3B085C9AB24}">
-                  <p16:designElem xmlns:p16="http://schemas.microsoft.com/office/powerpoint/2015/main" val="1"/>
+                  <p16:designElem xmlns:p16="http://schemas.microsoft.com/office/powerpoint/2015/main" xmlns="" val="1"/>
                 </p:ext>
               </p:extLst>
             </p:nvPr>
@@ -11618,10 +11619,10 @@
             <p:cNvPr id="102" name="Freeform 16">
               <a:extLst>
                 <a:ext uri="{FF2B5EF4-FFF2-40B4-BE49-F238E27FC236}">
-                  <a16:creationId xmlns:a16="http://schemas.microsoft.com/office/drawing/2014/main" id="{233BE304-221E-425E-A484-4B2E5F405B8F}"/>
+                  <a16:creationId xmlns:a16="http://schemas.microsoft.com/office/drawing/2014/main" xmlns="" id="{233BE304-221E-425E-A484-4B2E5F405B8F}"/>
                 </a:ext>
                 <a:ext uri="{C183D7F6-B498-43B3-948B-1728B52AA6E4}">
-                  <adec:decorative xmlns:adec="http://schemas.microsoft.com/office/drawing/2017/decorative" val="1"/>
+                  <adec:decorative xmlns:adec="http://schemas.microsoft.com/office/drawing/2017/decorative" xmlns="" val="1"/>
                 </a:ext>
               </a:extLst>
             </p:cNvPr>
@@ -11629,7 +11630,7 @@
             <p:nvPr>
               <p:extLst>
                 <p:ext uri="{386F3935-93C4-4BCD-93E2-E3B085C9AB24}">
-                  <p16:designElem xmlns:p16="http://schemas.microsoft.com/office/powerpoint/2015/main" val="1"/>
+                  <p16:designElem xmlns:p16="http://schemas.microsoft.com/office/powerpoint/2015/main" xmlns="" val="1"/>
                 </p:ext>
               </p:extLst>
             </p:nvPr>
@@ -11710,10 +11711,10 @@
             <p:cNvPr id="103" name="Freeform 17">
               <a:extLst>
                 <a:ext uri="{FF2B5EF4-FFF2-40B4-BE49-F238E27FC236}">
-                  <a16:creationId xmlns:a16="http://schemas.microsoft.com/office/drawing/2014/main" id="{10D5734E-EAEA-4A08-86A9-39BD5563EC2D}"/>
+                  <a16:creationId xmlns:a16="http://schemas.microsoft.com/office/drawing/2014/main" xmlns="" id="{10D5734E-EAEA-4A08-86A9-39BD5563EC2D}"/>
                 </a:ext>
                 <a:ext uri="{C183D7F6-B498-43B3-948B-1728B52AA6E4}">
-                  <adec:decorative xmlns:adec="http://schemas.microsoft.com/office/drawing/2017/decorative" val="1"/>
+                  <adec:decorative xmlns:adec="http://schemas.microsoft.com/office/drawing/2017/decorative" xmlns="" val="1"/>
                 </a:ext>
               </a:extLst>
             </p:cNvPr>
@@ -11721,7 +11722,7 @@
             <p:nvPr>
               <p:extLst>
                 <p:ext uri="{386F3935-93C4-4BCD-93E2-E3B085C9AB24}">
-                  <p16:designElem xmlns:p16="http://schemas.microsoft.com/office/powerpoint/2015/main" val="1"/>
+                  <p16:designElem xmlns:p16="http://schemas.microsoft.com/office/powerpoint/2015/main" xmlns="" val="1"/>
                 </p:ext>
               </p:extLst>
             </p:nvPr>
@@ -11782,10 +11783,10 @@
             <p:cNvPr id="104" name="Freeform 18">
               <a:extLst>
                 <a:ext uri="{FF2B5EF4-FFF2-40B4-BE49-F238E27FC236}">
-                  <a16:creationId xmlns:a16="http://schemas.microsoft.com/office/drawing/2014/main" id="{4D47FE86-98D1-4E35-86E4-16E9A19A64E8}"/>
+                  <a16:creationId xmlns:a16="http://schemas.microsoft.com/office/drawing/2014/main" xmlns="" id="{4D47FE86-98D1-4E35-86E4-16E9A19A64E8}"/>
                 </a:ext>
                 <a:ext uri="{C183D7F6-B498-43B3-948B-1728B52AA6E4}">
-                  <adec:decorative xmlns:adec="http://schemas.microsoft.com/office/drawing/2017/decorative" val="1"/>
+                  <adec:decorative xmlns:adec="http://schemas.microsoft.com/office/drawing/2017/decorative" xmlns="" val="1"/>
                 </a:ext>
               </a:extLst>
             </p:cNvPr>
@@ -11793,7 +11794,7 @@
             <p:nvPr>
               <p:extLst>
                 <p:ext uri="{386F3935-93C4-4BCD-93E2-E3B085C9AB24}">
-                  <p16:designElem xmlns:p16="http://schemas.microsoft.com/office/powerpoint/2015/main" val="1"/>
+                  <p16:designElem xmlns:p16="http://schemas.microsoft.com/office/powerpoint/2015/main" xmlns="" val="1"/>
                 </p:ext>
               </p:extLst>
             </p:nvPr>
@@ -11874,10 +11875,10 @@
             <p:cNvPr id="105" name="Freeform 19">
               <a:extLst>
                 <a:ext uri="{FF2B5EF4-FFF2-40B4-BE49-F238E27FC236}">
-                  <a16:creationId xmlns:a16="http://schemas.microsoft.com/office/drawing/2014/main" id="{F00661F9-B224-4DB1-8EFB-ABF9402BDEF6}"/>
+                  <a16:creationId xmlns:a16="http://schemas.microsoft.com/office/drawing/2014/main" xmlns="" id="{F00661F9-B224-4DB1-8EFB-ABF9402BDEF6}"/>
                 </a:ext>
                 <a:ext uri="{C183D7F6-B498-43B3-948B-1728B52AA6E4}">
-                  <adec:decorative xmlns:adec="http://schemas.microsoft.com/office/drawing/2017/decorative" val="1"/>
+                  <adec:decorative xmlns:adec="http://schemas.microsoft.com/office/drawing/2017/decorative" xmlns="" val="1"/>
                 </a:ext>
               </a:extLst>
             </p:cNvPr>
@@ -11885,7 +11886,7 @@
             <p:nvPr>
               <p:extLst>
                 <p:ext uri="{386F3935-93C4-4BCD-93E2-E3B085C9AB24}">
-                  <p16:designElem xmlns:p16="http://schemas.microsoft.com/office/powerpoint/2015/main" val="1"/>
+                  <p16:designElem xmlns:p16="http://schemas.microsoft.com/office/powerpoint/2015/main" xmlns="" val="1"/>
                 </p:ext>
               </p:extLst>
             </p:nvPr>
@@ -12001,10 +12002,10 @@
             <p:cNvPr id="106" name="Freeform 20">
               <a:extLst>
                 <a:ext uri="{FF2B5EF4-FFF2-40B4-BE49-F238E27FC236}">
-                  <a16:creationId xmlns:a16="http://schemas.microsoft.com/office/drawing/2014/main" id="{679DCB4E-8D36-4B7A-AF0C-8399F113AE93}"/>
+                  <a16:creationId xmlns:a16="http://schemas.microsoft.com/office/drawing/2014/main" xmlns="" id="{679DCB4E-8D36-4B7A-AF0C-8399F113AE93}"/>
                 </a:ext>
                 <a:ext uri="{C183D7F6-B498-43B3-948B-1728B52AA6E4}">
-                  <adec:decorative xmlns:adec="http://schemas.microsoft.com/office/drawing/2017/decorative" val="1"/>
+                  <adec:decorative xmlns:adec="http://schemas.microsoft.com/office/drawing/2017/decorative" xmlns="" val="1"/>
                 </a:ext>
               </a:extLst>
             </p:cNvPr>
@@ -12012,7 +12013,7 @@
             <p:nvPr>
               <p:extLst>
                 <p:ext uri="{386F3935-93C4-4BCD-93E2-E3B085C9AB24}">
-                  <p16:designElem xmlns:p16="http://schemas.microsoft.com/office/powerpoint/2015/main" val="1"/>
+                  <p16:designElem xmlns:p16="http://schemas.microsoft.com/office/powerpoint/2015/main" xmlns="" val="1"/>
                 </p:ext>
               </p:extLst>
             </p:nvPr>
@@ -12063,10 +12064,10 @@
             <p:cNvPr id="107" name="Freeform 21">
               <a:extLst>
                 <a:ext uri="{FF2B5EF4-FFF2-40B4-BE49-F238E27FC236}">
-                  <a16:creationId xmlns:a16="http://schemas.microsoft.com/office/drawing/2014/main" id="{4FAD51F6-D24C-4FD6-BEAE-41F0E5A8253C}"/>
+                  <a16:creationId xmlns:a16="http://schemas.microsoft.com/office/drawing/2014/main" xmlns="" id="{4FAD51F6-D24C-4FD6-BEAE-41F0E5A8253C}"/>
                 </a:ext>
                 <a:ext uri="{C183D7F6-B498-43B3-948B-1728B52AA6E4}">
-                  <adec:decorative xmlns:adec="http://schemas.microsoft.com/office/drawing/2017/decorative" val="1"/>
+                  <adec:decorative xmlns:adec="http://schemas.microsoft.com/office/drawing/2017/decorative" xmlns="" val="1"/>
                 </a:ext>
               </a:extLst>
             </p:cNvPr>
@@ -12074,7 +12075,7 @@
             <p:nvPr>
               <p:extLst>
                 <p:ext uri="{386F3935-93C4-4BCD-93E2-E3B085C9AB24}">
-                  <p16:designElem xmlns:p16="http://schemas.microsoft.com/office/powerpoint/2015/main" val="1"/>
+                  <p16:designElem xmlns:p16="http://schemas.microsoft.com/office/powerpoint/2015/main" xmlns="" val="1"/>
                 </p:ext>
               </p:extLst>
             </p:nvPr>
@@ -12135,10 +12136,10 @@
             <p:cNvPr id="108" name="Freeform 22">
               <a:extLst>
                 <a:ext uri="{FF2B5EF4-FFF2-40B4-BE49-F238E27FC236}">
-                  <a16:creationId xmlns:a16="http://schemas.microsoft.com/office/drawing/2014/main" id="{87AC773F-6D31-458A-9DD7-76566C8A9CAA}"/>
+                  <a16:creationId xmlns:a16="http://schemas.microsoft.com/office/drawing/2014/main" xmlns="" id="{87AC773F-6D31-458A-9DD7-76566C8A9CAA}"/>
                 </a:ext>
                 <a:ext uri="{C183D7F6-B498-43B3-948B-1728B52AA6E4}">
-                  <adec:decorative xmlns:adec="http://schemas.microsoft.com/office/drawing/2017/decorative" val="1"/>
+                  <adec:decorative xmlns:adec="http://schemas.microsoft.com/office/drawing/2017/decorative" xmlns="" val="1"/>
                 </a:ext>
               </a:extLst>
             </p:cNvPr>
@@ -12146,7 +12147,7 @@
             <p:nvPr>
               <p:extLst>
                 <p:ext uri="{386F3935-93C4-4BCD-93E2-E3B085C9AB24}">
-                  <p16:designElem xmlns:p16="http://schemas.microsoft.com/office/powerpoint/2015/main" val="1"/>
+                  <p16:designElem xmlns:p16="http://schemas.microsoft.com/office/powerpoint/2015/main" xmlns="" val="1"/>
                 </p:ext>
               </p:extLst>
             </p:nvPr>
@@ -12218,10 +12219,10 @@
           <p:cNvPr id="110" name="Group 109">
             <a:extLst>
               <a:ext uri="{FF2B5EF4-FFF2-40B4-BE49-F238E27FC236}">
-                <a16:creationId xmlns:a16="http://schemas.microsoft.com/office/drawing/2014/main" id="{6F1CEC7A-E419-4950-AA57-B00546C29CAF}"/>
+                <a16:creationId xmlns:a16="http://schemas.microsoft.com/office/drawing/2014/main" xmlns="" id="{6F1CEC7A-E419-4950-AA57-B00546C29CAF}"/>
               </a:ext>
               <a:ext uri="{C183D7F6-B498-43B3-948B-1728B52AA6E4}">
-                <adec:decorative xmlns:adec="http://schemas.microsoft.com/office/drawing/2017/decorative" val="1"/>
+                <adec:decorative xmlns:adec="http://schemas.microsoft.com/office/drawing/2017/decorative" xmlns="" val="1"/>
               </a:ext>
             </a:extLst>
           </p:cNvPr>
@@ -12231,7 +12232,7 @@
           <p:nvPr>
             <p:extLst>
               <p:ext uri="{386F3935-93C4-4BCD-93E2-E3B085C9AB24}">
-                <p16:designElem xmlns:p16="http://schemas.microsoft.com/office/powerpoint/2015/main" val="1"/>
+                <p16:designElem xmlns:p16="http://schemas.microsoft.com/office/powerpoint/2015/main" xmlns="" val="1"/>
               </p:ext>
             </p:extLst>
           </p:nvPr>
@@ -12255,10 +12256,10 @@
             <p:cNvPr id="111" name="Freeform 27">
               <a:extLst>
                 <a:ext uri="{FF2B5EF4-FFF2-40B4-BE49-F238E27FC236}">
-                  <a16:creationId xmlns:a16="http://schemas.microsoft.com/office/drawing/2014/main" id="{7AE7DCD1-5235-45E8-B229-15A3E3962E71}"/>
+                  <a16:creationId xmlns:a16="http://schemas.microsoft.com/office/drawing/2014/main" xmlns="" id="{7AE7DCD1-5235-45E8-B229-15A3E3962E71}"/>
                 </a:ext>
                 <a:ext uri="{C183D7F6-B498-43B3-948B-1728B52AA6E4}">
-                  <adec:decorative xmlns:adec="http://schemas.microsoft.com/office/drawing/2017/decorative" val="1"/>
+                  <adec:decorative xmlns:adec="http://schemas.microsoft.com/office/drawing/2017/decorative" xmlns="" val="1"/>
                 </a:ext>
               </a:extLst>
             </p:cNvPr>
@@ -12266,7 +12267,7 @@
             <p:nvPr>
               <p:extLst>
                 <p:ext uri="{386F3935-93C4-4BCD-93E2-E3B085C9AB24}">
-                  <p16:designElem xmlns:p16="http://schemas.microsoft.com/office/powerpoint/2015/main" val="1"/>
+                  <p16:designElem xmlns:p16="http://schemas.microsoft.com/office/powerpoint/2015/main" xmlns="" val="1"/>
                 </p:ext>
               </p:extLst>
             </p:nvPr>
@@ -12372,10 +12373,10 @@
             <p:cNvPr id="112" name="Freeform 28">
               <a:extLst>
                 <a:ext uri="{FF2B5EF4-FFF2-40B4-BE49-F238E27FC236}">
-                  <a16:creationId xmlns:a16="http://schemas.microsoft.com/office/drawing/2014/main" id="{C82E58C3-65A5-4079-BF94-E675AA410CD8}"/>
+                  <a16:creationId xmlns:a16="http://schemas.microsoft.com/office/drawing/2014/main" xmlns="" id="{C82E58C3-65A5-4079-BF94-E675AA410CD8}"/>
                 </a:ext>
                 <a:ext uri="{C183D7F6-B498-43B3-948B-1728B52AA6E4}">
-                  <adec:decorative xmlns:adec="http://schemas.microsoft.com/office/drawing/2017/decorative" val="1"/>
+                  <adec:decorative xmlns:adec="http://schemas.microsoft.com/office/drawing/2017/decorative" xmlns="" val="1"/>
                 </a:ext>
               </a:extLst>
             </p:cNvPr>
@@ -12383,7 +12384,7 @@
             <p:nvPr>
               <p:extLst>
                 <p:ext uri="{386F3935-93C4-4BCD-93E2-E3B085C9AB24}">
-                  <p16:designElem xmlns:p16="http://schemas.microsoft.com/office/powerpoint/2015/main" val="1"/>
+                  <p16:designElem xmlns:p16="http://schemas.microsoft.com/office/powerpoint/2015/main" xmlns="" val="1"/>
                 </p:ext>
               </p:extLst>
             </p:nvPr>
@@ -12454,10 +12455,10 @@
             <p:cNvPr id="113" name="Freeform 29">
               <a:extLst>
                 <a:ext uri="{FF2B5EF4-FFF2-40B4-BE49-F238E27FC236}">
-                  <a16:creationId xmlns:a16="http://schemas.microsoft.com/office/drawing/2014/main" id="{7AABE1FA-6DC8-4A47-AC5C-F05B9C111C20}"/>
+                  <a16:creationId xmlns:a16="http://schemas.microsoft.com/office/drawing/2014/main" xmlns="" id="{7AABE1FA-6DC8-4A47-AC5C-F05B9C111C20}"/>
                 </a:ext>
                 <a:ext uri="{C183D7F6-B498-43B3-948B-1728B52AA6E4}">
-                  <adec:decorative xmlns:adec="http://schemas.microsoft.com/office/drawing/2017/decorative" val="1"/>
+                  <adec:decorative xmlns:adec="http://schemas.microsoft.com/office/drawing/2017/decorative" xmlns="" val="1"/>
                 </a:ext>
               </a:extLst>
             </p:cNvPr>
@@ -12465,7 +12466,7 @@
             <p:nvPr>
               <p:extLst>
                 <p:ext uri="{386F3935-93C4-4BCD-93E2-E3B085C9AB24}">
-                  <p16:designElem xmlns:p16="http://schemas.microsoft.com/office/powerpoint/2015/main" val="1"/>
+                  <p16:designElem xmlns:p16="http://schemas.microsoft.com/office/powerpoint/2015/main" xmlns="" val="1"/>
                 </p:ext>
               </p:extLst>
             </p:nvPr>
@@ -12536,10 +12537,10 @@
             <p:cNvPr id="114" name="Freeform 30">
               <a:extLst>
                 <a:ext uri="{FF2B5EF4-FFF2-40B4-BE49-F238E27FC236}">
-                  <a16:creationId xmlns:a16="http://schemas.microsoft.com/office/drawing/2014/main" id="{17BB7298-8900-4C67-B800-BD241F0199B7}"/>
+                  <a16:creationId xmlns:a16="http://schemas.microsoft.com/office/drawing/2014/main" xmlns="" id="{17BB7298-8900-4C67-B800-BD241F0199B7}"/>
                 </a:ext>
                 <a:ext uri="{C183D7F6-B498-43B3-948B-1728B52AA6E4}">
-                  <adec:decorative xmlns:adec="http://schemas.microsoft.com/office/drawing/2017/decorative" val="1"/>
+                  <adec:decorative xmlns:adec="http://schemas.microsoft.com/office/drawing/2017/decorative" xmlns="" val="1"/>
                 </a:ext>
               </a:extLst>
             </p:cNvPr>
@@ -12547,7 +12548,7 @@
             <p:nvPr>
               <p:extLst>
                 <p:ext uri="{386F3935-93C4-4BCD-93E2-E3B085C9AB24}">
-                  <p16:designElem xmlns:p16="http://schemas.microsoft.com/office/powerpoint/2015/main" val="1"/>
+                  <p16:designElem xmlns:p16="http://schemas.microsoft.com/office/powerpoint/2015/main" xmlns="" val="1"/>
                 </p:ext>
               </p:extLst>
             </p:nvPr>
@@ -12633,10 +12634,10 @@
             <p:cNvPr id="115" name="Freeform 31">
               <a:extLst>
                 <a:ext uri="{FF2B5EF4-FFF2-40B4-BE49-F238E27FC236}">
-                  <a16:creationId xmlns:a16="http://schemas.microsoft.com/office/drawing/2014/main" id="{EE3442F8-53C2-490C-94EF-E423ECB957FD}"/>
+                  <a16:creationId xmlns:a16="http://schemas.microsoft.com/office/drawing/2014/main" xmlns="" id="{EE3442F8-53C2-490C-94EF-E423ECB957FD}"/>
                 </a:ext>
                 <a:ext uri="{C183D7F6-B498-43B3-948B-1728B52AA6E4}">
-                  <adec:decorative xmlns:adec="http://schemas.microsoft.com/office/drawing/2017/decorative" val="1"/>
+                  <adec:decorative xmlns:adec="http://schemas.microsoft.com/office/drawing/2017/decorative" xmlns="" val="1"/>
                 </a:ext>
               </a:extLst>
             </p:cNvPr>
@@ -12644,7 +12645,7 @@
             <p:nvPr>
               <p:extLst>
                 <p:ext uri="{386F3935-93C4-4BCD-93E2-E3B085C9AB24}">
-                  <p16:designElem xmlns:p16="http://schemas.microsoft.com/office/powerpoint/2015/main" val="1"/>
+                  <p16:designElem xmlns:p16="http://schemas.microsoft.com/office/powerpoint/2015/main" xmlns="" val="1"/>
                 </p:ext>
               </p:extLst>
             </p:nvPr>
@@ -12740,10 +12741,10 @@
             <p:cNvPr id="116" name="Freeform 32">
               <a:extLst>
                 <a:ext uri="{FF2B5EF4-FFF2-40B4-BE49-F238E27FC236}">
-                  <a16:creationId xmlns:a16="http://schemas.microsoft.com/office/drawing/2014/main" id="{3DBEA916-8B10-493A-8CBF-9B5FA2A4A027}"/>
+                  <a16:creationId xmlns:a16="http://schemas.microsoft.com/office/drawing/2014/main" xmlns="" id="{3DBEA916-8B10-493A-8CBF-9B5FA2A4A027}"/>
                 </a:ext>
                 <a:ext uri="{C183D7F6-B498-43B3-948B-1728B52AA6E4}">
-                  <adec:decorative xmlns:adec="http://schemas.microsoft.com/office/drawing/2017/decorative" val="1"/>
+                  <adec:decorative xmlns:adec="http://schemas.microsoft.com/office/drawing/2017/decorative" xmlns="" val="1"/>
                 </a:ext>
               </a:extLst>
             </p:cNvPr>
@@ -12751,7 +12752,7 @@
             <p:nvPr>
               <p:extLst>
                 <p:ext uri="{386F3935-93C4-4BCD-93E2-E3B085C9AB24}">
-                  <p16:designElem xmlns:p16="http://schemas.microsoft.com/office/powerpoint/2015/main" val="1"/>
+                  <p16:designElem xmlns:p16="http://schemas.microsoft.com/office/powerpoint/2015/main" xmlns="" val="1"/>
                 </p:ext>
               </p:extLst>
             </p:nvPr>
@@ -12802,10 +12803,10 @@
             <p:cNvPr id="117" name="Freeform 33">
               <a:extLst>
                 <a:ext uri="{FF2B5EF4-FFF2-40B4-BE49-F238E27FC236}">
-                  <a16:creationId xmlns:a16="http://schemas.microsoft.com/office/drawing/2014/main" id="{248DB27B-F9EA-4F81-A746-7D57B768E0A5}"/>
+                  <a16:creationId xmlns:a16="http://schemas.microsoft.com/office/drawing/2014/main" xmlns="" id="{248DB27B-F9EA-4F81-A746-7D57B768E0A5}"/>
                 </a:ext>
                 <a:ext uri="{C183D7F6-B498-43B3-948B-1728B52AA6E4}">
-                  <adec:decorative xmlns:adec="http://schemas.microsoft.com/office/drawing/2017/decorative" val="1"/>
+                  <adec:decorative xmlns:adec="http://schemas.microsoft.com/office/drawing/2017/decorative" xmlns="" val="1"/>
                 </a:ext>
               </a:extLst>
             </p:cNvPr>
@@ -12813,7 +12814,7 @@
             <p:nvPr>
               <p:extLst>
                 <p:ext uri="{386F3935-93C4-4BCD-93E2-E3B085C9AB24}">
-                  <p16:designElem xmlns:p16="http://schemas.microsoft.com/office/powerpoint/2015/main" val="1"/>
+                  <p16:designElem xmlns:p16="http://schemas.microsoft.com/office/powerpoint/2015/main" xmlns="" val="1"/>
                 </p:ext>
               </p:extLst>
             </p:nvPr>
@@ -12879,10 +12880,10 @@
             <p:cNvPr id="118" name="Freeform 34">
               <a:extLst>
                 <a:ext uri="{FF2B5EF4-FFF2-40B4-BE49-F238E27FC236}">
-                  <a16:creationId xmlns:a16="http://schemas.microsoft.com/office/drawing/2014/main" id="{998E5C90-2A81-4013-AE09-2023B4407C85}"/>
+                  <a16:creationId xmlns:a16="http://schemas.microsoft.com/office/drawing/2014/main" xmlns="" id="{998E5C90-2A81-4013-AE09-2023B4407C85}"/>
                 </a:ext>
                 <a:ext uri="{C183D7F6-B498-43B3-948B-1728B52AA6E4}">
-                  <adec:decorative xmlns:adec="http://schemas.microsoft.com/office/drawing/2017/decorative" val="1"/>
+                  <adec:decorative xmlns:adec="http://schemas.microsoft.com/office/drawing/2017/decorative" xmlns="" val="1"/>
                 </a:ext>
               </a:extLst>
             </p:cNvPr>
@@ -12890,7 +12891,7 @@
             <p:nvPr>
               <p:extLst>
                 <p:ext uri="{386F3935-93C4-4BCD-93E2-E3B085C9AB24}">
-                  <p16:designElem xmlns:p16="http://schemas.microsoft.com/office/powerpoint/2015/main" val="1"/>
+                  <p16:designElem xmlns:p16="http://schemas.microsoft.com/office/powerpoint/2015/main" xmlns="" val="1"/>
                 </p:ext>
               </p:extLst>
             </p:nvPr>
@@ -13001,10 +13002,10 @@
             <p:cNvPr id="119" name="Freeform 35">
               <a:extLst>
                 <a:ext uri="{FF2B5EF4-FFF2-40B4-BE49-F238E27FC236}">
-                  <a16:creationId xmlns:a16="http://schemas.microsoft.com/office/drawing/2014/main" id="{86A8318B-7607-4519-8EEB-C7DD50965317}"/>
+                  <a16:creationId xmlns:a16="http://schemas.microsoft.com/office/drawing/2014/main" xmlns="" id="{86A8318B-7607-4519-8EEB-C7DD50965317}"/>
                 </a:ext>
                 <a:ext uri="{C183D7F6-B498-43B3-948B-1728B52AA6E4}">
-                  <adec:decorative xmlns:adec="http://schemas.microsoft.com/office/drawing/2017/decorative" val="1"/>
+                  <adec:decorative xmlns:adec="http://schemas.microsoft.com/office/drawing/2017/decorative" xmlns="" val="1"/>
                 </a:ext>
               </a:extLst>
             </p:cNvPr>
@@ -13012,7 +13013,7 @@
             <p:nvPr>
               <p:extLst>
                 <p:ext uri="{386F3935-93C4-4BCD-93E2-E3B085C9AB24}">
-                  <p16:designElem xmlns:p16="http://schemas.microsoft.com/office/powerpoint/2015/main" val="1"/>
+                  <p16:designElem xmlns:p16="http://schemas.microsoft.com/office/powerpoint/2015/main" xmlns="" val="1"/>
                 </p:ext>
               </p:extLst>
             </p:nvPr>
@@ -13063,10 +13064,10 @@
             <p:cNvPr id="120" name="Freeform 36">
               <a:extLst>
                 <a:ext uri="{FF2B5EF4-FFF2-40B4-BE49-F238E27FC236}">
-                  <a16:creationId xmlns:a16="http://schemas.microsoft.com/office/drawing/2014/main" id="{5009FB1B-4865-45DB-8727-F012E3ACA55A}"/>
+                  <a16:creationId xmlns:a16="http://schemas.microsoft.com/office/drawing/2014/main" xmlns="" id="{5009FB1B-4865-45DB-8727-F012E3ACA55A}"/>
                 </a:ext>
                 <a:ext uri="{C183D7F6-B498-43B3-948B-1728B52AA6E4}">
-                  <adec:decorative xmlns:adec="http://schemas.microsoft.com/office/drawing/2017/decorative" val="1"/>
+                  <adec:decorative xmlns:adec="http://schemas.microsoft.com/office/drawing/2017/decorative" xmlns="" val="1"/>
                 </a:ext>
               </a:extLst>
             </p:cNvPr>
@@ -13074,7 +13075,7 @@
             <p:nvPr>
               <p:extLst>
                 <p:ext uri="{386F3935-93C4-4BCD-93E2-E3B085C9AB24}">
-                  <p16:designElem xmlns:p16="http://schemas.microsoft.com/office/powerpoint/2015/main" val="1"/>
+                  <p16:designElem xmlns:p16="http://schemas.microsoft.com/office/powerpoint/2015/main" xmlns="" val="1"/>
                 </p:ext>
               </p:extLst>
             </p:nvPr>
@@ -13145,10 +13146,10 @@
             <p:cNvPr id="121" name="Freeform 37">
               <a:extLst>
                 <a:ext uri="{FF2B5EF4-FFF2-40B4-BE49-F238E27FC236}">
-                  <a16:creationId xmlns:a16="http://schemas.microsoft.com/office/drawing/2014/main" id="{5B209B64-3A98-4B1A-857A-2368AFED67CD}"/>
+                  <a16:creationId xmlns:a16="http://schemas.microsoft.com/office/drawing/2014/main" xmlns="" id="{5B209B64-3A98-4B1A-857A-2368AFED67CD}"/>
                 </a:ext>
                 <a:ext uri="{C183D7F6-B498-43B3-948B-1728B52AA6E4}">
-                  <adec:decorative xmlns:adec="http://schemas.microsoft.com/office/drawing/2017/decorative" val="1"/>
+                  <adec:decorative xmlns:adec="http://schemas.microsoft.com/office/drawing/2017/decorative" xmlns="" val="1"/>
                 </a:ext>
               </a:extLst>
             </p:cNvPr>
@@ -13156,7 +13157,7 @@
             <p:nvPr>
               <p:extLst>
                 <p:ext uri="{386F3935-93C4-4BCD-93E2-E3B085C9AB24}">
-                  <p16:designElem xmlns:p16="http://schemas.microsoft.com/office/powerpoint/2015/main" val="1"/>
+                  <p16:designElem xmlns:p16="http://schemas.microsoft.com/office/powerpoint/2015/main" xmlns="" val="1"/>
                 </p:ext>
               </p:extLst>
             </p:nvPr>
@@ -13222,10 +13223,10 @@
             <p:cNvPr id="122" name="Freeform 38">
               <a:extLst>
                 <a:ext uri="{FF2B5EF4-FFF2-40B4-BE49-F238E27FC236}">
-                  <a16:creationId xmlns:a16="http://schemas.microsoft.com/office/drawing/2014/main" id="{EB3B5D03-7AE3-411C-A820-6844E7D0C614}"/>
+                  <a16:creationId xmlns:a16="http://schemas.microsoft.com/office/drawing/2014/main" xmlns="" id="{EB3B5D03-7AE3-411C-A820-6844E7D0C614}"/>
                 </a:ext>
                 <a:ext uri="{C183D7F6-B498-43B3-948B-1728B52AA6E4}">
-                  <adec:decorative xmlns:adec="http://schemas.microsoft.com/office/drawing/2017/decorative" val="1"/>
+                  <adec:decorative xmlns:adec="http://schemas.microsoft.com/office/drawing/2017/decorative" xmlns="" val="1"/>
                 </a:ext>
               </a:extLst>
             </p:cNvPr>
@@ -13233,7 +13234,7 @@
             <p:nvPr>
               <p:extLst>
                 <p:ext uri="{386F3935-93C4-4BCD-93E2-E3B085C9AB24}">
-                  <p16:designElem xmlns:p16="http://schemas.microsoft.com/office/powerpoint/2015/main" val="1"/>
+                  <p16:designElem xmlns:p16="http://schemas.microsoft.com/office/powerpoint/2015/main" xmlns="" val="1"/>
                 </p:ext>
               </p:extLst>
             </p:nvPr>
@@ -13305,10 +13306,10 @@
           <p:cNvPr id="124" name="Freeform 11">
             <a:extLst>
               <a:ext uri="{FF2B5EF4-FFF2-40B4-BE49-F238E27FC236}">
-                <a16:creationId xmlns:a16="http://schemas.microsoft.com/office/drawing/2014/main" id="{91328346-8BAD-4616-B50B-5CFDA5648D6A}"/>
+                <a16:creationId xmlns:a16="http://schemas.microsoft.com/office/drawing/2014/main" xmlns="" id="{91328346-8BAD-4616-B50B-5CFDA5648D6A}"/>
               </a:ext>
               <a:ext uri="{C183D7F6-B498-43B3-948B-1728B52AA6E4}">
-                <adec:decorative xmlns:adec="http://schemas.microsoft.com/office/drawing/2017/decorative" val="1"/>
+                <adec:decorative xmlns:adec="http://schemas.microsoft.com/office/drawing/2017/decorative" xmlns="" val="1"/>
               </a:ext>
             </a:extLst>
           </p:cNvPr>
@@ -13318,7 +13319,7 @@
           <p:nvPr>
             <p:extLst>
               <p:ext uri="{386F3935-93C4-4BCD-93E2-E3B085C9AB24}">
-                <p16:designElem xmlns:p16="http://schemas.microsoft.com/office/powerpoint/2015/main" val="1"/>
+                <p16:designElem xmlns:p16="http://schemas.microsoft.com/office/powerpoint/2015/main" xmlns="" val="1"/>
               </p:ext>
             </p:extLst>
           </p:nvPr>
@@ -13688,7 +13689,7 @@
           <p:cNvPr id="129" name="Espace réservé du numéro de diapositive 128">
             <a:extLst>
               <a:ext uri="{FF2B5EF4-FFF2-40B4-BE49-F238E27FC236}">
-                <a16:creationId xmlns:a16="http://schemas.microsoft.com/office/drawing/2014/main" id="{7E44094E-2B07-E6EC-A12B-60B066F8A738}"/>
+                <a16:creationId xmlns:a16="http://schemas.microsoft.com/office/drawing/2014/main" xmlns="" id="{7E44094E-2B07-E6EC-A12B-60B066F8A738}"/>
               </a:ext>
             </a:extLst>
           </p:cNvPr>
@@ -13727,6 +13728,13 @@
   <p:clrMapOvr>
     <a:masterClrMapping/>
   </p:clrMapOvr>
+  <p:timing>
+    <p:tnLst>
+      <p:par>
+        <p:cTn id="1" dur="indefinite" restart="never" nodeType="tmRoot"/>
+      </p:par>
+    </p:tnLst>
+  </p:timing>
 </p:sld>
 </file>
 
@@ -13752,7 +13760,7 @@
           <p:cNvPr id="2" name="Titre 1">
             <a:extLst>
               <a:ext uri="{FF2B5EF4-FFF2-40B4-BE49-F238E27FC236}">
-                <a16:creationId xmlns:a16="http://schemas.microsoft.com/office/drawing/2014/main" id="{7CBDACE7-3AA8-7FDF-6BCF-5D8E38B1130D}"/>
+                <a16:creationId xmlns:a16="http://schemas.microsoft.com/office/drawing/2014/main" xmlns="" id="{7CBDACE7-3AA8-7FDF-6BCF-5D8E38B1130D}"/>
               </a:ext>
             </a:extLst>
           </p:cNvPr>
@@ -13785,7 +13793,7 @@
           <p:cNvPr id="4" name="AutoShape 3">
             <a:extLst>
               <a:ext uri="{FF2B5EF4-FFF2-40B4-BE49-F238E27FC236}">
-                <a16:creationId xmlns:a16="http://schemas.microsoft.com/office/drawing/2014/main" id="{10469CB7-604C-90CF-12F2-43A4676F6A12}"/>
+                <a16:creationId xmlns:a16="http://schemas.microsoft.com/office/drawing/2014/main" xmlns="" id="{10469CB7-604C-90CF-12F2-43A4676F6A12}"/>
               </a:ext>
             </a:extLst>
           </p:cNvPr>
@@ -13843,7 +13851,7 @@
           <p:cNvPr id="5" name="Rectangle 5">
             <a:extLst>
               <a:ext uri="{FF2B5EF4-FFF2-40B4-BE49-F238E27FC236}">
-                <a16:creationId xmlns:a16="http://schemas.microsoft.com/office/drawing/2014/main" id="{00031F71-5717-8B24-E4E1-A1D5449A7F13}"/>
+                <a16:creationId xmlns:a16="http://schemas.microsoft.com/office/drawing/2014/main" xmlns="" id="{00031F71-5717-8B24-E4E1-A1D5449A7F13}"/>
               </a:ext>
             </a:extLst>
           </p:cNvPr>
@@ -13899,7 +13907,7 @@
           <p:cNvPr id="6" name="Rectangle 6">
             <a:extLst>
               <a:ext uri="{FF2B5EF4-FFF2-40B4-BE49-F238E27FC236}">
-                <a16:creationId xmlns:a16="http://schemas.microsoft.com/office/drawing/2014/main" id="{F72DD6BD-2A64-78DD-606F-A0BCD27E2519}"/>
+                <a16:creationId xmlns:a16="http://schemas.microsoft.com/office/drawing/2014/main" xmlns="" id="{F72DD6BD-2A64-78DD-606F-A0BCD27E2519}"/>
               </a:ext>
             </a:extLst>
           </p:cNvPr>
@@ -13955,7 +13963,7 @@
           <p:cNvPr id="7" name="Rectangle 7">
             <a:extLst>
               <a:ext uri="{FF2B5EF4-FFF2-40B4-BE49-F238E27FC236}">
-                <a16:creationId xmlns:a16="http://schemas.microsoft.com/office/drawing/2014/main" id="{38F0CF07-2A05-3AF4-3899-F57928E4A930}"/>
+                <a16:creationId xmlns:a16="http://schemas.microsoft.com/office/drawing/2014/main" xmlns="" id="{38F0CF07-2A05-3AF4-3899-F57928E4A930}"/>
               </a:ext>
             </a:extLst>
           </p:cNvPr>
@@ -14011,7 +14019,7 @@
           <p:cNvPr id="8" name="Rectangle 8">
             <a:extLst>
               <a:ext uri="{FF2B5EF4-FFF2-40B4-BE49-F238E27FC236}">
-                <a16:creationId xmlns:a16="http://schemas.microsoft.com/office/drawing/2014/main" id="{CD89BC00-3646-DD41-F177-0E34085DD6E5}"/>
+                <a16:creationId xmlns:a16="http://schemas.microsoft.com/office/drawing/2014/main" xmlns="" id="{CD89BC00-3646-DD41-F177-0E34085DD6E5}"/>
               </a:ext>
             </a:extLst>
           </p:cNvPr>
@@ -14067,7 +14075,7 @@
           <p:cNvPr id="9" name="Rectangle 9">
             <a:extLst>
               <a:ext uri="{FF2B5EF4-FFF2-40B4-BE49-F238E27FC236}">
-                <a16:creationId xmlns:a16="http://schemas.microsoft.com/office/drawing/2014/main" id="{EA5850C7-8921-D8B1-DBFA-308591470F80}"/>
+                <a16:creationId xmlns:a16="http://schemas.microsoft.com/office/drawing/2014/main" xmlns="" id="{EA5850C7-8921-D8B1-DBFA-308591470F80}"/>
               </a:ext>
             </a:extLst>
           </p:cNvPr>
@@ -14123,7 +14131,7 @@
           <p:cNvPr id="10" name="Rectangle 10">
             <a:extLst>
               <a:ext uri="{FF2B5EF4-FFF2-40B4-BE49-F238E27FC236}">
-                <a16:creationId xmlns:a16="http://schemas.microsoft.com/office/drawing/2014/main" id="{347474F9-DF40-6A4B-5B2B-386A15B1FAE2}"/>
+                <a16:creationId xmlns:a16="http://schemas.microsoft.com/office/drawing/2014/main" xmlns="" id="{347474F9-DF40-6A4B-5B2B-386A15B1FAE2}"/>
               </a:ext>
             </a:extLst>
           </p:cNvPr>
@@ -14179,7 +14187,7 @@
           <p:cNvPr id="11" name="Rectangle 11">
             <a:extLst>
               <a:ext uri="{FF2B5EF4-FFF2-40B4-BE49-F238E27FC236}">
-                <a16:creationId xmlns:a16="http://schemas.microsoft.com/office/drawing/2014/main" id="{517F2A90-84F8-318A-613A-C7DDD2D72774}"/>
+                <a16:creationId xmlns:a16="http://schemas.microsoft.com/office/drawing/2014/main" xmlns="" id="{517F2A90-84F8-318A-613A-C7DDD2D72774}"/>
               </a:ext>
             </a:extLst>
           </p:cNvPr>
@@ -14235,7 +14243,7 @@
           <p:cNvPr id="12" name="Rectangle 12">
             <a:extLst>
               <a:ext uri="{FF2B5EF4-FFF2-40B4-BE49-F238E27FC236}">
-                <a16:creationId xmlns:a16="http://schemas.microsoft.com/office/drawing/2014/main" id="{1DB4EB6B-572E-B1D0-09D7-64EF2FF9EC11}"/>
+                <a16:creationId xmlns:a16="http://schemas.microsoft.com/office/drawing/2014/main" xmlns="" id="{1DB4EB6B-572E-B1D0-09D7-64EF2FF9EC11}"/>
               </a:ext>
             </a:extLst>
           </p:cNvPr>
@@ -14291,7 +14299,7 @@
           <p:cNvPr id="13" name="Rectangle 13">
             <a:extLst>
               <a:ext uri="{FF2B5EF4-FFF2-40B4-BE49-F238E27FC236}">
-                <a16:creationId xmlns:a16="http://schemas.microsoft.com/office/drawing/2014/main" id="{8F5A7D96-49A1-2338-E57B-3A48827D4343}"/>
+                <a16:creationId xmlns:a16="http://schemas.microsoft.com/office/drawing/2014/main" xmlns="" id="{8F5A7D96-49A1-2338-E57B-3A48827D4343}"/>
               </a:ext>
             </a:extLst>
           </p:cNvPr>
@@ -14347,7 +14355,7 @@
           <p:cNvPr id="14" name="Rectangle 14">
             <a:extLst>
               <a:ext uri="{FF2B5EF4-FFF2-40B4-BE49-F238E27FC236}">
-                <a16:creationId xmlns:a16="http://schemas.microsoft.com/office/drawing/2014/main" id="{16C0339A-5911-7E02-7606-D0EFD26BFF3C}"/>
+                <a16:creationId xmlns:a16="http://schemas.microsoft.com/office/drawing/2014/main" xmlns="" id="{16C0339A-5911-7E02-7606-D0EFD26BFF3C}"/>
               </a:ext>
             </a:extLst>
           </p:cNvPr>
@@ -14403,7 +14411,7 @@
           <p:cNvPr id="15" name="Rectangle 15">
             <a:extLst>
               <a:ext uri="{FF2B5EF4-FFF2-40B4-BE49-F238E27FC236}">
-                <a16:creationId xmlns:a16="http://schemas.microsoft.com/office/drawing/2014/main" id="{AC3C82EC-B04D-93EA-0506-498814622FFB}"/>
+                <a16:creationId xmlns:a16="http://schemas.microsoft.com/office/drawing/2014/main" xmlns="" id="{AC3C82EC-B04D-93EA-0506-498814622FFB}"/>
               </a:ext>
             </a:extLst>
           </p:cNvPr>
@@ -14459,7 +14467,7 @@
           <p:cNvPr id="16" name="Rectangle 16">
             <a:extLst>
               <a:ext uri="{FF2B5EF4-FFF2-40B4-BE49-F238E27FC236}">
-                <a16:creationId xmlns:a16="http://schemas.microsoft.com/office/drawing/2014/main" id="{79AD10F1-B6F0-FB04-1529-34100D60867C}"/>
+                <a16:creationId xmlns:a16="http://schemas.microsoft.com/office/drawing/2014/main" xmlns="" id="{79AD10F1-B6F0-FB04-1529-34100D60867C}"/>
               </a:ext>
             </a:extLst>
           </p:cNvPr>
@@ -14515,7 +14523,7 @@
           <p:cNvPr id="17" name="Rectangle 17">
             <a:extLst>
               <a:ext uri="{FF2B5EF4-FFF2-40B4-BE49-F238E27FC236}">
-                <a16:creationId xmlns:a16="http://schemas.microsoft.com/office/drawing/2014/main" id="{C995C87D-FF31-B2B4-0BBA-9CEB6399E53D}"/>
+                <a16:creationId xmlns:a16="http://schemas.microsoft.com/office/drawing/2014/main" xmlns="" id="{C995C87D-FF31-B2B4-0BBA-9CEB6399E53D}"/>
               </a:ext>
             </a:extLst>
           </p:cNvPr>
@@ -14571,7 +14579,7 @@
           <p:cNvPr id="18" name="Rectangle 18">
             <a:extLst>
               <a:ext uri="{FF2B5EF4-FFF2-40B4-BE49-F238E27FC236}">
-                <a16:creationId xmlns:a16="http://schemas.microsoft.com/office/drawing/2014/main" id="{FF9180DF-0895-C6BD-00BE-BDB18CA4D976}"/>
+                <a16:creationId xmlns:a16="http://schemas.microsoft.com/office/drawing/2014/main" xmlns="" id="{FF9180DF-0895-C6BD-00BE-BDB18CA4D976}"/>
               </a:ext>
             </a:extLst>
           </p:cNvPr>
@@ -14627,7 +14635,7 @@
           <p:cNvPr id="19" name="Rectangle 19">
             <a:extLst>
               <a:ext uri="{FF2B5EF4-FFF2-40B4-BE49-F238E27FC236}">
-                <a16:creationId xmlns:a16="http://schemas.microsoft.com/office/drawing/2014/main" id="{5205990D-9F60-2789-CC57-8CACCABC8B5D}"/>
+                <a16:creationId xmlns:a16="http://schemas.microsoft.com/office/drawing/2014/main" xmlns="" id="{5205990D-9F60-2789-CC57-8CACCABC8B5D}"/>
               </a:ext>
             </a:extLst>
           </p:cNvPr>
@@ -14683,7 +14691,7 @@
           <p:cNvPr id="20" name="Rectangle 20">
             <a:extLst>
               <a:ext uri="{FF2B5EF4-FFF2-40B4-BE49-F238E27FC236}">
-                <a16:creationId xmlns:a16="http://schemas.microsoft.com/office/drawing/2014/main" id="{22CDCA76-9C23-10A9-185B-E51842E0DCA7}"/>
+                <a16:creationId xmlns:a16="http://schemas.microsoft.com/office/drawing/2014/main" xmlns="" id="{22CDCA76-9C23-10A9-185B-E51842E0DCA7}"/>
               </a:ext>
             </a:extLst>
           </p:cNvPr>
@@ -14739,7 +14747,7 @@
           <p:cNvPr id="21" name="Rectangle 21">
             <a:extLst>
               <a:ext uri="{FF2B5EF4-FFF2-40B4-BE49-F238E27FC236}">
-                <a16:creationId xmlns:a16="http://schemas.microsoft.com/office/drawing/2014/main" id="{EA340C5F-1D73-A7CF-618C-2692CC8A973A}"/>
+                <a16:creationId xmlns:a16="http://schemas.microsoft.com/office/drawing/2014/main" xmlns="" id="{EA340C5F-1D73-A7CF-618C-2692CC8A973A}"/>
               </a:ext>
             </a:extLst>
           </p:cNvPr>
@@ -14795,7 +14803,7 @@
           <p:cNvPr id="22" name="Rectangle 22">
             <a:extLst>
               <a:ext uri="{FF2B5EF4-FFF2-40B4-BE49-F238E27FC236}">
-                <a16:creationId xmlns:a16="http://schemas.microsoft.com/office/drawing/2014/main" id="{42B851CC-5661-7DFE-45B5-F9FCA54FFE4B}"/>
+                <a16:creationId xmlns:a16="http://schemas.microsoft.com/office/drawing/2014/main" xmlns="" id="{42B851CC-5661-7DFE-45B5-F9FCA54FFE4B}"/>
               </a:ext>
             </a:extLst>
           </p:cNvPr>
@@ -14851,7 +14859,7 @@
           <p:cNvPr id="23" name="Rectangle 23">
             <a:extLst>
               <a:ext uri="{FF2B5EF4-FFF2-40B4-BE49-F238E27FC236}">
-                <a16:creationId xmlns:a16="http://schemas.microsoft.com/office/drawing/2014/main" id="{36A57846-AEF1-F97D-07FF-A8E6EBD05633}"/>
+                <a16:creationId xmlns:a16="http://schemas.microsoft.com/office/drawing/2014/main" xmlns="" id="{36A57846-AEF1-F97D-07FF-A8E6EBD05633}"/>
               </a:ext>
             </a:extLst>
           </p:cNvPr>
@@ -14907,7 +14915,7 @@
           <p:cNvPr id="24" name="Rectangle 24">
             <a:extLst>
               <a:ext uri="{FF2B5EF4-FFF2-40B4-BE49-F238E27FC236}">
-                <a16:creationId xmlns:a16="http://schemas.microsoft.com/office/drawing/2014/main" id="{980052A7-2CD8-9E8D-8E4A-7AF1D7B370FD}"/>
+                <a16:creationId xmlns:a16="http://schemas.microsoft.com/office/drawing/2014/main" xmlns="" id="{980052A7-2CD8-9E8D-8E4A-7AF1D7B370FD}"/>
               </a:ext>
             </a:extLst>
           </p:cNvPr>
@@ -14963,7 +14971,7 @@
           <p:cNvPr id="25" name="Line 25">
             <a:extLst>
               <a:ext uri="{FF2B5EF4-FFF2-40B4-BE49-F238E27FC236}">
-                <a16:creationId xmlns:a16="http://schemas.microsoft.com/office/drawing/2014/main" id="{A0DFDF0B-C9F8-0C42-E0AD-9A0C68382C0A}"/>
+                <a16:creationId xmlns:a16="http://schemas.microsoft.com/office/drawing/2014/main" xmlns="" id="{A0DFDF0B-C9F8-0C42-E0AD-9A0C68382C0A}"/>
               </a:ext>
             </a:extLst>
           </p:cNvPr>
@@ -15018,7 +15026,7 @@
           <p:cNvPr id="26" name="Line 26">
             <a:extLst>
               <a:ext uri="{FF2B5EF4-FFF2-40B4-BE49-F238E27FC236}">
-                <a16:creationId xmlns:a16="http://schemas.microsoft.com/office/drawing/2014/main" id="{EC5EB631-85D7-CEBD-58CB-2B7DBC0D76B0}"/>
+                <a16:creationId xmlns:a16="http://schemas.microsoft.com/office/drawing/2014/main" xmlns="" id="{EC5EB631-85D7-CEBD-58CB-2B7DBC0D76B0}"/>
               </a:ext>
             </a:extLst>
           </p:cNvPr>
@@ -15073,7 +15081,7 @@
           <p:cNvPr id="27" name="Line 27">
             <a:extLst>
               <a:ext uri="{FF2B5EF4-FFF2-40B4-BE49-F238E27FC236}">
-                <a16:creationId xmlns:a16="http://schemas.microsoft.com/office/drawing/2014/main" id="{8ADC1C19-EC3F-69D5-F3F3-3FD62BF50E6D}"/>
+                <a16:creationId xmlns:a16="http://schemas.microsoft.com/office/drawing/2014/main" xmlns="" id="{8ADC1C19-EC3F-69D5-F3F3-3FD62BF50E6D}"/>
               </a:ext>
             </a:extLst>
           </p:cNvPr>
@@ -15128,7 +15136,7 @@
           <p:cNvPr id="28" name="Line 28">
             <a:extLst>
               <a:ext uri="{FF2B5EF4-FFF2-40B4-BE49-F238E27FC236}">
-                <a16:creationId xmlns:a16="http://schemas.microsoft.com/office/drawing/2014/main" id="{ED815FF3-9F56-CBA7-4A68-684F38163D8E}"/>
+                <a16:creationId xmlns:a16="http://schemas.microsoft.com/office/drawing/2014/main" xmlns="" id="{ED815FF3-9F56-CBA7-4A68-684F38163D8E}"/>
               </a:ext>
             </a:extLst>
           </p:cNvPr>
@@ -15183,7 +15191,7 @@
           <p:cNvPr id="29" name="Line 29">
             <a:extLst>
               <a:ext uri="{FF2B5EF4-FFF2-40B4-BE49-F238E27FC236}">
-                <a16:creationId xmlns:a16="http://schemas.microsoft.com/office/drawing/2014/main" id="{C1ECB917-BE92-5B67-58C5-BE197D53853B}"/>
+                <a16:creationId xmlns:a16="http://schemas.microsoft.com/office/drawing/2014/main" xmlns="" id="{C1ECB917-BE92-5B67-58C5-BE197D53853B}"/>
               </a:ext>
             </a:extLst>
           </p:cNvPr>
@@ -15238,7 +15246,7 @@
           <p:cNvPr id="30" name="Line 30">
             <a:extLst>
               <a:ext uri="{FF2B5EF4-FFF2-40B4-BE49-F238E27FC236}">
-                <a16:creationId xmlns:a16="http://schemas.microsoft.com/office/drawing/2014/main" id="{1D467F1B-88C0-3085-0047-E359E26DD978}"/>
+                <a16:creationId xmlns:a16="http://schemas.microsoft.com/office/drawing/2014/main" xmlns="" id="{1D467F1B-88C0-3085-0047-E359E26DD978}"/>
               </a:ext>
             </a:extLst>
           </p:cNvPr>
@@ -15293,7 +15301,7 @@
           <p:cNvPr id="31" name="Line 31">
             <a:extLst>
               <a:ext uri="{FF2B5EF4-FFF2-40B4-BE49-F238E27FC236}">
-                <a16:creationId xmlns:a16="http://schemas.microsoft.com/office/drawing/2014/main" id="{06440AE0-803C-5BCE-A7BF-E8839E768EB5}"/>
+                <a16:creationId xmlns:a16="http://schemas.microsoft.com/office/drawing/2014/main" xmlns="" id="{06440AE0-803C-5BCE-A7BF-E8839E768EB5}"/>
               </a:ext>
             </a:extLst>
           </p:cNvPr>
@@ -15348,7 +15356,7 @@
           <p:cNvPr id="32" name="Line 32">
             <a:extLst>
               <a:ext uri="{FF2B5EF4-FFF2-40B4-BE49-F238E27FC236}">
-                <a16:creationId xmlns:a16="http://schemas.microsoft.com/office/drawing/2014/main" id="{A6854ECB-7246-FDF0-1506-C539346342EA}"/>
+                <a16:creationId xmlns:a16="http://schemas.microsoft.com/office/drawing/2014/main" xmlns="" id="{A6854ECB-7246-FDF0-1506-C539346342EA}"/>
               </a:ext>
             </a:extLst>
           </p:cNvPr>
@@ -15403,7 +15411,7 @@
           <p:cNvPr id="33" name="Line 33">
             <a:extLst>
               <a:ext uri="{FF2B5EF4-FFF2-40B4-BE49-F238E27FC236}">
-                <a16:creationId xmlns:a16="http://schemas.microsoft.com/office/drawing/2014/main" id="{2722E451-C6A9-FDEB-2D0D-BD8B3877E4F9}"/>
+                <a16:creationId xmlns:a16="http://schemas.microsoft.com/office/drawing/2014/main" xmlns="" id="{2722E451-C6A9-FDEB-2D0D-BD8B3877E4F9}"/>
               </a:ext>
             </a:extLst>
           </p:cNvPr>
@@ -15458,7 +15466,7 @@
           <p:cNvPr id="34" name="Line 34">
             <a:extLst>
               <a:ext uri="{FF2B5EF4-FFF2-40B4-BE49-F238E27FC236}">
-                <a16:creationId xmlns:a16="http://schemas.microsoft.com/office/drawing/2014/main" id="{3FE288E1-F2FE-E597-AA97-1000C57D05BB}"/>
+                <a16:creationId xmlns:a16="http://schemas.microsoft.com/office/drawing/2014/main" xmlns="" id="{3FE288E1-F2FE-E597-AA97-1000C57D05BB}"/>
               </a:ext>
             </a:extLst>
           </p:cNvPr>
@@ -15513,7 +15521,7 @@
           <p:cNvPr id="35" name="Line 35">
             <a:extLst>
               <a:ext uri="{FF2B5EF4-FFF2-40B4-BE49-F238E27FC236}">
-                <a16:creationId xmlns:a16="http://schemas.microsoft.com/office/drawing/2014/main" id="{803C202D-7689-8520-7CFF-7A880894F512}"/>
+                <a16:creationId xmlns:a16="http://schemas.microsoft.com/office/drawing/2014/main" xmlns="" id="{803C202D-7689-8520-7CFF-7A880894F512}"/>
               </a:ext>
             </a:extLst>
           </p:cNvPr>
@@ -15568,7 +15576,7 @@
           <p:cNvPr id="36" name="Rectangle 36">
             <a:extLst>
               <a:ext uri="{FF2B5EF4-FFF2-40B4-BE49-F238E27FC236}">
-                <a16:creationId xmlns:a16="http://schemas.microsoft.com/office/drawing/2014/main" id="{841A0462-B29D-A304-DFD8-F632C3A91C5B}"/>
+                <a16:creationId xmlns:a16="http://schemas.microsoft.com/office/drawing/2014/main" xmlns="" id="{841A0462-B29D-A304-DFD8-F632C3A91C5B}"/>
               </a:ext>
             </a:extLst>
           </p:cNvPr>
@@ -15794,7 +15802,7 @@
           <p:cNvPr id="37" name="Rectangle 37">
             <a:extLst>
               <a:ext uri="{FF2B5EF4-FFF2-40B4-BE49-F238E27FC236}">
-                <a16:creationId xmlns:a16="http://schemas.microsoft.com/office/drawing/2014/main" id="{18ED6A4E-748C-AE58-B37E-CE24B441E253}"/>
+                <a16:creationId xmlns:a16="http://schemas.microsoft.com/office/drawing/2014/main" xmlns="" id="{18ED6A4E-748C-AE58-B37E-CE24B441E253}"/>
               </a:ext>
             </a:extLst>
           </p:cNvPr>
@@ -16020,7 +16028,7 @@
           <p:cNvPr id="38" name="Rectangle 38">
             <a:extLst>
               <a:ext uri="{FF2B5EF4-FFF2-40B4-BE49-F238E27FC236}">
-                <a16:creationId xmlns:a16="http://schemas.microsoft.com/office/drawing/2014/main" id="{18D5EB12-1559-28BE-0E22-8D9733A9F896}"/>
+                <a16:creationId xmlns:a16="http://schemas.microsoft.com/office/drawing/2014/main" xmlns="" id="{18D5EB12-1559-28BE-0E22-8D9733A9F896}"/>
               </a:ext>
             </a:extLst>
           </p:cNvPr>
@@ -16246,7 +16254,7 @@
           <p:cNvPr id="39" name="Rectangle 39">
             <a:extLst>
               <a:ext uri="{FF2B5EF4-FFF2-40B4-BE49-F238E27FC236}">
-                <a16:creationId xmlns:a16="http://schemas.microsoft.com/office/drawing/2014/main" id="{7D632E20-0EA2-DC64-0622-1A49BE461866}"/>
+                <a16:creationId xmlns:a16="http://schemas.microsoft.com/office/drawing/2014/main" xmlns="" id="{7D632E20-0EA2-DC64-0622-1A49BE461866}"/>
               </a:ext>
             </a:extLst>
           </p:cNvPr>
@@ -16472,7 +16480,7 @@
           <p:cNvPr id="40" name="Rectangle 40">
             <a:extLst>
               <a:ext uri="{FF2B5EF4-FFF2-40B4-BE49-F238E27FC236}">
-                <a16:creationId xmlns:a16="http://schemas.microsoft.com/office/drawing/2014/main" id="{16E15568-1A3F-AC0F-9A41-0205201C2C21}"/>
+                <a16:creationId xmlns:a16="http://schemas.microsoft.com/office/drawing/2014/main" xmlns="" id="{16E15568-1A3F-AC0F-9A41-0205201C2C21}"/>
               </a:ext>
             </a:extLst>
           </p:cNvPr>
@@ -16698,7 +16706,7 @@
           <p:cNvPr id="41" name="Rectangle 41">
             <a:extLst>
               <a:ext uri="{FF2B5EF4-FFF2-40B4-BE49-F238E27FC236}">
-                <a16:creationId xmlns:a16="http://schemas.microsoft.com/office/drawing/2014/main" id="{B33610D1-D7C9-0CEA-13A9-2A8460686F95}"/>
+                <a16:creationId xmlns:a16="http://schemas.microsoft.com/office/drawing/2014/main" xmlns="" id="{B33610D1-D7C9-0CEA-13A9-2A8460686F95}"/>
               </a:ext>
             </a:extLst>
           </p:cNvPr>
@@ -16924,7 +16932,7 @@
           <p:cNvPr id="42" name="Rectangle 42">
             <a:extLst>
               <a:ext uri="{FF2B5EF4-FFF2-40B4-BE49-F238E27FC236}">
-                <a16:creationId xmlns:a16="http://schemas.microsoft.com/office/drawing/2014/main" id="{F030AE62-20A4-29F2-8C05-C455E1346CB9}"/>
+                <a16:creationId xmlns:a16="http://schemas.microsoft.com/office/drawing/2014/main" xmlns="" id="{F030AE62-20A4-29F2-8C05-C455E1346CB9}"/>
               </a:ext>
             </a:extLst>
           </p:cNvPr>
@@ -17150,7 +17158,7 @@
           <p:cNvPr id="43" name="Rectangle 43">
             <a:extLst>
               <a:ext uri="{FF2B5EF4-FFF2-40B4-BE49-F238E27FC236}">
-                <a16:creationId xmlns:a16="http://schemas.microsoft.com/office/drawing/2014/main" id="{050BDD1C-FFA8-0C73-BCDF-D72F9D380F98}"/>
+                <a16:creationId xmlns:a16="http://schemas.microsoft.com/office/drawing/2014/main" xmlns="" id="{050BDD1C-FFA8-0C73-BCDF-D72F9D380F98}"/>
               </a:ext>
             </a:extLst>
           </p:cNvPr>
@@ -17376,7 +17384,7 @@
           <p:cNvPr id="44" name="Rectangle 44">
             <a:extLst>
               <a:ext uri="{FF2B5EF4-FFF2-40B4-BE49-F238E27FC236}">
-                <a16:creationId xmlns:a16="http://schemas.microsoft.com/office/drawing/2014/main" id="{8F077F8B-0AAB-E1AE-4932-BFEC8159D05F}"/>
+                <a16:creationId xmlns:a16="http://schemas.microsoft.com/office/drawing/2014/main" xmlns="" id="{8F077F8B-0AAB-E1AE-4932-BFEC8159D05F}"/>
               </a:ext>
             </a:extLst>
           </p:cNvPr>
@@ -17602,7 +17610,7 @@
           <p:cNvPr id="45" name="Rectangle 45">
             <a:extLst>
               <a:ext uri="{FF2B5EF4-FFF2-40B4-BE49-F238E27FC236}">
-                <a16:creationId xmlns:a16="http://schemas.microsoft.com/office/drawing/2014/main" id="{3B84226F-CC10-0361-3278-C3DE4F68BE27}"/>
+                <a16:creationId xmlns:a16="http://schemas.microsoft.com/office/drawing/2014/main" xmlns="" id="{3B84226F-CC10-0361-3278-C3DE4F68BE27}"/>
               </a:ext>
             </a:extLst>
           </p:cNvPr>
@@ -17828,7 +17836,7 @@
           <p:cNvPr id="46" name="Rectangle 46">
             <a:extLst>
               <a:ext uri="{FF2B5EF4-FFF2-40B4-BE49-F238E27FC236}">
-                <a16:creationId xmlns:a16="http://schemas.microsoft.com/office/drawing/2014/main" id="{CDFE15B2-CEF5-C741-5137-BFB81C943103}"/>
+                <a16:creationId xmlns:a16="http://schemas.microsoft.com/office/drawing/2014/main" xmlns="" id="{CDFE15B2-CEF5-C741-5137-BFB81C943103}"/>
               </a:ext>
             </a:extLst>
           </p:cNvPr>
@@ -18054,7 +18062,7 @@
           <p:cNvPr id="47" name="Rectangle 47">
             <a:extLst>
               <a:ext uri="{FF2B5EF4-FFF2-40B4-BE49-F238E27FC236}">
-                <a16:creationId xmlns:a16="http://schemas.microsoft.com/office/drawing/2014/main" id="{617766F4-50F5-83E3-3073-2A6EAFEE8AE3}"/>
+                <a16:creationId xmlns:a16="http://schemas.microsoft.com/office/drawing/2014/main" xmlns="" id="{617766F4-50F5-83E3-3073-2A6EAFEE8AE3}"/>
               </a:ext>
             </a:extLst>
           </p:cNvPr>
@@ -18280,7 +18288,7 @@
           <p:cNvPr id="48" name="Rectangle 48">
             <a:extLst>
               <a:ext uri="{FF2B5EF4-FFF2-40B4-BE49-F238E27FC236}">
-                <a16:creationId xmlns:a16="http://schemas.microsoft.com/office/drawing/2014/main" id="{D61FDC93-350D-44A7-DCFC-6A8F11E869B2}"/>
+                <a16:creationId xmlns:a16="http://schemas.microsoft.com/office/drawing/2014/main" xmlns="" id="{D61FDC93-350D-44A7-DCFC-6A8F11E869B2}"/>
               </a:ext>
             </a:extLst>
           </p:cNvPr>
@@ -18506,7 +18514,7 @@
           <p:cNvPr id="49" name="Rectangle 49">
             <a:extLst>
               <a:ext uri="{FF2B5EF4-FFF2-40B4-BE49-F238E27FC236}">
-                <a16:creationId xmlns:a16="http://schemas.microsoft.com/office/drawing/2014/main" id="{7EE1451A-E3ED-C688-E2E6-352E4B79844F}"/>
+                <a16:creationId xmlns:a16="http://schemas.microsoft.com/office/drawing/2014/main" xmlns="" id="{7EE1451A-E3ED-C688-E2E6-352E4B79844F}"/>
               </a:ext>
             </a:extLst>
           </p:cNvPr>
@@ -18732,7 +18740,7 @@
           <p:cNvPr id="50" name="Rectangle 50">
             <a:extLst>
               <a:ext uri="{FF2B5EF4-FFF2-40B4-BE49-F238E27FC236}">
-                <a16:creationId xmlns:a16="http://schemas.microsoft.com/office/drawing/2014/main" id="{9A5A8A76-CAE3-04A1-10E7-779DE9D691DC}"/>
+                <a16:creationId xmlns:a16="http://schemas.microsoft.com/office/drawing/2014/main" xmlns="" id="{9A5A8A76-CAE3-04A1-10E7-779DE9D691DC}"/>
               </a:ext>
             </a:extLst>
           </p:cNvPr>
@@ -18958,7 +18966,7 @@
           <p:cNvPr id="51" name="Rectangle 51">
             <a:extLst>
               <a:ext uri="{FF2B5EF4-FFF2-40B4-BE49-F238E27FC236}">
-                <a16:creationId xmlns:a16="http://schemas.microsoft.com/office/drawing/2014/main" id="{7D139177-4308-F2D8-9D5A-C14685641951}"/>
+                <a16:creationId xmlns:a16="http://schemas.microsoft.com/office/drawing/2014/main" xmlns="" id="{7D139177-4308-F2D8-9D5A-C14685641951}"/>
               </a:ext>
             </a:extLst>
           </p:cNvPr>
@@ -19184,7 +19192,7 @@
           <p:cNvPr id="52" name="Rectangle 52">
             <a:extLst>
               <a:ext uri="{FF2B5EF4-FFF2-40B4-BE49-F238E27FC236}">
-                <a16:creationId xmlns:a16="http://schemas.microsoft.com/office/drawing/2014/main" id="{F3874594-7444-EB55-E4D9-826E9850B818}"/>
+                <a16:creationId xmlns:a16="http://schemas.microsoft.com/office/drawing/2014/main" xmlns="" id="{F3874594-7444-EB55-E4D9-826E9850B818}"/>
               </a:ext>
             </a:extLst>
           </p:cNvPr>
@@ -19410,7 +19418,7 @@
           <p:cNvPr id="53" name="Rectangle 53">
             <a:extLst>
               <a:ext uri="{FF2B5EF4-FFF2-40B4-BE49-F238E27FC236}">
-                <a16:creationId xmlns:a16="http://schemas.microsoft.com/office/drawing/2014/main" id="{2475B466-F711-36B0-CEC5-ADC802C5F30A}"/>
+                <a16:creationId xmlns:a16="http://schemas.microsoft.com/office/drawing/2014/main" xmlns="" id="{2475B466-F711-36B0-CEC5-ADC802C5F30A}"/>
               </a:ext>
             </a:extLst>
           </p:cNvPr>
@@ -19636,7 +19644,7 @@
           <p:cNvPr id="54" name="Rectangle 54">
             <a:extLst>
               <a:ext uri="{FF2B5EF4-FFF2-40B4-BE49-F238E27FC236}">
-                <a16:creationId xmlns:a16="http://schemas.microsoft.com/office/drawing/2014/main" id="{95B36D0D-A629-944C-D4C6-EE04BCF19D97}"/>
+                <a16:creationId xmlns:a16="http://schemas.microsoft.com/office/drawing/2014/main" xmlns="" id="{95B36D0D-A629-944C-D4C6-EE04BCF19D97}"/>
               </a:ext>
             </a:extLst>
           </p:cNvPr>
@@ -19862,7 +19870,7 @@
           <p:cNvPr id="55" name="Rectangle 55">
             <a:extLst>
               <a:ext uri="{FF2B5EF4-FFF2-40B4-BE49-F238E27FC236}">
-                <a16:creationId xmlns:a16="http://schemas.microsoft.com/office/drawing/2014/main" id="{86418825-8C80-9F21-4916-FC0D68E30A38}"/>
+                <a16:creationId xmlns:a16="http://schemas.microsoft.com/office/drawing/2014/main" xmlns="" id="{86418825-8C80-9F21-4916-FC0D68E30A38}"/>
               </a:ext>
             </a:extLst>
           </p:cNvPr>
@@ -20088,7 +20096,7 @@
           <p:cNvPr id="56" name="Rectangle 56">
             <a:extLst>
               <a:ext uri="{FF2B5EF4-FFF2-40B4-BE49-F238E27FC236}">
-                <a16:creationId xmlns:a16="http://schemas.microsoft.com/office/drawing/2014/main" id="{6E5FC783-3F75-71BD-1B09-293BA4D79A0A}"/>
+                <a16:creationId xmlns:a16="http://schemas.microsoft.com/office/drawing/2014/main" xmlns="" id="{6E5FC783-3F75-71BD-1B09-293BA4D79A0A}"/>
               </a:ext>
             </a:extLst>
           </p:cNvPr>
@@ -20314,7 +20322,7 @@
           <p:cNvPr id="57" name="Rectangle 57">
             <a:extLst>
               <a:ext uri="{FF2B5EF4-FFF2-40B4-BE49-F238E27FC236}">
-                <a16:creationId xmlns:a16="http://schemas.microsoft.com/office/drawing/2014/main" id="{E3222FBD-0EA2-A4AE-E06A-9C34C13D37BA}"/>
+                <a16:creationId xmlns:a16="http://schemas.microsoft.com/office/drawing/2014/main" xmlns="" id="{E3222FBD-0EA2-A4AE-E06A-9C34C13D37BA}"/>
               </a:ext>
             </a:extLst>
           </p:cNvPr>
@@ -20540,7 +20548,7 @@
           <p:cNvPr id="58" name="Rectangle 58">
             <a:extLst>
               <a:ext uri="{FF2B5EF4-FFF2-40B4-BE49-F238E27FC236}">
-                <a16:creationId xmlns:a16="http://schemas.microsoft.com/office/drawing/2014/main" id="{2F144DE1-C712-20ED-7B77-B69C79259D71}"/>
+                <a16:creationId xmlns:a16="http://schemas.microsoft.com/office/drawing/2014/main" xmlns="" id="{2F144DE1-C712-20ED-7B77-B69C79259D71}"/>
               </a:ext>
             </a:extLst>
           </p:cNvPr>
@@ -20766,7 +20774,7 @@
           <p:cNvPr id="59" name="Rectangle 59">
             <a:extLst>
               <a:ext uri="{FF2B5EF4-FFF2-40B4-BE49-F238E27FC236}">
-                <a16:creationId xmlns:a16="http://schemas.microsoft.com/office/drawing/2014/main" id="{2AC0C376-4B5D-5ADA-6DB6-EEE80B05BFAF}"/>
+                <a16:creationId xmlns:a16="http://schemas.microsoft.com/office/drawing/2014/main" xmlns="" id="{2AC0C376-4B5D-5ADA-6DB6-EEE80B05BFAF}"/>
               </a:ext>
             </a:extLst>
           </p:cNvPr>
@@ -20992,7 +21000,7 @@
           <p:cNvPr id="60" name="Rectangle 60">
             <a:extLst>
               <a:ext uri="{FF2B5EF4-FFF2-40B4-BE49-F238E27FC236}">
-                <a16:creationId xmlns:a16="http://schemas.microsoft.com/office/drawing/2014/main" id="{525CD9B7-0B7A-5BD4-A5DD-2441D4DCA4E9}"/>
+                <a16:creationId xmlns:a16="http://schemas.microsoft.com/office/drawing/2014/main" xmlns="" id="{525CD9B7-0B7A-5BD4-A5DD-2441D4DCA4E9}"/>
               </a:ext>
             </a:extLst>
           </p:cNvPr>
@@ -21218,7 +21226,7 @@
           <p:cNvPr id="61" name="Rectangle 61">
             <a:extLst>
               <a:ext uri="{FF2B5EF4-FFF2-40B4-BE49-F238E27FC236}">
-                <a16:creationId xmlns:a16="http://schemas.microsoft.com/office/drawing/2014/main" id="{44B6777C-1931-8AA4-A7DC-A274F27CA26E}"/>
+                <a16:creationId xmlns:a16="http://schemas.microsoft.com/office/drawing/2014/main" xmlns="" id="{44B6777C-1931-8AA4-A7DC-A274F27CA26E}"/>
               </a:ext>
             </a:extLst>
           </p:cNvPr>
@@ -21444,7 +21452,7 @@
           <p:cNvPr id="62" name="Rectangle 62">
             <a:extLst>
               <a:ext uri="{FF2B5EF4-FFF2-40B4-BE49-F238E27FC236}">
-                <a16:creationId xmlns:a16="http://schemas.microsoft.com/office/drawing/2014/main" id="{30226D12-4527-451A-90BF-002D13705F34}"/>
+                <a16:creationId xmlns:a16="http://schemas.microsoft.com/office/drawing/2014/main" xmlns="" id="{30226D12-4527-451A-90BF-002D13705F34}"/>
               </a:ext>
             </a:extLst>
           </p:cNvPr>
@@ -21670,7 +21678,7 @@
           <p:cNvPr id="63" name="Rectangle 63">
             <a:extLst>
               <a:ext uri="{FF2B5EF4-FFF2-40B4-BE49-F238E27FC236}">
-                <a16:creationId xmlns:a16="http://schemas.microsoft.com/office/drawing/2014/main" id="{1B53DB6D-BA2F-EB88-E76D-B467DA7AAF53}"/>
+                <a16:creationId xmlns:a16="http://schemas.microsoft.com/office/drawing/2014/main" xmlns="" id="{1B53DB6D-BA2F-EB88-E76D-B467DA7AAF53}"/>
               </a:ext>
             </a:extLst>
           </p:cNvPr>
@@ -21896,7 +21904,7 @@
           <p:cNvPr id="64" name="Rectangle 64">
             <a:extLst>
               <a:ext uri="{FF2B5EF4-FFF2-40B4-BE49-F238E27FC236}">
-                <a16:creationId xmlns:a16="http://schemas.microsoft.com/office/drawing/2014/main" id="{BA539829-F727-9792-CB52-1FA73E7F0949}"/>
+                <a16:creationId xmlns:a16="http://schemas.microsoft.com/office/drawing/2014/main" xmlns="" id="{BA539829-F727-9792-CB52-1FA73E7F0949}"/>
               </a:ext>
             </a:extLst>
           </p:cNvPr>
@@ -22122,7 +22130,7 @@
           <p:cNvPr id="65" name="Rectangle 65">
             <a:extLst>
               <a:ext uri="{FF2B5EF4-FFF2-40B4-BE49-F238E27FC236}">
-                <a16:creationId xmlns:a16="http://schemas.microsoft.com/office/drawing/2014/main" id="{A2368D3C-7FBD-D123-7C89-B0470C28140A}"/>
+                <a16:creationId xmlns:a16="http://schemas.microsoft.com/office/drawing/2014/main" xmlns="" id="{A2368D3C-7FBD-D123-7C89-B0470C28140A}"/>
               </a:ext>
             </a:extLst>
           </p:cNvPr>
@@ -22348,7 +22356,7 @@
           <p:cNvPr id="66" name="Rectangle 66">
             <a:extLst>
               <a:ext uri="{FF2B5EF4-FFF2-40B4-BE49-F238E27FC236}">
-                <a16:creationId xmlns:a16="http://schemas.microsoft.com/office/drawing/2014/main" id="{B3F71307-A2CF-12D3-2943-917AC894C79D}"/>
+                <a16:creationId xmlns:a16="http://schemas.microsoft.com/office/drawing/2014/main" xmlns="" id="{B3F71307-A2CF-12D3-2943-917AC894C79D}"/>
               </a:ext>
             </a:extLst>
           </p:cNvPr>
@@ -22574,7 +22582,7 @@
           <p:cNvPr id="67" name="Rectangle 67">
             <a:extLst>
               <a:ext uri="{FF2B5EF4-FFF2-40B4-BE49-F238E27FC236}">
-                <a16:creationId xmlns:a16="http://schemas.microsoft.com/office/drawing/2014/main" id="{BFD0A606-8669-FF6E-B6BE-5391C7D23B88}"/>
+                <a16:creationId xmlns:a16="http://schemas.microsoft.com/office/drawing/2014/main" xmlns="" id="{BFD0A606-8669-FF6E-B6BE-5391C7D23B88}"/>
               </a:ext>
             </a:extLst>
           </p:cNvPr>
@@ -22800,7 +22808,7 @@
           <p:cNvPr id="68" name="Rectangle 68">
             <a:extLst>
               <a:ext uri="{FF2B5EF4-FFF2-40B4-BE49-F238E27FC236}">
-                <a16:creationId xmlns:a16="http://schemas.microsoft.com/office/drawing/2014/main" id="{DD79E703-4A9B-85A5-3C4C-F56D4F316EAA}"/>
+                <a16:creationId xmlns:a16="http://schemas.microsoft.com/office/drawing/2014/main" xmlns="" id="{DD79E703-4A9B-85A5-3C4C-F56D4F316EAA}"/>
               </a:ext>
             </a:extLst>
           </p:cNvPr>
@@ -23026,7 +23034,7 @@
           <p:cNvPr id="70" name="Espace réservé du numéro de diapositive 69">
             <a:extLst>
               <a:ext uri="{FF2B5EF4-FFF2-40B4-BE49-F238E27FC236}">
-                <a16:creationId xmlns:a16="http://schemas.microsoft.com/office/drawing/2014/main" id="{FF3B1220-767F-6D49-EE32-BA8D48AA6AB4}"/>
+                <a16:creationId xmlns:a16="http://schemas.microsoft.com/office/drawing/2014/main" xmlns="" id="{FF3B1220-767F-6D49-EE32-BA8D48AA6AB4}"/>
               </a:ext>
             </a:extLst>
           </p:cNvPr>
@@ -24001,7 +24009,7 @@
           <p:cNvPr id="2" name="Titre 1">
             <a:extLst>
               <a:ext uri="{FF2B5EF4-FFF2-40B4-BE49-F238E27FC236}">
-                <a16:creationId xmlns:a16="http://schemas.microsoft.com/office/drawing/2014/main" id="{4F696841-9266-CE2F-8987-C8128F4D1250}"/>
+                <a16:creationId xmlns:a16="http://schemas.microsoft.com/office/drawing/2014/main" xmlns="" id="{4F696841-9266-CE2F-8987-C8128F4D1250}"/>
               </a:ext>
             </a:extLst>
           </p:cNvPr>
@@ -24039,7 +24047,7 @@
           <p:cNvPr id="1026" name="Picture 2">
             <a:extLst>
               <a:ext uri="{FF2B5EF4-FFF2-40B4-BE49-F238E27FC236}">
-                <a16:creationId xmlns:a16="http://schemas.microsoft.com/office/drawing/2014/main" id="{E2C296D3-84C9-8771-9B72-70D7B0764A15}"/>
+                <a16:creationId xmlns:a16="http://schemas.microsoft.com/office/drawing/2014/main" xmlns="" id="{E2C296D3-84C9-8771-9B72-70D7B0764A15}"/>
               </a:ext>
             </a:extLst>
           </p:cNvPr>
@@ -24086,7 +24094,7 @@
           <p:cNvPr id="6" name="Rectangle 5">
             <a:extLst>
               <a:ext uri="{FF2B5EF4-FFF2-40B4-BE49-F238E27FC236}">
-                <a16:creationId xmlns:a16="http://schemas.microsoft.com/office/drawing/2014/main" id="{2C1D15D3-15AA-3532-B8C5-6A7D20CCFFF0}"/>
+                <a16:creationId xmlns:a16="http://schemas.microsoft.com/office/drawing/2014/main" xmlns="" id="{2C1D15D3-15AA-3532-B8C5-6A7D20CCFFF0}"/>
               </a:ext>
             </a:extLst>
           </p:cNvPr>
@@ -24138,7 +24146,7 @@
           <p:cNvPr id="8" name="Espace réservé du numéro de diapositive 7">
             <a:extLst>
               <a:ext uri="{FF2B5EF4-FFF2-40B4-BE49-F238E27FC236}">
-                <a16:creationId xmlns:a16="http://schemas.microsoft.com/office/drawing/2014/main" id="{02A5D419-072A-9418-1A76-2BC15D8299B5}"/>
+                <a16:creationId xmlns:a16="http://schemas.microsoft.com/office/drawing/2014/main" xmlns="" id="{02A5D419-072A-9418-1A76-2BC15D8299B5}"/>
               </a:ext>
             </a:extLst>
           </p:cNvPr>
@@ -24167,7 +24175,7 @@
           <p:cNvPr id="10" name="Rectangle 9">
             <a:extLst>
               <a:ext uri="{FF2B5EF4-FFF2-40B4-BE49-F238E27FC236}">
-                <a16:creationId xmlns:a16="http://schemas.microsoft.com/office/drawing/2014/main" id="{8B9B95E0-882D-21BE-B426-5B84E890E18A}"/>
+                <a16:creationId xmlns:a16="http://schemas.microsoft.com/office/drawing/2014/main" xmlns="" id="{8B9B95E0-882D-21BE-B426-5B84E890E18A}"/>
               </a:ext>
             </a:extLst>
           </p:cNvPr>
@@ -24219,7 +24227,7 @@
           <p:cNvPr id="11" name="Rectangle 10">
             <a:extLst>
               <a:ext uri="{FF2B5EF4-FFF2-40B4-BE49-F238E27FC236}">
-                <a16:creationId xmlns:a16="http://schemas.microsoft.com/office/drawing/2014/main" id="{AF0C9413-F8A5-83E6-7526-6644E0748C7C}"/>
+                <a16:creationId xmlns:a16="http://schemas.microsoft.com/office/drawing/2014/main" xmlns="" id="{AF0C9413-F8A5-83E6-7526-6644E0748C7C}"/>
               </a:ext>
             </a:extLst>
           </p:cNvPr>
@@ -24275,7 +24283,7 @@
           <p:cNvPr id="12" name="Rectangle 11">
             <a:extLst>
               <a:ext uri="{FF2B5EF4-FFF2-40B4-BE49-F238E27FC236}">
-                <a16:creationId xmlns:a16="http://schemas.microsoft.com/office/drawing/2014/main" id="{53D5AB21-4ABC-4C07-2292-48169D16B564}"/>
+                <a16:creationId xmlns:a16="http://schemas.microsoft.com/office/drawing/2014/main" xmlns="" id="{53D5AB21-4ABC-4C07-2292-48169D16B564}"/>
               </a:ext>
             </a:extLst>
           </p:cNvPr>
@@ -24327,7 +24335,7 @@
           <p:cNvPr id="9" name="Image 8">
             <a:extLst>
               <a:ext uri="{FF2B5EF4-FFF2-40B4-BE49-F238E27FC236}">
-                <a16:creationId xmlns:a16="http://schemas.microsoft.com/office/drawing/2014/main" id="{79747306-4086-9F4F-26B3-9C44C2079074}"/>
+                <a16:creationId xmlns:a16="http://schemas.microsoft.com/office/drawing/2014/main" xmlns="" id="{79747306-4086-9F4F-26B3-9C44C2079074}"/>
               </a:ext>
             </a:extLst>
           </p:cNvPr>
@@ -24629,7 +24637,7 @@
           <p:cNvPr id="66" name="AutoShape 59">
             <a:extLst>
               <a:ext uri="{FF2B5EF4-FFF2-40B4-BE49-F238E27FC236}">
-                <a16:creationId xmlns:a16="http://schemas.microsoft.com/office/drawing/2014/main" id="{328EAD5B-0BCB-D51E-171D-6C7679226DE8}"/>
+                <a16:creationId xmlns:a16="http://schemas.microsoft.com/office/drawing/2014/main" xmlns="" id="{328EAD5B-0BCB-D51E-171D-6C7679226DE8}"/>
               </a:ext>
             </a:extLst>
           </p:cNvPr>
@@ -24687,7 +24695,7 @@
           <p:cNvPr id="67" name="Rectangle 61">
             <a:extLst>
               <a:ext uri="{FF2B5EF4-FFF2-40B4-BE49-F238E27FC236}">
-                <a16:creationId xmlns:a16="http://schemas.microsoft.com/office/drawing/2014/main" id="{A7667E63-E101-1986-BAA7-D445881191BA}"/>
+                <a16:creationId xmlns:a16="http://schemas.microsoft.com/office/drawing/2014/main" xmlns="" id="{A7667E63-E101-1986-BAA7-D445881191BA}"/>
               </a:ext>
             </a:extLst>
           </p:cNvPr>
@@ -24743,7 +24751,7 @@
           <p:cNvPr id="68" name="Rectangle 62">
             <a:extLst>
               <a:ext uri="{FF2B5EF4-FFF2-40B4-BE49-F238E27FC236}">
-                <a16:creationId xmlns:a16="http://schemas.microsoft.com/office/drawing/2014/main" id="{488A1AB3-84BA-0638-2DD8-DD5A0BB617AB}"/>
+                <a16:creationId xmlns:a16="http://schemas.microsoft.com/office/drawing/2014/main" xmlns="" id="{488A1AB3-84BA-0638-2DD8-DD5A0BB617AB}"/>
               </a:ext>
             </a:extLst>
           </p:cNvPr>
@@ -24799,7 +24807,7 @@
           <p:cNvPr id="69" name="Rectangle 63">
             <a:extLst>
               <a:ext uri="{FF2B5EF4-FFF2-40B4-BE49-F238E27FC236}">
-                <a16:creationId xmlns:a16="http://schemas.microsoft.com/office/drawing/2014/main" id="{6237F1DA-6540-F088-E02C-DC80E8E2E3D3}"/>
+                <a16:creationId xmlns:a16="http://schemas.microsoft.com/office/drawing/2014/main" xmlns="" id="{6237F1DA-6540-F088-E02C-DC80E8E2E3D3}"/>
               </a:ext>
             </a:extLst>
           </p:cNvPr>
@@ -24855,7 +24863,7 @@
           <p:cNvPr id="70" name="Rectangle 64">
             <a:extLst>
               <a:ext uri="{FF2B5EF4-FFF2-40B4-BE49-F238E27FC236}">
-                <a16:creationId xmlns:a16="http://schemas.microsoft.com/office/drawing/2014/main" id="{7D9F8FF3-0561-713C-350C-DEF38E8886E9}"/>
+                <a16:creationId xmlns:a16="http://schemas.microsoft.com/office/drawing/2014/main" xmlns="" id="{7D9F8FF3-0561-713C-350C-DEF38E8886E9}"/>
               </a:ext>
             </a:extLst>
           </p:cNvPr>
@@ -24911,7 +24919,7 @@
           <p:cNvPr id="71" name="Rectangle 65">
             <a:extLst>
               <a:ext uri="{FF2B5EF4-FFF2-40B4-BE49-F238E27FC236}">
-                <a16:creationId xmlns:a16="http://schemas.microsoft.com/office/drawing/2014/main" id="{8BE07972-7774-CA24-BFEB-BF3282419DCB}"/>
+                <a16:creationId xmlns:a16="http://schemas.microsoft.com/office/drawing/2014/main" xmlns="" id="{8BE07972-7774-CA24-BFEB-BF3282419DCB}"/>
               </a:ext>
             </a:extLst>
           </p:cNvPr>
@@ -24967,7 +24975,7 @@
           <p:cNvPr id="72" name="Rectangle 66">
             <a:extLst>
               <a:ext uri="{FF2B5EF4-FFF2-40B4-BE49-F238E27FC236}">
-                <a16:creationId xmlns:a16="http://schemas.microsoft.com/office/drawing/2014/main" id="{B54F3E10-DFFF-D839-E9BA-22D002F213BD}"/>
+                <a16:creationId xmlns:a16="http://schemas.microsoft.com/office/drawing/2014/main" xmlns="" id="{B54F3E10-DFFF-D839-E9BA-22D002F213BD}"/>
               </a:ext>
             </a:extLst>
           </p:cNvPr>
@@ -25023,7 +25031,7 @@
           <p:cNvPr id="73" name="Rectangle 67">
             <a:extLst>
               <a:ext uri="{FF2B5EF4-FFF2-40B4-BE49-F238E27FC236}">
-                <a16:creationId xmlns:a16="http://schemas.microsoft.com/office/drawing/2014/main" id="{89347AE9-A862-31CE-A788-D5397F539D3D}"/>
+                <a16:creationId xmlns:a16="http://schemas.microsoft.com/office/drawing/2014/main" xmlns="" id="{89347AE9-A862-31CE-A788-D5397F539D3D}"/>
               </a:ext>
             </a:extLst>
           </p:cNvPr>
@@ -25079,7 +25087,7 @@
           <p:cNvPr id="74" name="Rectangle 68">
             <a:extLst>
               <a:ext uri="{FF2B5EF4-FFF2-40B4-BE49-F238E27FC236}">
-                <a16:creationId xmlns:a16="http://schemas.microsoft.com/office/drawing/2014/main" id="{1B61DA60-D159-F4B8-F1B9-77C2726744ED}"/>
+                <a16:creationId xmlns:a16="http://schemas.microsoft.com/office/drawing/2014/main" xmlns="" id="{1B61DA60-D159-F4B8-F1B9-77C2726744ED}"/>
               </a:ext>
             </a:extLst>
           </p:cNvPr>
@@ -25135,7 +25143,7 @@
           <p:cNvPr id="75" name="Rectangle 69">
             <a:extLst>
               <a:ext uri="{FF2B5EF4-FFF2-40B4-BE49-F238E27FC236}">
-                <a16:creationId xmlns:a16="http://schemas.microsoft.com/office/drawing/2014/main" id="{EF8F4C7B-8CE8-4A57-FB13-65942865977A}"/>
+                <a16:creationId xmlns:a16="http://schemas.microsoft.com/office/drawing/2014/main" xmlns="" id="{EF8F4C7B-8CE8-4A57-FB13-65942865977A}"/>
               </a:ext>
             </a:extLst>
           </p:cNvPr>
@@ -25191,7 +25199,7 @@
           <p:cNvPr id="76" name="Rectangle 70">
             <a:extLst>
               <a:ext uri="{FF2B5EF4-FFF2-40B4-BE49-F238E27FC236}">
-                <a16:creationId xmlns:a16="http://schemas.microsoft.com/office/drawing/2014/main" id="{6C6E703C-AC32-3558-850D-6B8567106C4B}"/>
+                <a16:creationId xmlns:a16="http://schemas.microsoft.com/office/drawing/2014/main" xmlns="" id="{6C6E703C-AC32-3558-850D-6B8567106C4B}"/>
               </a:ext>
             </a:extLst>
           </p:cNvPr>
@@ -25247,7 +25255,7 @@
           <p:cNvPr id="77" name="Rectangle 71">
             <a:extLst>
               <a:ext uri="{FF2B5EF4-FFF2-40B4-BE49-F238E27FC236}">
-                <a16:creationId xmlns:a16="http://schemas.microsoft.com/office/drawing/2014/main" id="{0533F202-A55E-B82C-781C-327DB8C96B29}"/>
+                <a16:creationId xmlns:a16="http://schemas.microsoft.com/office/drawing/2014/main" xmlns="" id="{0533F202-A55E-B82C-781C-327DB8C96B29}"/>
               </a:ext>
             </a:extLst>
           </p:cNvPr>
@@ -25303,7 +25311,7 @@
           <p:cNvPr id="78" name="Rectangle 72">
             <a:extLst>
               <a:ext uri="{FF2B5EF4-FFF2-40B4-BE49-F238E27FC236}">
-                <a16:creationId xmlns:a16="http://schemas.microsoft.com/office/drawing/2014/main" id="{470577BF-FEF3-C239-DF36-5FF931A24131}"/>
+                <a16:creationId xmlns:a16="http://schemas.microsoft.com/office/drawing/2014/main" xmlns="" id="{470577BF-FEF3-C239-DF36-5FF931A24131}"/>
               </a:ext>
             </a:extLst>
           </p:cNvPr>
@@ -25359,7 +25367,7 @@
           <p:cNvPr id="79" name="Rectangle 73">
             <a:extLst>
               <a:ext uri="{FF2B5EF4-FFF2-40B4-BE49-F238E27FC236}">
-                <a16:creationId xmlns:a16="http://schemas.microsoft.com/office/drawing/2014/main" id="{9060B2F1-8AEE-D98B-7115-09C61D5EC329}"/>
+                <a16:creationId xmlns:a16="http://schemas.microsoft.com/office/drawing/2014/main" xmlns="" id="{9060B2F1-8AEE-D98B-7115-09C61D5EC329}"/>
               </a:ext>
             </a:extLst>
           </p:cNvPr>
@@ -25415,7 +25423,7 @@
           <p:cNvPr id="80" name="Rectangle 74">
             <a:extLst>
               <a:ext uri="{FF2B5EF4-FFF2-40B4-BE49-F238E27FC236}">
-                <a16:creationId xmlns:a16="http://schemas.microsoft.com/office/drawing/2014/main" id="{7C2F0E00-455F-C405-9AE4-A0E334820FBA}"/>
+                <a16:creationId xmlns:a16="http://schemas.microsoft.com/office/drawing/2014/main" xmlns="" id="{7C2F0E00-455F-C405-9AE4-A0E334820FBA}"/>
               </a:ext>
             </a:extLst>
           </p:cNvPr>
@@ -25471,7 +25479,7 @@
           <p:cNvPr id="81" name="Rectangle 75">
             <a:extLst>
               <a:ext uri="{FF2B5EF4-FFF2-40B4-BE49-F238E27FC236}">
-                <a16:creationId xmlns:a16="http://schemas.microsoft.com/office/drawing/2014/main" id="{CB315A45-0E9E-FFFC-7711-3A2341A78099}"/>
+                <a16:creationId xmlns:a16="http://schemas.microsoft.com/office/drawing/2014/main" xmlns="" id="{CB315A45-0E9E-FFFC-7711-3A2341A78099}"/>
               </a:ext>
             </a:extLst>
           </p:cNvPr>
@@ -25527,7 +25535,7 @@
           <p:cNvPr id="82" name="Line 76">
             <a:extLst>
               <a:ext uri="{FF2B5EF4-FFF2-40B4-BE49-F238E27FC236}">
-                <a16:creationId xmlns:a16="http://schemas.microsoft.com/office/drawing/2014/main" id="{858A4811-66DA-EF1E-5752-EE5227D5CC5C}"/>
+                <a16:creationId xmlns:a16="http://schemas.microsoft.com/office/drawing/2014/main" xmlns="" id="{858A4811-66DA-EF1E-5752-EE5227D5CC5C}"/>
               </a:ext>
             </a:extLst>
           </p:cNvPr>
@@ -25582,7 +25590,7 @@
           <p:cNvPr id="83" name="Line 77">
             <a:extLst>
               <a:ext uri="{FF2B5EF4-FFF2-40B4-BE49-F238E27FC236}">
-                <a16:creationId xmlns:a16="http://schemas.microsoft.com/office/drawing/2014/main" id="{997E6F7D-2110-D555-D86A-2980142CF7A2}"/>
+                <a16:creationId xmlns:a16="http://schemas.microsoft.com/office/drawing/2014/main" xmlns="" id="{997E6F7D-2110-D555-D86A-2980142CF7A2}"/>
               </a:ext>
             </a:extLst>
           </p:cNvPr>
@@ -25637,7 +25645,7 @@
           <p:cNvPr id="84" name="Line 78">
             <a:extLst>
               <a:ext uri="{FF2B5EF4-FFF2-40B4-BE49-F238E27FC236}">
-                <a16:creationId xmlns:a16="http://schemas.microsoft.com/office/drawing/2014/main" id="{24D60790-B91D-8A4B-7146-2DDA7132B6EF}"/>
+                <a16:creationId xmlns:a16="http://schemas.microsoft.com/office/drawing/2014/main" xmlns="" id="{24D60790-B91D-8A4B-7146-2DDA7132B6EF}"/>
               </a:ext>
             </a:extLst>
           </p:cNvPr>
@@ -25692,7 +25700,7 @@
           <p:cNvPr id="85" name="Line 79">
             <a:extLst>
               <a:ext uri="{FF2B5EF4-FFF2-40B4-BE49-F238E27FC236}">
-                <a16:creationId xmlns:a16="http://schemas.microsoft.com/office/drawing/2014/main" id="{70F5E73A-F8C4-898C-6860-E5C91AC696E6}"/>
+                <a16:creationId xmlns:a16="http://schemas.microsoft.com/office/drawing/2014/main" xmlns="" id="{70F5E73A-F8C4-898C-6860-E5C91AC696E6}"/>
               </a:ext>
             </a:extLst>
           </p:cNvPr>
@@ -25747,7 +25755,7 @@
           <p:cNvPr id="86" name="Line 80">
             <a:extLst>
               <a:ext uri="{FF2B5EF4-FFF2-40B4-BE49-F238E27FC236}">
-                <a16:creationId xmlns:a16="http://schemas.microsoft.com/office/drawing/2014/main" id="{E4E6C09E-CC5E-CFAC-E10C-66FF679E4E79}"/>
+                <a16:creationId xmlns:a16="http://schemas.microsoft.com/office/drawing/2014/main" xmlns="" id="{E4E6C09E-CC5E-CFAC-E10C-66FF679E4E79}"/>
               </a:ext>
             </a:extLst>
           </p:cNvPr>
@@ -25802,7 +25810,7 @@
           <p:cNvPr id="87" name="Line 81">
             <a:extLst>
               <a:ext uri="{FF2B5EF4-FFF2-40B4-BE49-F238E27FC236}">
-                <a16:creationId xmlns:a16="http://schemas.microsoft.com/office/drawing/2014/main" id="{ACED7780-A470-F114-7DFE-D9474A6E870E}"/>
+                <a16:creationId xmlns:a16="http://schemas.microsoft.com/office/drawing/2014/main" xmlns="" id="{ACED7780-A470-F114-7DFE-D9474A6E870E}"/>
               </a:ext>
             </a:extLst>
           </p:cNvPr>
@@ -25857,7 +25865,7 @@
           <p:cNvPr id="88" name="Line 82">
             <a:extLst>
               <a:ext uri="{FF2B5EF4-FFF2-40B4-BE49-F238E27FC236}">
-                <a16:creationId xmlns:a16="http://schemas.microsoft.com/office/drawing/2014/main" id="{A3B1D088-0301-73EE-905E-2B67B7C27B93}"/>
+                <a16:creationId xmlns:a16="http://schemas.microsoft.com/office/drawing/2014/main" xmlns="" id="{A3B1D088-0301-73EE-905E-2B67B7C27B93}"/>
               </a:ext>
             </a:extLst>
           </p:cNvPr>
@@ -25912,7 +25920,7 @@
           <p:cNvPr id="89" name="Line 83">
             <a:extLst>
               <a:ext uri="{FF2B5EF4-FFF2-40B4-BE49-F238E27FC236}">
-                <a16:creationId xmlns:a16="http://schemas.microsoft.com/office/drawing/2014/main" id="{D0947412-2227-01E7-8F2F-8281D6D1CBD7}"/>
+                <a16:creationId xmlns:a16="http://schemas.microsoft.com/office/drawing/2014/main" xmlns="" id="{D0947412-2227-01E7-8F2F-8281D6D1CBD7}"/>
               </a:ext>
             </a:extLst>
           </p:cNvPr>
@@ -25967,7 +25975,7 @@
           <p:cNvPr id="90" name="Line 84">
             <a:extLst>
               <a:ext uri="{FF2B5EF4-FFF2-40B4-BE49-F238E27FC236}">
-                <a16:creationId xmlns:a16="http://schemas.microsoft.com/office/drawing/2014/main" id="{CFADFE3D-5CE8-43C8-2375-9BF0C98EB81B}"/>
+                <a16:creationId xmlns:a16="http://schemas.microsoft.com/office/drawing/2014/main" xmlns="" id="{CFADFE3D-5CE8-43C8-2375-9BF0C98EB81B}"/>
               </a:ext>
             </a:extLst>
           </p:cNvPr>
@@ -26022,7 +26030,7 @@
           <p:cNvPr id="91" name="Line 85">
             <a:extLst>
               <a:ext uri="{FF2B5EF4-FFF2-40B4-BE49-F238E27FC236}">
-                <a16:creationId xmlns:a16="http://schemas.microsoft.com/office/drawing/2014/main" id="{51E0284D-398F-F855-B2A9-1E468B79C1DB}"/>
+                <a16:creationId xmlns:a16="http://schemas.microsoft.com/office/drawing/2014/main" xmlns="" id="{51E0284D-398F-F855-B2A9-1E468B79C1DB}"/>
               </a:ext>
             </a:extLst>
           </p:cNvPr>
@@ -26077,7 +26085,7 @@
           <p:cNvPr id="92" name="Rectangle 86">
             <a:extLst>
               <a:ext uri="{FF2B5EF4-FFF2-40B4-BE49-F238E27FC236}">
-                <a16:creationId xmlns:a16="http://schemas.microsoft.com/office/drawing/2014/main" id="{1AF1259C-CB9A-5FD8-B895-9F24FE316E85}"/>
+                <a16:creationId xmlns:a16="http://schemas.microsoft.com/office/drawing/2014/main" xmlns="" id="{1AF1259C-CB9A-5FD8-B895-9F24FE316E85}"/>
               </a:ext>
             </a:extLst>
           </p:cNvPr>
@@ -26303,7 +26311,7 @@
           <p:cNvPr id="93" name="Rectangle 87">
             <a:extLst>
               <a:ext uri="{FF2B5EF4-FFF2-40B4-BE49-F238E27FC236}">
-                <a16:creationId xmlns:a16="http://schemas.microsoft.com/office/drawing/2014/main" id="{0679AA1F-02D0-EB3B-E3E8-FCD13D7074AF}"/>
+                <a16:creationId xmlns:a16="http://schemas.microsoft.com/office/drawing/2014/main" xmlns="" id="{0679AA1F-02D0-EB3B-E3E8-FCD13D7074AF}"/>
               </a:ext>
             </a:extLst>
           </p:cNvPr>
@@ -26529,7 +26537,7 @@
           <p:cNvPr id="94" name="Rectangle 88">
             <a:extLst>
               <a:ext uri="{FF2B5EF4-FFF2-40B4-BE49-F238E27FC236}">
-                <a16:creationId xmlns:a16="http://schemas.microsoft.com/office/drawing/2014/main" id="{4373468E-F1D0-7D0F-D423-017C61A05B9F}"/>
+                <a16:creationId xmlns:a16="http://schemas.microsoft.com/office/drawing/2014/main" xmlns="" id="{4373468E-F1D0-7D0F-D423-017C61A05B9F}"/>
               </a:ext>
             </a:extLst>
           </p:cNvPr>
@@ -26755,7 +26763,7 @@
           <p:cNvPr id="95" name="Rectangle 89">
             <a:extLst>
               <a:ext uri="{FF2B5EF4-FFF2-40B4-BE49-F238E27FC236}">
-                <a16:creationId xmlns:a16="http://schemas.microsoft.com/office/drawing/2014/main" id="{A90D0ADD-0514-54C2-9B83-49CC33074B84}"/>
+                <a16:creationId xmlns:a16="http://schemas.microsoft.com/office/drawing/2014/main" xmlns="" id="{A90D0ADD-0514-54C2-9B83-49CC33074B84}"/>
               </a:ext>
             </a:extLst>
           </p:cNvPr>
@@ -26981,7 +26989,7 @@
           <p:cNvPr id="96" name="Rectangle 90">
             <a:extLst>
               <a:ext uri="{FF2B5EF4-FFF2-40B4-BE49-F238E27FC236}">
-                <a16:creationId xmlns:a16="http://schemas.microsoft.com/office/drawing/2014/main" id="{DCC79845-EA16-500F-3DBA-72281498D784}"/>
+                <a16:creationId xmlns:a16="http://schemas.microsoft.com/office/drawing/2014/main" xmlns="" id="{DCC79845-EA16-500F-3DBA-72281498D784}"/>
               </a:ext>
             </a:extLst>
           </p:cNvPr>
@@ -27207,7 +27215,7 @@
           <p:cNvPr id="97" name="Rectangle 91">
             <a:extLst>
               <a:ext uri="{FF2B5EF4-FFF2-40B4-BE49-F238E27FC236}">
-                <a16:creationId xmlns:a16="http://schemas.microsoft.com/office/drawing/2014/main" id="{24639B2F-D365-EED8-B81C-FA9934B63188}"/>
+                <a16:creationId xmlns:a16="http://schemas.microsoft.com/office/drawing/2014/main" xmlns="" id="{24639B2F-D365-EED8-B81C-FA9934B63188}"/>
               </a:ext>
             </a:extLst>
           </p:cNvPr>
@@ -27433,7 +27441,7 @@
           <p:cNvPr id="98" name="Rectangle 92">
             <a:extLst>
               <a:ext uri="{FF2B5EF4-FFF2-40B4-BE49-F238E27FC236}">
-                <a16:creationId xmlns:a16="http://schemas.microsoft.com/office/drawing/2014/main" id="{9AB0216C-0886-387C-5BE7-F1B7540A20E1}"/>
+                <a16:creationId xmlns:a16="http://schemas.microsoft.com/office/drawing/2014/main" xmlns="" id="{9AB0216C-0886-387C-5BE7-F1B7540A20E1}"/>
               </a:ext>
             </a:extLst>
           </p:cNvPr>
@@ -27659,7 +27667,7 @@
           <p:cNvPr id="99" name="Rectangle 93">
             <a:extLst>
               <a:ext uri="{FF2B5EF4-FFF2-40B4-BE49-F238E27FC236}">
-                <a16:creationId xmlns:a16="http://schemas.microsoft.com/office/drawing/2014/main" id="{FBAEB285-2DE4-C91C-862E-5F347CF46E0A}"/>
+                <a16:creationId xmlns:a16="http://schemas.microsoft.com/office/drawing/2014/main" xmlns="" id="{FBAEB285-2DE4-C91C-862E-5F347CF46E0A}"/>
               </a:ext>
             </a:extLst>
           </p:cNvPr>
@@ -27885,7 +27893,7 @@
           <p:cNvPr id="100" name="Rectangle 94">
             <a:extLst>
               <a:ext uri="{FF2B5EF4-FFF2-40B4-BE49-F238E27FC236}">
-                <a16:creationId xmlns:a16="http://schemas.microsoft.com/office/drawing/2014/main" id="{D005F907-8EE4-94B5-4DA3-4BA314A9AA38}"/>
+                <a16:creationId xmlns:a16="http://schemas.microsoft.com/office/drawing/2014/main" xmlns="" id="{D005F907-8EE4-94B5-4DA3-4BA314A9AA38}"/>
               </a:ext>
             </a:extLst>
           </p:cNvPr>
@@ -28111,7 +28119,7 @@
           <p:cNvPr id="101" name="Rectangle 95">
             <a:extLst>
               <a:ext uri="{FF2B5EF4-FFF2-40B4-BE49-F238E27FC236}">
-                <a16:creationId xmlns:a16="http://schemas.microsoft.com/office/drawing/2014/main" id="{FE51D623-C738-F773-7E38-40903B9C8999}"/>
+                <a16:creationId xmlns:a16="http://schemas.microsoft.com/office/drawing/2014/main" xmlns="" id="{FE51D623-C738-F773-7E38-40903B9C8999}"/>
               </a:ext>
             </a:extLst>
           </p:cNvPr>
@@ -28337,7 +28345,7 @@
           <p:cNvPr id="102" name="Rectangle 96">
             <a:extLst>
               <a:ext uri="{FF2B5EF4-FFF2-40B4-BE49-F238E27FC236}">
-                <a16:creationId xmlns:a16="http://schemas.microsoft.com/office/drawing/2014/main" id="{40DB685D-4FEE-6507-9CD0-10069CCA397C}"/>
+                <a16:creationId xmlns:a16="http://schemas.microsoft.com/office/drawing/2014/main" xmlns="" id="{40DB685D-4FEE-6507-9CD0-10069CCA397C}"/>
               </a:ext>
             </a:extLst>
           </p:cNvPr>
@@ -28563,7 +28571,7 @@
           <p:cNvPr id="103" name="Rectangle 97">
             <a:extLst>
               <a:ext uri="{FF2B5EF4-FFF2-40B4-BE49-F238E27FC236}">
-                <a16:creationId xmlns:a16="http://schemas.microsoft.com/office/drawing/2014/main" id="{287466FA-92AC-8ABC-F517-B12745606F7B}"/>
+                <a16:creationId xmlns:a16="http://schemas.microsoft.com/office/drawing/2014/main" xmlns="" id="{287466FA-92AC-8ABC-F517-B12745606F7B}"/>
               </a:ext>
             </a:extLst>
           </p:cNvPr>
@@ -28789,7 +28797,7 @@
           <p:cNvPr id="104" name="Rectangle 98">
             <a:extLst>
               <a:ext uri="{FF2B5EF4-FFF2-40B4-BE49-F238E27FC236}">
-                <a16:creationId xmlns:a16="http://schemas.microsoft.com/office/drawing/2014/main" id="{35891FE3-C362-C292-14E5-2C3F6AFFAC1C}"/>
+                <a16:creationId xmlns:a16="http://schemas.microsoft.com/office/drawing/2014/main" xmlns="" id="{35891FE3-C362-C292-14E5-2C3F6AFFAC1C}"/>
               </a:ext>
             </a:extLst>
           </p:cNvPr>
@@ -29015,7 +29023,7 @@
           <p:cNvPr id="105" name="Rectangle 99">
             <a:extLst>
               <a:ext uri="{FF2B5EF4-FFF2-40B4-BE49-F238E27FC236}">
-                <a16:creationId xmlns:a16="http://schemas.microsoft.com/office/drawing/2014/main" id="{C28A3F7C-9C24-8316-5E48-2E924CE23D19}"/>
+                <a16:creationId xmlns:a16="http://schemas.microsoft.com/office/drawing/2014/main" xmlns="" id="{C28A3F7C-9C24-8316-5E48-2E924CE23D19}"/>
               </a:ext>
             </a:extLst>
           </p:cNvPr>
@@ -29241,7 +29249,7 @@
           <p:cNvPr id="106" name="Rectangle 100">
             <a:extLst>
               <a:ext uri="{FF2B5EF4-FFF2-40B4-BE49-F238E27FC236}">
-                <a16:creationId xmlns:a16="http://schemas.microsoft.com/office/drawing/2014/main" id="{55C89E1E-97AC-8D59-977B-CC142C02636E}"/>
+                <a16:creationId xmlns:a16="http://schemas.microsoft.com/office/drawing/2014/main" xmlns="" id="{55C89E1E-97AC-8D59-977B-CC142C02636E}"/>
               </a:ext>
             </a:extLst>
           </p:cNvPr>
@@ -29467,7 +29475,7 @@
           <p:cNvPr id="107" name="Rectangle 101">
             <a:extLst>
               <a:ext uri="{FF2B5EF4-FFF2-40B4-BE49-F238E27FC236}">
-                <a16:creationId xmlns:a16="http://schemas.microsoft.com/office/drawing/2014/main" id="{A68D4416-D072-40CC-BD1C-DE94672D0B6B}"/>
+                <a16:creationId xmlns:a16="http://schemas.microsoft.com/office/drawing/2014/main" xmlns="" id="{A68D4416-D072-40CC-BD1C-DE94672D0B6B}"/>
               </a:ext>
             </a:extLst>
           </p:cNvPr>
@@ -29693,7 +29701,7 @@
           <p:cNvPr id="108" name="Rectangle 102">
             <a:extLst>
               <a:ext uri="{FF2B5EF4-FFF2-40B4-BE49-F238E27FC236}">
-                <a16:creationId xmlns:a16="http://schemas.microsoft.com/office/drawing/2014/main" id="{4867D1E7-64C2-4EBE-9597-89792330D76C}"/>
+                <a16:creationId xmlns:a16="http://schemas.microsoft.com/office/drawing/2014/main" xmlns="" id="{4867D1E7-64C2-4EBE-9597-89792330D76C}"/>
               </a:ext>
             </a:extLst>
           </p:cNvPr>
@@ -29919,7 +29927,7 @@
           <p:cNvPr id="109" name="Rectangle 103">
             <a:extLst>
               <a:ext uri="{FF2B5EF4-FFF2-40B4-BE49-F238E27FC236}">
-                <a16:creationId xmlns:a16="http://schemas.microsoft.com/office/drawing/2014/main" id="{6D6C62FC-DAB1-BBDB-1AC9-2738D77B9229}"/>
+                <a16:creationId xmlns:a16="http://schemas.microsoft.com/office/drawing/2014/main" xmlns="" id="{6D6C62FC-DAB1-BBDB-1AC9-2738D77B9229}"/>
               </a:ext>
             </a:extLst>
           </p:cNvPr>
@@ -30145,7 +30153,7 @@
           <p:cNvPr id="110" name="Rectangle 104">
             <a:extLst>
               <a:ext uri="{FF2B5EF4-FFF2-40B4-BE49-F238E27FC236}">
-                <a16:creationId xmlns:a16="http://schemas.microsoft.com/office/drawing/2014/main" id="{87906244-576F-15F7-2B6C-7BFDBC76F249}"/>
+                <a16:creationId xmlns:a16="http://schemas.microsoft.com/office/drawing/2014/main" xmlns="" id="{87906244-576F-15F7-2B6C-7BFDBC76F249}"/>
               </a:ext>
             </a:extLst>
           </p:cNvPr>
@@ -30371,7 +30379,7 @@
           <p:cNvPr id="111" name="Rectangle 105">
             <a:extLst>
               <a:ext uri="{FF2B5EF4-FFF2-40B4-BE49-F238E27FC236}">
-                <a16:creationId xmlns:a16="http://schemas.microsoft.com/office/drawing/2014/main" id="{9BDAA546-E069-E729-159A-F8FD66373BCF}"/>
+                <a16:creationId xmlns:a16="http://schemas.microsoft.com/office/drawing/2014/main" xmlns="" id="{9BDAA546-E069-E729-159A-F8FD66373BCF}"/>
               </a:ext>
             </a:extLst>
           </p:cNvPr>
@@ -30597,7 +30605,7 @@
           <p:cNvPr id="112" name="Rectangle 106">
             <a:extLst>
               <a:ext uri="{FF2B5EF4-FFF2-40B4-BE49-F238E27FC236}">
-                <a16:creationId xmlns:a16="http://schemas.microsoft.com/office/drawing/2014/main" id="{204E0D30-6267-4509-1AF5-C6B6EBB3B55E}"/>
+                <a16:creationId xmlns:a16="http://schemas.microsoft.com/office/drawing/2014/main" xmlns="" id="{204E0D30-6267-4509-1AF5-C6B6EBB3B55E}"/>
               </a:ext>
             </a:extLst>
           </p:cNvPr>
@@ -30823,7 +30831,7 @@
           <p:cNvPr id="113" name="Rectangle 107">
             <a:extLst>
               <a:ext uri="{FF2B5EF4-FFF2-40B4-BE49-F238E27FC236}">
-                <a16:creationId xmlns:a16="http://schemas.microsoft.com/office/drawing/2014/main" id="{A329D5A7-5689-6638-8363-E2D249A370A5}"/>
+                <a16:creationId xmlns:a16="http://schemas.microsoft.com/office/drawing/2014/main" xmlns="" id="{A329D5A7-5689-6638-8363-E2D249A370A5}"/>
               </a:ext>
             </a:extLst>
           </p:cNvPr>
@@ -31049,7 +31057,7 @@
           <p:cNvPr id="114" name="Rectangle 108">
             <a:extLst>
               <a:ext uri="{FF2B5EF4-FFF2-40B4-BE49-F238E27FC236}">
-                <a16:creationId xmlns:a16="http://schemas.microsoft.com/office/drawing/2014/main" id="{6D75DD75-4A7B-6E11-8B56-66D55ABFDB69}"/>
+                <a16:creationId xmlns:a16="http://schemas.microsoft.com/office/drawing/2014/main" xmlns="" id="{6D75DD75-4A7B-6E11-8B56-66D55ABFDB69}"/>
               </a:ext>
             </a:extLst>
           </p:cNvPr>
@@ -31275,7 +31283,7 @@
           <p:cNvPr id="115" name="Rectangle 109">
             <a:extLst>
               <a:ext uri="{FF2B5EF4-FFF2-40B4-BE49-F238E27FC236}">
-                <a16:creationId xmlns:a16="http://schemas.microsoft.com/office/drawing/2014/main" id="{BAFA532E-C3B2-DD8D-2230-9C02C319A75F}"/>
+                <a16:creationId xmlns:a16="http://schemas.microsoft.com/office/drawing/2014/main" xmlns="" id="{BAFA532E-C3B2-DD8D-2230-9C02C319A75F}"/>
               </a:ext>
             </a:extLst>
           </p:cNvPr>
@@ -31501,7 +31509,7 @@
           <p:cNvPr id="116" name="Rectangle 110">
             <a:extLst>
               <a:ext uri="{FF2B5EF4-FFF2-40B4-BE49-F238E27FC236}">
-                <a16:creationId xmlns:a16="http://schemas.microsoft.com/office/drawing/2014/main" id="{500F727A-1616-FF1F-0F60-3541C10739FA}"/>
+                <a16:creationId xmlns:a16="http://schemas.microsoft.com/office/drawing/2014/main" xmlns="" id="{500F727A-1616-FF1F-0F60-3541C10739FA}"/>
               </a:ext>
             </a:extLst>
           </p:cNvPr>
@@ -31727,7 +31735,7 @@
           <p:cNvPr id="117" name="Rectangle 111">
             <a:extLst>
               <a:ext uri="{FF2B5EF4-FFF2-40B4-BE49-F238E27FC236}">
-                <a16:creationId xmlns:a16="http://schemas.microsoft.com/office/drawing/2014/main" id="{A585B43E-704B-9FAB-4A58-ACE530BD3941}"/>
+                <a16:creationId xmlns:a16="http://schemas.microsoft.com/office/drawing/2014/main" xmlns="" id="{A585B43E-704B-9FAB-4A58-ACE530BD3941}"/>
               </a:ext>
             </a:extLst>
           </p:cNvPr>
@@ -31953,7 +31961,7 @@
           <p:cNvPr id="118" name="Rectangle 112">
             <a:extLst>
               <a:ext uri="{FF2B5EF4-FFF2-40B4-BE49-F238E27FC236}">
-                <a16:creationId xmlns:a16="http://schemas.microsoft.com/office/drawing/2014/main" id="{2282AC02-63C1-A289-E468-0D7B92EEC919}"/>
+                <a16:creationId xmlns:a16="http://schemas.microsoft.com/office/drawing/2014/main" xmlns="" id="{2282AC02-63C1-A289-E468-0D7B92EEC919}"/>
               </a:ext>
             </a:extLst>
           </p:cNvPr>
@@ -32179,7 +32187,7 @@
           <p:cNvPr id="119" name="Rectangle 113">
             <a:extLst>
               <a:ext uri="{FF2B5EF4-FFF2-40B4-BE49-F238E27FC236}">
-                <a16:creationId xmlns:a16="http://schemas.microsoft.com/office/drawing/2014/main" id="{8F9AA65F-179F-B25C-D0A0-682E6C22C518}"/>
+                <a16:creationId xmlns:a16="http://schemas.microsoft.com/office/drawing/2014/main" xmlns="" id="{8F9AA65F-179F-B25C-D0A0-682E6C22C518}"/>
               </a:ext>
             </a:extLst>
           </p:cNvPr>
@@ -32405,7 +32413,7 @@
           <p:cNvPr id="120" name="Rectangle 114">
             <a:extLst>
               <a:ext uri="{FF2B5EF4-FFF2-40B4-BE49-F238E27FC236}">
-                <a16:creationId xmlns:a16="http://schemas.microsoft.com/office/drawing/2014/main" id="{16CA7217-C049-29CA-F3B0-53F707B28E5C}"/>
+                <a16:creationId xmlns:a16="http://schemas.microsoft.com/office/drawing/2014/main" xmlns="" id="{16CA7217-C049-29CA-F3B0-53F707B28E5C}"/>
               </a:ext>
             </a:extLst>
           </p:cNvPr>
@@ -32631,7 +32639,7 @@
           <p:cNvPr id="7" name="Espace réservé du numéro de diapositive 6">
             <a:extLst>
               <a:ext uri="{FF2B5EF4-FFF2-40B4-BE49-F238E27FC236}">
-                <a16:creationId xmlns:a16="http://schemas.microsoft.com/office/drawing/2014/main" id="{94AA9E33-0C7E-C64C-EA36-51E37CEBC9D6}"/>
+                <a16:creationId xmlns:a16="http://schemas.microsoft.com/office/drawing/2014/main" xmlns="" id="{94AA9E33-0C7E-C64C-EA36-51E37CEBC9D6}"/>
               </a:ext>
             </a:extLst>
           </p:cNvPr>
@@ -33548,7 +33556,7 @@
           <p:cNvPr id="54" name="Tableau 53">
             <a:extLst>
               <a:ext uri="{FF2B5EF4-FFF2-40B4-BE49-F238E27FC236}">
-                <a16:creationId xmlns:a16="http://schemas.microsoft.com/office/drawing/2014/main" id="{995B0A0C-53A2-5AD4-55DC-67E950F4E862}"/>
+                <a16:creationId xmlns:a16="http://schemas.microsoft.com/office/drawing/2014/main" xmlns="" id="{995B0A0C-53A2-5AD4-55DC-67E950F4E862}"/>
               </a:ext>
             </a:extLst>
           </p:cNvPr>
@@ -33577,21 +33585,21 @@
                 <a:gridCol w="2520281">
                   <a:extLst>
                     <a:ext uri="{9D8B030D-6E8A-4147-A177-3AD203B41FA5}">
-                      <a16:colId xmlns:a16="http://schemas.microsoft.com/office/drawing/2014/main" val="20000"/>
+                      <a16:colId xmlns:a16="http://schemas.microsoft.com/office/drawing/2014/main" xmlns="" val="20000"/>
                     </a:ext>
                   </a:extLst>
                 </a:gridCol>
                 <a:gridCol w="4464496">
                   <a:extLst>
                     <a:ext uri="{9D8B030D-6E8A-4147-A177-3AD203B41FA5}">
-                      <a16:colId xmlns:a16="http://schemas.microsoft.com/office/drawing/2014/main" val="20001"/>
+                      <a16:colId xmlns:a16="http://schemas.microsoft.com/office/drawing/2014/main" xmlns="" val="20001"/>
                     </a:ext>
                   </a:extLst>
                 </a:gridCol>
                 <a:gridCol w="1440159">
                   <a:extLst>
                     <a:ext uri="{9D8B030D-6E8A-4147-A177-3AD203B41FA5}">
-                      <a16:colId xmlns:a16="http://schemas.microsoft.com/office/drawing/2014/main" val="20002"/>
+                      <a16:colId xmlns:a16="http://schemas.microsoft.com/office/drawing/2014/main" xmlns="" val="20002"/>
                     </a:ext>
                   </a:extLst>
                 </a:gridCol>
@@ -33647,7 +33655,7 @@
                 </a:tc>
                 <a:extLst>
                   <a:ext uri="{0D108BD9-81ED-4DB2-BD59-A6C34878D82A}">
-                    <a16:rowId xmlns:a16="http://schemas.microsoft.com/office/drawing/2014/main" val="10000"/>
+                    <a16:rowId xmlns:a16="http://schemas.microsoft.com/office/drawing/2014/main" xmlns="" val="10000"/>
                   </a:ext>
                 </a:extLst>
               </a:tr>
@@ -33699,7 +33707,7 @@
                 </a:tc>
                 <a:extLst>
                   <a:ext uri="{0D108BD9-81ED-4DB2-BD59-A6C34878D82A}">
-                    <a16:rowId xmlns:a16="http://schemas.microsoft.com/office/drawing/2014/main" val="10001"/>
+                    <a16:rowId xmlns:a16="http://schemas.microsoft.com/office/drawing/2014/main" xmlns="" val="10001"/>
                   </a:ext>
                 </a:extLst>
               </a:tr>
@@ -33773,7 +33781,7 @@
                 </a:tc>
                 <a:extLst>
                   <a:ext uri="{0D108BD9-81ED-4DB2-BD59-A6C34878D82A}">
-                    <a16:rowId xmlns:a16="http://schemas.microsoft.com/office/drawing/2014/main" val="10002"/>
+                    <a16:rowId xmlns:a16="http://schemas.microsoft.com/office/drawing/2014/main" xmlns="" val="10002"/>
                   </a:ext>
                 </a:extLst>
               </a:tr>
@@ -33836,7 +33844,7 @@
                 </a:tc>
                 <a:extLst>
                   <a:ext uri="{0D108BD9-81ED-4DB2-BD59-A6C34878D82A}">
-                    <a16:rowId xmlns:a16="http://schemas.microsoft.com/office/drawing/2014/main" val="10003"/>
+                    <a16:rowId xmlns:a16="http://schemas.microsoft.com/office/drawing/2014/main" xmlns="" val="10003"/>
                   </a:ext>
                 </a:extLst>
               </a:tr>
@@ -33849,7 +33857,7 @@
           <p:cNvPr id="56" name="Espace réservé du numéro de diapositive 55">
             <a:extLst>
               <a:ext uri="{FF2B5EF4-FFF2-40B4-BE49-F238E27FC236}">
-                <a16:creationId xmlns:a16="http://schemas.microsoft.com/office/drawing/2014/main" id="{5463397A-A102-B80E-F38F-31950BE31ABB}"/>
+                <a16:creationId xmlns:a16="http://schemas.microsoft.com/office/drawing/2014/main" xmlns="" id="{5463397A-A102-B80E-F38F-31950BE31ABB}"/>
               </a:ext>
             </a:extLst>
           </p:cNvPr>
@@ -33883,6 +33891,13 @@
   <p:clrMapOvr>
     <a:masterClrMapping/>
   </p:clrMapOvr>
+  <p:timing>
+    <p:tnLst>
+      <p:par>
+        <p:cTn id="1" dur="indefinite" restart="never" nodeType="tmRoot"/>
+      </p:par>
+    </p:tnLst>
+  </p:timing>
 </p:sld>
 </file>
 
@@ -33933,7 +33948,7 @@
           <p:cNvPr id="6" name="Espace réservé du contenu 5">
             <a:extLst>
               <a:ext uri="{FF2B5EF4-FFF2-40B4-BE49-F238E27FC236}">
-                <a16:creationId xmlns:a16="http://schemas.microsoft.com/office/drawing/2014/main" id="{2CEF4690-91BC-76C4-E5F4-EEAF8BF2CF1E}"/>
+                <a16:creationId xmlns:a16="http://schemas.microsoft.com/office/drawing/2014/main" xmlns="" id="{2CEF4690-91BC-76C4-E5F4-EEAF8BF2CF1E}"/>
               </a:ext>
             </a:extLst>
           </p:cNvPr>
@@ -33967,7 +33982,7 @@
           <p:cNvPr id="5" name="Espace réservé du numéro de diapositive 4">
             <a:extLst>
               <a:ext uri="{FF2B5EF4-FFF2-40B4-BE49-F238E27FC236}">
-                <a16:creationId xmlns:a16="http://schemas.microsoft.com/office/drawing/2014/main" id="{A60ADAFC-C000-9A3E-BDAA-8FF0BB36311D}"/>
+                <a16:creationId xmlns:a16="http://schemas.microsoft.com/office/drawing/2014/main" xmlns="" id="{A60ADAFC-C000-9A3E-BDAA-8FF0BB36311D}"/>
               </a:ext>
             </a:extLst>
           </p:cNvPr>
@@ -34001,6 +34016,13 @@
   <p:clrMapOvr>
     <a:masterClrMapping/>
   </p:clrMapOvr>
+  <p:timing>
+    <p:tnLst>
+      <p:par>
+        <p:cTn id="1" dur="indefinite" restart="never" nodeType="tmRoot"/>
+      </p:par>
+    </p:tnLst>
+  </p:timing>
 </p:sld>
 </file>
 
@@ -34180,7 +34202,7 @@
           <p:cNvPr id="5" name="Espace réservé du numéro de diapositive 4">
             <a:extLst>
               <a:ext uri="{FF2B5EF4-FFF2-40B4-BE49-F238E27FC236}">
-                <a16:creationId xmlns:a16="http://schemas.microsoft.com/office/drawing/2014/main" id="{3D4AFB18-9052-83B5-D8F2-32B5B8AE40BC}"/>
+                <a16:creationId xmlns:a16="http://schemas.microsoft.com/office/drawing/2014/main" xmlns="" id="{3D4AFB18-9052-83B5-D8F2-32B5B8AE40BC}"/>
               </a:ext>
             </a:extLst>
           </p:cNvPr>
@@ -34214,6 +34236,13 @@
   <p:clrMapOvr>
     <a:masterClrMapping/>
   </p:clrMapOvr>
+  <p:timing>
+    <p:tnLst>
+      <p:par>
+        <p:cTn id="1" dur="indefinite" restart="never" nodeType="tmRoot"/>
+      </p:par>
+    </p:tnLst>
+  </p:timing>
 </p:sld>
 </file>
 
@@ -34290,7 +34319,7 @@
           <p:cNvPr id="6" name="Espace réservé du numéro de diapositive 5">
             <a:extLst>
               <a:ext uri="{FF2B5EF4-FFF2-40B4-BE49-F238E27FC236}">
-                <a16:creationId xmlns:a16="http://schemas.microsoft.com/office/drawing/2014/main" id="{38DBB1A2-8660-AF9D-EEBB-ADF8BFA3B0AF}"/>
+                <a16:creationId xmlns:a16="http://schemas.microsoft.com/office/drawing/2014/main" xmlns="" id="{38DBB1A2-8660-AF9D-EEBB-ADF8BFA3B0AF}"/>
               </a:ext>
             </a:extLst>
           </p:cNvPr>
@@ -34324,6 +34353,13 @@
   <p:clrMapOvr>
     <a:masterClrMapping/>
   </p:clrMapOvr>
+  <p:timing>
+    <p:tnLst>
+      <p:par>
+        <p:cTn id="1" dur="indefinite" restart="never" nodeType="tmRoot"/>
+      </p:par>
+    </p:tnLst>
+  </p:timing>
 </p:sld>
 </file>
 
@@ -34382,8 +34418,8 @@
         </p:nvSpPr>
         <p:spPr>
           <a:xfrm>
-            <a:off x="4067944" y="2420888"/>
-            <a:ext cx="4608512" cy="1440159"/>
+            <a:off x="4067944" y="2344701"/>
+            <a:ext cx="4824536" cy="1656184"/>
           </a:xfrm>
         </p:spPr>
         <p:txBody>
@@ -34419,7 +34455,7 @@
           <p:cNvPr id="1028" name="Picture 4" descr="Gros Plan Sur Tas De Pomme Pourrie Gâtée | Photo Premium">
             <a:extLst>
               <a:ext uri="{FF2B5EF4-FFF2-40B4-BE49-F238E27FC236}">
-                <a16:creationId xmlns:a16="http://schemas.microsoft.com/office/drawing/2014/main" id="{8EF69DE4-B18E-47BC-238A-09D3D5321882}"/>
+                <a16:creationId xmlns:a16="http://schemas.microsoft.com/office/drawing/2014/main" xmlns="" id="{8EF69DE4-B18E-47BC-238A-09D3D5321882}"/>
               </a:ext>
             </a:extLst>
           </p:cNvPr>
@@ -34443,8 +34479,8 @@
         </p:blipFill>
         <p:spPr bwMode="auto">
           <a:xfrm>
-            <a:off x="827584" y="4149080"/>
-            <a:ext cx="3450958" cy="2300040"/>
+            <a:off x="611560" y="2420888"/>
+            <a:ext cx="3234934" cy="2156061"/>
           </a:xfrm>
           <a:prstGeom prst="rect">
             <a:avLst/>
@@ -34466,7 +34502,7 @@
           <p:cNvPr id="5" name="Espace réservé du numéro de diapositive 4">
             <a:extLst>
               <a:ext uri="{FF2B5EF4-FFF2-40B4-BE49-F238E27FC236}">
-                <a16:creationId xmlns:a16="http://schemas.microsoft.com/office/drawing/2014/main" id="{E0F865A0-3351-E4DE-7F04-0CA63FB56039}"/>
+                <a16:creationId xmlns:a16="http://schemas.microsoft.com/office/drawing/2014/main" xmlns="" id="{E0F865A0-3351-E4DE-7F04-0CA63FB56039}"/>
               </a:ext>
             </a:extLst>
           </p:cNvPr>
@@ -34490,6 +34526,60 @@
           </a:p>
         </p:txBody>
       </p:sp>
+      <p:pic>
+        <p:nvPicPr>
+          <p:cNvPr id="1027" name="Picture 3"/>
+          <p:cNvPicPr>
+            <a:picLocks noChangeAspect="1" noChangeArrowheads="1"/>
+          </p:cNvPicPr>
+          <p:nvPr/>
+        </p:nvPicPr>
+        <p:blipFill>
+          <a:blip r:embed="rId4">
+            <a:extLst>
+              <a:ext uri="{28A0092B-C50C-407E-A947-70E740481C1C}">
+                <a14:useLocalDpi xmlns:a14="http://schemas.microsoft.com/office/drawing/2010/main" val="0"/>
+              </a:ext>
+            </a:extLst>
+          </a:blip>
+          <a:srcRect/>
+          <a:stretch>
+            <a:fillRect/>
+          </a:stretch>
+        </p:blipFill>
+        <p:spPr bwMode="auto">
+          <a:xfrm>
+            <a:off x="5065532" y="4077072"/>
+            <a:ext cx="3423168" cy="2277963"/>
+          </a:xfrm>
+          <a:prstGeom prst="rect">
+            <a:avLst/>
+          </a:prstGeom>
+          <a:noFill/>
+          <a:ln>
+            <a:noFill/>
+          </a:ln>
+          <a:extLst>
+            <a:ext uri="{909E8E84-426E-40DD-AFC4-6F175D3DCCD1}">
+              <a14:hiddenFill xmlns:a14="http://schemas.microsoft.com/office/drawing/2010/main">
+                <a:solidFill>
+                  <a:schemeClr val="accent1"/>
+                </a:solidFill>
+              </a14:hiddenFill>
+            </a:ext>
+            <a:ext uri="{91240B29-F687-4F45-9708-019B960494DF}">
+              <a14:hiddenLine xmlns:a14="http://schemas.microsoft.com/office/drawing/2010/main" w="9525">
+                <a:solidFill>
+                  <a:schemeClr val="tx1"/>
+                </a:solidFill>
+                <a:miter lim="800000"/>
+                <a:headEnd/>
+                <a:tailEnd/>
+              </a14:hiddenLine>
+            </a:ext>
+          </a:extLst>
+        </p:spPr>
+      </p:pic>
     </p:spTree>
     <p:extLst>
       <p:ext uri="{BB962C8B-B14F-4D97-AF65-F5344CB8AC3E}">
@@ -34500,6 +34590,13 @@
   <p:clrMapOvr>
     <a:masterClrMapping/>
   </p:clrMapOvr>
+  <p:timing>
+    <p:tnLst>
+      <p:par>
+        <p:cTn id="1" dur="indefinite" restart="never" nodeType="tmRoot"/>
+      </p:par>
+    </p:tnLst>
+  </p:timing>
 </p:sld>
 </file>
 
@@ -35295,7 +35392,7 @@
           <p:cNvPr id="8" name="Espace réservé du numéro de diapositive 7">
             <a:extLst>
               <a:ext uri="{FF2B5EF4-FFF2-40B4-BE49-F238E27FC236}">
-                <a16:creationId xmlns:a16="http://schemas.microsoft.com/office/drawing/2014/main" id="{6189510B-6FC8-50DE-CB06-ED7D680DF1D0}"/>
+                <a16:creationId xmlns:a16="http://schemas.microsoft.com/office/drawing/2014/main" xmlns="" id="{6189510B-6FC8-50DE-CB06-ED7D680DF1D0}"/>
               </a:ext>
             </a:extLst>
           </p:cNvPr>
@@ -35329,6 +35426,385 @@
   <p:clrMapOvr>
     <a:masterClrMapping/>
   </p:clrMapOvr>
+  <p:timing>
+    <p:tnLst>
+      <p:par>
+        <p:cTn id="1" dur="indefinite" restart="never" nodeType="tmRoot">
+          <p:childTnLst>
+            <p:seq concurrent="1" nextAc="seek">
+              <p:cTn id="2" dur="indefinite" nodeType="mainSeq">
+                <p:childTnLst>
+                  <p:par>
+                    <p:cTn id="3" fill="hold">
+                      <p:stCondLst>
+                        <p:cond delay="indefinite"/>
+                      </p:stCondLst>
+                      <p:childTnLst>
+                        <p:par>
+                          <p:cTn id="4" fill="hold">
+                            <p:stCondLst>
+                              <p:cond delay="0"/>
+                            </p:stCondLst>
+                            <p:childTnLst>
+                              <p:par>
+                                <p:cTn id="5" presetID="1" presetClass="entr" presetSubtype="0" fill="hold" nodeType="clickEffect">
+                                  <p:stCondLst>
+                                    <p:cond delay="0"/>
+                                  </p:stCondLst>
+                                  <p:childTnLst>
+                                    <p:set>
+                                      <p:cBhvr>
+                                        <p:cTn id="6" dur="1" fill="hold">
+                                          <p:stCondLst>
+                                            <p:cond delay="0"/>
+                                          </p:stCondLst>
+                                        </p:cTn>
+                                        <p:tgtEl>
+                                          <p:spTgt spid="4"/>
+                                        </p:tgtEl>
+                                        <p:attrNameLst>
+                                          <p:attrName>style.visibility</p:attrName>
+                                        </p:attrNameLst>
+                                      </p:cBhvr>
+                                      <p:to>
+                                        <p:strVal val="visible"/>
+                                      </p:to>
+                                    </p:set>
+                                  </p:childTnLst>
+                                </p:cTn>
+                              </p:par>
+                              <p:par>
+                                <p:cTn id="7" presetID="1" presetClass="entr" presetSubtype="0" fill="hold" grpId="0" nodeType="withEffect">
+                                  <p:stCondLst>
+                                    <p:cond delay="0"/>
+                                  </p:stCondLst>
+                                  <p:childTnLst>
+                                    <p:set>
+                                      <p:cBhvr>
+                                        <p:cTn id="8" dur="1" fill="hold">
+                                          <p:stCondLst>
+                                            <p:cond delay="0"/>
+                                          </p:stCondLst>
+                                        </p:cTn>
+                                        <p:tgtEl>
+                                          <p:spTgt spid="14"/>
+                                        </p:tgtEl>
+                                        <p:attrNameLst>
+                                          <p:attrName>style.visibility</p:attrName>
+                                        </p:attrNameLst>
+                                      </p:cBhvr>
+                                      <p:to>
+                                        <p:strVal val="visible"/>
+                                      </p:to>
+                                    </p:set>
+                                  </p:childTnLst>
+                                </p:cTn>
+                              </p:par>
+                            </p:childTnLst>
+                          </p:cTn>
+                        </p:par>
+                      </p:childTnLst>
+                    </p:cTn>
+                  </p:par>
+                  <p:par>
+                    <p:cTn id="9" fill="hold">
+                      <p:stCondLst>
+                        <p:cond delay="indefinite"/>
+                      </p:stCondLst>
+                      <p:childTnLst>
+                        <p:par>
+                          <p:cTn id="10" fill="hold">
+                            <p:stCondLst>
+                              <p:cond delay="0"/>
+                            </p:stCondLst>
+                            <p:childTnLst>
+                              <p:par>
+                                <p:cTn id="11" presetID="1" presetClass="entr" presetSubtype="0" fill="hold" nodeType="clickEffect">
+                                  <p:stCondLst>
+                                    <p:cond delay="0"/>
+                                  </p:stCondLst>
+                                  <p:childTnLst>
+                                    <p:set>
+                                      <p:cBhvr>
+                                        <p:cTn id="12" dur="1" fill="hold">
+                                          <p:stCondLst>
+                                            <p:cond delay="0"/>
+                                          </p:stCondLst>
+                                        </p:cTn>
+                                        <p:tgtEl>
+                                          <p:spTgt spid="5"/>
+                                        </p:tgtEl>
+                                        <p:attrNameLst>
+                                          <p:attrName>style.visibility</p:attrName>
+                                        </p:attrNameLst>
+                                      </p:cBhvr>
+                                      <p:to>
+                                        <p:strVal val="visible"/>
+                                      </p:to>
+                                    </p:set>
+                                  </p:childTnLst>
+                                </p:cTn>
+                              </p:par>
+                              <p:par>
+                                <p:cTn id="13" presetID="1" presetClass="entr" presetSubtype="0" fill="hold" grpId="0" nodeType="withEffect">
+                                  <p:stCondLst>
+                                    <p:cond delay="0"/>
+                                  </p:stCondLst>
+                                  <p:childTnLst>
+                                    <p:set>
+                                      <p:cBhvr>
+                                        <p:cTn id="14" dur="1" fill="hold">
+                                          <p:stCondLst>
+                                            <p:cond delay="0"/>
+                                          </p:stCondLst>
+                                        </p:cTn>
+                                        <p:tgtEl>
+                                          <p:spTgt spid="13"/>
+                                        </p:tgtEl>
+                                        <p:attrNameLst>
+                                          <p:attrName>style.visibility</p:attrName>
+                                        </p:attrNameLst>
+                                      </p:cBhvr>
+                                      <p:to>
+                                        <p:strVal val="visible"/>
+                                      </p:to>
+                                    </p:set>
+                                  </p:childTnLst>
+                                </p:cTn>
+                              </p:par>
+                            </p:childTnLst>
+                          </p:cTn>
+                        </p:par>
+                      </p:childTnLst>
+                    </p:cTn>
+                  </p:par>
+                  <p:par>
+                    <p:cTn id="15" fill="hold">
+                      <p:stCondLst>
+                        <p:cond delay="indefinite"/>
+                      </p:stCondLst>
+                      <p:childTnLst>
+                        <p:par>
+                          <p:cTn id="16" fill="hold">
+                            <p:stCondLst>
+                              <p:cond delay="0"/>
+                            </p:stCondLst>
+                            <p:childTnLst>
+                              <p:par>
+                                <p:cTn id="17" presetID="1" presetClass="entr" presetSubtype="0" fill="hold" grpId="0" nodeType="clickEffect">
+                                  <p:stCondLst>
+                                    <p:cond delay="0"/>
+                                  </p:stCondLst>
+                                  <p:childTnLst>
+                                    <p:set>
+                                      <p:cBhvr>
+                                        <p:cTn id="18" dur="1" fill="hold">
+                                          <p:stCondLst>
+                                            <p:cond delay="0"/>
+                                          </p:stCondLst>
+                                        </p:cTn>
+                                        <p:tgtEl>
+                                          <p:spTgt spid="3">
+                                            <p:txEl>
+                                              <p:pRg st="1" end="1"/>
+                                            </p:txEl>
+                                          </p:spTgt>
+                                        </p:tgtEl>
+                                        <p:attrNameLst>
+                                          <p:attrName>style.visibility</p:attrName>
+                                        </p:attrNameLst>
+                                      </p:cBhvr>
+                                      <p:to>
+                                        <p:strVal val="visible"/>
+                                      </p:to>
+                                    </p:set>
+                                  </p:childTnLst>
+                                </p:cTn>
+                              </p:par>
+                              <p:par>
+                                <p:cTn id="19" presetID="1" presetClass="entr" presetSubtype="0" fill="hold" grpId="0" nodeType="withEffect">
+                                  <p:stCondLst>
+                                    <p:cond delay="0"/>
+                                  </p:stCondLst>
+                                  <p:childTnLst>
+                                    <p:set>
+                                      <p:cBhvr>
+                                        <p:cTn id="20" dur="1" fill="hold">
+                                          <p:stCondLst>
+                                            <p:cond delay="0"/>
+                                          </p:stCondLst>
+                                        </p:cTn>
+                                        <p:tgtEl>
+                                          <p:spTgt spid="3">
+                                            <p:txEl>
+                                              <p:pRg st="0" end="0"/>
+                                            </p:txEl>
+                                          </p:spTgt>
+                                        </p:tgtEl>
+                                        <p:attrNameLst>
+                                          <p:attrName>style.visibility</p:attrName>
+                                        </p:attrNameLst>
+                                      </p:cBhvr>
+                                      <p:to>
+                                        <p:strVal val="visible"/>
+                                      </p:to>
+                                    </p:set>
+                                  </p:childTnLst>
+                                </p:cTn>
+                              </p:par>
+                              <p:par>
+                                <p:cTn id="21" presetID="1" presetClass="entr" presetSubtype="0" fill="hold" grpId="0" nodeType="withEffect">
+                                  <p:stCondLst>
+                                    <p:cond delay="0"/>
+                                  </p:stCondLst>
+                                  <p:childTnLst>
+                                    <p:set>
+                                      <p:cBhvr>
+                                        <p:cTn id="22" dur="1" fill="hold">
+                                          <p:stCondLst>
+                                            <p:cond delay="0"/>
+                                          </p:stCondLst>
+                                        </p:cTn>
+                                        <p:tgtEl>
+                                          <p:spTgt spid="3">
+                                            <p:txEl>
+                                              <p:pRg st="2" end="2"/>
+                                            </p:txEl>
+                                          </p:spTgt>
+                                        </p:tgtEl>
+                                        <p:attrNameLst>
+                                          <p:attrName>style.visibility</p:attrName>
+                                        </p:attrNameLst>
+                                      </p:cBhvr>
+                                      <p:to>
+                                        <p:strVal val="visible"/>
+                                      </p:to>
+                                    </p:set>
+                                  </p:childTnLst>
+                                </p:cTn>
+                              </p:par>
+                              <p:par>
+                                <p:cTn id="23" presetID="1" presetClass="entr" presetSubtype="0" fill="hold" grpId="0" nodeType="withEffect">
+                                  <p:stCondLst>
+                                    <p:cond delay="0"/>
+                                  </p:stCondLst>
+                                  <p:childTnLst>
+                                    <p:set>
+                                      <p:cBhvr>
+                                        <p:cTn id="24" dur="1" fill="hold">
+                                          <p:stCondLst>
+                                            <p:cond delay="0"/>
+                                          </p:stCondLst>
+                                        </p:cTn>
+                                        <p:tgtEl>
+                                          <p:spTgt spid="3">
+                                            <p:txEl>
+                                              <p:pRg st="3" end="3"/>
+                                            </p:txEl>
+                                          </p:spTgt>
+                                        </p:tgtEl>
+                                        <p:attrNameLst>
+                                          <p:attrName>style.visibility</p:attrName>
+                                        </p:attrNameLst>
+                                      </p:cBhvr>
+                                      <p:to>
+                                        <p:strVal val="visible"/>
+                                      </p:to>
+                                    </p:set>
+                                  </p:childTnLst>
+                                </p:cTn>
+                              </p:par>
+                              <p:par>
+                                <p:cTn id="25" presetID="1" presetClass="entr" presetSubtype="0" fill="hold" grpId="0" nodeType="withEffect">
+                                  <p:stCondLst>
+                                    <p:cond delay="0"/>
+                                  </p:stCondLst>
+                                  <p:childTnLst>
+                                    <p:set>
+                                      <p:cBhvr>
+                                        <p:cTn id="26" dur="1" fill="hold">
+                                          <p:stCondLst>
+                                            <p:cond delay="0"/>
+                                          </p:stCondLst>
+                                        </p:cTn>
+                                        <p:tgtEl>
+                                          <p:spTgt spid="3">
+                                            <p:txEl>
+                                              <p:pRg st="4" end="4"/>
+                                            </p:txEl>
+                                          </p:spTgt>
+                                        </p:tgtEl>
+                                        <p:attrNameLst>
+                                          <p:attrName>style.visibility</p:attrName>
+                                        </p:attrNameLst>
+                                      </p:cBhvr>
+                                      <p:to>
+                                        <p:strVal val="visible"/>
+                                      </p:to>
+                                    </p:set>
+                                  </p:childTnLst>
+                                </p:cTn>
+                              </p:par>
+                              <p:par>
+                                <p:cTn id="27" presetID="1" presetClass="entr" presetSubtype="0" fill="hold" nodeType="withEffect">
+                                  <p:stCondLst>
+                                    <p:cond delay="0"/>
+                                  </p:stCondLst>
+                                  <p:childTnLst>
+                                    <p:set>
+                                      <p:cBhvr>
+                                        <p:cTn id="28" dur="1" fill="hold">
+                                          <p:stCondLst>
+                                            <p:cond delay="0"/>
+                                          </p:stCondLst>
+                                        </p:cTn>
+                                        <p:tgtEl>
+                                          <p:spTgt spid="7"/>
+                                        </p:tgtEl>
+                                        <p:attrNameLst>
+                                          <p:attrName>style.visibility</p:attrName>
+                                        </p:attrNameLst>
+                                      </p:cBhvr>
+                                      <p:to>
+                                        <p:strVal val="visible"/>
+                                      </p:to>
+                                    </p:set>
+                                  </p:childTnLst>
+                                </p:cTn>
+                              </p:par>
+                            </p:childTnLst>
+                          </p:cTn>
+                        </p:par>
+                      </p:childTnLst>
+                    </p:cTn>
+                  </p:par>
+                </p:childTnLst>
+              </p:cTn>
+              <p:prevCondLst>
+                <p:cond evt="onPrev" delay="0">
+                  <p:tgtEl>
+                    <p:sldTgt/>
+                  </p:tgtEl>
+                </p:cond>
+              </p:prevCondLst>
+              <p:nextCondLst>
+                <p:cond evt="onNext" delay="0">
+                  <p:tgtEl>
+                    <p:sldTgt/>
+                  </p:tgtEl>
+                </p:cond>
+              </p:nextCondLst>
+            </p:seq>
+          </p:childTnLst>
+        </p:cTn>
+      </p:par>
+    </p:tnLst>
+    <p:bldLst>
+      <p:bldP spid="3" grpId="0" uiExpand="1" build="p"/>
+      <p:bldP spid="13" grpId="0"/>
+      <p:bldP spid="14" grpId="0"/>
+    </p:bldLst>
+  </p:timing>
 </p:sld>
 </file>
 
@@ -36089,7 +36565,7 @@
           <p:cNvPr id="10" name="Espace réservé du numéro de diapositive 9">
             <a:extLst>
               <a:ext uri="{FF2B5EF4-FFF2-40B4-BE49-F238E27FC236}">
-                <a16:creationId xmlns:a16="http://schemas.microsoft.com/office/drawing/2014/main" id="{D2763964-2188-21E5-7C0A-466DEE3D53BC}"/>
+                <a16:creationId xmlns:a16="http://schemas.microsoft.com/office/drawing/2014/main" xmlns="" id="{D2763964-2188-21E5-7C0A-466DEE3D53BC}"/>
               </a:ext>
             </a:extLst>
           </p:cNvPr>
@@ -36123,6 +36599,354 @@
   <p:clrMapOvr>
     <a:masterClrMapping/>
   </p:clrMapOvr>
+  <p:timing>
+    <p:tnLst>
+      <p:par>
+        <p:cTn id="1" dur="indefinite" restart="never" nodeType="tmRoot">
+          <p:childTnLst>
+            <p:seq concurrent="1" nextAc="seek">
+              <p:cTn id="2" dur="indefinite" nodeType="mainSeq">
+                <p:childTnLst>
+                  <p:par>
+                    <p:cTn id="3" fill="hold">
+                      <p:stCondLst>
+                        <p:cond delay="indefinite"/>
+                      </p:stCondLst>
+                      <p:childTnLst>
+                        <p:par>
+                          <p:cTn id="4" fill="hold">
+                            <p:stCondLst>
+                              <p:cond delay="0"/>
+                            </p:stCondLst>
+                            <p:childTnLst>
+                              <p:par>
+                                <p:cTn id="5" presetID="1" presetClass="entr" presetSubtype="0" fill="hold" grpId="0" nodeType="clickEffect">
+                                  <p:stCondLst>
+                                    <p:cond delay="0"/>
+                                  </p:stCondLst>
+                                  <p:childTnLst>
+                                    <p:set>
+                                      <p:cBhvr>
+                                        <p:cTn id="6" dur="1" fill="hold">
+                                          <p:stCondLst>
+                                            <p:cond delay="0"/>
+                                          </p:stCondLst>
+                                        </p:cTn>
+                                        <p:tgtEl>
+                                          <p:spTgt spid="3">
+                                            <p:txEl>
+                                              <p:pRg st="0" end="0"/>
+                                            </p:txEl>
+                                          </p:spTgt>
+                                        </p:tgtEl>
+                                        <p:attrNameLst>
+                                          <p:attrName>style.visibility</p:attrName>
+                                        </p:attrNameLst>
+                                      </p:cBhvr>
+                                      <p:to>
+                                        <p:strVal val="visible"/>
+                                      </p:to>
+                                    </p:set>
+                                  </p:childTnLst>
+                                </p:cTn>
+                              </p:par>
+                              <p:par>
+                                <p:cTn id="7" presetID="1" presetClass="entr" presetSubtype="0" fill="hold" grpId="0" nodeType="withEffect">
+                                  <p:stCondLst>
+                                    <p:cond delay="0"/>
+                                  </p:stCondLst>
+                                  <p:childTnLst>
+                                    <p:set>
+                                      <p:cBhvr>
+                                        <p:cTn id="8" dur="1" fill="hold">
+                                          <p:stCondLst>
+                                            <p:cond delay="0"/>
+                                          </p:stCondLst>
+                                        </p:cTn>
+                                        <p:tgtEl>
+                                          <p:spTgt spid="3">
+                                            <p:txEl>
+                                              <p:pRg st="1" end="1"/>
+                                            </p:txEl>
+                                          </p:spTgt>
+                                        </p:tgtEl>
+                                        <p:attrNameLst>
+                                          <p:attrName>style.visibility</p:attrName>
+                                        </p:attrNameLst>
+                                      </p:cBhvr>
+                                      <p:to>
+                                        <p:strVal val="visible"/>
+                                      </p:to>
+                                    </p:set>
+                                  </p:childTnLst>
+                                </p:cTn>
+                              </p:par>
+                              <p:par>
+                                <p:cTn id="9" presetID="1" presetClass="entr" presetSubtype="0" fill="hold" grpId="0" nodeType="withEffect">
+                                  <p:stCondLst>
+                                    <p:cond delay="0"/>
+                                  </p:stCondLst>
+                                  <p:childTnLst>
+                                    <p:set>
+                                      <p:cBhvr>
+                                        <p:cTn id="10" dur="1" fill="hold">
+                                          <p:stCondLst>
+                                            <p:cond delay="0"/>
+                                          </p:stCondLst>
+                                        </p:cTn>
+                                        <p:tgtEl>
+                                          <p:spTgt spid="3">
+                                            <p:txEl>
+                                              <p:pRg st="2" end="2"/>
+                                            </p:txEl>
+                                          </p:spTgt>
+                                        </p:tgtEl>
+                                        <p:attrNameLst>
+                                          <p:attrName>style.visibility</p:attrName>
+                                        </p:attrNameLst>
+                                      </p:cBhvr>
+                                      <p:to>
+                                        <p:strVal val="visible"/>
+                                      </p:to>
+                                    </p:set>
+                                  </p:childTnLst>
+                                </p:cTn>
+                              </p:par>
+                              <p:par>
+                                <p:cTn id="11" presetID="1" presetClass="entr" presetSubtype="0" fill="hold" grpId="0" nodeType="withEffect">
+                                  <p:stCondLst>
+                                    <p:cond delay="0"/>
+                                  </p:stCondLst>
+                                  <p:childTnLst>
+                                    <p:set>
+                                      <p:cBhvr>
+                                        <p:cTn id="12" dur="1" fill="hold">
+                                          <p:stCondLst>
+                                            <p:cond delay="0"/>
+                                          </p:stCondLst>
+                                        </p:cTn>
+                                        <p:tgtEl>
+                                          <p:spTgt spid="3">
+                                            <p:txEl>
+                                              <p:pRg st="3" end="3"/>
+                                            </p:txEl>
+                                          </p:spTgt>
+                                        </p:tgtEl>
+                                        <p:attrNameLst>
+                                          <p:attrName>style.visibility</p:attrName>
+                                        </p:attrNameLst>
+                                      </p:cBhvr>
+                                      <p:to>
+                                        <p:strVal val="visible"/>
+                                      </p:to>
+                                    </p:set>
+                                  </p:childTnLst>
+                                </p:cTn>
+                              </p:par>
+                              <p:par>
+                                <p:cTn id="13" presetID="1" presetClass="entr" presetSubtype="0" fill="hold" nodeType="withEffect">
+                                  <p:stCondLst>
+                                    <p:cond delay="0"/>
+                                  </p:stCondLst>
+                                  <p:childTnLst>
+                                    <p:set>
+                                      <p:cBhvr>
+                                        <p:cTn id="14" dur="1" fill="hold">
+                                          <p:stCondLst>
+                                            <p:cond delay="0"/>
+                                          </p:stCondLst>
+                                        </p:cTn>
+                                        <p:tgtEl>
+                                          <p:spTgt spid="4"/>
+                                        </p:tgtEl>
+                                        <p:attrNameLst>
+                                          <p:attrName>style.visibility</p:attrName>
+                                        </p:attrNameLst>
+                                      </p:cBhvr>
+                                      <p:to>
+                                        <p:strVal val="visible"/>
+                                      </p:to>
+                                    </p:set>
+                                  </p:childTnLst>
+                                </p:cTn>
+                              </p:par>
+                            </p:childTnLst>
+                          </p:cTn>
+                        </p:par>
+                      </p:childTnLst>
+                    </p:cTn>
+                  </p:par>
+                  <p:par>
+                    <p:cTn id="15" fill="hold">
+                      <p:stCondLst>
+                        <p:cond delay="indefinite"/>
+                      </p:stCondLst>
+                      <p:childTnLst>
+                        <p:par>
+                          <p:cTn id="16" fill="hold">
+                            <p:stCondLst>
+                              <p:cond delay="0"/>
+                            </p:stCondLst>
+                            <p:childTnLst>
+                              <p:par>
+                                <p:cTn id="17" presetID="1" presetClass="entr" presetSubtype="0" fill="hold" nodeType="clickEffect">
+                                  <p:stCondLst>
+                                    <p:cond delay="0"/>
+                                  </p:stCondLst>
+                                  <p:childTnLst>
+                                    <p:set>
+                                      <p:cBhvr>
+                                        <p:cTn id="18" dur="1" fill="hold">
+                                          <p:stCondLst>
+                                            <p:cond delay="0"/>
+                                          </p:stCondLst>
+                                        </p:cTn>
+                                        <p:tgtEl>
+                                          <p:spTgt spid="5"/>
+                                        </p:tgtEl>
+                                        <p:attrNameLst>
+                                          <p:attrName>style.visibility</p:attrName>
+                                        </p:attrNameLst>
+                                      </p:cBhvr>
+                                      <p:to>
+                                        <p:strVal val="visible"/>
+                                      </p:to>
+                                    </p:set>
+                                  </p:childTnLst>
+                                </p:cTn>
+                              </p:par>
+                              <p:par>
+                                <p:cTn id="19" presetID="1" presetClass="entr" presetSubtype="0" fill="hold" grpId="0" nodeType="withEffect">
+                                  <p:stCondLst>
+                                    <p:cond delay="0"/>
+                                  </p:stCondLst>
+                                  <p:childTnLst>
+                                    <p:set>
+                                      <p:cBhvr>
+                                        <p:cTn id="20" dur="1" fill="hold">
+                                          <p:stCondLst>
+                                            <p:cond delay="0"/>
+                                          </p:stCondLst>
+                                        </p:cTn>
+                                        <p:tgtEl>
+                                          <p:spTgt spid="6"/>
+                                        </p:tgtEl>
+                                        <p:attrNameLst>
+                                          <p:attrName>style.visibility</p:attrName>
+                                        </p:attrNameLst>
+                                      </p:cBhvr>
+                                      <p:to>
+                                        <p:strVal val="visible"/>
+                                      </p:to>
+                                    </p:set>
+                                  </p:childTnLst>
+                                </p:cTn>
+                              </p:par>
+                            </p:childTnLst>
+                          </p:cTn>
+                        </p:par>
+                      </p:childTnLst>
+                    </p:cTn>
+                  </p:par>
+                  <p:par>
+                    <p:cTn id="21" fill="hold">
+                      <p:stCondLst>
+                        <p:cond delay="indefinite"/>
+                      </p:stCondLst>
+                      <p:childTnLst>
+                        <p:par>
+                          <p:cTn id="22" fill="hold">
+                            <p:stCondLst>
+                              <p:cond delay="0"/>
+                            </p:stCondLst>
+                            <p:childTnLst>
+                              <p:par>
+                                <p:cTn id="23" presetID="1" presetClass="entr" presetSubtype="0" fill="hold" nodeType="clickEffect">
+                                  <p:stCondLst>
+                                    <p:cond delay="0"/>
+                                  </p:stCondLst>
+                                  <p:childTnLst>
+                                    <p:set>
+                                      <p:cBhvr>
+                                        <p:cTn id="24" dur="1" fill="hold">
+                                          <p:stCondLst>
+                                            <p:cond delay="0"/>
+                                          </p:stCondLst>
+                                        </p:cTn>
+                                        <p:tgtEl>
+                                          <p:spTgt spid="7"/>
+                                        </p:tgtEl>
+                                        <p:attrNameLst>
+                                          <p:attrName>style.visibility</p:attrName>
+                                        </p:attrNameLst>
+                                      </p:cBhvr>
+                                      <p:to>
+                                        <p:strVal val="visible"/>
+                                      </p:to>
+                                    </p:set>
+                                  </p:childTnLst>
+                                </p:cTn>
+                              </p:par>
+                              <p:par>
+                                <p:cTn id="25" presetID="1" presetClass="entr" presetSubtype="0" fill="hold" grpId="0" nodeType="withEffect">
+                                  <p:stCondLst>
+                                    <p:cond delay="0"/>
+                                  </p:stCondLst>
+                                  <p:childTnLst>
+                                    <p:set>
+                                      <p:cBhvr>
+                                        <p:cTn id="26" dur="1" fill="hold">
+                                          <p:stCondLst>
+                                            <p:cond delay="0"/>
+                                          </p:stCondLst>
+                                        </p:cTn>
+                                        <p:tgtEl>
+                                          <p:spTgt spid="8"/>
+                                        </p:tgtEl>
+                                        <p:attrNameLst>
+                                          <p:attrName>style.visibility</p:attrName>
+                                        </p:attrNameLst>
+                                      </p:cBhvr>
+                                      <p:to>
+                                        <p:strVal val="visible"/>
+                                      </p:to>
+                                    </p:set>
+                                  </p:childTnLst>
+                                </p:cTn>
+                              </p:par>
+                            </p:childTnLst>
+                          </p:cTn>
+                        </p:par>
+                      </p:childTnLst>
+                    </p:cTn>
+                  </p:par>
+                </p:childTnLst>
+              </p:cTn>
+              <p:prevCondLst>
+                <p:cond evt="onPrev" delay="0">
+                  <p:tgtEl>
+                    <p:sldTgt/>
+                  </p:tgtEl>
+                </p:cond>
+              </p:prevCondLst>
+              <p:nextCondLst>
+                <p:cond evt="onNext" delay="0">
+                  <p:tgtEl>
+                    <p:sldTgt/>
+                  </p:tgtEl>
+                </p:cond>
+              </p:nextCondLst>
+            </p:seq>
+          </p:childTnLst>
+        </p:cTn>
+      </p:par>
+    </p:tnLst>
+    <p:bldLst>
+      <p:bldP spid="3" grpId="0" uiExpand="1" build="p"/>
+      <p:bldP spid="6" grpId="0"/>
+      <p:bldP spid="8" grpId="0"/>
+    </p:bldLst>
+  </p:timing>
 </p:sld>
 </file>
 
@@ -36197,28 +37021,28 @@
                 <a:gridCol w="2237293">
                   <a:extLst>
                     <a:ext uri="{9D8B030D-6E8A-4147-A177-3AD203B41FA5}">
-                      <a16:colId xmlns:a16="http://schemas.microsoft.com/office/drawing/2014/main" val="20000"/>
+                      <a16:colId xmlns:a16="http://schemas.microsoft.com/office/drawing/2014/main" xmlns="" val="20000"/>
                     </a:ext>
                   </a:extLst>
                 </a:gridCol>
                 <a:gridCol w="2237293">
                   <a:extLst>
                     <a:ext uri="{9D8B030D-6E8A-4147-A177-3AD203B41FA5}">
-                      <a16:colId xmlns:a16="http://schemas.microsoft.com/office/drawing/2014/main" val="20001"/>
+                      <a16:colId xmlns:a16="http://schemas.microsoft.com/office/drawing/2014/main" xmlns="" val="20001"/>
                     </a:ext>
                   </a:extLst>
                 </a:gridCol>
                 <a:gridCol w="2237293">
                   <a:extLst>
                     <a:ext uri="{9D8B030D-6E8A-4147-A177-3AD203B41FA5}">
-                      <a16:colId xmlns:a16="http://schemas.microsoft.com/office/drawing/2014/main" val="20002"/>
+                      <a16:colId xmlns:a16="http://schemas.microsoft.com/office/drawing/2014/main" xmlns="" val="20002"/>
                     </a:ext>
                   </a:extLst>
                 </a:gridCol>
                 <a:gridCol w="2237293">
                   <a:extLst>
                     <a:ext uri="{9D8B030D-6E8A-4147-A177-3AD203B41FA5}">
-                      <a16:colId xmlns:a16="http://schemas.microsoft.com/office/drawing/2014/main" val="20003"/>
+                      <a16:colId xmlns:a16="http://schemas.microsoft.com/office/drawing/2014/main" xmlns="" val="20003"/>
                     </a:ext>
                   </a:extLst>
                 </a:gridCol>
@@ -36278,7 +37102,7 @@
                 </a:tc>
                 <a:extLst>
                   <a:ext uri="{0D108BD9-81ED-4DB2-BD59-A6C34878D82A}">
-                    <a16:rowId xmlns:a16="http://schemas.microsoft.com/office/drawing/2014/main" val="10000"/>
+                    <a16:rowId xmlns:a16="http://schemas.microsoft.com/office/drawing/2014/main" xmlns="" val="10000"/>
                   </a:ext>
                 </a:extLst>
               </a:tr>
@@ -36347,7 +37171,7 @@
                 </a:tc>
                 <a:extLst>
                   <a:ext uri="{0D108BD9-81ED-4DB2-BD59-A6C34878D82A}">
-                    <a16:rowId xmlns:a16="http://schemas.microsoft.com/office/drawing/2014/main" val="10001"/>
+                    <a16:rowId xmlns:a16="http://schemas.microsoft.com/office/drawing/2014/main" xmlns="" val="10001"/>
                   </a:ext>
                 </a:extLst>
               </a:tr>
@@ -36424,7 +37248,7 @@
                 </a:tc>
                 <a:extLst>
                   <a:ext uri="{0D108BD9-81ED-4DB2-BD59-A6C34878D82A}">
-                    <a16:rowId xmlns:a16="http://schemas.microsoft.com/office/drawing/2014/main" val="10002"/>
+                    <a16:rowId xmlns:a16="http://schemas.microsoft.com/office/drawing/2014/main" xmlns="" val="10002"/>
                   </a:ext>
                 </a:extLst>
               </a:tr>
@@ -36490,7 +37314,7 @@
                 </a:tc>
                 <a:extLst>
                   <a:ext uri="{0D108BD9-81ED-4DB2-BD59-A6C34878D82A}">
-                    <a16:rowId xmlns:a16="http://schemas.microsoft.com/office/drawing/2014/main" val="10003"/>
+                    <a16:rowId xmlns:a16="http://schemas.microsoft.com/office/drawing/2014/main" xmlns="" val="10003"/>
                   </a:ext>
                 </a:extLst>
               </a:tr>
@@ -36555,7 +37379,7 @@
                 </a:tc>
                 <a:extLst>
                   <a:ext uri="{0D108BD9-81ED-4DB2-BD59-A6C34878D82A}">
-                    <a16:rowId xmlns:a16="http://schemas.microsoft.com/office/drawing/2014/main" val="10004"/>
+                    <a16:rowId xmlns:a16="http://schemas.microsoft.com/office/drawing/2014/main" xmlns="" val="10004"/>
                   </a:ext>
                 </a:extLst>
               </a:tr>
@@ -36625,7 +37449,7 @@
                 </a:tc>
                 <a:extLst>
                   <a:ext uri="{0D108BD9-81ED-4DB2-BD59-A6C34878D82A}">
-                    <a16:rowId xmlns:a16="http://schemas.microsoft.com/office/drawing/2014/main" val="10005"/>
+                    <a16:rowId xmlns:a16="http://schemas.microsoft.com/office/drawing/2014/main" xmlns="" val="10005"/>
                   </a:ext>
                 </a:extLst>
               </a:tr>
@@ -36694,7 +37518,7 @@
                 </a:tc>
                 <a:extLst>
                   <a:ext uri="{0D108BD9-81ED-4DB2-BD59-A6C34878D82A}">
-                    <a16:rowId xmlns:a16="http://schemas.microsoft.com/office/drawing/2014/main" val="10006"/>
+                    <a16:rowId xmlns:a16="http://schemas.microsoft.com/office/drawing/2014/main" xmlns="" val="10006"/>
                   </a:ext>
                 </a:extLst>
               </a:tr>
@@ -36707,7 +37531,7 @@
           <p:cNvPr id="5" name="Espace réservé du numéro de diapositive 4">
             <a:extLst>
               <a:ext uri="{FF2B5EF4-FFF2-40B4-BE49-F238E27FC236}">
-                <a16:creationId xmlns:a16="http://schemas.microsoft.com/office/drawing/2014/main" id="{726F8C65-41CB-7716-D4C7-40FCAE513AFC}"/>
+                <a16:creationId xmlns:a16="http://schemas.microsoft.com/office/drawing/2014/main" xmlns="" id="{726F8C65-41CB-7716-D4C7-40FCAE513AFC}"/>
               </a:ext>
             </a:extLst>
           </p:cNvPr>
@@ -36741,6 +37565,13 @@
   <p:clrMapOvr>
     <a:masterClrMapping/>
   </p:clrMapOvr>
+  <p:timing>
+    <p:tnLst>
+      <p:par>
+        <p:cTn id="1" dur="indefinite" restart="never" nodeType="tmRoot"/>
+      </p:par>
+    </p:tnLst>
+  </p:timing>
 </p:sld>
 </file>
 
@@ -36766,7 +37597,7 @@
           <p:cNvPr id="10" name="Image 9">
             <a:extLst>
               <a:ext uri="{FF2B5EF4-FFF2-40B4-BE49-F238E27FC236}">
-                <a16:creationId xmlns:a16="http://schemas.microsoft.com/office/drawing/2014/main" id="{542004DD-9C2F-2F0E-305A-F444A54EF624}"/>
+                <a16:creationId xmlns:a16="http://schemas.microsoft.com/office/drawing/2014/main" xmlns="" id="{542004DD-9C2F-2F0E-305A-F444A54EF624}"/>
               </a:ext>
             </a:extLst>
           </p:cNvPr>
@@ -36802,7 +37633,7 @@
           <p:cNvPr id="2" name="Titre 1">
             <a:extLst>
               <a:ext uri="{FF2B5EF4-FFF2-40B4-BE49-F238E27FC236}">
-                <a16:creationId xmlns:a16="http://schemas.microsoft.com/office/drawing/2014/main" id="{1EACF213-D59C-9288-FB5F-62C2400433FB}"/>
+                <a16:creationId xmlns:a16="http://schemas.microsoft.com/office/drawing/2014/main" xmlns="" id="{1EACF213-D59C-9288-FB5F-62C2400433FB}"/>
               </a:ext>
             </a:extLst>
           </p:cNvPr>
@@ -36835,7 +37666,7 @@
           <p:cNvPr id="3" name="Espace réservé du contenu 2">
             <a:extLst>
               <a:ext uri="{FF2B5EF4-FFF2-40B4-BE49-F238E27FC236}">
-                <a16:creationId xmlns:a16="http://schemas.microsoft.com/office/drawing/2014/main" id="{B3955836-2051-F8CE-4A05-238116EE493F}"/>
+                <a16:creationId xmlns:a16="http://schemas.microsoft.com/office/drawing/2014/main" xmlns="" id="{B3955836-2051-F8CE-4A05-238116EE493F}"/>
               </a:ext>
             </a:extLst>
           </p:cNvPr>
@@ -36906,7 +37737,7 @@
           <p:cNvPr id="5" name="Image 4" descr="Une image contenant extérieur, personne, fruit&#10;&#10;Description générée automatiquement">
             <a:extLst>
               <a:ext uri="{FF2B5EF4-FFF2-40B4-BE49-F238E27FC236}">
-                <a16:creationId xmlns:a16="http://schemas.microsoft.com/office/drawing/2014/main" id="{71036AAC-65B4-9AF5-C94F-99DC8E836500}"/>
+                <a16:creationId xmlns:a16="http://schemas.microsoft.com/office/drawing/2014/main" xmlns="" id="{71036AAC-65B4-9AF5-C94F-99DC8E836500}"/>
               </a:ext>
             </a:extLst>
           </p:cNvPr>
@@ -36942,7 +37773,7 @@
           <p:cNvPr id="7" name="Image 6">
             <a:extLst>
               <a:ext uri="{FF2B5EF4-FFF2-40B4-BE49-F238E27FC236}">
-                <a16:creationId xmlns:a16="http://schemas.microsoft.com/office/drawing/2014/main" id="{68AB5712-7E0D-6A56-A47A-33D24F66E6CF}"/>
+                <a16:creationId xmlns:a16="http://schemas.microsoft.com/office/drawing/2014/main" xmlns="" id="{68AB5712-7E0D-6A56-A47A-33D24F66E6CF}"/>
               </a:ext>
             </a:extLst>
           </p:cNvPr>
@@ -36978,7 +37809,7 @@
           <p:cNvPr id="6" name="Espace réservé du contenu 2">
             <a:extLst>
               <a:ext uri="{FF2B5EF4-FFF2-40B4-BE49-F238E27FC236}">
-                <a16:creationId xmlns:a16="http://schemas.microsoft.com/office/drawing/2014/main" id="{A7C7FBA2-3D6B-63A5-BFBD-781828FB0982}"/>
+                <a16:creationId xmlns:a16="http://schemas.microsoft.com/office/drawing/2014/main" xmlns="" id="{A7C7FBA2-3D6B-63A5-BFBD-781828FB0982}"/>
               </a:ext>
             </a:extLst>
           </p:cNvPr>
@@ -37183,7 +38014,7 @@
           <p:cNvPr id="8" name="Espace réservé du contenu 2">
             <a:extLst>
               <a:ext uri="{FF2B5EF4-FFF2-40B4-BE49-F238E27FC236}">
-                <a16:creationId xmlns:a16="http://schemas.microsoft.com/office/drawing/2014/main" id="{77BF3A8B-D029-77BD-A74A-DD8CAD058544}"/>
+                <a16:creationId xmlns:a16="http://schemas.microsoft.com/office/drawing/2014/main" xmlns="" id="{77BF3A8B-D029-77BD-A74A-DD8CAD058544}"/>
               </a:ext>
             </a:extLst>
           </p:cNvPr>
@@ -37388,7 +38219,7 @@
           <p:cNvPr id="12" name="Image 11" descr="Une image contenant carte&#10;&#10;Description générée automatiquement">
             <a:extLst>
               <a:ext uri="{FF2B5EF4-FFF2-40B4-BE49-F238E27FC236}">
-                <a16:creationId xmlns:a16="http://schemas.microsoft.com/office/drawing/2014/main" id="{240E7089-2863-AEE8-D998-4798CDEF6E90}"/>
+                <a16:creationId xmlns:a16="http://schemas.microsoft.com/office/drawing/2014/main" xmlns="" id="{240E7089-2863-AEE8-D998-4798CDEF6E90}"/>
               </a:ext>
             </a:extLst>
           </p:cNvPr>
@@ -37424,7 +38255,7 @@
           <p:cNvPr id="9" name="Espace réservé du numéro de diapositive 8">
             <a:extLst>
               <a:ext uri="{FF2B5EF4-FFF2-40B4-BE49-F238E27FC236}">
-                <a16:creationId xmlns:a16="http://schemas.microsoft.com/office/drawing/2014/main" id="{B487A644-00CC-A3CF-0A6A-1E88C0815F13}"/>
+                <a16:creationId xmlns:a16="http://schemas.microsoft.com/office/drawing/2014/main" xmlns="" id="{B487A644-00CC-A3CF-0A6A-1E88C0815F13}"/>
               </a:ext>
             </a:extLst>
           </p:cNvPr>
@@ -37693,7 +38524,7 @@
           <p:cNvPr id="2" name="Titre 1">
             <a:extLst>
               <a:ext uri="{FF2B5EF4-FFF2-40B4-BE49-F238E27FC236}">
-                <a16:creationId xmlns:a16="http://schemas.microsoft.com/office/drawing/2014/main" id="{1EACF213-D59C-9288-FB5F-62C2400433FB}"/>
+                <a16:creationId xmlns:a16="http://schemas.microsoft.com/office/drawing/2014/main" xmlns="" id="{1EACF213-D59C-9288-FB5F-62C2400433FB}"/>
               </a:ext>
             </a:extLst>
           </p:cNvPr>
@@ -37726,7 +38557,7 @@
           <p:cNvPr id="9" name="Espace réservé du contenu 8">
             <a:extLst>
               <a:ext uri="{FF2B5EF4-FFF2-40B4-BE49-F238E27FC236}">
-                <a16:creationId xmlns:a16="http://schemas.microsoft.com/office/drawing/2014/main" id="{0D71E381-3735-AF25-5B3D-30AF17051F31}"/>
+                <a16:creationId xmlns:a16="http://schemas.microsoft.com/office/drawing/2014/main" xmlns="" id="{0D71E381-3735-AF25-5B3D-30AF17051F31}"/>
               </a:ext>
             </a:extLst>
           </p:cNvPr>
@@ -37767,7 +38598,7 @@
           <p:cNvPr id="16" name="Image 15">
             <a:extLst>
               <a:ext uri="{FF2B5EF4-FFF2-40B4-BE49-F238E27FC236}">
-                <a16:creationId xmlns:a16="http://schemas.microsoft.com/office/drawing/2014/main" id="{9292EFC3-E53A-A88A-A7B6-1D388904C169}"/>
+                <a16:creationId xmlns:a16="http://schemas.microsoft.com/office/drawing/2014/main" xmlns="" id="{9292EFC3-E53A-A88A-A7B6-1D388904C169}"/>
               </a:ext>
             </a:extLst>
           </p:cNvPr>
@@ -37803,7 +38634,7 @@
           <p:cNvPr id="19" name="Espace réservé du contenu 8">
             <a:extLst>
               <a:ext uri="{FF2B5EF4-FFF2-40B4-BE49-F238E27FC236}">
-                <a16:creationId xmlns:a16="http://schemas.microsoft.com/office/drawing/2014/main" id="{21D05938-2221-39D6-ACB4-C4212DF26612}"/>
+                <a16:creationId xmlns:a16="http://schemas.microsoft.com/office/drawing/2014/main" xmlns="" id="{21D05938-2221-39D6-ACB4-C4212DF26612}"/>
               </a:ext>
             </a:extLst>
           </p:cNvPr>
@@ -38009,7 +38840,7 @@
           <p:cNvPr id="20" name="Espace réservé du contenu 8">
             <a:extLst>
               <a:ext uri="{FF2B5EF4-FFF2-40B4-BE49-F238E27FC236}">
-                <a16:creationId xmlns:a16="http://schemas.microsoft.com/office/drawing/2014/main" id="{6FA9E4E7-608A-3992-EEC4-2B3025297EE0}"/>
+                <a16:creationId xmlns:a16="http://schemas.microsoft.com/office/drawing/2014/main" xmlns="" id="{6FA9E4E7-608A-3992-EEC4-2B3025297EE0}"/>
               </a:ext>
             </a:extLst>
           </p:cNvPr>
@@ -38215,7 +39046,7 @@
           <p:cNvPr id="22" name="Image 21" descr="Une image contenant silhouette, crépuscule&#10;&#10;Description générée automatiquement">
             <a:extLst>
               <a:ext uri="{FF2B5EF4-FFF2-40B4-BE49-F238E27FC236}">
-                <a16:creationId xmlns:a16="http://schemas.microsoft.com/office/drawing/2014/main" id="{3E2B26A6-C040-7037-088F-D663A0DAB1C7}"/>
+                <a16:creationId xmlns:a16="http://schemas.microsoft.com/office/drawing/2014/main" xmlns="" id="{3E2B26A6-C040-7037-088F-D663A0DAB1C7}"/>
               </a:ext>
             </a:extLst>
           </p:cNvPr>
@@ -38251,7 +39082,7 @@
           <p:cNvPr id="24" name="Image 23" descr="Une image contenant image&#10;&#10;Description générée automatiquement">
             <a:extLst>
               <a:ext uri="{FF2B5EF4-FFF2-40B4-BE49-F238E27FC236}">
-                <a16:creationId xmlns:a16="http://schemas.microsoft.com/office/drawing/2014/main" id="{2AE3D855-C184-2CAB-3F07-9A992AC80ABD}"/>
+                <a16:creationId xmlns:a16="http://schemas.microsoft.com/office/drawing/2014/main" xmlns="" id="{2AE3D855-C184-2CAB-3F07-9A992AC80ABD}"/>
               </a:ext>
             </a:extLst>
           </p:cNvPr>
@@ -38287,7 +39118,7 @@
           <p:cNvPr id="4" name="Espace réservé du numéro de diapositive 3">
             <a:extLst>
               <a:ext uri="{FF2B5EF4-FFF2-40B4-BE49-F238E27FC236}">
-                <a16:creationId xmlns:a16="http://schemas.microsoft.com/office/drawing/2014/main" id="{C799759F-9CB5-E929-EA7B-702FA086F5DC}"/>
+                <a16:creationId xmlns:a16="http://schemas.microsoft.com/office/drawing/2014/main" xmlns="" id="{C799759F-9CB5-E929-EA7B-702FA086F5DC}"/>
               </a:ext>
             </a:extLst>
           </p:cNvPr>
@@ -38771,7 +39602,7 @@
   <a:extraClrSchemeLst/>
   <a:extLst>
     <a:ext uri="{05A4C25C-085E-4340-85A3-A5531E510DB2}">
-      <thm15:themeFamily xmlns:thm15="http://schemas.microsoft.com/office/thememl/2012/main" name="Wisp" id="{7CB32D59-10C0-40DD-B7BD-2E94284A981C}" vid="{24B1A44C-C006-48B2-A4D7-E5549B3D8CD4}"/>
+      <thm15:themeFamily xmlns:thm15="http://schemas.microsoft.com/office/thememl/2012/main" xmlns="" name="Wisp" id="{7CB32D59-10C0-40DD-B7BD-2E94284A981C}" vid="{24B1A44C-C006-48B2-A4D7-E5549B3D8CD4}"/>
     </a:ext>
   </a:extLst>
 </a:theme>
@@ -39351,7 +40182,7 @@
   <a:extraClrSchemeLst/>
   <a:extLst>
     <a:ext uri="{05A4C25C-085E-4340-85A3-A5531E510DB2}">
-      <thm15:themeFamily xmlns:thm15="http://schemas.microsoft.com/office/thememl/2012/main" name="Office Theme" id="{62F939B6-93AF-4DB8-9C6B-D6C7DFDC589F}" vid="{4A3C46E8-61CC-4603-A589-7422A47A8E4A}"/>
+      <thm15:themeFamily xmlns:thm15="http://schemas.microsoft.com/office/thememl/2012/main" xmlns="" name="Office Theme" id="{62F939B6-93AF-4DB8-9C6B-D6C7DFDC589F}" vid="{4A3C46E8-61CC-4603-A589-7422A47A8E4A}"/>
     </a:ext>
   </a:extLst>
 </a:theme>

--- a/Diapo.pptx
+++ b/Diapo.pptx
@@ -125,7 +125,7 @@
   </p:defaultTextStyle>
   <p:extLst>
     <p:ext uri="{EFAFB233-063F-42B5-8137-9DF3F51BA10A}">
-      <p15:sldGuideLst xmlns:p15="http://schemas.microsoft.com/office/powerpoint/2012/main" xmlns="">
+      <p15:sldGuideLst xmlns="" xmlns:p15="http://schemas.microsoft.com/office/powerpoint/2012/main">
         <p15:guide id="1" orient="horz" pos="2160">
           <p15:clr>
             <a:srgbClr val="A4A3A4"/>
@@ -419,7 +419,7 @@
           <p:cNvPr id="2" name="Espace réservé de l'en-tête 1">
             <a:extLst>
               <a:ext uri="{FF2B5EF4-FFF2-40B4-BE49-F238E27FC236}">
-                <a16:creationId xmlns:a16="http://schemas.microsoft.com/office/drawing/2014/main" xmlns="" id="{E36B3949-00EB-E3BD-35D3-0BEE56598ED8}"/>
+                <a16:creationId xmlns="" xmlns:a16="http://schemas.microsoft.com/office/drawing/2014/main" id="{E36B3949-00EB-E3BD-35D3-0BEE56598ED8}"/>
               </a:ext>
             </a:extLst>
           </p:cNvPr>
@@ -456,7 +456,7 @@
           <p:cNvPr id="3" name="Espace réservé de la date 2">
             <a:extLst>
               <a:ext uri="{FF2B5EF4-FFF2-40B4-BE49-F238E27FC236}">
-                <a16:creationId xmlns:a16="http://schemas.microsoft.com/office/drawing/2014/main" xmlns="" id="{CE2C867B-7B70-F807-5EB0-3A59C61D5D76}"/>
+                <a16:creationId xmlns="" xmlns:a16="http://schemas.microsoft.com/office/drawing/2014/main" id="{CE2C867B-7B70-F807-5EB0-3A59C61D5D76}"/>
               </a:ext>
             </a:extLst>
           </p:cNvPr>
@@ -497,7 +497,7 @@
           <p:cNvPr id="4" name="Espace réservé du pied de page 3">
             <a:extLst>
               <a:ext uri="{FF2B5EF4-FFF2-40B4-BE49-F238E27FC236}">
-                <a16:creationId xmlns:a16="http://schemas.microsoft.com/office/drawing/2014/main" xmlns="" id="{3D14359A-E475-BA79-5C82-D2EB5D8E939A}"/>
+                <a16:creationId xmlns="" xmlns:a16="http://schemas.microsoft.com/office/drawing/2014/main" id="{3D14359A-E475-BA79-5C82-D2EB5D8E939A}"/>
               </a:ext>
             </a:extLst>
           </p:cNvPr>
@@ -534,7 +534,7 @@
           <p:cNvPr id="5" name="Espace réservé du numéro de diapositive 4">
             <a:extLst>
               <a:ext uri="{FF2B5EF4-FFF2-40B4-BE49-F238E27FC236}">
-                <a16:creationId xmlns:a16="http://schemas.microsoft.com/office/drawing/2014/main" xmlns="" id="{DC76065D-0241-640D-BD4C-709B5A2B9740}"/>
+                <a16:creationId xmlns="" xmlns:a16="http://schemas.microsoft.com/office/drawing/2014/main" id="{DC76065D-0241-640D-BD4C-709B5A2B9740}"/>
               </a:ext>
             </a:extLst>
           </p:cNvPr>
@@ -1008,7 +1008,7 @@
           <p:cNvPr id="5" name="Espace réservé du pied de page 4">
             <a:extLst>
               <a:ext uri="{FF2B5EF4-FFF2-40B4-BE49-F238E27FC236}">
-                <a16:creationId xmlns:a16="http://schemas.microsoft.com/office/drawing/2014/main" xmlns="" id="{1C956917-E71F-0283-A9DC-ADC40AA0A9E4}"/>
+                <a16:creationId xmlns="" xmlns:a16="http://schemas.microsoft.com/office/drawing/2014/main" id="{1C956917-E71F-0283-A9DC-ADC40AA0A9E4}"/>
               </a:ext>
             </a:extLst>
           </p:cNvPr>
@@ -1117,7 +1117,7 @@
           <p:cNvPr id="5" name="Espace réservé du pied de page 4">
             <a:extLst>
               <a:ext uri="{FF2B5EF4-FFF2-40B4-BE49-F238E27FC236}">
-                <a16:creationId xmlns:a16="http://schemas.microsoft.com/office/drawing/2014/main" xmlns="" id="{A615E9EC-3214-F00A-8D3B-44B62B285DF5}"/>
+                <a16:creationId xmlns="" xmlns:a16="http://schemas.microsoft.com/office/drawing/2014/main" id="{A615E9EC-3214-F00A-8D3B-44B62B285DF5}"/>
               </a:ext>
             </a:extLst>
           </p:cNvPr>
@@ -8715,10 +8715,10 @@
           <p:cNvPr id="60" name="Group 59">
             <a:extLst>
               <a:ext uri="{FF2B5EF4-FFF2-40B4-BE49-F238E27FC236}">
-                <a16:creationId xmlns:a16="http://schemas.microsoft.com/office/drawing/2014/main" xmlns="" id="{8CD25866-F15D-40A4-AEC5-47C044637AB7}"/>
+                <a16:creationId xmlns="" xmlns:a16="http://schemas.microsoft.com/office/drawing/2014/main" id="{8CD25866-F15D-40A4-AEC5-47C044637AB7}"/>
               </a:ext>
               <a:ext uri="{C183D7F6-B498-43B3-948B-1728B52AA6E4}">
-                <adec:decorative xmlns:adec="http://schemas.microsoft.com/office/drawing/2017/decorative" xmlns="" val="1"/>
+                <adec:decorative xmlns="" xmlns:adec="http://schemas.microsoft.com/office/drawing/2017/decorative" val="1"/>
               </a:ext>
             </a:extLst>
           </p:cNvPr>
@@ -8728,7 +8728,7 @@
           <p:nvPr>
             <p:extLst>
               <p:ext uri="{386F3935-93C4-4BCD-93E2-E3B085C9AB24}">
-                <p16:designElem xmlns:p16="http://schemas.microsoft.com/office/powerpoint/2015/main" xmlns="" val="1"/>
+                <p16:designElem xmlns="" xmlns:p16="http://schemas.microsoft.com/office/powerpoint/2015/main" val="1"/>
               </p:ext>
             </p:extLst>
           </p:nvPr>
@@ -8746,10 +8746,10 @@
             <p:cNvPr id="61" name="Freeform 11">
               <a:extLst>
                 <a:ext uri="{FF2B5EF4-FFF2-40B4-BE49-F238E27FC236}">
-                  <a16:creationId xmlns:a16="http://schemas.microsoft.com/office/drawing/2014/main" xmlns="" id="{DCB8E995-36E8-40B6-82D4-F52DE2987B54}"/>
+                  <a16:creationId xmlns="" xmlns:a16="http://schemas.microsoft.com/office/drawing/2014/main" id="{DCB8E995-36E8-40B6-82D4-F52DE2987B54}"/>
                 </a:ext>
                 <a:ext uri="{C183D7F6-B498-43B3-948B-1728B52AA6E4}">
-                  <adec:decorative xmlns:adec="http://schemas.microsoft.com/office/drawing/2017/decorative" xmlns="" val="1"/>
+                  <adec:decorative xmlns="" xmlns:adec="http://schemas.microsoft.com/office/drawing/2017/decorative" val="1"/>
                 </a:ext>
               </a:extLst>
             </p:cNvPr>
@@ -8757,7 +8757,7 @@
             <p:nvPr>
               <p:extLst>
                 <p:ext uri="{386F3935-93C4-4BCD-93E2-E3B085C9AB24}">
-                  <p16:designElem xmlns:p16="http://schemas.microsoft.com/office/powerpoint/2015/main" xmlns="" val="1"/>
+                  <p16:designElem xmlns="" xmlns:p16="http://schemas.microsoft.com/office/powerpoint/2015/main" val="1"/>
                 </p:ext>
               </p:extLst>
             </p:nvPr>
@@ -8822,10 +8822,10 @@
             <p:cNvPr id="62" name="Freeform 12">
               <a:extLst>
                 <a:ext uri="{FF2B5EF4-FFF2-40B4-BE49-F238E27FC236}">
-                  <a16:creationId xmlns:a16="http://schemas.microsoft.com/office/drawing/2014/main" xmlns="" id="{DF54AEB5-68B5-46AE-B8F0-EEBE5DFED809}"/>
+                  <a16:creationId xmlns="" xmlns:a16="http://schemas.microsoft.com/office/drawing/2014/main" id="{DF54AEB5-68B5-46AE-B8F0-EEBE5DFED809}"/>
                 </a:ext>
                 <a:ext uri="{C183D7F6-B498-43B3-948B-1728B52AA6E4}">
-                  <adec:decorative xmlns:adec="http://schemas.microsoft.com/office/drawing/2017/decorative" xmlns="" val="1"/>
+                  <adec:decorative xmlns="" xmlns:adec="http://schemas.microsoft.com/office/drawing/2017/decorative" val="1"/>
                 </a:ext>
               </a:extLst>
             </p:cNvPr>
@@ -8833,7 +8833,7 @@
             <p:nvPr>
               <p:extLst>
                 <p:ext uri="{386F3935-93C4-4BCD-93E2-E3B085C9AB24}">
-                  <p16:designElem xmlns:p16="http://schemas.microsoft.com/office/powerpoint/2015/main" xmlns="" val="1"/>
+                  <p16:designElem xmlns="" xmlns:p16="http://schemas.microsoft.com/office/powerpoint/2015/main" val="1"/>
                 </p:ext>
               </p:extLst>
             </p:nvPr>
@@ -8903,10 +8903,10 @@
             <p:cNvPr id="63" name="Freeform 13">
               <a:extLst>
                 <a:ext uri="{FF2B5EF4-FFF2-40B4-BE49-F238E27FC236}">
-                  <a16:creationId xmlns:a16="http://schemas.microsoft.com/office/drawing/2014/main" xmlns="" id="{E3F708CB-F094-4EE7-8AD5-A462F1DF8B8D}"/>
+                  <a16:creationId xmlns="" xmlns:a16="http://schemas.microsoft.com/office/drawing/2014/main" id="{E3F708CB-F094-4EE7-8AD5-A462F1DF8B8D}"/>
                 </a:ext>
                 <a:ext uri="{C183D7F6-B498-43B3-948B-1728B52AA6E4}">
-                  <adec:decorative xmlns:adec="http://schemas.microsoft.com/office/drawing/2017/decorative" xmlns="" val="1"/>
+                  <adec:decorative xmlns="" xmlns:adec="http://schemas.microsoft.com/office/drawing/2017/decorative" val="1"/>
                 </a:ext>
               </a:extLst>
             </p:cNvPr>
@@ -8914,7 +8914,7 @@
             <p:nvPr>
               <p:extLst>
                 <p:ext uri="{386F3935-93C4-4BCD-93E2-E3B085C9AB24}">
-                  <p16:designElem xmlns:p16="http://schemas.microsoft.com/office/powerpoint/2015/main" xmlns="" val="1"/>
+                  <p16:designElem xmlns="" xmlns:p16="http://schemas.microsoft.com/office/powerpoint/2015/main" val="1"/>
                 </p:ext>
               </p:extLst>
             </p:nvPr>
@@ -8989,10 +8989,10 @@
             <p:cNvPr id="64" name="Freeform 14">
               <a:extLst>
                 <a:ext uri="{FF2B5EF4-FFF2-40B4-BE49-F238E27FC236}">
-                  <a16:creationId xmlns:a16="http://schemas.microsoft.com/office/drawing/2014/main" xmlns="" id="{ECFCFB22-E8B5-4FAC-A354-E7E0CE6F2B65}"/>
+                  <a16:creationId xmlns="" xmlns:a16="http://schemas.microsoft.com/office/drawing/2014/main" id="{ECFCFB22-E8B5-4FAC-A354-E7E0CE6F2B65}"/>
                 </a:ext>
                 <a:ext uri="{C183D7F6-B498-43B3-948B-1728B52AA6E4}">
-                  <adec:decorative xmlns:adec="http://schemas.microsoft.com/office/drawing/2017/decorative" xmlns="" val="1"/>
+                  <adec:decorative xmlns="" xmlns:adec="http://schemas.microsoft.com/office/drawing/2017/decorative" val="1"/>
                 </a:ext>
               </a:extLst>
             </p:cNvPr>
@@ -9000,7 +9000,7 @@
             <p:nvPr>
               <p:extLst>
                 <p:ext uri="{386F3935-93C4-4BCD-93E2-E3B085C9AB24}">
-                  <p16:designElem xmlns:p16="http://schemas.microsoft.com/office/powerpoint/2015/main" xmlns="" val="1"/>
+                  <p16:designElem xmlns="" xmlns:p16="http://schemas.microsoft.com/office/powerpoint/2015/main" val="1"/>
                 </p:ext>
               </p:extLst>
             </p:nvPr>
@@ -9055,10 +9055,10 @@
             <p:cNvPr id="65" name="Freeform 15">
               <a:extLst>
                 <a:ext uri="{FF2B5EF4-FFF2-40B4-BE49-F238E27FC236}">
-                  <a16:creationId xmlns:a16="http://schemas.microsoft.com/office/drawing/2014/main" xmlns="" id="{ED1DB3B4-A6DC-476F-986E-DF361EE8421D}"/>
+                  <a16:creationId xmlns="" xmlns:a16="http://schemas.microsoft.com/office/drawing/2014/main" id="{ED1DB3B4-A6DC-476F-986E-DF361EE8421D}"/>
                 </a:ext>
                 <a:ext uri="{C183D7F6-B498-43B3-948B-1728B52AA6E4}">
-                  <adec:decorative xmlns:adec="http://schemas.microsoft.com/office/drawing/2017/decorative" xmlns="" val="1"/>
+                  <adec:decorative xmlns="" xmlns:adec="http://schemas.microsoft.com/office/drawing/2017/decorative" val="1"/>
                 </a:ext>
               </a:extLst>
             </p:cNvPr>
@@ -9066,7 +9066,7 @@
             <p:nvPr>
               <p:extLst>
                 <p:ext uri="{386F3935-93C4-4BCD-93E2-E3B085C9AB24}">
-                  <p16:designElem xmlns:p16="http://schemas.microsoft.com/office/powerpoint/2015/main" xmlns="" val="1"/>
+                  <p16:designElem xmlns="" xmlns:p16="http://schemas.microsoft.com/office/powerpoint/2015/main" val="1"/>
                 </p:ext>
               </p:extLst>
             </p:nvPr>
@@ -9156,10 +9156,10 @@
             <p:cNvPr id="66" name="Freeform 16">
               <a:extLst>
                 <a:ext uri="{FF2B5EF4-FFF2-40B4-BE49-F238E27FC236}">
-                  <a16:creationId xmlns:a16="http://schemas.microsoft.com/office/drawing/2014/main" xmlns="" id="{4EE13DFA-3489-4DE6-9154-34D9CB400549}"/>
+                  <a16:creationId xmlns="" xmlns:a16="http://schemas.microsoft.com/office/drawing/2014/main" id="{4EE13DFA-3489-4DE6-9154-34D9CB400549}"/>
                 </a:ext>
                 <a:ext uri="{C183D7F6-B498-43B3-948B-1728B52AA6E4}">
-                  <adec:decorative xmlns:adec="http://schemas.microsoft.com/office/drawing/2017/decorative" xmlns="" val="1"/>
+                  <adec:decorative xmlns="" xmlns:adec="http://schemas.microsoft.com/office/drawing/2017/decorative" val="1"/>
                 </a:ext>
               </a:extLst>
             </p:cNvPr>
@@ -9167,7 +9167,7 @@
             <p:nvPr>
               <p:extLst>
                 <p:ext uri="{386F3935-93C4-4BCD-93E2-E3B085C9AB24}">
-                  <p16:designElem xmlns:p16="http://schemas.microsoft.com/office/powerpoint/2015/main" xmlns="" val="1"/>
+                  <p16:designElem xmlns="" xmlns:p16="http://schemas.microsoft.com/office/powerpoint/2015/main" val="1"/>
                 </p:ext>
               </p:extLst>
             </p:nvPr>
@@ -9252,10 +9252,10 @@
             <p:cNvPr id="67" name="Freeform 17">
               <a:extLst>
                 <a:ext uri="{FF2B5EF4-FFF2-40B4-BE49-F238E27FC236}">
-                  <a16:creationId xmlns:a16="http://schemas.microsoft.com/office/drawing/2014/main" xmlns="" id="{5CD12D51-F9A8-4CC9-B9C9-206EAFD8C166}"/>
+                  <a16:creationId xmlns="" xmlns:a16="http://schemas.microsoft.com/office/drawing/2014/main" id="{5CD12D51-F9A8-4CC9-B9C9-206EAFD8C166}"/>
                 </a:ext>
                 <a:ext uri="{C183D7F6-B498-43B3-948B-1728B52AA6E4}">
-                  <adec:decorative xmlns:adec="http://schemas.microsoft.com/office/drawing/2017/decorative" xmlns="" val="1"/>
+                  <adec:decorative xmlns="" xmlns:adec="http://schemas.microsoft.com/office/drawing/2017/decorative" val="1"/>
                 </a:ext>
               </a:extLst>
             </p:cNvPr>
@@ -9263,7 +9263,7 @@
             <p:nvPr>
               <p:extLst>
                 <p:ext uri="{386F3935-93C4-4BCD-93E2-E3B085C9AB24}">
-                  <p16:designElem xmlns:p16="http://schemas.microsoft.com/office/powerpoint/2015/main" xmlns="" val="1"/>
+                  <p16:designElem xmlns="" xmlns:p16="http://schemas.microsoft.com/office/powerpoint/2015/main" val="1"/>
                 </p:ext>
               </p:extLst>
             </p:nvPr>
@@ -9328,10 +9328,10 @@
             <p:cNvPr id="68" name="Freeform 18">
               <a:extLst>
                 <a:ext uri="{FF2B5EF4-FFF2-40B4-BE49-F238E27FC236}">
-                  <a16:creationId xmlns:a16="http://schemas.microsoft.com/office/drawing/2014/main" xmlns="" id="{266B326C-1178-40F9-A265-6067D363B4B4}"/>
+                  <a16:creationId xmlns="" xmlns:a16="http://schemas.microsoft.com/office/drawing/2014/main" id="{266B326C-1178-40F9-A265-6067D363B4B4}"/>
                 </a:ext>
                 <a:ext uri="{C183D7F6-B498-43B3-948B-1728B52AA6E4}">
-                  <adec:decorative xmlns:adec="http://schemas.microsoft.com/office/drawing/2017/decorative" xmlns="" val="1"/>
+                  <adec:decorative xmlns="" xmlns:adec="http://schemas.microsoft.com/office/drawing/2017/decorative" val="1"/>
                 </a:ext>
               </a:extLst>
             </p:cNvPr>
@@ -9339,7 +9339,7 @@
             <p:nvPr>
               <p:extLst>
                 <p:ext uri="{386F3935-93C4-4BCD-93E2-E3B085C9AB24}">
-                  <p16:designElem xmlns:p16="http://schemas.microsoft.com/office/powerpoint/2015/main" xmlns="" val="1"/>
+                  <p16:designElem xmlns="" xmlns:p16="http://schemas.microsoft.com/office/powerpoint/2015/main" val="1"/>
                 </p:ext>
               </p:extLst>
             </p:nvPr>
@@ -9424,10 +9424,10 @@
             <p:cNvPr id="69" name="Freeform 19">
               <a:extLst>
                 <a:ext uri="{FF2B5EF4-FFF2-40B4-BE49-F238E27FC236}">
-                  <a16:creationId xmlns:a16="http://schemas.microsoft.com/office/drawing/2014/main" xmlns="" id="{12F3B319-F00B-4755-BC54-95511E21DB20}"/>
+                  <a16:creationId xmlns="" xmlns:a16="http://schemas.microsoft.com/office/drawing/2014/main" id="{12F3B319-F00B-4755-BC54-95511E21DB20}"/>
                 </a:ext>
                 <a:ext uri="{C183D7F6-B498-43B3-948B-1728B52AA6E4}">
-                  <adec:decorative xmlns:adec="http://schemas.microsoft.com/office/drawing/2017/decorative" xmlns="" val="1"/>
+                  <adec:decorative xmlns="" xmlns:adec="http://schemas.microsoft.com/office/drawing/2017/decorative" val="1"/>
                 </a:ext>
               </a:extLst>
             </p:cNvPr>
@@ -9435,7 +9435,7 @@
             <p:nvPr>
               <p:extLst>
                 <p:ext uri="{386F3935-93C4-4BCD-93E2-E3B085C9AB24}">
-                  <p16:designElem xmlns:p16="http://schemas.microsoft.com/office/powerpoint/2015/main" xmlns="" val="1"/>
+                  <p16:designElem xmlns="" xmlns:p16="http://schemas.microsoft.com/office/powerpoint/2015/main" val="1"/>
                 </p:ext>
               </p:extLst>
             </p:nvPr>
@@ -9555,10 +9555,10 @@
             <p:cNvPr id="70" name="Freeform 20">
               <a:extLst>
                 <a:ext uri="{FF2B5EF4-FFF2-40B4-BE49-F238E27FC236}">
-                  <a16:creationId xmlns:a16="http://schemas.microsoft.com/office/drawing/2014/main" xmlns="" id="{3079D7BD-8A3F-47F6-8407-D9DA96FF3514}"/>
+                  <a16:creationId xmlns="" xmlns:a16="http://schemas.microsoft.com/office/drawing/2014/main" id="{3079D7BD-8A3F-47F6-8407-D9DA96FF3514}"/>
                 </a:ext>
                 <a:ext uri="{C183D7F6-B498-43B3-948B-1728B52AA6E4}">
-                  <adec:decorative xmlns:adec="http://schemas.microsoft.com/office/drawing/2017/decorative" xmlns="" val="1"/>
+                  <adec:decorative xmlns="" xmlns:adec="http://schemas.microsoft.com/office/drawing/2017/decorative" val="1"/>
                 </a:ext>
               </a:extLst>
             </p:cNvPr>
@@ -9566,7 +9566,7 @@
             <p:nvPr>
               <p:extLst>
                 <p:ext uri="{386F3935-93C4-4BCD-93E2-E3B085C9AB24}">
-                  <p16:designElem xmlns:p16="http://schemas.microsoft.com/office/powerpoint/2015/main" xmlns="" val="1"/>
+                  <p16:designElem xmlns="" xmlns:p16="http://schemas.microsoft.com/office/powerpoint/2015/main" val="1"/>
                 </p:ext>
               </p:extLst>
             </p:nvPr>
@@ -9621,10 +9621,10 @@
             <p:cNvPr id="71" name="Freeform 21">
               <a:extLst>
                 <a:ext uri="{FF2B5EF4-FFF2-40B4-BE49-F238E27FC236}">
-                  <a16:creationId xmlns:a16="http://schemas.microsoft.com/office/drawing/2014/main" xmlns="" id="{1F97C31C-8585-43FB-924B-8ADD6512332E}"/>
+                  <a16:creationId xmlns="" xmlns:a16="http://schemas.microsoft.com/office/drawing/2014/main" id="{1F97C31C-8585-43FB-924B-8ADD6512332E}"/>
                 </a:ext>
                 <a:ext uri="{C183D7F6-B498-43B3-948B-1728B52AA6E4}">
-                  <adec:decorative xmlns:adec="http://schemas.microsoft.com/office/drawing/2017/decorative" xmlns="" val="1"/>
+                  <adec:decorative xmlns="" xmlns:adec="http://schemas.microsoft.com/office/drawing/2017/decorative" val="1"/>
                 </a:ext>
               </a:extLst>
             </p:cNvPr>
@@ -9632,7 +9632,7 @@
             <p:nvPr>
               <p:extLst>
                 <p:ext uri="{386F3935-93C4-4BCD-93E2-E3B085C9AB24}">
-                  <p16:designElem xmlns:p16="http://schemas.microsoft.com/office/powerpoint/2015/main" xmlns="" val="1"/>
+                  <p16:designElem xmlns="" xmlns:p16="http://schemas.microsoft.com/office/powerpoint/2015/main" val="1"/>
                 </p:ext>
               </p:extLst>
             </p:nvPr>
@@ -9697,10 +9697,10 @@
             <p:cNvPr id="72" name="Freeform 22">
               <a:extLst>
                 <a:ext uri="{FF2B5EF4-FFF2-40B4-BE49-F238E27FC236}">
-                  <a16:creationId xmlns:a16="http://schemas.microsoft.com/office/drawing/2014/main" xmlns="" id="{A33E1C89-7E74-49BF-A5D1-9A352ED03E2D}"/>
+                  <a16:creationId xmlns="" xmlns:a16="http://schemas.microsoft.com/office/drawing/2014/main" id="{A33E1C89-7E74-49BF-A5D1-9A352ED03E2D}"/>
                 </a:ext>
                 <a:ext uri="{C183D7F6-B498-43B3-948B-1728B52AA6E4}">
-                  <adec:decorative xmlns:adec="http://schemas.microsoft.com/office/drawing/2017/decorative" xmlns="" val="1"/>
+                  <adec:decorative xmlns="" xmlns:adec="http://schemas.microsoft.com/office/drawing/2017/decorative" val="1"/>
                 </a:ext>
               </a:extLst>
             </p:cNvPr>
@@ -9708,7 +9708,7 @@
             <p:nvPr>
               <p:extLst>
                 <p:ext uri="{386F3935-93C4-4BCD-93E2-E3B085C9AB24}">
-                  <p16:designElem xmlns:p16="http://schemas.microsoft.com/office/powerpoint/2015/main" xmlns="" val="1"/>
+                  <p16:designElem xmlns="" xmlns:p16="http://schemas.microsoft.com/office/powerpoint/2015/main" val="1"/>
                 </p:ext>
               </p:extLst>
             </p:nvPr>
@@ -9784,10 +9784,10 @@
           <p:cNvPr id="74" name="Group 73">
             <a:extLst>
               <a:ext uri="{FF2B5EF4-FFF2-40B4-BE49-F238E27FC236}">
-                <a16:creationId xmlns:a16="http://schemas.microsoft.com/office/drawing/2014/main" xmlns="" id="{0C4A17ED-96AA-44A6-A050-E1A7A1CDD9E7}"/>
+                <a16:creationId xmlns="" xmlns:a16="http://schemas.microsoft.com/office/drawing/2014/main" id="{0C4A17ED-96AA-44A6-A050-E1A7A1CDD9E7}"/>
               </a:ext>
               <a:ext uri="{C183D7F6-B498-43B3-948B-1728B52AA6E4}">
-                <adec:decorative xmlns:adec="http://schemas.microsoft.com/office/drawing/2017/decorative" xmlns="" val="1"/>
+                <adec:decorative xmlns="" xmlns:adec="http://schemas.microsoft.com/office/drawing/2017/decorative" val="1"/>
               </a:ext>
             </a:extLst>
           </p:cNvPr>
@@ -9797,7 +9797,7 @@
           <p:nvPr>
             <p:extLst>
               <p:ext uri="{386F3935-93C4-4BCD-93E2-E3B085C9AB24}">
-                <p16:designElem xmlns:p16="http://schemas.microsoft.com/office/powerpoint/2015/main" xmlns="" val="1"/>
+                <p16:designElem xmlns="" xmlns:p16="http://schemas.microsoft.com/office/powerpoint/2015/main" val="1"/>
               </p:ext>
             </p:extLst>
           </p:nvPr>
@@ -9815,10 +9815,10 @@
             <p:cNvPr id="75" name="Freeform 27">
               <a:extLst>
                 <a:ext uri="{FF2B5EF4-FFF2-40B4-BE49-F238E27FC236}">
-                  <a16:creationId xmlns:a16="http://schemas.microsoft.com/office/drawing/2014/main" xmlns="" id="{FBB2A87E-3E24-4A6F-9FD8-0F1436D4D357}"/>
+                  <a16:creationId xmlns="" xmlns:a16="http://schemas.microsoft.com/office/drawing/2014/main" id="{FBB2A87E-3E24-4A6F-9FD8-0F1436D4D357}"/>
                 </a:ext>
                 <a:ext uri="{C183D7F6-B498-43B3-948B-1728B52AA6E4}">
-                  <adec:decorative xmlns:adec="http://schemas.microsoft.com/office/drawing/2017/decorative" xmlns="" val="1"/>
+                  <adec:decorative xmlns="" xmlns:adec="http://schemas.microsoft.com/office/drawing/2017/decorative" val="1"/>
                 </a:ext>
               </a:extLst>
             </p:cNvPr>
@@ -9826,7 +9826,7 @@
             <p:nvPr>
               <p:extLst>
                 <p:ext uri="{386F3935-93C4-4BCD-93E2-E3B085C9AB24}">
-                  <p16:designElem xmlns:p16="http://schemas.microsoft.com/office/powerpoint/2015/main" xmlns="" val="1"/>
+                  <p16:designElem xmlns="" xmlns:p16="http://schemas.microsoft.com/office/powerpoint/2015/main" val="1"/>
                 </p:ext>
               </p:extLst>
             </p:nvPr>
@@ -9934,10 +9934,10 @@
             <p:cNvPr id="76" name="Freeform 28">
               <a:extLst>
                 <a:ext uri="{FF2B5EF4-FFF2-40B4-BE49-F238E27FC236}">
-                  <a16:creationId xmlns:a16="http://schemas.microsoft.com/office/drawing/2014/main" xmlns="" id="{257F945B-2AA3-4328-BFF5-20DE64011B0A}"/>
+                  <a16:creationId xmlns="" xmlns:a16="http://schemas.microsoft.com/office/drawing/2014/main" id="{257F945B-2AA3-4328-BFF5-20DE64011B0A}"/>
                 </a:ext>
                 <a:ext uri="{C183D7F6-B498-43B3-948B-1728B52AA6E4}">
-                  <adec:decorative xmlns:adec="http://schemas.microsoft.com/office/drawing/2017/decorative" xmlns="" val="1"/>
+                  <adec:decorative xmlns="" xmlns:adec="http://schemas.microsoft.com/office/drawing/2017/decorative" val="1"/>
                 </a:ext>
               </a:extLst>
             </p:cNvPr>
@@ -9945,7 +9945,7 @@
             <p:nvPr>
               <p:extLst>
                 <p:ext uri="{386F3935-93C4-4BCD-93E2-E3B085C9AB24}">
-                  <p16:designElem xmlns:p16="http://schemas.microsoft.com/office/powerpoint/2015/main" xmlns="" val="1"/>
+                  <p16:designElem xmlns="" xmlns:p16="http://schemas.microsoft.com/office/powerpoint/2015/main" val="1"/>
                 </p:ext>
               </p:extLst>
             </p:nvPr>
@@ -10018,10 +10018,10 @@
             <p:cNvPr id="77" name="Freeform 29">
               <a:extLst>
                 <a:ext uri="{FF2B5EF4-FFF2-40B4-BE49-F238E27FC236}">
-                  <a16:creationId xmlns:a16="http://schemas.microsoft.com/office/drawing/2014/main" xmlns="" id="{E1A7230F-6A6F-403C-9D83-7176E285251C}"/>
+                  <a16:creationId xmlns="" xmlns:a16="http://schemas.microsoft.com/office/drawing/2014/main" id="{E1A7230F-6A6F-403C-9D83-7176E285251C}"/>
                 </a:ext>
                 <a:ext uri="{C183D7F6-B498-43B3-948B-1728B52AA6E4}">
-                  <adec:decorative xmlns:adec="http://schemas.microsoft.com/office/drawing/2017/decorative" xmlns="" val="1"/>
+                  <adec:decorative xmlns="" xmlns:adec="http://schemas.microsoft.com/office/drawing/2017/decorative" val="1"/>
                 </a:ext>
               </a:extLst>
             </p:cNvPr>
@@ -10029,7 +10029,7 @@
             <p:nvPr>
               <p:extLst>
                 <p:ext uri="{386F3935-93C4-4BCD-93E2-E3B085C9AB24}">
-                  <p16:designElem xmlns:p16="http://schemas.microsoft.com/office/powerpoint/2015/main" xmlns="" val="1"/>
+                  <p16:designElem xmlns="" xmlns:p16="http://schemas.microsoft.com/office/powerpoint/2015/main" val="1"/>
                 </p:ext>
               </p:extLst>
             </p:nvPr>
@@ -10102,10 +10102,10 @@
             <p:cNvPr id="78" name="Freeform 30">
               <a:extLst>
                 <a:ext uri="{FF2B5EF4-FFF2-40B4-BE49-F238E27FC236}">
-                  <a16:creationId xmlns:a16="http://schemas.microsoft.com/office/drawing/2014/main" xmlns="" id="{E33E315A-9CB0-460E-A8B7-0A064BBFA05F}"/>
+                  <a16:creationId xmlns="" xmlns:a16="http://schemas.microsoft.com/office/drawing/2014/main" id="{E33E315A-9CB0-460E-A8B7-0A064BBFA05F}"/>
                 </a:ext>
                 <a:ext uri="{C183D7F6-B498-43B3-948B-1728B52AA6E4}">
-                  <adec:decorative xmlns:adec="http://schemas.microsoft.com/office/drawing/2017/decorative" xmlns="" val="1"/>
+                  <adec:decorative xmlns="" xmlns:adec="http://schemas.microsoft.com/office/drawing/2017/decorative" val="1"/>
                 </a:ext>
               </a:extLst>
             </p:cNvPr>
@@ -10113,7 +10113,7 @@
             <p:nvPr>
               <p:extLst>
                 <p:ext uri="{386F3935-93C4-4BCD-93E2-E3B085C9AB24}">
-                  <p16:designElem xmlns:p16="http://schemas.microsoft.com/office/powerpoint/2015/main" xmlns="" val="1"/>
+                  <p16:designElem xmlns="" xmlns:p16="http://schemas.microsoft.com/office/powerpoint/2015/main" val="1"/>
                 </p:ext>
               </p:extLst>
             </p:nvPr>
@@ -10201,10 +10201,10 @@
             <p:cNvPr id="79" name="Freeform 31">
               <a:extLst>
                 <a:ext uri="{FF2B5EF4-FFF2-40B4-BE49-F238E27FC236}">
-                  <a16:creationId xmlns:a16="http://schemas.microsoft.com/office/drawing/2014/main" xmlns="" id="{22CAAD33-CFAD-4E61-82AE-0C6F838530D4}"/>
+                  <a16:creationId xmlns="" xmlns:a16="http://schemas.microsoft.com/office/drawing/2014/main" id="{22CAAD33-CFAD-4E61-82AE-0C6F838530D4}"/>
                 </a:ext>
                 <a:ext uri="{C183D7F6-B498-43B3-948B-1728B52AA6E4}">
-                  <adec:decorative xmlns:adec="http://schemas.microsoft.com/office/drawing/2017/decorative" xmlns="" val="1"/>
+                  <adec:decorative xmlns="" xmlns:adec="http://schemas.microsoft.com/office/drawing/2017/decorative" val="1"/>
                 </a:ext>
               </a:extLst>
             </p:cNvPr>
@@ -10212,7 +10212,7 @@
             <p:nvPr>
               <p:extLst>
                 <p:ext uri="{386F3935-93C4-4BCD-93E2-E3B085C9AB24}">
-                  <p16:designElem xmlns:p16="http://schemas.microsoft.com/office/powerpoint/2015/main" xmlns="" val="1"/>
+                  <p16:designElem xmlns="" xmlns:p16="http://schemas.microsoft.com/office/powerpoint/2015/main" val="1"/>
                 </p:ext>
               </p:extLst>
             </p:nvPr>
@@ -10310,10 +10310,10 @@
             <p:cNvPr id="80" name="Freeform 32">
               <a:extLst>
                 <a:ext uri="{FF2B5EF4-FFF2-40B4-BE49-F238E27FC236}">
-                  <a16:creationId xmlns:a16="http://schemas.microsoft.com/office/drawing/2014/main" xmlns="" id="{1A20E13C-2540-4000-A13B-8F781100E380}"/>
+                  <a16:creationId xmlns="" xmlns:a16="http://schemas.microsoft.com/office/drawing/2014/main" id="{1A20E13C-2540-4000-A13B-8F781100E380}"/>
                 </a:ext>
                 <a:ext uri="{C183D7F6-B498-43B3-948B-1728B52AA6E4}">
-                  <adec:decorative xmlns:adec="http://schemas.microsoft.com/office/drawing/2017/decorative" xmlns="" val="1"/>
+                  <adec:decorative xmlns="" xmlns:adec="http://schemas.microsoft.com/office/drawing/2017/decorative" val="1"/>
                 </a:ext>
               </a:extLst>
             </p:cNvPr>
@@ -10321,7 +10321,7 @@
             <p:nvPr>
               <p:extLst>
                 <p:ext uri="{386F3935-93C4-4BCD-93E2-E3B085C9AB24}">
-                  <p16:designElem xmlns:p16="http://schemas.microsoft.com/office/powerpoint/2015/main" xmlns="" val="1"/>
+                  <p16:designElem xmlns="" xmlns:p16="http://schemas.microsoft.com/office/powerpoint/2015/main" val="1"/>
                 </p:ext>
               </p:extLst>
             </p:nvPr>
@@ -10374,10 +10374,10 @@
             <p:cNvPr id="81" name="Freeform 33">
               <a:extLst>
                 <a:ext uri="{FF2B5EF4-FFF2-40B4-BE49-F238E27FC236}">
-                  <a16:creationId xmlns:a16="http://schemas.microsoft.com/office/drawing/2014/main" xmlns="" id="{51EF0A01-E03D-448B-B12E-D5BFC6D0D226}"/>
+                  <a16:creationId xmlns="" xmlns:a16="http://schemas.microsoft.com/office/drawing/2014/main" id="{51EF0A01-E03D-448B-B12E-D5BFC6D0D226}"/>
                 </a:ext>
                 <a:ext uri="{C183D7F6-B498-43B3-948B-1728B52AA6E4}">
-                  <adec:decorative xmlns:adec="http://schemas.microsoft.com/office/drawing/2017/decorative" xmlns="" val="1"/>
+                  <adec:decorative xmlns="" xmlns:adec="http://schemas.microsoft.com/office/drawing/2017/decorative" val="1"/>
                 </a:ext>
               </a:extLst>
             </p:cNvPr>
@@ -10385,7 +10385,7 @@
             <p:nvPr>
               <p:extLst>
                 <p:ext uri="{386F3935-93C4-4BCD-93E2-E3B085C9AB24}">
-                  <p16:designElem xmlns:p16="http://schemas.microsoft.com/office/powerpoint/2015/main" xmlns="" val="1"/>
+                  <p16:designElem xmlns="" xmlns:p16="http://schemas.microsoft.com/office/powerpoint/2015/main" val="1"/>
                 </p:ext>
               </p:extLst>
             </p:nvPr>
@@ -10453,10 +10453,10 @@
             <p:cNvPr id="82" name="Freeform 34">
               <a:extLst>
                 <a:ext uri="{FF2B5EF4-FFF2-40B4-BE49-F238E27FC236}">
-                  <a16:creationId xmlns:a16="http://schemas.microsoft.com/office/drawing/2014/main" xmlns="" id="{58286A03-168E-477B-8876-2C53E4950DB5}"/>
+                  <a16:creationId xmlns="" xmlns:a16="http://schemas.microsoft.com/office/drawing/2014/main" id="{58286A03-168E-477B-8876-2C53E4950DB5}"/>
                 </a:ext>
                 <a:ext uri="{C183D7F6-B498-43B3-948B-1728B52AA6E4}">
-                  <adec:decorative xmlns:adec="http://schemas.microsoft.com/office/drawing/2017/decorative" xmlns="" val="1"/>
+                  <adec:decorative xmlns="" xmlns:adec="http://schemas.microsoft.com/office/drawing/2017/decorative" val="1"/>
                 </a:ext>
               </a:extLst>
             </p:cNvPr>
@@ -10464,7 +10464,7 @@
             <p:nvPr>
               <p:extLst>
                 <p:ext uri="{386F3935-93C4-4BCD-93E2-E3B085C9AB24}">
-                  <p16:designElem xmlns:p16="http://schemas.microsoft.com/office/powerpoint/2015/main" xmlns="" val="1"/>
+                  <p16:designElem xmlns="" xmlns:p16="http://schemas.microsoft.com/office/powerpoint/2015/main" val="1"/>
                 </p:ext>
               </p:extLst>
             </p:nvPr>
@@ -10577,10 +10577,10 @@
             <p:cNvPr id="83" name="Freeform 35">
               <a:extLst>
                 <a:ext uri="{FF2B5EF4-FFF2-40B4-BE49-F238E27FC236}">
-                  <a16:creationId xmlns:a16="http://schemas.microsoft.com/office/drawing/2014/main" xmlns="" id="{3DFFC705-1899-4E4C-AE76-F85BAF2F66EF}"/>
+                  <a16:creationId xmlns="" xmlns:a16="http://schemas.microsoft.com/office/drawing/2014/main" id="{3DFFC705-1899-4E4C-AE76-F85BAF2F66EF}"/>
                 </a:ext>
                 <a:ext uri="{C183D7F6-B498-43B3-948B-1728B52AA6E4}">
-                  <adec:decorative xmlns:adec="http://schemas.microsoft.com/office/drawing/2017/decorative" xmlns="" val="1"/>
+                  <adec:decorative xmlns="" xmlns:adec="http://schemas.microsoft.com/office/drawing/2017/decorative" val="1"/>
                 </a:ext>
               </a:extLst>
             </p:cNvPr>
@@ -10588,7 +10588,7 @@
             <p:nvPr>
               <p:extLst>
                 <p:ext uri="{386F3935-93C4-4BCD-93E2-E3B085C9AB24}">
-                  <p16:designElem xmlns:p16="http://schemas.microsoft.com/office/powerpoint/2015/main" xmlns="" val="1"/>
+                  <p16:designElem xmlns="" xmlns:p16="http://schemas.microsoft.com/office/powerpoint/2015/main" val="1"/>
                 </p:ext>
               </p:extLst>
             </p:nvPr>
@@ -10641,10 +10641,10 @@
             <p:cNvPr id="84" name="Freeform 36">
               <a:extLst>
                 <a:ext uri="{FF2B5EF4-FFF2-40B4-BE49-F238E27FC236}">
-                  <a16:creationId xmlns:a16="http://schemas.microsoft.com/office/drawing/2014/main" xmlns="" id="{01C9598D-BDF6-4A24-83B6-4DCA4D134941}"/>
+                  <a16:creationId xmlns="" xmlns:a16="http://schemas.microsoft.com/office/drawing/2014/main" id="{01C9598D-BDF6-4A24-83B6-4DCA4D134941}"/>
                 </a:ext>
                 <a:ext uri="{C183D7F6-B498-43B3-948B-1728B52AA6E4}">
-                  <adec:decorative xmlns:adec="http://schemas.microsoft.com/office/drawing/2017/decorative" xmlns="" val="1"/>
+                  <adec:decorative xmlns="" xmlns:adec="http://schemas.microsoft.com/office/drawing/2017/decorative" val="1"/>
                 </a:ext>
               </a:extLst>
             </p:cNvPr>
@@ -10652,7 +10652,7 @@
             <p:nvPr>
               <p:extLst>
                 <p:ext uri="{386F3935-93C4-4BCD-93E2-E3B085C9AB24}">
-                  <p16:designElem xmlns:p16="http://schemas.microsoft.com/office/powerpoint/2015/main" xmlns="" val="1"/>
+                  <p16:designElem xmlns="" xmlns:p16="http://schemas.microsoft.com/office/powerpoint/2015/main" val="1"/>
                 </p:ext>
               </p:extLst>
             </p:nvPr>
@@ -10725,10 +10725,10 @@
             <p:cNvPr id="85" name="Freeform 37">
               <a:extLst>
                 <a:ext uri="{FF2B5EF4-FFF2-40B4-BE49-F238E27FC236}">
-                  <a16:creationId xmlns:a16="http://schemas.microsoft.com/office/drawing/2014/main" xmlns="" id="{950C8213-67CD-4DEF-AA44-8BB310139243}"/>
+                  <a16:creationId xmlns="" xmlns:a16="http://schemas.microsoft.com/office/drawing/2014/main" id="{950C8213-67CD-4DEF-AA44-8BB310139243}"/>
                 </a:ext>
                 <a:ext uri="{C183D7F6-B498-43B3-948B-1728B52AA6E4}">
-                  <adec:decorative xmlns:adec="http://schemas.microsoft.com/office/drawing/2017/decorative" xmlns="" val="1"/>
+                  <adec:decorative xmlns="" xmlns:adec="http://schemas.microsoft.com/office/drawing/2017/decorative" val="1"/>
                 </a:ext>
               </a:extLst>
             </p:cNvPr>
@@ -10736,7 +10736,7 @@
             <p:nvPr>
               <p:extLst>
                 <p:ext uri="{386F3935-93C4-4BCD-93E2-E3B085C9AB24}">
-                  <p16:designElem xmlns:p16="http://schemas.microsoft.com/office/powerpoint/2015/main" xmlns="" val="1"/>
+                  <p16:designElem xmlns="" xmlns:p16="http://schemas.microsoft.com/office/powerpoint/2015/main" val="1"/>
                 </p:ext>
               </p:extLst>
             </p:nvPr>
@@ -10804,10 +10804,10 @@
             <p:cNvPr id="86" name="Freeform 38">
               <a:extLst>
                 <a:ext uri="{FF2B5EF4-FFF2-40B4-BE49-F238E27FC236}">
-                  <a16:creationId xmlns:a16="http://schemas.microsoft.com/office/drawing/2014/main" xmlns="" id="{2016FE1D-E3EB-4CF6-809B-159872CC7873}"/>
+                  <a16:creationId xmlns="" xmlns:a16="http://schemas.microsoft.com/office/drawing/2014/main" id="{2016FE1D-E3EB-4CF6-809B-159872CC7873}"/>
                 </a:ext>
                 <a:ext uri="{C183D7F6-B498-43B3-948B-1728B52AA6E4}">
-                  <adec:decorative xmlns:adec="http://schemas.microsoft.com/office/drawing/2017/decorative" xmlns="" val="1"/>
+                  <adec:decorative xmlns="" xmlns:adec="http://schemas.microsoft.com/office/drawing/2017/decorative" val="1"/>
                 </a:ext>
               </a:extLst>
             </p:cNvPr>
@@ -10815,7 +10815,7 @@
             <p:nvPr>
               <p:extLst>
                 <p:ext uri="{386F3935-93C4-4BCD-93E2-E3B085C9AB24}">
-                  <p16:designElem xmlns:p16="http://schemas.microsoft.com/office/powerpoint/2015/main" xmlns="" val="1"/>
+                  <p16:designElem xmlns="" xmlns:p16="http://schemas.microsoft.com/office/powerpoint/2015/main" val="1"/>
                 </p:ext>
               </p:extLst>
             </p:nvPr>
@@ -10889,10 +10889,10 @@
           <p:cNvPr id="88" name="Rectangle 87">
             <a:extLst>
               <a:ext uri="{FF2B5EF4-FFF2-40B4-BE49-F238E27FC236}">
-                <a16:creationId xmlns:a16="http://schemas.microsoft.com/office/drawing/2014/main" xmlns="" id="{CE6C63DC-BAE4-42B6-8FDF-F6467C2D23AC}"/>
+                <a16:creationId xmlns="" xmlns:a16="http://schemas.microsoft.com/office/drawing/2014/main" id="{CE6C63DC-BAE4-42B6-8FDF-F6467C2D23AC}"/>
               </a:ext>
               <a:ext uri="{C183D7F6-B498-43B3-948B-1728B52AA6E4}">
-                <adec:decorative xmlns:adec="http://schemas.microsoft.com/office/drawing/2017/decorative" xmlns="" val="1"/>
+                <adec:decorative xmlns="" xmlns:adec="http://schemas.microsoft.com/office/drawing/2017/decorative" val="1"/>
               </a:ext>
             </a:extLst>
           </p:cNvPr>
@@ -10902,7 +10902,7 @@
           <p:nvPr>
             <p:extLst>
               <p:ext uri="{386F3935-93C4-4BCD-93E2-E3B085C9AB24}">
-                <p16:designElem xmlns:p16="http://schemas.microsoft.com/office/powerpoint/2015/main" xmlns="" val="1"/>
+                <p16:designElem xmlns="" xmlns:p16="http://schemas.microsoft.com/office/powerpoint/2015/main" val="1"/>
               </p:ext>
             </p:extLst>
           </p:nvPr>
@@ -10943,10 +10943,10 @@
           <p:cNvPr id="90" name="Freeform 11">
             <a:extLst>
               <a:ext uri="{FF2B5EF4-FFF2-40B4-BE49-F238E27FC236}">
-                <a16:creationId xmlns:a16="http://schemas.microsoft.com/office/drawing/2014/main" xmlns="" id="{BFE4781A-41C7-4F27-8792-A74EFB8E5CF1}"/>
+                <a16:creationId xmlns="" xmlns:a16="http://schemas.microsoft.com/office/drawing/2014/main" id="{BFE4781A-41C7-4F27-8792-A74EFB8E5CF1}"/>
               </a:ext>
               <a:ext uri="{C183D7F6-B498-43B3-948B-1728B52AA6E4}">
-                <adec:decorative xmlns:adec="http://schemas.microsoft.com/office/drawing/2017/decorative" xmlns="" val="1"/>
+                <adec:decorative xmlns="" xmlns:adec="http://schemas.microsoft.com/office/drawing/2017/decorative" val="1"/>
               </a:ext>
             </a:extLst>
           </p:cNvPr>
@@ -10956,7 +10956,7 @@
           <p:nvPr>
             <p:extLst>
               <p:ext uri="{386F3935-93C4-4BCD-93E2-E3B085C9AB24}">
-                <p16:designElem xmlns:p16="http://schemas.microsoft.com/office/powerpoint/2015/main" xmlns="" val="1"/>
+                <p16:designElem xmlns="" xmlns:p16="http://schemas.microsoft.com/office/powerpoint/2015/main" val="1"/>
               </p:ext>
             </p:extLst>
           </p:nvPr>
@@ -11042,10 +11042,10 @@
           <p:cNvPr id="92" name="Rectangle 91">
             <a:extLst>
               <a:ext uri="{FF2B5EF4-FFF2-40B4-BE49-F238E27FC236}">
-                <a16:creationId xmlns:a16="http://schemas.microsoft.com/office/drawing/2014/main" xmlns="" id="{0A46F010-D160-4609-8979-FFD8C1EA6C43}"/>
+                <a16:creationId xmlns="" xmlns:a16="http://schemas.microsoft.com/office/drawing/2014/main" id="{0A46F010-D160-4609-8979-FFD8C1EA6C43}"/>
               </a:ext>
               <a:ext uri="{C183D7F6-B498-43B3-948B-1728B52AA6E4}">
-                <adec:decorative xmlns:adec="http://schemas.microsoft.com/office/drawing/2017/decorative" xmlns="" val="1"/>
+                <adec:decorative xmlns="" xmlns:adec="http://schemas.microsoft.com/office/drawing/2017/decorative" val="1"/>
               </a:ext>
             </a:extLst>
           </p:cNvPr>
@@ -11055,7 +11055,7 @@
           <p:nvPr>
             <p:extLst>
               <p:ext uri="{386F3935-93C4-4BCD-93E2-E3B085C9AB24}">
-                <p16:designElem xmlns:p16="http://schemas.microsoft.com/office/powerpoint/2015/main" xmlns="" val="1"/>
+                <p16:designElem xmlns="" xmlns:p16="http://schemas.microsoft.com/office/powerpoint/2015/main" val="1"/>
               </p:ext>
             </p:extLst>
           </p:nvPr>
@@ -11128,10 +11128,10 @@
           <p:cNvPr id="94" name="Rectangle 93">
             <a:extLst>
               <a:ext uri="{FF2B5EF4-FFF2-40B4-BE49-F238E27FC236}">
-                <a16:creationId xmlns:a16="http://schemas.microsoft.com/office/drawing/2014/main" xmlns="" id="{81B8C4F6-C3AC-4C94-8EC7-E4F7B7E9CDB6}"/>
+                <a16:creationId xmlns="" xmlns:a16="http://schemas.microsoft.com/office/drawing/2014/main" id="{81B8C4F6-C3AC-4C94-8EC7-E4F7B7E9CDB6}"/>
               </a:ext>
               <a:ext uri="{C183D7F6-B498-43B3-948B-1728B52AA6E4}">
-                <adec:decorative xmlns:adec="http://schemas.microsoft.com/office/drawing/2017/decorative" xmlns="" val="1"/>
+                <adec:decorative xmlns="" xmlns:adec="http://schemas.microsoft.com/office/drawing/2017/decorative" val="1"/>
               </a:ext>
             </a:extLst>
           </p:cNvPr>
@@ -11141,7 +11141,7 @@
           <p:nvPr>
             <p:extLst>
               <p:ext uri="{386F3935-93C4-4BCD-93E2-E3B085C9AB24}">
-                <p16:designElem xmlns:p16="http://schemas.microsoft.com/office/powerpoint/2015/main" xmlns="" val="1"/>
+                <p16:designElem xmlns="" xmlns:p16="http://schemas.microsoft.com/office/powerpoint/2015/main" val="1"/>
               </p:ext>
             </p:extLst>
           </p:nvPr>
@@ -11191,10 +11191,10 @@
           <p:cNvPr id="96" name="Group 95">
             <a:extLst>
               <a:ext uri="{FF2B5EF4-FFF2-40B4-BE49-F238E27FC236}">
-                <a16:creationId xmlns:a16="http://schemas.microsoft.com/office/drawing/2014/main" xmlns="" id="{0B789310-9859-4942-98C8-3D2F12AAAE73}"/>
+                <a16:creationId xmlns="" xmlns:a16="http://schemas.microsoft.com/office/drawing/2014/main" id="{0B789310-9859-4942-98C8-3D2F12AAAE73}"/>
               </a:ext>
               <a:ext uri="{C183D7F6-B498-43B3-948B-1728B52AA6E4}">
-                <adec:decorative xmlns:adec="http://schemas.microsoft.com/office/drawing/2017/decorative" xmlns="" val="1"/>
+                <adec:decorative xmlns="" xmlns:adec="http://schemas.microsoft.com/office/drawing/2017/decorative" val="1"/>
               </a:ext>
             </a:extLst>
           </p:cNvPr>
@@ -11204,7 +11204,7 @@
           <p:nvPr>
             <p:extLst>
               <p:ext uri="{386F3935-93C4-4BCD-93E2-E3B085C9AB24}">
-                <p16:designElem xmlns:p16="http://schemas.microsoft.com/office/powerpoint/2015/main" xmlns="" val="1"/>
+                <p16:designElem xmlns="" xmlns:p16="http://schemas.microsoft.com/office/powerpoint/2015/main" val="1"/>
               </p:ext>
             </p:extLst>
           </p:nvPr>
@@ -11229,10 +11229,10 @@
             <p:cNvPr id="97" name="Freeform 11">
               <a:extLst>
                 <a:ext uri="{FF2B5EF4-FFF2-40B4-BE49-F238E27FC236}">
-                  <a16:creationId xmlns:a16="http://schemas.microsoft.com/office/drawing/2014/main" xmlns="" id="{FE9E5460-2AA9-4786-B69C-23DBEF356809}"/>
+                  <a16:creationId xmlns="" xmlns:a16="http://schemas.microsoft.com/office/drawing/2014/main" id="{FE9E5460-2AA9-4786-B69C-23DBEF356809}"/>
                 </a:ext>
                 <a:ext uri="{C183D7F6-B498-43B3-948B-1728B52AA6E4}">
-                  <adec:decorative xmlns:adec="http://schemas.microsoft.com/office/drawing/2017/decorative" xmlns="" val="1"/>
+                  <adec:decorative xmlns="" xmlns:adec="http://schemas.microsoft.com/office/drawing/2017/decorative" val="1"/>
                 </a:ext>
               </a:extLst>
             </p:cNvPr>
@@ -11240,7 +11240,7 @@
             <p:nvPr>
               <p:extLst>
                 <p:ext uri="{386F3935-93C4-4BCD-93E2-E3B085C9AB24}">
-                  <p16:designElem xmlns:p16="http://schemas.microsoft.com/office/powerpoint/2015/main" xmlns="" val="1"/>
+                  <p16:designElem xmlns="" xmlns:p16="http://schemas.microsoft.com/office/powerpoint/2015/main" val="1"/>
                 </p:ext>
               </p:extLst>
             </p:nvPr>
@@ -11301,10 +11301,10 @@
             <p:cNvPr id="98" name="Freeform 12">
               <a:extLst>
                 <a:ext uri="{FF2B5EF4-FFF2-40B4-BE49-F238E27FC236}">
-                  <a16:creationId xmlns:a16="http://schemas.microsoft.com/office/drawing/2014/main" xmlns="" id="{E344A2AF-3860-4427-B13E-98021C17ABF4}"/>
+                  <a16:creationId xmlns="" xmlns:a16="http://schemas.microsoft.com/office/drawing/2014/main" id="{E344A2AF-3860-4427-B13E-98021C17ABF4}"/>
                 </a:ext>
                 <a:ext uri="{C183D7F6-B498-43B3-948B-1728B52AA6E4}">
-                  <adec:decorative xmlns:adec="http://schemas.microsoft.com/office/drawing/2017/decorative" xmlns="" val="1"/>
+                  <adec:decorative xmlns="" xmlns:adec="http://schemas.microsoft.com/office/drawing/2017/decorative" val="1"/>
                 </a:ext>
               </a:extLst>
             </p:cNvPr>
@@ -11312,7 +11312,7 @@
             <p:nvPr>
               <p:extLst>
                 <p:ext uri="{386F3935-93C4-4BCD-93E2-E3B085C9AB24}">
-                  <p16:designElem xmlns:p16="http://schemas.microsoft.com/office/powerpoint/2015/main" xmlns="" val="1"/>
+                  <p16:designElem xmlns="" xmlns:p16="http://schemas.microsoft.com/office/powerpoint/2015/main" val="1"/>
                 </p:ext>
               </p:extLst>
             </p:nvPr>
@@ -11378,10 +11378,10 @@
             <p:cNvPr id="99" name="Freeform 13">
               <a:extLst>
                 <a:ext uri="{FF2B5EF4-FFF2-40B4-BE49-F238E27FC236}">
-                  <a16:creationId xmlns:a16="http://schemas.microsoft.com/office/drawing/2014/main" xmlns="" id="{DDBDD44E-1DC0-48AB-8FEC-E098D919740C}"/>
+                  <a16:creationId xmlns="" xmlns:a16="http://schemas.microsoft.com/office/drawing/2014/main" id="{DDBDD44E-1DC0-48AB-8FEC-E098D919740C}"/>
                 </a:ext>
                 <a:ext uri="{C183D7F6-B498-43B3-948B-1728B52AA6E4}">
-                  <adec:decorative xmlns:adec="http://schemas.microsoft.com/office/drawing/2017/decorative" xmlns="" val="1"/>
+                  <adec:decorative xmlns="" xmlns:adec="http://schemas.microsoft.com/office/drawing/2017/decorative" val="1"/>
                 </a:ext>
               </a:extLst>
             </p:cNvPr>
@@ -11389,7 +11389,7 @@
             <p:nvPr>
               <p:extLst>
                 <p:ext uri="{386F3935-93C4-4BCD-93E2-E3B085C9AB24}">
-                  <p16:designElem xmlns:p16="http://schemas.microsoft.com/office/powerpoint/2015/main" xmlns="" val="1"/>
+                  <p16:designElem xmlns="" xmlns:p16="http://schemas.microsoft.com/office/powerpoint/2015/main" val="1"/>
                 </p:ext>
               </p:extLst>
             </p:nvPr>
@@ -11460,10 +11460,10 @@
             <p:cNvPr id="100" name="Freeform 14">
               <a:extLst>
                 <a:ext uri="{FF2B5EF4-FFF2-40B4-BE49-F238E27FC236}">
-                  <a16:creationId xmlns:a16="http://schemas.microsoft.com/office/drawing/2014/main" xmlns="" id="{3151FF3E-5E3F-4D82-A684-0003BACEA854}"/>
+                  <a16:creationId xmlns="" xmlns:a16="http://schemas.microsoft.com/office/drawing/2014/main" id="{3151FF3E-5E3F-4D82-A684-0003BACEA854}"/>
                 </a:ext>
                 <a:ext uri="{C183D7F6-B498-43B3-948B-1728B52AA6E4}">
-                  <adec:decorative xmlns:adec="http://schemas.microsoft.com/office/drawing/2017/decorative" xmlns="" val="1"/>
+                  <adec:decorative xmlns="" xmlns:adec="http://schemas.microsoft.com/office/drawing/2017/decorative" val="1"/>
                 </a:ext>
               </a:extLst>
             </p:cNvPr>
@@ -11471,7 +11471,7 @@
             <p:nvPr>
               <p:extLst>
                 <p:ext uri="{386F3935-93C4-4BCD-93E2-E3B085C9AB24}">
-                  <p16:designElem xmlns:p16="http://schemas.microsoft.com/office/powerpoint/2015/main" xmlns="" val="1"/>
+                  <p16:designElem xmlns="" xmlns:p16="http://schemas.microsoft.com/office/powerpoint/2015/main" val="1"/>
                 </p:ext>
               </p:extLst>
             </p:nvPr>
@@ -11522,10 +11522,10 @@
             <p:cNvPr id="101" name="Freeform 15">
               <a:extLst>
                 <a:ext uri="{FF2B5EF4-FFF2-40B4-BE49-F238E27FC236}">
-                  <a16:creationId xmlns:a16="http://schemas.microsoft.com/office/drawing/2014/main" xmlns="" id="{C6CBF27E-7F0C-4489-95A7-82DE1C0460A9}"/>
+                  <a16:creationId xmlns="" xmlns:a16="http://schemas.microsoft.com/office/drawing/2014/main" id="{C6CBF27E-7F0C-4489-95A7-82DE1C0460A9}"/>
                 </a:ext>
                 <a:ext uri="{C183D7F6-B498-43B3-948B-1728B52AA6E4}">
-                  <adec:decorative xmlns:adec="http://schemas.microsoft.com/office/drawing/2017/decorative" xmlns="" val="1"/>
+                  <adec:decorative xmlns="" xmlns:adec="http://schemas.microsoft.com/office/drawing/2017/decorative" val="1"/>
                 </a:ext>
               </a:extLst>
             </p:cNvPr>
@@ -11533,7 +11533,7 @@
             <p:nvPr>
               <p:extLst>
                 <p:ext uri="{386F3935-93C4-4BCD-93E2-E3B085C9AB24}">
-                  <p16:designElem xmlns:p16="http://schemas.microsoft.com/office/powerpoint/2015/main" xmlns="" val="1"/>
+                  <p16:designElem xmlns="" xmlns:p16="http://schemas.microsoft.com/office/powerpoint/2015/main" val="1"/>
                 </p:ext>
               </p:extLst>
             </p:nvPr>
@@ -11619,10 +11619,10 @@
             <p:cNvPr id="102" name="Freeform 16">
               <a:extLst>
                 <a:ext uri="{FF2B5EF4-FFF2-40B4-BE49-F238E27FC236}">
-                  <a16:creationId xmlns:a16="http://schemas.microsoft.com/office/drawing/2014/main" xmlns="" id="{233BE304-221E-425E-A484-4B2E5F405B8F}"/>
+                  <a16:creationId xmlns="" xmlns:a16="http://schemas.microsoft.com/office/drawing/2014/main" id="{233BE304-221E-425E-A484-4B2E5F405B8F}"/>
                 </a:ext>
                 <a:ext uri="{C183D7F6-B498-43B3-948B-1728B52AA6E4}">
-                  <adec:decorative xmlns:adec="http://schemas.microsoft.com/office/drawing/2017/decorative" xmlns="" val="1"/>
+                  <adec:decorative xmlns="" xmlns:adec="http://schemas.microsoft.com/office/drawing/2017/decorative" val="1"/>
                 </a:ext>
               </a:extLst>
             </p:cNvPr>
@@ -11630,7 +11630,7 @@
             <p:nvPr>
               <p:extLst>
                 <p:ext uri="{386F3935-93C4-4BCD-93E2-E3B085C9AB24}">
-                  <p16:designElem xmlns:p16="http://schemas.microsoft.com/office/powerpoint/2015/main" xmlns="" val="1"/>
+                  <p16:designElem xmlns="" xmlns:p16="http://schemas.microsoft.com/office/powerpoint/2015/main" val="1"/>
                 </p:ext>
               </p:extLst>
             </p:nvPr>
@@ -11711,10 +11711,10 @@
             <p:cNvPr id="103" name="Freeform 17">
               <a:extLst>
                 <a:ext uri="{FF2B5EF4-FFF2-40B4-BE49-F238E27FC236}">
-                  <a16:creationId xmlns:a16="http://schemas.microsoft.com/office/drawing/2014/main" xmlns="" id="{10D5734E-EAEA-4A08-86A9-39BD5563EC2D}"/>
+                  <a16:creationId xmlns="" xmlns:a16="http://schemas.microsoft.com/office/drawing/2014/main" id="{10D5734E-EAEA-4A08-86A9-39BD5563EC2D}"/>
                 </a:ext>
                 <a:ext uri="{C183D7F6-B498-43B3-948B-1728B52AA6E4}">
-                  <adec:decorative xmlns:adec="http://schemas.microsoft.com/office/drawing/2017/decorative" xmlns="" val="1"/>
+                  <adec:decorative xmlns="" xmlns:adec="http://schemas.microsoft.com/office/drawing/2017/decorative" val="1"/>
                 </a:ext>
               </a:extLst>
             </p:cNvPr>
@@ -11722,7 +11722,7 @@
             <p:nvPr>
               <p:extLst>
                 <p:ext uri="{386F3935-93C4-4BCD-93E2-E3B085C9AB24}">
-                  <p16:designElem xmlns:p16="http://schemas.microsoft.com/office/powerpoint/2015/main" xmlns="" val="1"/>
+                  <p16:designElem xmlns="" xmlns:p16="http://schemas.microsoft.com/office/powerpoint/2015/main" val="1"/>
                 </p:ext>
               </p:extLst>
             </p:nvPr>
@@ -11783,10 +11783,10 @@
             <p:cNvPr id="104" name="Freeform 18">
               <a:extLst>
                 <a:ext uri="{FF2B5EF4-FFF2-40B4-BE49-F238E27FC236}">
-                  <a16:creationId xmlns:a16="http://schemas.microsoft.com/office/drawing/2014/main" xmlns="" id="{4D47FE86-98D1-4E35-86E4-16E9A19A64E8}"/>
+                  <a16:creationId xmlns="" xmlns:a16="http://schemas.microsoft.com/office/drawing/2014/main" id="{4D47FE86-98D1-4E35-86E4-16E9A19A64E8}"/>
                 </a:ext>
                 <a:ext uri="{C183D7F6-B498-43B3-948B-1728B52AA6E4}">
-                  <adec:decorative xmlns:adec="http://schemas.microsoft.com/office/drawing/2017/decorative" xmlns="" val="1"/>
+                  <adec:decorative xmlns="" xmlns:adec="http://schemas.microsoft.com/office/drawing/2017/decorative" val="1"/>
                 </a:ext>
               </a:extLst>
             </p:cNvPr>
@@ -11794,7 +11794,7 @@
             <p:nvPr>
               <p:extLst>
                 <p:ext uri="{386F3935-93C4-4BCD-93E2-E3B085C9AB24}">
-                  <p16:designElem xmlns:p16="http://schemas.microsoft.com/office/powerpoint/2015/main" xmlns="" val="1"/>
+                  <p16:designElem xmlns="" xmlns:p16="http://schemas.microsoft.com/office/powerpoint/2015/main" val="1"/>
                 </p:ext>
               </p:extLst>
             </p:nvPr>
@@ -11875,10 +11875,10 @@
             <p:cNvPr id="105" name="Freeform 19">
               <a:extLst>
                 <a:ext uri="{FF2B5EF4-FFF2-40B4-BE49-F238E27FC236}">
-                  <a16:creationId xmlns:a16="http://schemas.microsoft.com/office/drawing/2014/main" xmlns="" id="{F00661F9-B224-4DB1-8EFB-ABF9402BDEF6}"/>
+                  <a16:creationId xmlns="" xmlns:a16="http://schemas.microsoft.com/office/drawing/2014/main" id="{F00661F9-B224-4DB1-8EFB-ABF9402BDEF6}"/>
                 </a:ext>
                 <a:ext uri="{C183D7F6-B498-43B3-948B-1728B52AA6E4}">
-                  <adec:decorative xmlns:adec="http://schemas.microsoft.com/office/drawing/2017/decorative" xmlns="" val="1"/>
+                  <adec:decorative xmlns="" xmlns:adec="http://schemas.microsoft.com/office/drawing/2017/decorative" val="1"/>
                 </a:ext>
               </a:extLst>
             </p:cNvPr>
@@ -11886,7 +11886,7 @@
             <p:nvPr>
               <p:extLst>
                 <p:ext uri="{386F3935-93C4-4BCD-93E2-E3B085C9AB24}">
-                  <p16:designElem xmlns:p16="http://schemas.microsoft.com/office/powerpoint/2015/main" xmlns="" val="1"/>
+                  <p16:designElem xmlns="" xmlns:p16="http://schemas.microsoft.com/office/powerpoint/2015/main" val="1"/>
                 </p:ext>
               </p:extLst>
             </p:nvPr>
@@ -12002,10 +12002,10 @@
             <p:cNvPr id="106" name="Freeform 20">
               <a:extLst>
                 <a:ext uri="{FF2B5EF4-FFF2-40B4-BE49-F238E27FC236}">
-                  <a16:creationId xmlns:a16="http://schemas.microsoft.com/office/drawing/2014/main" xmlns="" id="{679DCB4E-8D36-4B7A-AF0C-8399F113AE93}"/>
+                  <a16:creationId xmlns="" xmlns:a16="http://schemas.microsoft.com/office/drawing/2014/main" id="{679DCB4E-8D36-4B7A-AF0C-8399F113AE93}"/>
                 </a:ext>
                 <a:ext uri="{C183D7F6-B498-43B3-948B-1728B52AA6E4}">
-                  <adec:decorative xmlns:adec="http://schemas.microsoft.com/office/drawing/2017/decorative" xmlns="" val="1"/>
+                  <adec:decorative xmlns="" xmlns:adec="http://schemas.microsoft.com/office/drawing/2017/decorative" val="1"/>
                 </a:ext>
               </a:extLst>
             </p:cNvPr>
@@ -12013,7 +12013,7 @@
             <p:nvPr>
               <p:extLst>
                 <p:ext uri="{386F3935-93C4-4BCD-93E2-E3B085C9AB24}">
-                  <p16:designElem xmlns:p16="http://schemas.microsoft.com/office/powerpoint/2015/main" xmlns="" val="1"/>
+                  <p16:designElem xmlns="" xmlns:p16="http://schemas.microsoft.com/office/powerpoint/2015/main" val="1"/>
                 </p:ext>
               </p:extLst>
             </p:nvPr>
@@ -12064,10 +12064,10 @@
             <p:cNvPr id="107" name="Freeform 21">
               <a:extLst>
                 <a:ext uri="{FF2B5EF4-FFF2-40B4-BE49-F238E27FC236}">
-                  <a16:creationId xmlns:a16="http://schemas.microsoft.com/office/drawing/2014/main" xmlns="" id="{4FAD51F6-D24C-4FD6-BEAE-41F0E5A8253C}"/>
+                  <a16:creationId xmlns="" xmlns:a16="http://schemas.microsoft.com/office/drawing/2014/main" id="{4FAD51F6-D24C-4FD6-BEAE-41F0E5A8253C}"/>
                 </a:ext>
                 <a:ext uri="{C183D7F6-B498-43B3-948B-1728B52AA6E4}">
-                  <adec:decorative xmlns:adec="http://schemas.microsoft.com/office/drawing/2017/decorative" xmlns="" val="1"/>
+                  <adec:decorative xmlns="" xmlns:adec="http://schemas.microsoft.com/office/drawing/2017/decorative" val="1"/>
                 </a:ext>
               </a:extLst>
             </p:cNvPr>
@@ -12075,7 +12075,7 @@
             <p:nvPr>
               <p:extLst>
                 <p:ext uri="{386F3935-93C4-4BCD-93E2-E3B085C9AB24}">
-                  <p16:designElem xmlns:p16="http://schemas.microsoft.com/office/powerpoint/2015/main" xmlns="" val="1"/>
+                  <p16:designElem xmlns="" xmlns:p16="http://schemas.microsoft.com/office/powerpoint/2015/main" val="1"/>
                 </p:ext>
               </p:extLst>
             </p:nvPr>
@@ -12136,10 +12136,10 @@
             <p:cNvPr id="108" name="Freeform 22">
               <a:extLst>
                 <a:ext uri="{FF2B5EF4-FFF2-40B4-BE49-F238E27FC236}">
-                  <a16:creationId xmlns:a16="http://schemas.microsoft.com/office/drawing/2014/main" xmlns="" id="{87AC773F-6D31-458A-9DD7-76566C8A9CAA}"/>
+                  <a16:creationId xmlns="" xmlns:a16="http://schemas.microsoft.com/office/drawing/2014/main" id="{87AC773F-6D31-458A-9DD7-76566C8A9CAA}"/>
                 </a:ext>
                 <a:ext uri="{C183D7F6-B498-43B3-948B-1728B52AA6E4}">
-                  <adec:decorative xmlns:adec="http://schemas.microsoft.com/office/drawing/2017/decorative" xmlns="" val="1"/>
+                  <adec:decorative xmlns="" xmlns:adec="http://schemas.microsoft.com/office/drawing/2017/decorative" val="1"/>
                 </a:ext>
               </a:extLst>
             </p:cNvPr>
@@ -12147,7 +12147,7 @@
             <p:nvPr>
               <p:extLst>
                 <p:ext uri="{386F3935-93C4-4BCD-93E2-E3B085C9AB24}">
-                  <p16:designElem xmlns:p16="http://schemas.microsoft.com/office/powerpoint/2015/main" xmlns="" val="1"/>
+                  <p16:designElem xmlns="" xmlns:p16="http://schemas.microsoft.com/office/powerpoint/2015/main" val="1"/>
                 </p:ext>
               </p:extLst>
             </p:nvPr>
@@ -12219,10 +12219,10 @@
           <p:cNvPr id="110" name="Group 109">
             <a:extLst>
               <a:ext uri="{FF2B5EF4-FFF2-40B4-BE49-F238E27FC236}">
-                <a16:creationId xmlns:a16="http://schemas.microsoft.com/office/drawing/2014/main" xmlns="" id="{6F1CEC7A-E419-4950-AA57-B00546C29CAF}"/>
+                <a16:creationId xmlns="" xmlns:a16="http://schemas.microsoft.com/office/drawing/2014/main" id="{6F1CEC7A-E419-4950-AA57-B00546C29CAF}"/>
               </a:ext>
               <a:ext uri="{C183D7F6-B498-43B3-948B-1728B52AA6E4}">
-                <adec:decorative xmlns:adec="http://schemas.microsoft.com/office/drawing/2017/decorative" xmlns="" val="1"/>
+                <adec:decorative xmlns="" xmlns:adec="http://schemas.microsoft.com/office/drawing/2017/decorative" val="1"/>
               </a:ext>
             </a:extLst>
           </p:cNvPr>
@@ -12232,7 +12232,7 @@
           <p:nvPr>
             <p:extLst>
               <p:ext uri="{386F3935-93C4-4BCD-93E2-E3B085C9AB24}">
-                <p16:designElem xmlns:p16="http://schemas.microsoft.com/office/powerpoint/2015/main" xmlns="" val="1"/>
+                <p16:designElem xmlns="" xmlns:p16="http://schemas.microsoft.com/office/powerpoint/2015/main" val="1"/>
               </p:ext>
             </p:extLst>
           </p:nvPr>
@@ -12256,10 +12256,10 @@
             <p:cNvPr id="111" name="Freeform 27">
               <a:extLst>
                 <a:ext uri="{FF2B5EF4-FFF2-40B4-BE49-F238E27FC236}">
-                  <a16:creationId xmlns:a16="http://schemas.microsoft.com/office/drawing/2014/main" xmlns="" id="{7AE7DCD1-5235-45E8-B229-15A3E3962E71}"/>
+                  <a16:creationId xmlns="" xmlns:a16="http://schemas.microsoft.com/office/drawing/2014/main" id="{7AE7DCD1-5235-45E8-B229-15A3E3962E71}"/>
                 </a:ext>
                 <a:ext uri="{C183D7F6-B498-43B3-948B-1728B52AA6E4}">
-                  <adec:decorative xmlns:adec="http://schemas.microsoft.com/office/drawing/2017/decorative" xmlns="" val="1"/>
+                  <adec:decorative xmlns="" xmlns:adec="http://schemas.microsoft.com/office/drawing/2017/decorative" val="1"/>
                 </a:ext>
               </a:extLst>
             </p:cNvPr>
@@ -12267,7 +12267,7 @@
             <p:nvPr>
               <p:extLst>
                 <p:ext uri="{386F3935-93C4-4BCD-93E2-E3B085C9AB24}">
-                  <p16:designElem xmlns:p16="http://schemas.microsoft.com/office/powerpoint/2015/main" xmlns="" val="1"/>
+                  <p16:designElem xmlns="" xmlns:p16="http://schemas.microsoft.com/office/powerpoint/2015/main" val="1"/>
                 </p:ext>
               </p:extLst>
             </p:nvPr>
@@ -12373,10 +12373,10 @@
             <p:cNvPr id="112" name="Freeform 28">
               <a:extLst>
                 <a:ext uri="{FF2B5EF4-FFF2-40B4-BE49-F238E27FC236}">
-                  <a16:creationId xmlns:a16="http://schemas.microsoft.com/office/drawing/2014/main" xmlns="" id="{C82E58C3-65A5-4079-BF94-E675AA410CD8}"/>
+                  <a16:creationId xmlns="" xmlns:a16="http://schemas.microsoft.com/office/drawing/2014/main" id="{C82E58C3-65A5-4079-BF94-E675AA410CD8}"/>
                 </a:ext>
                 <a:ext uri="{C183D7F6-B498-43B3-948B-1728B52AA6E4}">
-                  <adec:decorative xmlns:adec="http://schemas.microsoft.com/office/drawing/2017/decorative" xmlns="" val="1"/>
+                  <adec:decorative xmlns="" xmlns:adec="http://schemas.microsoft.com/office/drawing/2017/decorative" val="1"/>
                 </a:ext>
               </a:extLst>
             </p:cNvPr>
@@ -12384,7 +12384,7 @@
             <p:nvPr>
               <p:extLst>
                 <p:ext uri="{386F3935-93C4-4BCD-93E2-E3B085C9AB24}">
-                  <p16:designElem xmlns:p16="http://schemas.microsoft.com/office/powerpoint/2015/main" xmlns="" val="1"/>
+                  <p16:designElem xmlns="" xmlns:p16="http://schemas.microsoft.com/office/powerpoint/2015/main" val="1"/>
                 </p:ext>
               </p:extLst>
             </p:nvPr>
@@ -12455,10 +12455,10 @@
             <p:cNvPr id="113" name="Freeform 29">
               <a:extLst>
                 <a:ext uri="{FF2B5EF4-FFF2-40B4-BE49-F238E27FC236}">
-                  <a16:creationId xmlns:a16="http://schemas.microsoft.com/office/drawing/2014/main" xmlns="" id="{7AABE1FA-6DC8-4A47-AC5C-F05B9C111C20}"/>
+                  <a16:creationId xmlns="" xmlns:a16="http://schemas.microsoft.com/office/drawing/2014/main" id="{7AABE1FA-6DC8-4A47-AC5C-F05B9C111C20}"/>
                 </a:ext>
                 <a:ext uri="{C183D7F6-B498-43B3-948B-1728B52AA6E4}">
-                  <adec:decorative xmlns:adec="http://schemas.microsoft.com/office/drawing/2017/decorative" xmlns="" val="1"/>
+                  <adec:decorative xmlns="" xmlns:adec="http://schemas.microsoft.com/office/drawing/2017/decorative" val="1"/>
                 </a:ext>
               </a:extLst>
             </p:cNvPr>
@@ -12466,7 +12466,7 @@
             <p:nvPr>
               <p:extLst>
                 <p:ext uri="{386F3935-93C4-4BCD-93E2-E3B085C9AB24}">
-                  <p16:designElem xmlns:p16="http://schemas.microsoft.com/office/powerpoint/2015/main" xmlns="" val="1"/>
+                  <p16:designElem xmlns="" xmlns:p16="http://schemas.microsoft.com/office/powerpoint/2015/main" val="1"/>
                 </p:ext>
               </p:extLst>
             </p:nvPr>
@@ -12537,10 +12537,10 @@
             <p:cNvPr id="114" name="Freeform 30">
               <a:extLst>
                 <a:ext uri="{FF2B5EF4-FFF2-40B4-BE49-F238E27FC236}">
-                  <a16:creationId xmlns:a16="http://schemas.microsoft.com/office/drawing/2014/main" xmlns="" id="{17BB7298-8900-4C67-B800-BD241F0199B7}"/>
+                  <a16:creationId xmlns="" xmlns:a16="http://schemas.microsoft.com/office/drawing/2014/main" id="{17BB7298-8900-4C67-B800-BD241F0199B7}"/>
                 </a:ext>
                 <a:ext uri="{C183D7F6-B498-43B3-948B-1728B52AA6E4}">
-                  <adec:decorative xmlns:adec="http://schemas.microsoft.com/office/drawing/2017/decorative" xmlns="" val="1"/>
+                  <adec:decorative xmlns="" xmlns:adec="http://schemas.microsoft.com/office/drawing/2017/decorative" val="1"/>
                 </a:ext>
               </a:extLst>
             </p:cNvPr>
@@ -12548,7 +12548,7 @@
             <p:nvPr>
               <p:extLst>
                 <p:ext uri="{386F3935-93C4-4BCD-93E2-E3B085C9AB24}">
-                  <p16:designElem xmlns:p16="http://schemas.microsoft.com/office/powerpoint/2015/main" xmlns="" val="1"/>
+                  <p16:designElem xmlns="" xmlns:p16="http://schemas.microsoft.com/office/powerpoint/2015/main" val="1"/>
                 </p:ext>
               </p:extLst>
             </p:nvPr>
@@ -12634,10 +12634,10 @@
             <p:cNvPr id="115" name="Freeform 31">
               <a:extLst>
                 <a:ext uri="{FF2B5EF4-FFF2-40B4-BE49-F238E27FC236}">
-                  <a16:creationId xmlns:a16="http://schemas.microsoft.com/office/drawing/2014/main" xmlns="" id="{EE3442F8-53C2-490C-94EF-E423ECB957FD}"/>
+                  <a16:creationId xmlns="" xmlns:a16="http://schemas.microsoft.com/office/drawing/2014/main" id="{EE3442F8-53C2-490C-94EF-E423ECB957FD}"/>
                 </a:ext>
                 <a:ext uri="{C183D7F6-B498-43B3-948B-1728B52AA6E4}">
-                  <adec:decorative xmlns:adec="http://schemas.microsoft.com/office/drawing/2017/decorative" xmlns="" val="1"/>
+                  <adec:decorative xmlns="" xmlns:adec="http://schemas.microsoft.com/office/drawing/2017/decorative" val="1"/>
                 </a:ext>
               </a:extLst>
             </p:cNvPr>
@@ -12645,7 +12645,7 @@
             <p:nvPr>
               <p:extLst>
                 <p:ext uri="{386F3935-93C4-4BCD-93E2-E3B085C9AB24}">
-                  <p16:designElem xmlns:p16="http://schemas.microsoft.com/office/powerpoint/2015/main" xmlns="" val="1"/>
+                  <p16:designElem xmlns="" xmlns:p16="http://schemas.microsoft.com/office/powerpoint/2015/main" val="1"/>
                 </p:ext>
               </p:extLst>
             </p:nvPr>
@@ -12741,10 +12741,10 @@
             <p:cNvPr id="116" name="Freeform 32">
               <a:extLst>
                 <a:ext uri="{FF2B5EF4-FFF2-40B4-BE49-F238E27FC236}">
-                  <a16:creationId xmlns:a16="http://schemas.microsoft.com/office/drawing/2014/main" xmlns="" id="{3DBEA916-8B10-493A-8CBF-9B5FA2A4A027}"/>
+                  <a16:creationId xmlns="" xmlns:a16="http://schemas.microsoft.com/office/drawing/2014/main" id="{3DBEA916-8B10-493A-8CBF-9B5FA2A4A027}"/>
                 </a:ext>
                 <a:ext uri="{C183D7F6-B498-43B3-948B-1728B52AA6E4}">
-                  <adec:decorative xmlns:adec="http://schemas.microsoft.com/office/drawing/2017/decorative" xmlns="" val="1"/>
+                  <adec:decorative xmlns="" xmlns:adec="http://schemas.microsoft.com/office/drawing/2017/decorative" val="1"/>
                 </a:ext>
               </a:extLst>
             </p:cNvPr>
@@ -12752,7 +12752,7 @@
             <p:nvPr>
               <p:extLst>
                 <p:ext uri="{386F3935-93C4-4BCD-93E2-E3B085C9AB24}">
-                  <p16:designElem xmlns:p16="http://schemas.microsoft.com/office/powerpoint/2015/main" xmlns="" val="1"/>
+                  <p16:designElem xmlns="" xmlns:p16="http://schemas.microsoft.com/office/powerpoint/2015/main" val="1"/>
                 </p:ext>
               </p:extLst>
             </p:nvPr>
@@ -12803,10 +12803,10 @@
             <p:cNvPr id="117" name="Freeform 33">
               <a:extLst>
                 <a:ext uri="{FF2B5EF4-FFF2-40B4-BE49-F238E27FC236}">
-                  <a16:creationId xmlns:a16="http://schemas.microsoft.com/office/drawing/2014/main" xmlns="" id="{248DB27B-F9EA-4F81-A746-7D57B768E0A5}"/>
+                  <a16:creationId xmlns="" xmlns:a16="http://schemas.microsoft.com/office/drawing/2014/main" id="{248DB27B-F9EA-4F81-A746-7D57B768E0A5}"/>
                 </a:ext>
                 <a:ext uri="{C183D7F6-B498-43B3-948B-1728B52AA6E4}">
-                  <adec:decorative xmlns:adec="http://schemas.microsoft.com/office/drawing/2017/decorative" xmlns="" val="1"/>
+                  <adec:decorative xmlns="" xmlns:adec="http://schemas.microsoft.com/office/drawing/2017/decorative" val="1"/>
                 </a:ext>
               </a:extLst>
             </p:cNvPr>
@@ -12814,7 +12814,7 @@
             <p:nvPr>
               <p:extLst>
                 <p:ext uri="{386F3935-93C4-4BCD-93E2-E3B085C9AB24}">
-                  <p16:designElem xmlns:p16="http://schemas.microsoft.com/office/powerpoint/2015/main" xmlns="" val="1"/>
+                  <p16:designElem xmlns="" xmlns:p16="http://schemas.microsoft.com/office/powerpoint/2015/main" val="1"/>
                 </p:ext>
               </p:extLst>
             </p:nvPr>
@@ -12880,10 +12880,10 @@
             <p:cNvPr id="118" name="Freeform 34">
               <a:extLst>
                 <a:ext uri="{FF2B5EF4-FFF2-40B4-BE49-F238E27FC236}">
-                  <a16:creationId xmlns:a16="http://schemas.microsoft.com/office/drawing/2014/main" xmlns="" id="{998E5C90-2A81-4013-AE09-2023B4407C85}"/>
+                  <a16:creationId xmlns="" xmlns:a16="http://schemas.microsoft.com/office/drawing/2014/main" id="{998E5C90-2A81-4013-AE09-2023B4407C85}"/>
                 </a:ext>
                 <a:ext uri="{C183D7F6-B498-43B3-948B-1728B52AA6E4}">
-                  <adec:decorative xmlns:adec="http://schemas.microsoft.com/office/drawing/2017/decorative" xmlns="" val="1"/>
+                  <adec:decorative xmlns="" xmlns:adec="http://schemas.microsoft.com/office/drawing/2017/decorative" val="1"/>
                 </a:ext>
               </a:extLst>
             </p:cNvPr>
@@ -12891,7 +12891,7 @@
             <p:nvPr>
               <p:extLst>
                 <p:ext uri="{386F3935-93C4-4BCD-93E2-E3B085C9AB24}">
-                  <p16:designElem xmlns:p16="http://schemas.microsoft.com/office/powerpoint/2015/main" xmlns="" val="1"/>
+                  <p16:designElem xmlns="" xmlns:p16="http://schemas.microsoft.com/office/powerpoint/2015/main" val="1"/>
                 </p:ext>
               </p:extLst>
             </p:nvPr>
@@ -13002,10 +13002,10 @@
             <p:cNvPr id="119" name="Freeform 35">
               <a:extLst>
                 <a:ext uri="{FF2B5EF4-FFF2-40B4-BE49-F238E27FC236}">
-                  <a16:creationId xmlns:a16="http://schemas.microsoft.com/office/drawing/2014/main" xmlns="" id="{86A8318B-7607-4519-8EEB-C7DD50965317}"/>
+                  <a16:creationId xmlns="" xmlns:a16="http://schemas.microsoft.com/office/drawing/2014/main" id="{86A8318B-7607-4519-8EEB-C7DD50965317}"/>
                 </a:ext>
                 <a:ext uri="{C183D7F6-B498-43B3-948B-1728B52AA6E4}">
-                  <adec:decorative xmlns:adec="http://schemas.microsoft.com/office/drawing/2017/decorative" xmlns="" val="1"/>
+                  <adec:decorative xmlns="" xmlns:adec="http://schemas.microsoft.com/office/drawing/2017/decorative" val="1"/>
                 </a:ext>
               </a:extLst>
             </p:cNvPr>
@@ -13013,7 +13013,7 @@
             <p:nvPr>
               <p:extLst>
                 <p:ext uri="{386F3935-93C4-4BCD-93E2-E3B085C9AB24}">
-                  <p16:designElem xmlns:p16="http://schemas.microsoft.com/office/powerpoint/2015/main" xmlns="" val="1"/>
+                  <p16:designElem xmlns="" xmlns:p16="http://schemas.microsoft.com/office/powerpoint/2015/main" val="1"/>
                 </p:ext>
               </p:extLst>
             </p:nvPr>
@@ -13064,10 +13064,10 @@
             <p:cNvPr id="120" name="Freeform 36">
               <a:extLst>
                 <a:ext uri="{FF2B5EF4-FFF2-40B4-BE49-F238E27FC236}">
-                  <a16:creationId xmlns:a16="http://schemas.microsoft.com/office/drawing/2014/main" xmlns="" id="{5009FB1B-4865-45DB-8727-F012E3ACA55A}"/>
+                  <a16:creationId xmlns="" xmlns:a16="http://schemas.microsoft.com/office/drawing/2014/main" id="{5009FB1B-4865-45DB-8727-F012E3ACA55A}"/>
                 </a:ext>
                 <a:ext uri="{C183D7F6-B498-43B3-948B-1728B52AA6E4}">
-                  <adec:decorative xmlns:adec="http://schemas.microsoft.com/office/drawing/2017/decorative" xmlns="" val="1"/>
+                  <adec:decorative xmlns="" xmlns:adec="http://schemas.microsoft.com/office/drawing/2017/decorative" val="1"/>
                 </a:ext>
               </a:extLst>
             </p:cNvPr>
@@ -13075,7 +13075,7 @@
             <p:nvPr>
               <p:extLst>
                 <p:ext uri="{386F3935-93C4-4BCD-93E2-E3B085C9AB24}">
-                  <p16:designElem xmlns:p16="http://schemas.microsoft.com/office/powerpoint/2015/main" xmlns="" val="1"/>
+                  <p16:designElem xmlns="" xmlns:p16="http://schemas.microsoft.com/office/powerpoint/2015/main" val="1"/>
                 </p:ext>
               </p:extLst>
             </p:nvPr>
@@ -13146,10 +13146,10 @@
             <p:cNvPr id="121" name="Freeform 37">
               <a:extLst>
                 <a:ext uri="{FF2B5EF4-FFF2-40B4-BE49-F238E27FC236}">
-                  <a16:creationId xmlns:a16="http://schemas.microsoft.com/office/drawing/2014/main" xmlns="" id="{5B209B64-3A98-4B1A-857A-2368AFED67CD}"/>
+                  <a16:creationId xmlns="" xmlns:a16="http://schemas.microsoft.com/office/drawing/2014/main" id="{5B209B64-3A98-4B1A-857A-2368AFED67CD}"/>
                 </a:ext>
                 <a:ext uri="{C183D7F6-B498-43B3-948B-1728B52AA6E4}">
-                  <adec:decorative xmlns:adec="http://schemas.microsoft.com/office/drawing/2017/decorative" xmlns="" val="1"/>
+                  <adec:decorative xmlns="" xmlns:adec="http://schemas.microsoft.com/office/drawing/2017/decorative" val="1"/>
                 </a:ext>
               </a:extLst>
             </p:cNvPr>
@@ -13157,7 +13157,7 @@
             <p:nvPr>
               <p:extLst>
                 <p:ext uri="{386F3935-93C4-4BCD-93E2-E3B085C9AB24}">
-                  <p16:designElem xmlns:p16="http://schemas.microsoft.com/office/powerpoint/2015/main" xmlns="" val="1"/>
+                  <p16:designElem xmlns="" xmlns:p16="http://schemas.microsoft.com/office/powerpoint/2015/main" val="1"/>
                 </p:ext>
               </p:extLst>
             </p:nvPr>
@@ -13223,10 +13223,10 @@
             <p:cNvPr id="122" name="Freeform 38">
               <a:extLst>
                 <a:ext uri="{FF2B5EF4-FFF2-40B4-BE49-F238E27FC236}">
-                  <a16:creationId xmlns:a16="http://schemas.microsoft.com/office/drawing/2014/main" xmlns="" id="{EB3B5D03-7AE3-411C-A820-6844E7D0C614}"/>
+                  <a16:creationId xmlns="" xmlns:a16="http://schemas.microsoft.com/office/drawing/2014/main" id="{EB3B5D03-7AE3-411C-A820-6844E7D0C614}"/>
                 </a:ext>
                 <a:ext uri="{C183D7F6-B498-43B3-948B-1728B52AA6E4}">
-                  <adec:decorative xmlns:adec="http://schemas.microsoft.com/office/drawing/2017/decorative" xmlns="" val="1"/>
+                  <adec:decorative xmlns="" xmlns:adec="http://schemas.microsoft.com/office/drawing/2017/decorative" val="1"/>
                 </a:ext>
               </a:extLst>
             </p:cNvPr>
@@ -13234,7 +13234,7 @@
             <p:nvPr>
               <p:extLst>
                 <p:ext uri="{386F3935-93C4-4BCD-93E2-E3B085C9AB24}">
-                  <p16:designElem xmlns:p16="http://schemas.microsoft.com/office/powerpoint/2015/main" xmlns="" val="1"/>
+                  <p16:designElem xmlns="" xmlns:p16="http://schemas.microsoft.com/office/powerpoint/2015/main" val="1"/>
                 </p:ext>
               </p:extLst>
             </p:nvPr>
@@ -13306,10 +13306,10 @@
           <p:cNvPr id="124" name="Freeform 11">
             <a:extLst>
               <a:ext uri="{FF2B5EF4-FFF2-40B4-BE49-F238E27FC236}">
-                <a16:creationId xmlns:a16="http://schemas.microsoft.com/office/drawing/2014/main" xmlns="" id="{91328346-8BAD-4616-B50B-5CFDA5648D6A}"/>
+                <a16:creationId xmlns="" xmlns:a16="http://schemas.microsoft.com/office/drawing/2014/main" id="{91328346-8BAD-4616-B50B-5CFDA5648D6A}"/>
               </a:ext>
               <a:ext uri="{C183D7F6-B498-43B3-948B-1728B52AA6E4}">
-                <adec:decorative xmlns:adec="http://schemas.microsoft.com/office/drawing/2017/decorative" xmlns="" val="1"/>
+                <adec:decorative xmlns="" xmlns:adec="http://schemas.microsoft.com/office/drawing/2017/decorative" val="1"/>
               </a:ext>
             </a:extLst>
           </p:cNvPr>
@@ -13319,7 +13319,7 @@
           <p:nvPr>
             <p:extLst>
               <p:ext uri="{386F3935-93C4-4BCD-93E2-E3B085C9AB24}">
-                <p16:designElem xmlns:p16="http://schemas.microsoft.com/office/powerpoint/2015/main" xmlns="" val="1"/>
+                <p16:designElem xmlns="" xmlns:p16="http://schemas.microsoft.com/office/powerpoint/2015/main" val="1"/>
               </p:ext>
             </p:extLst>
           </p:nvPr>
@@ -13689,7 +13689,7 @@
           <p:cNvPr id="129" name="Espace réservé du numéro de diapositive 128">
             <a:extLst>
               <a:ext uri="{FF2B5EF4-FFF2-40B4-BE49-F238E27FC236}">
-                <a16:creationId xmlns:a16="http://schemas.microsoft.com/office/drawing/2014/main" xmlns="" id="{7E44094E-2B07-E6EC-A12B-60B066F8A738}"/>
+                <a16:creationId xmlns="" xmlns:a16="http://schemas.microsoft.com/office/drawing/2014/main" id="{7E44094E-2B07-E6EC-A12B-60B066F8A738}"/>
               </a:ext>
             </a:extLst>
           </p:cNvPr>
@@ -13760,7 +13760,7 @@
           <p:cNvPr id="2" name="Titre 1">
             <a:extLst>
               <a:ext uri="{FF2B5EF4-FFF2-40B4-BE49-F238E27FC236}">
-                <a16:creationId xmlns:a16="http://schemas.microsoft.com/office/drawing/2014/main" xmlns="" id="{7CBDACE7-3AA8-7FDF-6BCF-5D8E38B1130D}"/>
+                <a16:creationId xmlns="" xmlns:a16="http://schemas.microsoft.com/office/drawing/2014/main" id="{7CBDACE7-3AA8-7FDF-6BCF-5D8E38B1130D}"/>
               </a:ext>
             </a:extLst>
           </p:cNvPr>
@@ -13793,7 +13793,7 @@
           <p:cNvPr id="4" name="AutoShape 3">
             <a:extLst>
               <a:ext uri="{FF2B5EF4-FFF2-40B4-BE49-F238E27FC236}">
-                <a16:creationId xmlns:a16="http://schemas.microsoft.com/office/drawing/2014/main" xmlns="" id="{10469CB7-604C-90CF-12F2-43A4676F6A12}"/>
+                <a16:creationId xmlns="" xmlns:a16="http://schemas.microsoft.com/office/drawing/2014/main" id="{10469CB7-604C-90CF-12F2-43A4676F6A12}"/>
               </a:ext>
             </a:extLst>
           </p:cNvPr>
@@ -13851,7 +13851,7 @@
           <p:cNvPr id="5" name="Rectangle 5">
             <a:extLst>
               <a:ext uri="{FF2B5EF4-FFF2-40B4-BE49-F238E27FC236}">
-                <a16:creationId xmlns:a16="http://schemas.microsoft.com/office/drawing/2014/main" xmlns="" id="{00031F71-5717-8B24-E4E1-A1D5449A7F13}"/>
+                <a16:creationId xmlns="" xmlns:a16="http://schemas.microsoft.com/office/drawing/2014/main" id="{00031F71-5717-8B24-E4E1-A1D5449A7F13}"/>
               </a:ext>
             </a:extLst>
           </p:cNvPr>
@@ -13907,7 +13907,7 @@
           <p:cNvPr id="6" name="Rectangle 6">
             <a:extLst>
               <a:ext uri="{FF2B5EF4-FFF2-40B4-BE49-F238E27FC236}">
-                <a16:creationId xmlns:a16="http://schemas.microsoft.com/office/drawing/2014/main" xmlns="" id="{F72DD6BD-2A64-78DD-606F-A0BCD27E2519}"/>
+                <a16:creationId xmlns="" xmlns:a16="http://schemas.microsoft.com/office/drawing/2014/main" id="{F72DD6BD-2A64-78DD-606F-A0BCD27E2519}"/>
               </a:ext>
             </a:extLst>
           </p:cNvPr>
@@ -13963,7 +13963,7 @@
           <p:cNvPr id="7" name="Rectangle 7">
             <a:extLst>
               <a:ext uri="{FF2B5EF4-FFF2-40B4-BE49-F238E27FC236}">
-                <a16:creationId xmlns:a16="http://schemas.microsoft.com/office/drawing/2014/main" xmlns="" id="{38F0CF07-2A05-3AF4-3899-F57928E4A930}"/>
+                <a16:creationId xmlns="" xmlns:a16="http://schemas.microsoft.com/office/drawing/2014/main" id="{38F0CF07-2A05-3AF4-3899-F57928E4A930}"/>
               </a:ext>
             </a:extLst>
           </p:cNvPr>
@@ -14019,7 +14019,7 @@
           <p:cNvPr id="8" name="Rectangle 8">
             <a:extLst>
               <a:ext uri="{FF2B5EF4-FFF2-40B4-BE49-F238E27FC236}">
-                <a16:creationId xmlns:a16="http://schemas.microsoft.com/office/drawing/2014/main" xmlns="" id="{CD89BC00-3646-DD41-F177-0E34085DD6E5}"/>
+                <a16:creationId xmlns="" xmlns:a16="http://schemas.microsoft.com/office/drawing/2014/main" id="{CD89BC00-3646-DD41-F177-0E34085DD6E5}"/>
               </a:ext>
             </a:extLst>
           </p:cNvPr>
@@ -14075,7 +14075,7 @@
           <p:cNvPr id="9" name="Rectangle 9">
             <a:extLst>
               <a:ext uri="{FF2B5EF4-FFF2-40B4-BE49-F238E27FC236}">
-                <a16:creationId xmlns:a16="http://schemas.microsoft.com/office/drawing/2014/main" xmlns="" id="{EA5850C7-8921-D8B1-DBFA-308591470F80}"/>
+                <a16:creationId xmlns="" xmlns:a16="http://schemas.microsoft.com/office/drawing/2014/main" id="{EA5850C7-8921-D8B1-DBFA-308591470F80}"/>
               </a:ext>
             </a:extLst>
           </p:cNvPr>
@@ -14131,7 +14131,7 @@
           <p:cNvPr id="10" name="Rectangle 10">
             <a:extLst>
               <a:ext uri="{FF2B5EF4-FFF2-40B4-BE49-F238E27FC236}">
-                <a16:creationId xmlns:a16="http://schemas.microsoft.com/office/drawing/2014/main" xmlns="" id="{347474F9-DF40-6A4B-5B2B-386A15B1FAE2}"/>
+                <a16:creationId xmlns="" xmlns:a16="http://schemas.microsoft.com/office/drawing/2014/main" id="{347474F9-DF40-6A4B-5B2B-386A15B1FAE2}"/>
               </a:ext>
             </a:extLst>
           </p:cNvPr>
@@ -14187,7 +14187,7 @@
           <p:cNvPr id="11" name="Rectangle 11">
             <a:extLst>
               <a:ext uri="{FF2B5EF4-FFF2-40B4-BE49-F238E27FC236}">
-                <a16:creationId xmlns:a16="http://schemas.microsoft.com/office/drawing/2014/main" xmlns="" id="{517F2A90-84F8-318A-613A-C7DDD2D72774}"/>
+                <a16:creationId xmlns="" xmlns:a16="http://schemas.microsoft.com/office/drawing/2014/main" id="{517F2A90-84F8-318A-613A-C7DDD2D72774}"/>
               </a:ext>
             </a:extLst>
           </p:cNvPr>
@@ -14243,7 +14243,7 @@
           <p:cNvPr id="12" name="Rectangle 12">
             <a:extLst>
               <a:ext uri="{FF2B5EF4-FFF2-40B4-BE49-F238E27FC236}">
-                <a16:creationId xmlns:a16="http://schemas.microsoft.com/office/drawing/2014/main" xmlns="" id="{1DB4EB6B-572E-B1D0-09D7-64EF2FF9EC11}"/>
+                <a16:creationId xmlns="" xmlns:a16="http://schemas.microsoft.com/office/drawing/2014/main" id="{1DB4EB6B-572E-B1D0-09D7-64EF2FF9EC11}"/>
               </a:ext>
             </a:extLst>
           </p:cNvPr>
@@ -14299,7 +14299,7 @@
           <p:cNvPr id="13" name="Rectangle 13">
             <a:extLst>
               <a:ext uri="{FF2B5EF4-FFF2-40B4-BE49-F238E27FC236}">
-                <a16:creationId xmlns:a16="http://schemas.microsoft.com/office/drawing/2014/main" xmlns="" id="{8F5A7D96-49A1-2338-E57B-3A48827D4343}"/>
+                <a16:creationId xmlns="" xmlns:a16="http://schemas.microsoft.com/office/drawing/2014/main" id="{8F5A7D96-49A1-2338-E57B-3A48827D4343}"/>
               </a:ext>
             </a:extLst>
           </p:cNvPr>
@@ -14355,7 +14355,7 @@
           <p:cNvPr id="14" name="Rectangle 14">
             <a:extLst>
               <a:ext uri="{FF2B5EF4-FFF2-40B4-BE49-F238E27FC236}">
-                <a16:creationId xmlns:a16="http://schemas.microsoft.com/office/drawing/2014/main" xmlns="" id="{16C0339A-5911-7E02-7606-D0EFD26BFF3C}"/>
+                <a16:creationId xmlns="" xmlns:a16="http://schemas.microsoft.com/office/drawing/2014/main" id="{16C0339A-5911-7E02-7606-D0EFD26BFF3C}"/>
               </a:ext>
             </a:extLst>
           </p:cNvPr>
@@ -14411,7 +14411,7 @@
           <p:cNvPr id="15" name="Rectangle 15">
             <a:extLst>
               <a:ext uri="{FF2B5EF4-FFF2-40B4-BE49-F238E27FC236}">
-                <a16:creationId xmlns:a16="http://schemas.microsoft.com/office/drawing/2014/main" xmlns="" id="{AC3C82EC-B04D-93EA-0506-498814622FFB}"/>
+                <a16:creationId xmlns="" xmlns:a16="http://schemas.microsoft.com/office/drawing/2014/main" id="{AC3C82EC-B04D-93EA-0506-498814622FFB}"/>
               </a:ext>
             </a:extLst>
           </p:cNvPr>
@@ -14467,7 +14467,7 @@
           <p:cNvPr id="16" name="Rectangle 16">
             <a:extLst>
               <a:ext uri="{FF2B5EF4-FFF2-40B4-BE49-F238E27FC236}">
-                <a16:creationId xmlns:a16="http://schemas.microsoft.com/office/drawing/2014/main" xmlns="" id="{79AD10F1-B6F0-FB04-1529-34100D60867C}"/>
+                <a16:creationId xmlns="" xmlns:a16="http://schemas.microsoft.com/office/drawing/2014/main" id="{79AD10F1-B6F0-FB04-1529-34100D60867C}"/>
               </a:ext>
             </a:extLst>
           </p:cNvPr>
@@ -14523,7 +14523,7 @@
           <p:cNvPr id="17" name="Rectangle 17">
             <a:extLst>
               <a:ext uri="{FF2B5EF4-FFF2-40B4-BE49-F238E27FC236}">
-                <a16:creationId xmlns:a16="http://schemas.microsoft.com/office/drawing/2014/main" xmlns="" id="{C995C87D-FF31-B2B4-0BBA-9CEB6399E53D}"/>
+                <a16:creationId xmlns="" xmlns:a16="http://schemas.microsoft.com/office/drawing/2014/main" id="{C995C87D-FF31-B2B4-0BBA-9CEB6399E53D}"/>
               </a:ext>
             </a:extLst>
           </p:cNvPr>
@@ -14579,7 +14579,7 @@
           <p:cNvPr id="18" name="Rectangle 18">
             <a:extLst>
               <a:ext uri="{FF2B5EF4-FFF2-40B4-BE49-F238E27FC236}">
-                <a16:creationId xmlns:a16="http://schemas.microsoft.com/office/drawing/2014/main" xmlns="" id="{FF9180DF-0895-C6BD-00BE-BDB18CA4D976}"/>
+                <a16:creationId xmlns="" xmlns:a16="http://schemas.microsoft.com/office/drawing/2014/main" id="{FF9180DF-0895-C6BD-00BE-BDB18CA4D976}"/>
               </a:ext>
             </a:extLst>
           </p:cNvPr>
@@ -14635,7 +14635,7 @@
           <p:cNvPr id="19" name="Rectangle 19">
             <a:extLst>
               <a:ext uri="{FF2B5EF4-FFF2-40B4-BE49-F238E27FC236}">
-                <a16:creationId xmlns:a16="http://schemas.microsoft.com/office/drawing/2014/main" xmlns="" id="{5205990D-9F60-2789-CC57-8CACCABC8B5D}"/>
+                <a16:creationId xmlns="" xmlns:a16="http://schemas.microsoft.com/office/drawing/2014/main" id="{5205990D-9F60-2789-CC57-8CACCABC8B5D}"/>
               </a:ext>
             </a:extLst>
           </p:cNvPr>
@@ -14691,7 +14691,7 @@
           <p:cNvPr id="20" name="Rectangle 20">
             <a:extLst>
               <a:ext uri="{FF2B5EF4-FFF2-40B4-BE49-F238E27FC236}">
-                <a16:creationId xmlns:a16="http://schemas.microsoft.com/office/drawing/2014/main" xmlns="" id="{22CDCA76-9C23-10A9-185B-E51842E0DCA7}"/>
+                <a16:creationId xmlns="" xmlns:a16="http://schemas.microsoft.com/office/drawing/2014/main" id="{22CDCA76-9C23-10A9-185B-E51842E0DCA7}"/>
               </a:ext>
             </a:extLst>
           </p:cNvPr>
@@ -14747,7 +14747,7 @@
           <p:cNvPr id="21" name="Rectangle 21">
             <a:extLst>
               <a:ext uri="{FF2B5EF4-FFF2-40B4-BE49-F238E27FC236}">
-                <a16:creationId xmlns:a16="http://schemas.microsoft.com/office/drawing/2014/main" xmlns="" id="{EA340C5F-1D73-A7CF-618C-2692CC8A973A}"/>
+                <a16:creationId xmlns="" xmlns:a16="http://schemas.microsoft.com/office/drawing/2014/main" id="{EA340C5F-1D73-A7CF-618C-2692CC8A973A}"/>
               </a:ext>
             </a:extLst>
           </p:cNvPr>
@@ -14803,7 +14803,7 @@
           <p:cNvPr id="22" name="Rectangle 22">
             <a:extLst>
               <a:ext uri="{FF2B5EF4-FFF2-40B4-BE49-F238E27FC236}">
-                <a16:creationId xmlns:a16="http://schemas.microsoft.com/office/drawing/2014/main" xmlns="" id="{42B851CC-5661-7DFE-45B5-F9FCA54FFE4B}"/>
+                <a16:creationId xmlns="" xmlns:a16="http://schemas.microsoft.com/office/drawing/2014/main" id="{42B851CC-5661-7DFE-45B5-F9FCA54FFE4B}"/>
               </a:ext>
             </a:extLst>
           </p:cNvPr>
@@ -14859,7 +14859,7 @@
           <p:cNvPr id="23" name="Rectangle 23">
             <a:extLst>
               <a:ext uri="{FF2B5EF4-FFF2-40B4-BE49-F238E27FC236}">
-                <a16:creationId xmlns:a16="http://schemas.microsoft.com/office/drawing/2014/main" xmlns="" id="{36A57846-AEF1-F97D-07FF-A8E6EBD05633}"/>
+                <a16:creationId xmlns="" xmlns:a16="http://schemas.microsoft.com/office/drawing/2014/main" id="{36A57846-AEF1-F97D-07FF-A8E6EBD05633}"/>
               </a:ext>
             </a:extLst>
           </p:cNvPr>
@@ -14915,7 +14915,7 @@
           <p:cNvPr id="24" name="Rectangle 24">
             <a:extLst>
               <a:ext uri="{FF2B5EF4-FFF2-40B4-BE49-F238E27FC236}">
-                <a16:creationId xmlns:a16="http://schemas.microsoft.com/office/drawing/2014/main" xmlns="" id="{980052A7-2CD8-9E8D-8E4A-7AF1D7B370FD}"/>
+                <a16:creationId xmlns="" xmlns:a16="http://schemas.microsoft.com/office/drawing/2014/main" id="{980052A7-2CD8-9E8D-8E4A-7AF1D7B370FD}"/>
               </a:ext>
             </a:extLst>
           </p:cNvPr>
@@ -14971,7 +14971,7 @@
           <p:cNvPr id="25" name="Line 25">
             <a:extLst>
               <a:ext uri="{FF2B5EF4-FFF2-40B4-BE49-F238E27FC236}">
-                <a16:creationId xmlns:a16="http://schemas.microsoft.com/office/drawing/2014/main" xmlns="" id="{A0DFDF0B-C9F8-0C42-E0AD-9A0C68382C0A}"/>
+                <a16:creationId xmlns="" xmlns:a16="http://schemas.microsoft.com/office/drawing/2014/main" id="{A0DFDF0B-C9F8-0C42-E0AD-9A0C68382C0A}"/>
               </a:ext>
             </a:extLst>
           </p:cNvPr>
@@ -15026,7 +15026,7 @@
           <p:cNvPr id="26" name="Line 26">
             <a:extLst>
               <a:ext uri="{FF2B5EF4-FFF2-40B4-BE49-F238E27FC236}">
-                <a16:creationId xmlns:a16="http://schemas.microsoft.com/office/drawing/2014/main" xmlns="" id="{EC5EB631-85D7-CEBD-58CB-2B7DBC0D76B0}"/>
+                <a16:creationId xmlns="" xmlns:a16="http://schemas.microsoft.com/office/drawing/2014/main" id="{EC5EB631-85D7-CEBD-58CB-2B7DBC0D76B0}"/>
               </a:ext>
             </a:extLst>
           </p:cNvPr>
@@ -15081,7 +15081,7 @@
           <p:cNvPr id="27" name="Line 27">
             <a:extLst>
               <a:ext uri="{FF2B5EF4-FFF2-40B4-BE49-F238E27FC236}">
-                <a16:creationId xmlns:a16="http://schemas.microsoft.com/office/drawing/2014/main" xmlns="" id="{8ADC1C19-EC3F-69D5-F3F3-3FD62BF50E6D}"/>
+                <a16:creationId xmlns="" xmlns:a16="http://schemas.microsoft.com/office/drawing/2014/main" id="{8ADC1C19-EC3F-69D5-F3F3-3FD62BF50E6D}"/>
               </a:ext>
             </a:extLst>
           </p:cNvPr>
@@ -15136,7 +15136,7 @@
           <p:cNvPr id="28" name="Line 28">
             <a:extLst>
               <a:ext uri="{FF2B5EF4-FFF2-40B4-BE49-F238E27FC236}">
-                <a16:creationId xmlns:a16="http://schemas.microsoft.com/office/drawing/2014/main" xmlns="" id="{ED815FF3-9F56-CBA7-4A68-684F38163D8E}"/>
+                <a16:creationId xmlns="" xmlns:a16="http://schemas.microsoft.com/office/drawing/2014/main" id="{ED815FF3-9F56-CBA7-4A68-684F38163D8E}"/>
               </a:ext>
             </a:extLst>
           </p:cNvPr>
@@ -15191,7 +15191,7 @@
           <p:cNvPr id="29" name="Line 29">
             <a:extLst>
               <a:ext uri="{FF2B5EF4-FFF2-40B4-BE49-F238E27FC236}">
-                <a16:creationId xmlns:a16="http://schemas.microsoft.com/office/drawing/2014/main" xmlns="" id="{C1ECB917-BE92-5B67-58C5-BE197D53853B}"/>
+                <a16:creationId xmlns="" xmlns:a16="http://schemas.microsoft.com/office/drawing/2014/main" id="{C1ECB917-BE92-5B67-58C5-BE197D53853B}"/>
               </a:ext>
             </a:extLst>
           </p:cNvPr>
@@ -15246,7 +15246,7 @@
           <p:cNvPr id="30" name="Line 30">
             <a:extLst>
               <a:ext uri="{FF2B5EF4-FFF2-40B4-BE49-F238E27FC236}">
-                <a16:creationId xmlns:a16="http://schemas.microsoft.com/office/drawing/2014/main" xmlns="" id="{1D467F1B-88C0-3085-0047-E359E26DD978}"/>
+                <a16:creationId xmlns="" xmlns:a16="http://schemas.microsoft.com/office/drawing/2014/main" id="{1D467F1B-88C0-3085-0047-E359E26DD978}"/>
               </a:ext>
             </a:extLst>
           </p:cNvPr>
@@ -15301,7 +15301,7 @@
           <p:cNvPr id="31" name="Line 31">
             <a:extLst>
               <a:ext uri="{FF2B5EF4-FFF2-40B4-BE49-F238E27FC236}">
-                <a16:creationId xmlns:a16="http://schemas.microsoft.com/office/drawing/2014/main" xmlns="" id="{06440AE0-803C-5BCE-A7BF-E8839E768EB5}"/>
+                <a16:creationId xmlns="" xmlns:a16="http://schemas.microsoft.com/office/drawing/2014/main" id="{06440AE0-803C-5BCE-A7BF-E8839E768EB5}"/>
               </a:ext>
             </a:extLst>
           </p:cNvPr>
@@ -15356,7 +15356,7 @@
           <p:cNvPr id="32" name="Line 32">
             <a:extLst>
               <a:ext uri="{FF2B5EF4-FFF2-40B4-BE49-F238E27FC236}">
-                <a16:creationId xmlns:a16="http://schemas.microsoft.com/office/drawing/2014/main" xmlns="" id="{A6854ECB-7246-FDF0-1506-C539346342EA}"/>
+                <a16:creationId xmlns="" xmlns:a16="http://schemas.microsoft.com/office/drawing/2014/main" id="{A6854ECB-7246-FDF0-1506-C539346342EA}"/>
               </a:ext>
             </a:extLst>
           </p:cNvPr>
@@ -15411,7 +15411,7 @@
           <p:cNvPr id="33" name="Line 33">
             <a:extLst>
               <a:ext uri="{FF2B5EF4-FFF2-40B4-BE49-F238E27FC236}">
-                <a16:creationId xmlns:a16="http://schemas.microsoft.com/office/drawing/2014/main" xmlns="" id="{2722E451-C6A9-FDEB-2D0D-BD8B3877E4F9}"/>
+                <a16:creationId xmlns="" xmlns:a16="http://schemas.microsoft.com/office/drawing/2014/main" id="{2722E451-C6A9-FDEB-2D0D-BD8B3877E4F9}"/>
               </a:ext>
             </a:extLst>
           </p:cNvPr>
@@ -15466,7 +15466,7 @@
           <p:cNvPr id="34" name="Line 34">
             <a:extLst>
               <a:ext uri="{FF2B5EF4-FFF2-40B4-BE49-F238E27FC236}">
-                <a16:creationId xmlns:a16="http://schemas.microsoft.com/office/drawing/2014/main" xmlns="" id="{3FE288E1-F2FE-E597-AA97-1000C57D05BB}"/>
+                <a16:creationId xmlns="" xmlns:a16="http://schemas.microsoft.com/office/drawing/2014/main" id="{3FE288E1-F2FE-E597-AA97-1000C57D05BB}"/>
               </a:ext>
             </a:extLst>
           </p:cNvPr>
@@ -15521,7 +15521,7 @@
           <p:cNvPr id="35" name="Line 35">
             <a:extLst>
               <a:ext uri="{FF2B5EF4-FFF2-40B4-BE49-F238E27FC236}">
-                <a16:creationId xmlns:a16="http://schemas.microsoft.com/office/drawing/2014/main" xmlns="" id="{803C202D-7689-8520-7CFF-7A880894F512}"/>
+                <a16:creationId xmlns="" xmlns:a16="http://schemas.microsoft.com/office/drawing/2014/main" id="{803C202D-7689-8520-7CFF-7A880894F512}"/>
               </a:ext>
             </a:extLst>
           </p:cNvPr>
@@ -15576,7 +15576,7 @@
           <p:cNvPr id="36" name="Rectangle 36">
             <a:extLst>
               <a:ext uri="{FF2B5EF4-FFF2-40B4-BE49-F238E27FC236}">
-                <a16:creationId xmlns:a16="http://schemas.microsoft.com/office/drawing/2014/main" xmlns="" id="{841A0462-B29D-A304-DFD8-F632C3A91C5B}"/>
+                <a16:creationId xmlns="" xmlns:a16="http://schemas.microsoft.com/office/drawing/2014/main" id="{841A0462-B29D-A304-DFD8-F632C3A91C5B}"/>
               </a:ext>
             </a:extLst>
           </p:cNvPr>
@@ -15802,7 +15802,7 @@
           <p:cNvPr id="37" name="Rectangle 37">
             <a:extLst>
               <a:ext uri="{FF2B5EF4-FFF2-40B4-BE49-F238E27FC236}">
-                <a16:creationId xmlns:a16="http://schemas.microsoft.com/office/drawing/2014/main" xmlns="" id="{18ED6A4E-748C-AE58-B37E-CE24B441E253}"/>
+                <a16:creationId xmlns="" xmlns:a16="http://schemas.microsoft.com/office/drawing/2014/main" id="{18ED6A4E-748C-AE58-B37E-CE24B441E253}"/>
               </a:ext>
             </a:extLst>
           </p:cNvPr>
@@ -16028,7 +16028,7 @@
           <p:cNvPr id="38" name="Rectangle 38">
             <a:extLst>
               <a:ext uri="{FF2B5EF4-FFF2-40B4-BE49-F238E27FC236}">
-                <a16:creationId xmlns:a16="http://schemas.microsoft.com/office/drawing/2014/main" xmlns="" id="{18D5EB12-1559-28BE-0E22-8D9733A9F896}"/>
+                <a16:creationId xmlns="" xmlns:a16="http://schemas.microsoft.com/office/drawing/2014/main" id="{18D5EB12-1559-28BE-0E22-8D9733A9F896}"/>
               </a:ext>
             </a:extLst>
           </p:cNvPr>
@@ -16254,7 +16254,7 @@
           <p:cNvPr id="39" name="Rectangle 39">
             <a:extLst>
               <a:ext uri="{FF2B5EF4-FFF2-40B4-BE49-F238E27FC236}">
-                <a16:creationId xmlns:a16="http://schemas.microsoft.com/office/drawing/2014/main" xmlns="" id="{7D632E20-0EA2-DC64-0622-1A49BE461866}"/>
+                <a16:creationId xmlns="" xmlns:a16="http://schemas.microsoft.com/office/drawing/2014/main" id="{7D632E20-0EA2-DC64-0622-1A49BE461866}"/>
               </a:ext>
             </a:extLst>
           </p:cNvPr>
@@ -16480,7 +16480,7 @@
           <p:cNvPr id="40" name="Rectangle 40">
             <a:extLst>
               <a:ext uri="{FF2B5EF4-FFF2-40B4-BE49-F238E27FC236}">
-                <a16:creationId xmlns:a16="http://schemas.microsoft.com/office/drawing/2014/main" xmlns="" id="{16E15568-1A3F-AC0F-9A41-0205201C2C21}"/>
+                <a16:creationId xmlns="" xmlns:a16="http://schemas.microsoft.com/office/drawing/2014/main" id="{16E15568-1A3F-AC0F-9A41-0205201C2C21}"/>
               </a:ext>
             </a:extLst>
           </p:cNvPr>
@@ -16706,7 +16706,7 @@
           <p:cNvPr id="41" name="Rectangle 41">
             <a:extLst>
               <a:ext uri="{FF2B5EF4-FFF2-40B4-BE49-F238E27FC236}">
-                <a16:creationId xmlns:a16="http://schemas.microsoft.com/office/drawing/2014/main" xmlns="" id="{B33610D1-D7C9-0CEA-13A9-2A8460686F95}"/>
+                <a16:creationId xmlns="" xmlns:a16="http://schemas.microsoft.com/office/drawing/2014/main" id="{B33610D1-D7C9-0CEA-13A9-2A8460686F95}"/>
               </a:ext>
             </a:extLst>
           </p:cNvPr>
@@ -16932,7 +16932,7 @@
           <p:cNvPr id="42" name="Rectangle 42">
             <a:extLst>
               <a:ext uri="{FF2B5EF4-FFF2-40B4-BE49-F238E27FC236}">
-                <a16:creationId xmlns:a16="http://schemas.microsoft.com/office/drawing/2014/main" xmlns="" id="{F030AE62-20A4-29F2-8C05-C455E1346CB9}"/>
+                <a16:creationId xmlns="" xmlns:a16="http://schemas.microsoft.com/office/drawing/2014/main" id="{F030AE62-20A4-29F2-8C05-C455E1346CB9}"/>
               </a:ext>
             </a:extLst>
           </p:cNvPr>
@@ -17158,7 +17158,7 @@
           <p:cNvPr id="43" name="Rectangle 43">
             <a:extLst>
               <a:ext uri="{FF2B5EF4-FFF2-40B4-BE49-F238E27FC236}">
-                <a16:creationId xmlns:a16="http://schemas.microsoft.com/office/drawing/2014/main" xmlns="" id="{050BDD1C-FFA8-0C73-BCDF-D72F9D380F98}"/>
+                <a16:creationId xmlns="" xmlns:a16="http://schemas.microsoft.com/office/drawing/2014/main" id="{050BDD1C-FFA8-0C73-BCDF-D72F9D380F98}"/>
               </a:ext>
             </a:extLst>
           </p:cNvPr>
@@ -17384,7 +17384,7 @@
           <p:cNvPr id="44" name="Rectangle 44">
             <a:extLst>
               <a:ext uri="{FF2B5EF4-FFF2-40B4-BE49-F238E27FC236}">
-                <a16:creationId xmlns:a16="http://schemas.microsoft.com/office/drawing/2014/main" xmlns="" id="{8F077F8B-0AAB-E1AE-4932-BFEC8159D05F}"/>
+                <a16:creationId xmlns="" xmlns:a16="http://schemas.microsoft.com/office/drawing/2014/main" id="{8F077F8B-0AAB-E1AE-4932-BFEC8159D05F}"/>
               </a:ext>
             </a:extLst>
           </p:cNvPr>
@@ -17610,7 +17610,7 @@
           <p:cNvPr id="45" name="Rectangle 45">
             <a:extLst>
               <a:ext uri="{FF2B5EF4-FFF2-40B4-BE49-F238E27FC236}">
-                <a16:creationId xmlns:a16="http://schemas.microsoft.com/office/drawing/2014/main" xmlns="" id="{3B84226F-CC10-0361-3278-C3DE4F68BE27}"/>
+                <a16:creationId xmlns="" xmlns:a16="http://schemas.microsoft.com/office/drawing/2014/main" id="{3B84226F-CC10-0361-3278-C3DE4F68BE27}"/>
               </a:ext>
             </a:extLst>
           </p:cNvPr>
@@ -17836,7 +17836,7 @@
           <p:cNvPr id="46" name="Rectangle 46">
             <a:extLst>
               <a:ext uri="{FF2B5EF4-FFF2-40B4-BE49-F238E27FC236}">
-                <a16:creationId xmlns:a16="http://schemas.microsoft.com/office/drawing/2014/main" xmlns="" id="{CDFE15B2-CEF5-C741-5137-BFB81C943103}"/>
+                <a16:creationId xmlns="" xmlns:a16="http://schemas.microsoft.com/office/drawing/2014/main" id="{CDFE15B2-CEF5-C741-5137-BFB81C943103}"/>
               </a:ext>
             </a:extLst>
           </p:cNvPr>
@@ -18062,7 +18062,7 @@
           <p:cNvPr id="47" name="Rectangle 47">
             <a:extLst>
               <a:ext uri="{FF2B5EF4-FFF2-40B4-BE49-F238E27FC236}">
-                <a16:creationId xmlns:a16="http://schemas.microsoft.com/office/drawing/2014/main" xmlns="" id="{617766F4-50F5-83E3-3073-2A6EAFEE8AE3}"/>
+                <a16:creationId xmlns="" xmlns:a16="http://schemas.microsoft.com/office/drawing/2014/main" id="{617766F4-50F5-83E3-3073-2A6EAFEE8AE3}"/>
               </a:ext>
             </a:extLst>
           </p:cNvPr>
@@ -18288,7 +18288,7 @@
           <p:cNvPr id="48" name="Rectangle 48">
             <a:extLst>
               <a:ext uri="{FF2B5EF4-FFF2-40B4-BE49-F238E27FC236}">
-                <a16:creationId xmlns:a16="http://schemas.microsoft.com/office/drawing/2014/main" xmlns="" id="{D61FDC93-350D-44A7-DCFC-6A8F11E869B2}"/>
+                <a16:creationId xmlns="" xmlns:a16="http://schemas.microsoft.com/office/drawing/2014/main" id="{D61FDC93-350D-44A7-DCFC-6A8F11E869B2}"/>
               </a:ext>
             </a:extLst>
           </p:cNvPr>
@@ -18514,7 +18514,7 @@
           <p:cNvPr id="49" name="Rectangle 49">
             <a:extLst>
               <a:ext uri="{FF2B5EF4-FFF2-40B4-BE49-F238E27FC236}">
-                <a16:creationId xmlns:a16="http://schemas.microsoft.com/office/drawing/2014/main" xmlns="" id="{7EE1451A-E3ED-C688-E2E6-352E4B79844F}"/>
+                <a16:creationId xmlns="" xmlns:a16="http://schemas.microsoft.com/office/drawing/2014/main" id="{7EE1451A-E3ED-C688-E2E6-352E4B79844F}"/>
               </a:ext>
             </a:extLst>
           </p:cNvPr>
@@ -18740,7 +18740,7 @@
           <p:cNvPr id="50" name="Rectangle 50">
             <a:extLst>
               <a:ext uri="{FF2B5EF4-FFF2-40B4-BE49-F238E27FC236}">
-                <a16:creationId xmlns:a16="http://schemas.microsoft.com/office/drawing/2014/main" xmlns="" id="{9A5A8A76-CAE3-04A1-10E7-779DE9D691DC}"/>
+                <a16:creationId xmlns="" xmlns:a16="http://schemas.microsoft.com/office/drawing/2014/main" id="{9A5A8A76-CAE3-04A1-10E7-779DE9D691DC}"/>
               </a:ext>
             </a:extLst>
           </p:cNvPr>
@@ -18966,7 +18966,7 @@
           <p:cNvPr id="51" name="Rectangle 51">
             <a:extLst>
               <a:ext uri="{FF2B5EF4-FFF2-40B4-BE49-F238E27FC236}">
-                <a16:creationId xmlns:a16="http://schemas.microsoft.com/office/drawing/2014/main" xmlns="" id="{7D139177-4308-F2D8-9D5A-C14685641951}"/>
+                <a16:creationId xmlns="" xmlns:a16="http://schemas.microsoft.com/office/drawing/2014/main" id="{7D139177-4308-F2D8-9D5A-C14685641951}"/>
               </a:ext>
             </a:extLst>
           </p:cNvPr>
@@ -19192,7 +19192,7 @@
           <p:cNvPr id="52" name="Rectangle 52">
             <a:extLst>
               <a:ext uri="{FF2B5EF4-FFF2-40B4-BE49-F238E27FC236}">
-                <a16:creationId xmlns:a16="http://schemas.microsoft.com/office/drawing/2014/main" xmlns="" id="{F3874594-7444-EB55-E4D9-826E9850B818}"/>
+                <a16:creationId xmlns="" xmlns:a16="http://schemas.microsoft.com/office/drawing/2014/main" id="{F3874594-7444-EB55-E4D9-826E9850B818}"/>
               </a:ext>
             </a:extLst>
           </p:cNvPr>
@@ -19418,7 +19418,7 @@
           <p:cNvPr id="53" name="Rectangle 53">
             <a:extLst>
               <a:ext uri="{FF2B5EF4-FFF2-40B4-BE49-F238E27FC236}">
-                <a16:creationId xmlns:a16="http://schemas.microsoft.com/office/drawing/2014/main" xmlns="" id="{2475B466-F711-36B0-CEC5-ADC802C5F30A}"/>
+                <a16:creationId xmlns="" xmlns:a16="http://schemas.microsoft.com/office/drawing/2014/main" id="{2475B466-F711-36B0-CEC5-ADC802C5F30A}"/>
               </a:ext>
             </a:extLst>
           </p:cNvPr>
@@ -19644,7 +19644,7 @@
           <p:cNvPr id="54" name="Rectangle 54">
             <a:extLst>
               <a:ext uri="{FF2B5EF4-FFF2-40B4-BE49-F238E27FC236}">
-                <a16:creationId xmlns:a16="http://schemas.microsoft.com/office/drawing/2014/main" xmlns="" id="{95B36D0D-A629-944C-D4C6-EE04BCF19D97}"/>
+                <a16:creationId xmlns="" xmlns:a16="http://schemas.microsoft.com/office/drawing/2014/main" id="{95B36D0D-A629-944C-D4C6-EE04BCF19D97}"/>
               </a:ext>
             </a:extLst>
           </p:cNvPr>
@@ -19870,7 +19870,7 @@
           <p:cNvPr id="55" name="Rectangle 55">
             <a:extLst>
               <a:ext uri="{FF2B5EF4-FFF2-40B4-BE49-F238E27FC236}">
-                <a16:creationId xmlns:a16="http://schemas.microsoft.com/office/drawing/2014/main" xmlns="" id="{86418825-8C80-9F21-4916-FC0D68E30A38}"/>
+                <a16:creationId xmlns="" xmlns:a16="http://schemas.microsoft.com/office/drawing/2014/main" id="{86418825-8C80-9F21-4916-FC0D68E30A38}"/>
               </a:ext>
             </a:extLst>
           </p:cNvPr>
@@ -20096,7 +20096,7 @@
           <p:cNvPr id="56" name="Rectangle 56">
             <a:extLst>
               <a:ext uri="{FF2B5EF4-FFF2-40B4-BE49-F238E27FC236}">
-                <a16:creationId xmlns:a16="http://schemas.microsoft.com/office/drawing/2014/main" xmlns="" id="{6E5FC783-3F75-71BD-1B09-293BA4D79A0A}"/>
+                <a16:creationId xmlns="" xmlns:a16="http://schemas.microsoft.com/office/drawing/2014/main" id="{6E5FC783-3F75-71BD-1B09-293BA4D79A0A}"/>
               </a:ext>
             </a:extLst>
           </p:cNvPr>
@@ -20322,7 +20322,7 @@
           <p:cNvPr id="57" name="Rectangle 57">
             <a:extLst>
               <a:ext uri="{FF2B5EF4-FFF2-40B4-BE49-F238E27FC236}">
-                <a16:creationId xmlns:a16="http://schemas.microsoft.com/office/drawing/2014/main" xmlns="" id="{E3222FBD-0EA2-A4AE-E06A-9C34C13D37BA}"/>
+                <a16:creationId xmlns="" xmlns:a16="http://schemas.microsoft.com/office/drawing/2014/main" id="{E3222FBD-0EA2-A4AE-E06A-9C34C13D37BA}"/>
               </a:ext>
             </a:extLst>
           </p:cNvPr>
@@ -20548,7 +20548,7 @@
           <p:cNvPr id="58" name="Rectangle 58">
             <a:extLst>
               <a:ext uri="{FF2B5EF4-FFF2-40B4-BE49-F238E27FC236}">
-                <a16:creationId xmlns:a16="http://schemas.microsoft.com/office/drawing/2014/main" xmlns="" id="{2F144DE1-C712-20ED-7B77-B69C79259D71}"/>
+                <a16:creationId xmlns="" xmlns:a16="http://schemas.microsoft.com/office/drawing/2014/main" id="{2F144DE1-C712-20ED-7B77-B69C79259D71}"/>
               </a:ext>
             </a:extLst>
           </p:cNvPr>
@@ -20774,7 +20774,7 @@
           <p:cNvPr id="59" name="Rectangle 59">
             <a:extLst>
               <a:ext uri="{FF2B5EF4-FFF2-40B4-BE49-F238E27FC236}">
-                <a16:creationId xmlns:a16="http://schemas.microsoft.com/office/drawing/2014/main" xmlns="" id="{2AC0C376-4B5D-5ADA-6DB6-EEE80B05BFAF}"/>
+                <a16:creationId xmlns="" xmlns:a16="http://schemas.microsoft.com/office/drawing/2014/main" id="{2AC0C376-4B5D-5ADA-6DB6-EEE80B05BFAF}"/>
               </a:ext>
             </a:extLst>
           </p:cNvPr>
@@ -21000,7 +21000,7 @@
           <p:cNvPr id="60" name="Rectangle 60">
             <a:extLst>
               <a:ext uri="{FF2B5EF4-FFF2-40B4-BE49-F238E27FC236}">
-                <a16:creationId xmlns:a16="http://schemas.microsoft.com/office/drawing/2014/main" xmlns="" id="{525CD9B7-0B7A-5BD4-A5DD-2441D4DCA4E9}"/>
+                <a16:creationId xmlns="" xmlns:a16="http://schemas.microsoft.com/office/drawing/2014/main" id="{525CD9B7-0B7A-5BD4-A5DD-2441D4DCA4E9}"/>
               </a:ext>
             </a:extLst>
           </p:cNvPr>
@@ -21226,7 +21226,7 @@
           <p:cNvPr id="61" name="Rectangle 61">
             <a:extLst>
               <a:ext uri="{FF2B5EF4-FFF2-40B4-BE49-F238E27FC236}">
-                <a16:creationId xmlns:a16="http://schemas.microsoft.com/office/drawing/2014/main" xmlns="" id="{44B6777C-1931-8AA4-A7DC-A274F27CA26E}"/>
+                <a16:creationId xmlns="" xmlns:a16="http://schemas.microsoft.com/office/drawing/2014/main" id="{44B6777C-1931-8AA4-A7DC-A274F27CA26E}"/>
               </a:ext>
             </a:extLst>
           </p:cNvPr>
@@ -21452,7 +21452,7 @@
           <p:cNvPr id="62" name="Rectangle 62">
             <a:extLst>
               <a:ext uri="{FF2B5EF4-FFF2-40B4-BE49-F238E27FC236}">
-                <a16:creationId xmlns:a16="http://schemas.microsoft.com/office/drawing/2014/main" xmlns="" id="{30226D12-4527-451A-90BF-002D13705F34}"/>
+                <a16:creationId xmlns="" xmlns:a16="http://schemas.microsoft.com/office/drawing/2014/main" id="{30226D12-4527-451A-90BF-002D13705F34}"/>
               </a:ext>
             </a:extLst>
           </p:cNvPr>
@@ -21678,7 +21678,7 @@
           <p:cNvPr id="63" name="Rectangle 63">
             <a:extLst>
               <a:ext uri="{FF2B5EF4-FFF2-40B4-BE49-F238E27FC236}">
-                <a16:creationId xmlns:a16="http://schemas.microsoft.com/office/drawing/2014/main" xmlns="" id="{1B53DB6D-BA2F-EB88-E76D-B467DA7AAF53}"/>
+                <a16:creationId xmlns="" xmlns:a16="http://schemas.microsoft.com/office/drawing/2014/main" id="{1B53DB6D-BA2F-EB88-E76D-B467DA7AAF53}"/>
               </a:ext>
             </a:extLst>
           </p:cNvPr>
@@ -21904,7 +21904,7 @@
           <p:cNvPr id="64" name="Rectangle 64">
             <a:extLst>
               <a:ext uri="{FF2B5EF4-FFF2-40B4-BE49-F238E27FC236}">
-                <a16:creationId xmlns:a16="http://schemas.microsoft.com/office/drawing/2014/main" xmlns="" id="{BA539829-F727-9792-CB52-1FA73E7F0949}"/>
+                <a16:creationId xmlns="" xmlns:a16="http://schemas.microsoft.com/office/drawing/2014/main" id="{BA539829-F727-9792-CB52-1FA73E7F0949}"/>
               </a:ext>
             </a:extLst>
           </p:cNvPr>
@@ -22130,7 +22130,7 @@
           <p:cNvPr id="65" name="Rectangle 65">
             <a:extLst>
               <a:ext uri="{FF2B5EF4-FFF2-40B4-BE49-F238E27FC236}">
-                <a16:creationId xmlns:a16="http://schemas.microsoft.com/office/drawing/2014/main" xmlns="" id="{A2368D3C-7FBD-D123-7C89-B0470C28140A}"/>
+                <a16:creationId xmlns="" xmlns:a16="http://schemas.microsoft.com/office/drawing/2014/main" id="{A2368D3C-7FBD-D123-7C89-B0470C28140A}"/>
               </a:ext>
             </a:extLst>
           </p:cNvPr>
@@ -22356,7 +22356,7 @@
           <p:cNvPr id="66" name="Rectangle 66">
             <a:extLst>
               <a:ext uri="{FF2B5EF4-FFF2-40B4-BE49-F238E27FC236}">
-                <a16:creationId xmlns:a16="http://schemas.microsoft.com/office/drawing/2014/main" xmlns="" id="{B3F71307-A2CF-12D3-2943-917AC894C79D}"/>
+                <a16:creationId xmlns="" xmlns:a16="http://schemas.microsoft.com/office/drawing/2014/main" id="{B3F71307-A2CF-12D3-2943-917AC894C79D}"/>
               </a:ext>
             </a:extLst>
           </p:cNvPr>
@@ -22582,7 +22582,7 @@
           <p:cNvPr id="67" name="Rectangle 67">
             <a:extLst>
               <a:ext uri="{FF2B5EF4-FFF2-40B4-BE49-F238E27FC236}">
-                <a16:creationId xmlns:a16="http://schemas.microsoft.com/office/drawing/2014/main" xmlns="" id="{BFD0A606-8669-FF6E-B6BE-5391C7D23B88}"/>
+                <a16:creationId xmlns="" xmlns:a16="http://schemas.microsoft.com/office/drawing/2014/main" id="{BFD0A606-8669-FF6E-B6BE-5391C7D23B88}"/>
               </a:ext>
             </a:extLst>
           </p:cNvPr>
@@ -22808,7 +22808,7 @@
           <p:cNvPr id="68" name="Rectangle 68">
             <a:extLst>
               <a:ext uri="{FF2B5EF4-FFF2-40B4-BE49-F238E27FC236}">
-                <a16:creationId xmlns:a16="http://schemas.microsoft.com/office/drawing/2014/main" xmlns="" id="{DD79E703-4A9B-85A5-3C4C-F56D4F316EAA}"/>
+                <a16:creationId xmlns="" xmlns:a16="http://schemas.microsoft.com/office/drawing/2014/main" id="{DD79E703-4A9B-85A5-3C4C-F56D4F316EAA}"/>
               </a:ext>
             </a:extLst>
           </p:cNvPr>
@@ -23034,7 +23034,7 @@
           <p:cNvPr id="70" name="Espace réservé du numéro de diapositive 69">
             <a:extLst>
               <a:ext uri="{FF2B5EF4-FFF2-40B4-BE49-F238E27FC236}">
-                <a16:creationId xmlns:a16="http://schemas.microsoft.com/office/drawing/2014/main" xmlns="" id="{FF3B1220-767F-6D49-EE32-BA8D48AA6AB4}"/>
+                <a16:creationId xmlns="" xmlns:a16="http://schemas.microsoft.com/office/drawing/2014/main" id="{FF3B1220-767F-6D49-EE32-BA8D48AA6AB4}"/>
               </a:ext>
             </a:extLst>
           </p:cNvPr>
@@ -24009,7 +24009,7 @@
           <p:cNvPr id="2" name="Titre 1">
             <a:extLst>
               <a:ext uri="{FF2B5EF4-FFF2-40B4-BE49-F238E27FC236}">
-                <a16:creationId xmlns:a16="http://schemas.microsoft.com/office/drawing/2014/main" xmlns="" id="{4F696841-9266-CE2F-8987-C8128F4D1250}"/>
+                <a16:creationId xmlns="" xmlns:a16="http://schemas.microsoft.com/office/drawing/2014/main" id="{4F696841-9266-CE2F-8987-C8128F4D1250}"/>
               </a:ext>
             </a:extLst>
           </p:cNvPr>
@@ -24047,7 +24047,7 @@
           <p:cNvPr id="1026" name="Picture 2">
             <a:extLst>
               <a:ext uri="{FF2B5EF4-FFF2-40B4-BE49-F238E27FC236}">
-                <a16:creationId xmlns:a16="http://schemas.microsoft.com/office/drawing/2014/main" xmlns="" id="{E2C296D3-84C9-8771-9B72-70D7B0764A15}"/>
+                <a16:creationId xmlns="" xmlns:a16="http://schemas.microsoft.com/office/drawing/2014/main" id="{E2C296D3-84C9-8771-9B72-70D7B0764A15}"/>
               </a:ext>
             </a:extLst>
           </p:cNvPr>
@@ -24094,7 +24094,7 @@
           <p:cNvPr id="6" name="Rectangle 5">
             <a:extLst>
               <a:ext uri="{FF2B5EF4-FFF2-40B4-BE49-F238E27FC236}">
-                <a16:creationId xmlns:a16="http://schemas.microsoft.com/office/drawing/2014/main" xmlns="" id="{2C1D15D3-15AA-3532-B8C5-6A7D20CCFFF0}"/>
+                <a16:creationId xmlns="" xmlns:a16="http://schemas.microsoft.com/office/drawing/2014/main" id="{2C1D15D3-15AA-3532-B8C5-6A7D20CCFFF0}"/>
               </a:ext>
             </a:extLst>
           </p:cNvPr>
@@ -24146,7 +24146,7 @@
           <p:cNvPr id="8" name="Espace réservé du numéro de diapositive 7">
             <a:extLst>
               <a:ext uri="{FF2B5EF4-FFF2-40B4-BE49-F238E27FC236}">
-                <a16:creationId xmlns:a16="http://schemas.microsoft.com/office/drawing/2014/main" xmlns="" id="{02A5D419-072A-9418-1A76-2BC15D8299B5}"/>
+                <a16:creationId xmlns="" xmlns:a16="http://schemas.microsoft.com/office/drawing/2014/main" id="{02A5D419-072A-9418-1A76-2BC15D8299B5}"/>
               </a:ext>
             </a:extLst>
           </p:cNvPr>
@@ -24175,7 +24175,7 @@
           <p:cNvPr id="10" name="Rectangle 9">
             <a:extLst>
               <a:ext uri="{FF2B5EF4-FFF2-40B4-BE49-F238E27FC236}">
-                <a16:creationId xmlns:a16="http://schemas.microsoft.com/office/drawing/2014/main" xmlns="" id="{8B9B95E0-882D-21BE-B426-5B84E890E18A}"/>
+                <a16:creationId xmlns="" xmlns:a16="http://schemas.microsoft.com/office/drawing/2014/main" id="{8B9B95E0-882D-21BE-B426-5B84E890E18A}"/>
               </a:ext>
             </a:extLst>
           </p:cNvPr>
@@ -24227,7 +24227,7 @@
           <p:cNvPr id="11" name="Rectangle 10">
             <a:extLst>
               <a:ext uri="{FF2B5EF4-FFF2-40B4-BE49-F238E27FC236}">
-                <a16:creationId xmlns:a16="http://schemas.microsoft.com/office/drawing/2014/main" xmlns="" id="{AF0C9413-F8A5-83E6-7526-6644E0748C7C}"/>
+                <a16:creationId xmlns="" xmlns:a16="http://schemas.microsoft.com/office/drawing/2014/main" id="{AF0C9413-F8A5-83E6-7526-6644E0748C7C}"/>
               </a:ext>
             </a:extLst>
           </p:cNvPr>
@@ -24283,7 +24283,7 @@
           <p:cNvPr id="12" name="Rectangle 11">
             <a:extLst>
               <a:ext uri="{FF2B5EF4-FFF2-40B4-BE49-F238E27FC236}">
-                <a16:creationId xmlns:a16="http://schemas.microsoft.com/office/drawing/2014/main" xmlns="" id="{53D5AB21-4ABC-4C07-2292-48169D16B564}"/>
+                <a16:creationId xmlns="" xmlns:a16="http://schemas.microsoft.com/office/drawing/2014/main" id="{53D5AB21-4ABC-4C07-2292-48169D16B564}"/>
               </a:ext>
             </a:extLst>
           </p:cNvPr>
@@ -24335,7 +24335,7 @@
           <p:cNvPr id="9" name="Image 8">
             <a:extLst>
               <a:ext uri="{FF2B5EF4-FFF2-40B4-BE49-F238E27FC236}">
-                <a16:creationId xmlns:a16="http://schemas.microsoft.com/office/drawing/2014/main" xmlns="" id="{79747306-4086-9F4F-26B3-9C44C2079074}"/>
+                <a16:creationId xmlns="" xmlns:a16="http://schemas.microsoft.com/office/drawing/2014/main" id="{79747306-4086-9F4F-26B3-9C44C2079074}"/>
               </a:ext>
             </a:extLst>
           </p:cNvPr>
@@ -24637,7 +24637,7 @@
           <p:cNvPr id="66" name="AutoShape 59">
             <a:extLst>
               <a:ext uri="{FF2B5EF4-FFF2-40B4-BE49-F238E27FC236}">
-                <a16:creationId xmlns:a16="http://schemas.microsoft.com/office/drawing/2014/main" xmlns="" id="{328EAD5B-0BCB-D51E-171D-6C7679226DE8}"/>
+                <a16:creationId xmlns="" xmlns:a16="http://schemas.microsoft.com/office/drawing/2014/main" id="{328EAD5B-0BCB-D51E-171D-6C7679226DE8}"/>
               </a:ext>
             </a:extLst>
           </p:cNvPr>
@@ -24695,7 +24695,7 @@
           <p:cNvPr id="67" name="Rectangle 61">
             <a:extLst>
               <a:ext uri="{FF2B5EF4-FFF2-40B4-BE49-F238E27FC236}">
-                <a16:creationId xmlns:a16="http://schemas.microsoft.com/office/drawing/2014/main" xmlns="" id="{A7667E63-E101-1986-BAA7-D445881191BA}"/>
+                <a16:creationId xmlns="" xmlns:a16="http://schemas.microsoft.com/office/drawing/2014/main" id="{A7667E63-E101-1986-BAA7-D445881191BA}"/>
               </a:ext>
             </a:extLst>
           </p:cNvPr>
@@ -24751,7 +24751,7 @@
           <p:cNvPr id="68" name="Rectangle 62">
             <a:extLst>
               <a:ext uri="{FF2B5EF4-FFF2-40B4-BE49-F238E27FC236}">
-                <a16:creationId xmlns:a16="http://schemas.microsoft.com/office/drawing/2014/main" xmlns="" id="{488A1AB3-84BA-0638-2DD8-DD5A0BB617AB}"/>
+                <a16:creationId xmlns="" xmlns:a16="http://schemas.microsoft.com/office/drawing/2014/main" id="{488A1AB3-84BA-0638-2DD8-DD5A0BB617AB}"/>
               </a:ext>
             </a:extLst>
           </p:cNvPr>
@@ -24807,7 +24807,7 @@
           <p:cNvPr id="69" name="Rectangle 63">
             <a:extLst>
               <a:ext uri="{FF2B5EF4-FFF2-40B4-BE49-F238E27FC236}">
-                <a16:creationId xmlns:a16="http://schemas.microsoft.com/office/drawing/2014/main" xmlns="" id="{6237F1DA-6540-F088-E02C-DC80E8E2E3D3}"/>
+                <a16:creationId xmlns="" xmlns:a16="http://schemas.microsoft.com/office/drawing/2014/main" id="{6237F1DA-6540-F088-E02C-DC80E8E2E3D3}"/>
               </a:ext>
             </a:extLst>
           </p:cNvPr>
@@ -24863,7 +24863,7 @@
           <p:cNvPr id="70" name="Rectangle 64">
             <a:extLst>
               <a:ext uri="{FF2B5EF4-FFF2-40B4-BE49-F238E27FC236}">
-                <a16:creationId xmlns:a16="http://schemas.microsoft.com/office/drawing/2014/main" xmlns="" id="{7D9F8FF3-0561-713C-350C-DEF38E8886E9}"/>
+                <a16:creationId xmlns="" xmlns:a16="http://schemas.microsoft.com/office/drawing/2014/main" id="{7D9F8FF3-0561-713C-350C-DEF38E8886E9}"/>
               </a:ext>
             </a:extLst>
           </p:cNvPr>
@@ -24919,7 +24919,7 @@
           <p:cNvPr id="71" name="Rectangle 65">
             <a:extLst>
               <a:ext uri="{FF2B5EF4-FFF2-40B4-BE49-F238E27FC236}">
-                <a16:creationId xmlns:a16="http://schemas.microsoft.com/office/drawing/2014/main" xmlns="" id="{8BE07972-7774-CA24-BFEB-BF3282419DCB}"/>
+                <a16:creationId xmlns="" xmlns:a16="http://schemas.microsoft.com/office/drawing/2014/main" id="{8BE07972-7774-CA24-BFEB-BF3282419DCB}"/>
               </a:ext>
             </a:extLst>
           </p:cNvPr>
@@ -24975,7 +24975,7 @@
           <p:cNvPr id="72" name="Rectangle 66">
             <a:extLst>
               <a:ext uri="{FF2B5EF4-FFF2-40B4-BE49-F238E27FC236}">
-                <a16:creationId xmlns:a16="http://schemas.microsoft.com/office/drawing/2014/main" xmlns="" id="{B54F3E10-DFFF-D839-E9BA-22D002F213BD}"/>
+                <a16:creationId xmlns="" xmlns:a16="http://schemas.microsoft.com/office/drawing/2014/main" id="{B54F3E10-DFFF-D839-E9BA-22D002F213BD}"/>
               </a:ext>
             </a:extLst>
           </p:cNvPr>
@@ -25031,7 +25031,7 @@
           <p:cNvPr id="73" name="Rectangle 67">
             <a:extLst>
               <a:ext uri="{FF2B5EF4-FFF2-40B4-BE49-F238E27FC236}">
-                <a16:creationId xmlns:a16="http://schemas.microsoft.com/office/drawing/2014/main" xmlns="" id="{89347AE9-A862-31CE-A788-D5397F539D3D}"/>
+                <a16:creationId xmlns="" xmlns:a16="http://schemas.microsoft.com/office/drawing/2014/main" id="{89347AE9-A862-31CE-A788-D5397F539D3D}"/>
               </a:ext>
             </a:extLst>
           </p:cNvPr>
@@ -25087,7 +25087,7 @@
           <p:cNvPr id="74" name="Rectangle 68">
             <a:extLst>
               <a:ext uri="{FF2B5EF4-FFF2-40B4-BE49-F238E27FC236}">
-                <a16:creationId xmlns:a16="http://schemas.microsoft.com/office/drawing/2014/main" xmlns="" id="{1B61DA60-D159-F4B8-F1B9-77C2726744ED}"/>
+                <a16:creationId xmlns="" xmlns:a16="http://schemas.microsoft.com/office/drawing/2014/main" id="{1B61DA60-D159-F4B8-F1B9-77C2726744ED}"/>
               </a:ext>
             </a:extLst>
           </p:cNvPr>
@@ -25143,7 +25143,7 @@
           <p:cNvPr id="75" name="Rectangle 69">
             <a:extLst>
               <a:ext uri="{FF2B5EF4-FFF2-40B4-BE49-F238E27FC236}">
-                <a16:creationId xmlns:a16="http://schemas.microsoft.com/office/drawing/2014/main" xmlns="" id="{EF8F4C7B-8CE8-4A57-FB13-65942865977A}"/>
+                <a16:creationId xmlns="" xmlns:a16="http://schemas.microsoft.com/office/drawing/2014/main" id="{EF8F4C7B-8CE8-4A57-FB13-65942865977A}"/>
               </a:ext>
             </a:extLst>
           </p:cNvPr>
@@ -25199,7 +25199,7 @@
           <p:cNvPr id="76" name="Rectangle 70">
             <a:extLst>
               <a:ext uri="{FF2B5EF4-FFF2-40B4-BE49-F238E27FC236}">
-                <a16:creationId xmlns:a16="http://schemas.microsoft.com/office/drawing/2014/main" xmlns="" id="{6C6E703C-AC32-3558-850D-6B8567106C4B}"/>
+                <a16:creationId xmlns="" xmlns:a16="http://schemas.microsoft.com/office/drawing/2014/main" id="{6C6E703C-AC32-3558-850D-6B8567106C4B}"/>
               </a:ext>
             </a:extLst>
           </p:cNvPr>
@@ -25255,7 +25255,7 @@
           <p:cNvPr id="77" name="Rectangle 71">
             <a:extLst>
               <a:ext uri="{FF2B5EF4-FFF2-40B4-BE49-F238E27FC236}">
-                <a16:creationId xmlns:a16="http://schemas.microsoft.com/office/drawing/2014/main" xmlns="" id="{0533F202-A55E-B82C-781C-327DB8C96B29}"/>
+                <a16:creationId xmlns="" xmlns:a16="http://schemas.microsoft.com/office/drawing/2014/main" id="{0533F202-A55E-B82C-781C-327DB8C96B29}"/>
               </a:ext>
             </a:extLst>
           </p:cNvPr>
@@ -25311,7 +25311,7 @@
           <p:cNvPr id="78" name="Rectangle 72">
             <a:extLst>
               <a:ext uri="{FF2B5EF4-FFF2-40B4-BE49-F238E27FC236}">
-                <a16:creationId xmlns:a16="http://schemas.microsoft.com/office/drawing/2014/main" xmlns="" id="{470577BF-FEF3-C239-DF36-5FF931A24131}"/>
+                <a16:creationId xmlns="" xmlns:a16="http://schemas.microsoft.com/office/drawing/2014/main" id="{470577BF-FEF3-C239-DF36-5FF931A24131}"/>
               </a:ext>
             </a:extLst>
           </p:cNvPr>
@@ -25367,7 +25367,7 @@
           <p:cNvPr id="79" name="Rectangle 73">
             <a:extLst>
               <a:ext uri="{FF2B5EF4-FFF2-40B4-BE49-F238E27FC236}">
-                <a16:creationId xmlns:a16="http://schemas.microsoft.com/office/drawing/2014/main" xmlns="" id="{9060B2F1-8AEE-D98B-7115-09C61D5EC329}"/>
+                <a16:creationId xmlns="" xmlns:a16="http://schemas.microsoft.com/office/drawing/2014/main" id="{9060B2F1-8AEE-D98B-7115-09C61D5EC329}"/>
               </a:ext>
             </a:extLst>
           </p:cNvPr>
@@ -25423,7 +25423,7 @@
           <p:cNvPr id="80" name="Rectangle 74">
             <a:extLst>
               <a:ext uri="{FF2B5EF4-FFF2-40B4-BE49-F238E27FC236}">
-                <a16:creationId xmlns:a16="http://schemas.microsoft.com/office/drawing/2014/main" xmlns="" id="{7C2F0E00-455F-C405-9AE4-A0E334820FBA}"/>
+                <a16:creationId xmlns="" xmlns:a16="http://schemas.microsoft.com/office/drawing/2014/main" id="{7C2F0E00-455F-C405-9AE4-A0E334820FBA}"/>
               </a:ext>
             </a:extLst>
           </p:cNvPr>
@@ -25479,7 +25479,7 @@
           <p:cNvPr id="81" name="Rectangle 75">
             <a:extLst>
               <a:ext uri="{FF2B5EF4-FFF2-40B4-BE49-F238E27FC236}">
-                <a16:creationId xmlns:a16="http://schemas.microsoft.com/office/drawing/2014/main" xmlns="" id="{CB315A45-0E9E-FFFC-7711-3A2341A78099}"/>
+                <a16:creationId xmlns="" xmlns:a16="http://schemas.microsoft.com/office/drawing/2014/main" id="{CB315A45-0E9E-FFFC-7711-3A2341A78099}"/>
               </a:ext>
             </a:extLst>
           </p:cNvPr>
@@ -25535,7 +25535,7 @@
           <p:cNvPr id="82" name="Line 76">
             <a:extLst>
               <a:ext uri="{FF2B5EF4-FFF2-40B4-BE49-F238E27FC236}">
-                <a16:creationId xmlns:a16="http://schemas.microsoft.com/office/drawing/2014/main" xmlns="" id="{858A4811-66DA-EF1E-5752-EE5227D5CC5C}"/>
+                <a16:creationId xmlns="" xmlns:a16="http://schemas.microsoft.com/office/drawing/2014/main" id="{858A4811-66DA-EF1E-5752-EE5227D5CC5C}"/>
               </a:ext>
             </a:extLst>
           </p:cNvPr>
@@ -25590,7 +25590,7 @@
           <p:cNvPr id="83" name="Line 77">
             <a:extLst>
               <a:ext uri="{FF2B5EF4-FFF2-40B4-BE49-F238E27FC236}">
-                <a16:creationId xmlns:a16="http://schemas.microsoft.com/office/drawing/2014/main" xmlns="" id="{997E6F7D-2110-D555-D86A-2980142CF7A2}"/>
+                <a16:creationId xmlns="" xmlns:a16="http://schemas.microsoft.com/office/drawing/2014/main" id="{997E6F7D-2110-D555-D86A-2980142CF7A2}"/>
               </a:ext>
             </a:extLst>
           </p:cNvPr>
@@ -25645,7 +25645,7 @@
           <p:cNvPr id="84" name="Line 78">
             <a:extLst>
               <a:ext uri="{FF2B5EF4-FFF2-40B4-BE49-F238E27FC236}">
-                <a16:creationId xmlns:a16="http://schemas.microsoft.com/office/drawing/2014/main" xmlns="" id="{24D60790-B91D-8A4B-7146-2DDA7132B6EF}"/>
+                <a16:creationId xmlns="" xmlns:a16="http://schemas.microsoft.com/office/drawing/2014/main" id="{24D60790-B91D-8A4B-7146-2DDA7132B6EF}"/>
               </a:ext>
             </a:extLst>
           </p:cNvPr>
@@ -25700,7 +25700,7 @@
           <p:cNvPr id="85" name="Line 79">
             <a:extLst>
               <a:ext uri="{FF2B5EF4-FFF2-40B4-BE49-F238E27FC236}">
-                <a16:creationId xmlns:a16="http://schemas.microsoft.com/office/drawing/2014/main" xmlns="" id="{70F5E73A-F8C4-898C-6860-E5C91AC696E6}"/>
+                <a16:creationId xmlns="" xmlns:a16="http://schemas.microsoft.com/office/drawing/2014/main" id="{70F5E73A-F8C4-898C-6860-E5C91AC696E6}"/>
               </a:ext>
             </a:extLst>
           </p:cNvPr>
@@ -25755,7 +25755,7 @@
           <p:cNvPr id="86" name="Line 80">
             <a:extLst>
               <a:ext uri="{FF2B5EF4-FFF2-40B4-BE49-F238E27FC236}">
-                <a16:creationId xmlns:a16="http://schemas.microsoft.com/office/drawing/2014/main" xmlns="" id="{E4E6C09E-CC5E-CFAC-E10C-66FF679E4E79}"/>
+                <a16:creationId xmlns="" xmlns:a16="http://schemas.microsoft.com/office/drawing/2014/main" id="{E4E6C09E-CC5E-CFAC-E10C-66FF679E4E79}"/>
               </a:ext>
             </a:extLst>
           </p:cNvPr>
@@ -25810,7 +25810,7 @@
           <p:cNvPr id="87" name="Line 81">
             <a:extLst>
               <a:ext uri="{FF2B5EF4-FFF2-40B4-BE49-F238E27FC236}">
-                <a16:creationId xmlns:a16="http://schemas.microsoft.com/office/drawing/2014/main" xmlns="" id="{ACED7780-A470-F114-7DFE-D9474A6E870E}"/>
+                <a16:creationId xmlns="" xmlns:a16="http://schemas.microsoft.com/office/drawing/2014/main" id="{ACED7780-A470-F114-7DFE-D9474A6E870E}"/>
               </a:ext>
             </a:extLst>
           </p:cNvPr>
@@ -25865,7 +25865,7 @@
           <p:cNvPr id="88" name="Line 82">
             <a:extLst>
               <a:ext uri="{FF2B5EF4-FFF2-40B4-BE49-F238E27FC236}">
-                <a16:creationId xmlns:a16="http://schemas.microsoft.com/office/drawing/2014/main" xmlns="" id="{A3B1D088-0301-73EE-905E-2B67B7C27B93}"/>
+                <a16:creationId xmlns="" xmlns:a16="http://schemas.microsoft.com/office/drawing/2014/main" id="{A3B1D088-0301-73EE-905E-2B67B7C27B93}"/>
               </a:ext>
             </a:extLst>
           </p:cNvPr>
@@ -25920,7 +25920,7 @@
           <p:cNvPr id="89" name="Line 83">
             <a:extLst>
               <a:ext uri="{FF2B5EF4-FFF2-40B4-BE49-F238E27FC236}">
-                <a16:creationId xmlns:a16="http://schemas.microsoft.com/office/drawing/2014/main" xmlns="" id="{D0947412-2227-01E7-8F2F-8281D6D1CBD7}"/>
+                <a16:creationId xmlns="" xmlns:a16="http://schemas.microsoft.com/office/drawing/2014/main" id="{D0947412-2227-01E7-8F2F-8281D6D1CBD7}"/>
               </a:ext>
             </a:extLst>
           </p:cNvPr>
@@ -25975,7 +25975,7 @@
           <p:cNvPr id="90" name="Line 84">
             <a:extLst>
               <a:ext uri="{FF2B5EF4-FFF2-40B4-BE49-F238E27FC236}">
-                <a16:creationId xmlns:a16="http://schemas.microsoft.com/office/drawing/2014/main" xmlns="" id="{CFADFE3D-5CE8-43C8-2375-9BF0C98EB81B}"/>
+                <a16:creationId xmlns="" xmlns:a16="http://schemas.microsoft.com/office/drawing/2014/main" id="{CFADFE3D-5CE8-43C8-2375-9BF0C98EB81B}"/>
               </a:ext>
             </a:extLst>
           </p:cNvPr>
@@ -26030,7 +26030,7 @@
           <p:cNvPr id="91" name="Line 85">
             <a:extLst>
               <a:ext uri="{FF2B5EF4-FFF2-40B4-BE49-F238E27FC236}">
-                <a16:creationId xmlns:a16="http://schemas.microsoft.com/office/drawing/2014/main" xmlns="" id="{51E0284D-398F-F855-B2A9-1E468B79C1DB}"/>
+                <a16:creationId xmlns="" xmlns:a16="http://schemas.microsoft.com/office/drawing/2014/main" id="{51E0284D-398F-F855-B2A9-1E468B79C1DB}"/>
               </a:ext>
             </a:extLst>
           </p:cNvPr>
@@ -26085,7 +26085,7 @@
           <p:cNvPr id="92" name="Rectangle 86">
             <a:extLst>
               <a:ext uri="{FF2B5EF4-FFF2-40B4-BE49-F238E27FC236}">
-                <a16:creationId xmlns:a16="http://schemas.microsoft.com/office/drawing/2014/main" xmlns="" id="{1AF1259C-CB9A-5FD8-B895-9F24FE316E85}"/>
+                <a16:creationId xmlns="" xmlns:a16="http://schemas.microsoft.com/office/drawing/2014/main" id="{1AF1259C-CB9A-5FD8-B895-9F24FE316E85}"/>
               </a:ext>
             </a:extLst>
           </p:cNvPr>
@@ -26311,7 +26311,7 @@
           <p:cNvPr id="93" name="Rectangle 87">
             <a:extLst>
               <a:ext uri="{FF2B5EF4-FFF2-40B4-BE49-F238E27FC236}">
-                <a16:creationId xmlns:a16="http://schemas.microsoft.com/office/drawing/2014/main" xmlns="" id="{0679AA1F-02D0-EB3B-E3E8-FCD13D7074AF}"/>
+                <a16:creationId xmlns="" xmlns:a16="http://schemas.microsoft.com/office/drawing/2014/main" id="{0679AA1F-02D0-EB3B-E3E8-FCD13D7074AF}"/>
               </a:ext>
             </a:extLst>
           </p:cNvPr>
@@ -26537,7 +26537,7 @@
           <p:cNvPr id="94" name="Rectangle 88">
             <a:extLst>
               <a:ext uri="{FF2B5EF4-FFF2-40B4-BE49-F238E27FC236}">
-                <a16:creationId xmlns:a16="http://schemas.microsoft.com/office/drawing/2014/main" xmlns="" id="{4373468E-F1D0-7D0F-D423-017C61A05B9F}"/>
+                <a16:creationId xmlns="" xmlns:a16="http://schemas.microsoft.com/office/drawing/2014/main" id="{4373468E-F1D0-7D0F-D423-017C61A05B9F}"/>
               </a:ext>
             </a:extLst>
           </p:cNvPr>
@@ -26763,7 +26763,7 @@
           <p:cNvPr id="95" name="Rectangle 89">
             <a:extLst>
               <a:ext uri="{FF2B5EF4-FFF2-40B4-BE49-F238E27FC236}">
-                <a16:creationId xmlns:a16="http://schemas.microsoft.com/office/drawing/2014/main" xmlns="" id="{A90D0ADD-0514-54C2-9B83-49CC33074B84}"/>
+                <a16:creationId xmlns="" xmlns:a16="http://schemas.microsoft.com/office/drawing/2014/main" id="{A90D0ADD-0514-54C2-9B83-49CC33074B84}"/>
               </a:ext>
             </a:extLst>
           </p:cNvPr>
@@ -26989,7 +26989,7 @@
           <p:cNvPr id="96" name="Rectangle 90">
             <a:extLst>
               <a:ext uri="{FF2B5EF4-FFF2-40B4-BE49-F238E27FC236}">
-                <a16:creationId xmlns:a16="http://schemas.microsoft.com/office/drawing/2014/main" xmlns="" id="{DCC79845-EA16-500F-3DBA-72281498D784}"/>
+                <a16:creationId xmlns="" xmlns:a16="http://schemas.microsoft.com/office/drawing/2014/main" id="{DCC79845-EA16-500F-3DBA-72281498D784}"/>
               </a:ext>
             </a:extLst>
           </p:cNvPr>
@@ -27215,7 +27215,7 @@
           <p:cNvPr id="97" name="Rectangle 91">
             <a:extLst>
               <a:ext uri="{FF2B5EF4-FFF2-40B4-BE49-F238E27FC236}">
-                <a16:creationId xmlns:a16="http://schemas.microsoft.com/office/drawing/2014/main" xmlns="" id="{24639B2F-D365-EED8-B81C-FA9934B63188}"/>
+                <a16:creationId xmlns="" xmlns:a16="http://schemas.microsoft.com/office/drawing/2014/main" id="{24639B2F-D365-EED8-B81C-FA9934B63188}"/>
               </a:ext>
             </a:extLst>
           </p:cNvPr>
@@ -27441,7 +27441,7 @@
           <p:cNvPr id="98" name="Rectangle 92">
             <a:extLst>
               <a:ext uri="{FF2B5EF4-FFF2-40B4-BE49-F238E27FC236}">
-                <a16:creationId xmlns:a16="http://schemas.microsoft.com/office/drawing/2014/main" xmlns="" id="{9AB0216C-0886-387C-5BE7-F1B7540A20E1}"/>
+                <a16:creationId xmlns="" xmlns:a16="http://schemas.microsoft.com/office/drawing/2014/main" id="{9AB0216C-0886-387C-5BE7-F1B7540A20E1}"/>
               </a:ext>
             </a:extLst>
           </p:cNvPr>
@@ -27667,7 +27667,7 @@
           <p:cNvPr id="99" name="Rectangle 93">
             <a:extLst>
               <a:ext uri="{FF2B5EF4-FFF2-40B4-BE49-F238E27FC236}">
-                <a16:creationId xmlns:a16="http://schemas.microsoft.com/office/drawing/2014/main" xmlns="" id="{FBAEB285-2DE4-C91C-862E-5F347CF46E0A}"/>
+                <a16:creationId xmlns="" xmlns:a16="http://schemas.microsoft.com/office/drawing/2014/main" id="{FBAEB285-2DE4-C91C-862E-5F347CF46E0A}"/>
               </a:ext>
             </a:extLst>
           </p:cNvPr>
@@ -27893,7 +27893,7 @@
           <p:cNvPr id="100" name="Rectangle 94">
             <a:extLst>
               <a:ext uri="{FF2B5EF4-FFF2-40B4-BE49-F238E27FC236}">
-                <a16:creationId xmlns:a16="http://schemas.microsoft.com/office/drawing/2014/main" xmlns="" id="{D005F907-8EE4-94B5-4DA3-4BA314A9AA38}"/>
+                <a16:creationId xmlns="" xmlns:a16="http://schemas.microsoft.com/office/drawing/2014/main" id="{D005F907-8EE4-94B5-4DA3-4BA314A9AA38}"/>
               </a:ext>
             </a:extLst>
           </p:cNvPr>
@@ -28119,7 +28119,7 @@
           <p:cNvPr id="101" name="Rectangle 95">
             <a:extLst>
               <a:ext uri="{FF2B5EF4-FFF2-40B4-BE49-F238E27FC236}">
-                <a16:creationId xmlns:a16="http://schemas.microsoft.com/office/drawing/2014/main" xmlns="" id="{FE51D623-C738-F773-7E38-40903B9C8999}"/>
+                <a16:creationId xmlns="" xmlns:a16="http://schemas.microsoft.com/office/drawing/2014/main" id="{FE51D623-C738-F773-7E38-40903B9C8999}"/>
               </a:ext>
             </a:extLst>
           </p:cNvPr>
@@ -28345,7 +28345,7 @@
           <p:cNvPr id="102" name="Rectangle 96">
             <a:extLst>
               <a:ext uri="{FF2B5EF4-FFF2-40B4-BE49-F238E27FC236}">
-                <a16:creationId xmlns:a16="http://schemas.microsoft.com/office/drawing/2014/main" xmlns="" id="{40DB685D-4FEE-6507-9CD0-10069CCA397C}"/>
+                <a16:creationId xmlns="" xmlns:a16="http://schemas.microsoft.com/office/drawing/2014/main" id="{40DB685D-4FEE-6507-9CD0-10069CCA397C}"/>
               </a:ext>
             </a:extLst>
           </p:cNvPr>
@@ -28571,7 +28571,7 @@
           <p:cNvPr id="103" name="Rectangle 97">
             <a:extLst>
               <a:ext uri="{FF2B5EF4-FFF2-40B4-BE49-F238E27FC236}">
-                <a16:creationId xmlns:a16="http://schemas.microsoft.com/office/drawing/2014/main" xmlns="" id="{287466FA-92AC-8ABC-F517-B12745606F7B}"/>
+                <a16:creationId xmlns="" xmlns:a16="http://schemas.microsoft.com/office/drawing/2014/main" id="{287466FA-92AC-8ABC-F517-B12745606F7B}"/>
               </a:ext>
             </a:extLst>
           </p:cNvPr>
@@ -28797,7 +28797,7 @@
           <p:cNvPr id="104" name="Rectangle 98">
             <a:extLst>
               <a:ext uri="{FF2B5EF4-FFF2-40B4-BE49-F238E27FC236}">
-                <a16:creationId xmlns:a16="http://schemas.microsoft.com/office/drawing/2014/main" xmlns="" id="{35891FE3-C362-C292-14E5-2C3F6AFFAC1C}"/>
+                <a16:creationId xmlns="" xmlns:a16="http://schemas.microsoft.com/office/drawing/2014/main" id="{35891FE3-C362-C292-14E5-2C3F6AFFAC1C}"/>
               </a:ext>
             </a:extLst>
           </p:cNvPr>
@@ -29023,7 +29023,7 @@
           <p:cNvPr id="105" name="Rectangle 99">
             <a:extLst>
               <a:ext uri="{FF2B5EF4-FFF2-40B4-BE49-F238E27FC236}">
-                <a16:creationId xmlns:a16="http://schemas.microsoft.com/office/drawing/2014/main" xmlns="" id="{C28A3F7C-9C24-8316-5E48-2E924CE23D19}"/>
+                <a16:creationId xmlns="" xmlns:a16="http://schemas.microsoft.com/office/drawing/2014/main" id="{C28A3F7C-9C24-8316-5E48-2E924CE23D19}"/>
               </a:ext>
             </a:extLst>
           </p:cNvPr>
@@ -29249,7 +29249,7 @@
           <p:cNvPr id="106" name="Rectangle 100">
             <a:extLst>
               <a:ext uri="{FF2B5EF4-FFF2-40B4-BE49-F238E27FC236}">
-                <a16:creationId xmlns:a16="http://schemas.microsoft.com/office/drawing/2014/main" xmlns="" id="{55C89E1E-97AC-8D59-977B-CC142C02636E}"/>
+                <a16:creationId xmlns="" xmlns:a16="http://schemas.microsoft.com/office/drawing/2014/main" id="{55C89E1E-97AC-8D59-977B-CC142C02636E}"/>
               </a:ext>
             </a:extLst>
           </p:cNvPr>
@@ -29475,7 +29475,7 @@
           <p:cNvPr id="107" name="Rectangle 101">
             <a:extLst>
               <a:ext uri="{FF2B5EF4-FFF2-40B4-BE49-F238E27FC236}">
-                <a16:creationId xmlns:a16="http://schemas.microsoft.com/office/drawing/2014/main" xmlns="" id="{A68D4416-D072-40CC-BD1C-DE94672D0B6B}"/>
+                <a16:creationId xmlns="" xmlns:a16="http://schemas.microsoft.com/office/drawing/2014/main" id="{A68D4416-D072-40CC-BD1C-DE94672D0B6B}"/>
               </a:ext>
             </a:extLst>
           </p:cNvPr>
@@ -29701,7 +29701,7 @@
           <p:cNvPr id="108" name="Rectangle 102">
             <a:extLst>
               <a:ext uri="{FF2B5EF4-FFF2-40B4-BE49-F238E27FC236}">
-                <a16:creationId xmlns:a16="http://schemas.microsoft.com/office/drawing/2014/main" xmlns="" id="{4867D1E7-64C2-4EBE-9597-89792330D76C}"/>
+                <a16:creationId xmlns="" xmlns:a16="http://schemas.microsoft.com/office/drawing/2014/main" id="{4867D1E7-64C2-4EBE-9597-89792330D76C}"/>
               </a:ext>
             </a:extLst>
           </p:cNvPr>
@@ -29927,7 +29927,7 @@
           <p:cNvPr id="109" name="Rectangle 103">
             <a:extLst>
               <a:ext uri="{FF2B5EF4-FFF2-40B4-BE49-F238E27FC236}">
-                <a16:creationId xmlns:a16="http://schemas.microsoft.com/office/drawing/2014/main" xmlns="" id="{6D6C62FC-DAB1-BBDB-1AC9-2738D77B9229}"/>
+                <a16:creationId xmlns="" xmlns:a16="http://schemas.microsoft.com/office/drawing/2014/main" id="{6D6C62FC-DAB1-BBDB-1AC9-2738D77B9229}"/>
               </a:ext>
             </a:extLst>
           </p:cNvPr>
@@ -30153,7 +30153,7 @@
           <p:cNvPr id="110" name="Rectangle 104">
             <a:extLst>
               <a:ext uri="{FF2B5EF4-FFF2-40B4-BE49-F238E27FC236}">
-                <a16:creationId xmlns:a16="http://schemas.microsoft.com/office/drawing/2014/main" xmlns="" id="{87906244-576F-15F7-2B6C-7BFDBC76F249}"/>
+                <a16:creationId xmlns="" xmlns:a16="http://schemas.microsoft.com/office/drawing/2014/main" id="{87906244-576F-15F7-2B6C-7BFDBC76F249}"/>
               </a:ext>
             </a:extLst>
           </p:cNvPr>
@@ -30379,7 +30379,7 @@
           <p:cNvPr id="111" name="Rectangle 105">
             <a:extLst>
               <a:ext uri="{FF2B5EF4-FFF2-40B4-BE49-F238E27FC236}">
-                <a16:creationId xmlns:a16="http://schemas.microsoft.com/office/drawing/2014/main" xmlns="" id="{9BDAA546-E069-E729-159A-F8FD66373BCF}"/>
+                <a16:creationId xmlns="" xmlns:a16="http://schemas.microsoft.com/office/drawing/2014/main" id="{9BDAA546-E069-E729-159A-F8FD66373BCF}"/>
               </a:ext>
             </a:extLst>
           </p:cNvPr>
@@ -30605,7 +30605,7 @@
           <p:cNvPr id="112" name="Rectangle 106">
             <a:extLst>
               <a:ext uri="{FF2B5EF4-FFF2-40B4-BE49-F238E27FC236}">
-                <a16:creationId xmlns:a16="http://schemas.microsoft.com/office/drawing/2014/main" xmlns="" id="{204E0D30-6267-4509-1AF5-C6B6EBB3B55E}"/>
+                <a16:creationId xmlns="" xmlns:a16="http://schemas.microsoft.com/office/drawing/2014/main" id="{204E0D30-6267-4509-1AF5-C6B6EBB3B55E}"/>
               </a:ext>
             </a:extLst>
           </p:cNvPr>
@@ -30831,7 +30831,7 @@
           <p:cNvPr id="113" name="Rectangle 107">
             <a:extLst>
               <a:ext uri="{FF2B5EF4-FFF2-40B4-BE49-F238E27FC236}">
-                <a16:creationId xmlns:a16="http://schemas.microsoft.com/office/drawing/2014/main" xmlns="" id="{A329D5A7-5689-6638-8363-E2D249A370A5}"/>
+                <a16:creationId xmlns="" xmlns:a16="http://schemas.microsoft.com/office/drawing/2014/main" id="{A329D5A7-5689-6638-8363-E2D249A370A5}"/>
               </a:ext>
             </a:extLst>
           </p:cNvPr>
@@ -31057,7 +31057,7 @@
           <p:cNvPr id="114" name="Rectangle 108">
             <a:extLst>
               <a:ext uri="{FF2B5EF4-FFF2-40B4-BE49-F238E27FC236}">
-                <a16:creationId xmlns:a16="http://schemas.microsoft.com/office/drawing/2014/main" xmlns="" id="{6D75DD75-4A7B-6E11-8B56-66D55ABFDB69}"/>
+                <a16:creationId xmlns="" xmlns:a16="http://schemas.microsoft.com/office/drawing/2014/main" id="{6D75DD75-4A7B-6E11-8B56-66D55ABFDB69}"/>
               </a:ext>
             </a:extLst>
           </p:cNvPr>
@@ -31283,7 +31283,7 @@
           <p:cNvPr id="115" name="Rectangle 109">
             <a:extLst>
               <a:ext uri="{FF2B5EF4-FFF2-40B4-BE49-F238E27FC236}">
-                <a16:creationId xmlns:a16="http://schemas.microsoft.com/office/drawing/2014/main" xmlns="" id="{BAFA532E-C3B2-DD8D-2230-9C02C319A75F}"/>
+                <a16:creationId xmlns="" xmlns:a16="http://schemas.microsoft.com/office/drawing/2014/main" id="{BAFA532E-C3B2-DD8D-2230-9C02C319A75F}"/>
               </a:ext>
             </a:extLst>
           </p:cNvPr>
@@ -31509,7 +31509,7 @@
           <p:cNvPr id="116" name="Rectangle 110">
             <a:extLst>
               <a:ext uri="{FF2B5EF4-FFF2-40B4-BE49-F238E27FC236}">
-                <a16:creationId xmlns:a16="http://schemas.microsoft.com/office/drawing/2014/main" xmlns="" id="{500F727A-1616-FF1F-0F60-3541C10739FA}"/>
+                <a16:creationId xmlns="" xmlns:a16="http://schemas.microsoft.com/office/drawing/2014/main" id="{500F727A-1616-FF1F-0F60-3541C10739FA}"/>
               </a:ext>
             </a:extLst>
           </p:cNvPr>
@@ -31735,7 +31735,7 @@
           <p:cNvPr id="117" name="Rectangle 111">
             <a:extLst>
               <a:ext uri="{FF2B5EF4-FFF2-40B4-BE49-F238E27FC236}">
-                <a16:creationId xmlns:a16="http://schemas.microsoft.com/office/drawing/2014/main" xmlns="" id="{A585B43E-704B-9FAB-4A58-ACE530BD3941}"/>
+                <a16:creationId xmlns="" xmlns:a16="http://schemas.microsoft.com/office/drawing/2014/main" id="{A585B43E-704B-9FAB-4A58-ACE530BD3941}"/>
               </a:ext>
             </a:extLst>
           </p:cNvPr>
@@ -31961,7 +31961,7 @@
           <p:cNvPr id="118" name="Rectangle 112">
             <a:extLst>
               <a:ext uri="{FF2B5EF4-FFF2-40B4-BE49-F238E27FC236}">
-                <a16:creationId xmlns:a16="http://schemas.microsoft.com/office/drawing/2014/main" xmlns="" id="{2282AC02-63C1-A289-E468-0D7B92EEC919}"/>
+                <a16:creationId xmlns="" xmlns:a16="http://schemas.microsoft.com/office/drawing/2014/main" id="{2282AC02-63C1-A289-E468-0D7B92EEC919}"/>
               </a:ext>
             </a:extLst>
           </p:cNvPr>
@@ -32187,7 +32187,7 @@
           <p:cNvPr id="119" name="Rectangle 113">
             <a:extLst>
               <a:ext uri="{FF2B5EF4-FFF2-40B4-BE49-F238E27FC236}">
-                <a16:creationId xmlns:a16="http://schemas.microsoft.com/office/drawing/2014/main" xmlns="" id="{8F9AA65F-179F-B25C-D0A0-682E6C22C518}"/>
+                <a16:creationId xmlns="" xmlns:a16="http://schemas.microsoft.com/office/drawing/2014/main" id="{8F9AA65F-179F-B25C-D0A0-682E6C22C518}"/>
               </a:ext>
             </a:extLst>
           </p:cNvPr>
@@ -32413,7 +32413,7 @@
           <p:cNvPr id="120" name="Rectangle 114">
             <a:extLst>
               <a:ext uri="{FF2B5EF4-FFF2-40B4-BE49-F238E27FC236}">
-                <a16:creationId xmlns:a16="http://schemas.microsoft.com/office/drawing/2014/main" xmlns="" id="{16CA7217-C049-29CA-F3B0-53F707B28E5C}"/>
+                <a16:creationId xmlns="" xmlns:a16="http://schemas.microsoft.com/office/drawing/2014/main" id="{16CA7217-C049-29CA-F3B0-53F707B28E5C}"/>
               </a:ext>
             </a:extLst>
           </p:cNvPr>
@@ -32639,7 +32639,7 @@
           <p:cNvPr id="7" name="Espace réservé du numéro de diapositive 6">
             <a:extLst>
               <a:ext uri="{FF2B5EF4-FFF2-40B4-BE49-F238E27FC236}">
-                <a16:creationId xmlns:a16="http://schemas.microsoft.com/office/drawing/2014/main" xmlns="" id="{94AA9E33-0C7E-C64C-EA36-51E37CEBC9D6}"/>
+                <a16:creationId xmlns="" xmlns:a16="http://schemas.microsoft.com/office/drawing/2014/main" id="{94AA9E33-0C7E-C64C-EA36-51E37CEBC9D6}"/>
               </a:ext>
             </a:extLst>
           </p:cNvPr>
@@ -33556,7 +33556,7 @@
           <p:cNvPr id="54" name="Tableau 53">
             <a:extLst>
               <a:ext uri="{FF2B5EF4-FFF2-40B4-BE49-F238E27FC236}">
-                <a16:creationId xmlns:a16="http://schemas.microsoft.com/office/drawing/2014/main" xmlns="" id="{995B0A0C-53A2-5AD4-55DC-67E950F4E862}"/>
+                <a16:creationId xmlns="" xmlns:a16="http://schemas.microsoft.com/office/drawing/2014/main" id="{995B0A0C-53A2-5AD4-55DC-67E950F4E862}"/>
               </a:ext>
             </a:extLst>
           </p:cNvPr>
@@ -33585,21 +33585,21 @@
                 <a:gridCol w="2520281">
                   <a:extLst>
                     <a:ext uri="{9D8B030D-6E8A-4147-A177-3AD203B41FA5}">
-                      <a16:colId xmlns:a16="http://schemas.microsoft.com/office/drawing/2014/main" xmlns="" val="20000"/>
+                      <a16:colId xmlns="" xmlns:a16="http://schemas.microsoft.com/office/drawing/2014/main" val="20000"/>
                     </a:ext>
                   </a:extLst>
                 </a:gridCol>
                 <a:gridCol w="4464496">
                   <a:extLst>
                     <a:ext uri="{9D8B030D-6E8A-4147-A177-3AD203B41FA5}">
-                      <a16:colId xmlns:a16="http://schemas.microsoft.com/office/drawing/2014/main" xmlns="" val="20001"/>
+                      <a16:colId xmlns="" xmlns:a16="http://schemas.microsoft.com/office/drawing/2014/main" val="20001"/>
                     </a:ext>
                   </a:extLst>
                 </a:gridCol>
                 <a:gridCol w="1440159">
                   <a:extLst>
                     <a:ext uri="{9D8B030D-6E8A-4147-A177-3AD203B41FA5}">
-                      <a16:colId xmlns:a16="http://schemas.microsoft.com/office/drawing/2014/main" xmlns="" val="20002"/>
+                      <a16:colId xmlns="" xmlns:a16="http://schemas.microsoft.com/office/drawing/2014/main" val="20002"/>
                     </a:ext>
                   </a:extLst>
                 </a:gridCol>
@@ -33655,7 +33655,7 @@
                 </a:tc>
                 <a:extLst>
                   <a:ext uri="{0D108BD9-81ED-4DB2-BD59-A6C34878D82A}">
-                    <a16:rowId xmlns:a16="http://schemas.microsoft.com/office/drawing/2014/main" xmlns="" val="10000"/>
+                    <a16:rowId xmlns="" xmlns:a16="http://schemas.microsoft.com/office/drawing/2014/main" val="10000"/>
                   </a:ext>
                 </a:extLst>
               </a:tr>
@@ -33707,7 +33707,7 @@
                 </a:tc>
                 <a:extLst>
                   <a:ext uri="{0D108BD9-81ED-4DB2-BD59-A6C34878D82A}">
-                    <a16:rowId xmlns:a16="http://schemas.microsoft.com/office/drawing/2014/main" xmlns="" val="10001"/>
+                    <a16:rowId xmlns="" xmlns:a16="http://schemas.microsoft.com/office/drawing/2014/main" val="10001"/>
                   </a:ext>
                 </a:extLst>
               </a:tr>
@@ -33781,7 +33781,7 @@
                 </a:tc>
                 <a:extLst>
                   <a:ext uri="{0D108BD9-81ED-4DB2-BD59-A6C34878D82A}">
-                    <a16:rowId xmlns:a16="http://schemas.microsoft.com/office/drawing/2014/main" xmlns="" val="10002"/>
+                    <a16:rowId xmlns="" xmlns:a16="http://schemas.microsoft.com/office/drawing/2014/main" val="10002"/>
                   </a:ext>
                 </a:extLst>
               </a:tr>
@@ -33844,7 +33844,7 @@
                 </a:tc>
                 <a:extLst>
                   <a:ext uri="{0D108BD9-81ED-4DB2-BD59-A6C34878D82A}">
-                    <a16:rowId xmlns:a16="http://schemas.microsoft.com/office/drawing/2014/main" xmlns="" val="10003"/>
+                    <a16:rowId xmlns="" xmlns:a16="http://schemas.microsoft.com/office/drawing/2014/main" val="10003"/>
                   </a:ext>
                 </a:extLst>
               </a:tr>
@@ -33857,7 +33857,7 @@
           <p:cNvPr id="56" name="Espace réservé du numéro de diapositive 55">
             <a:extLst>
               <a:ext uri="{FF2B5EF4-FFF2-40B4-BE49-F238E27FC236}">
-                <a16:creationId xmlns:a16="http://schemas.microsoft.com/office/drawing/2014/main" xmlns="" id="{5463397A-A102-B80E-F38F-31950BE31ABB}"/>
+                <a16:creationId xmlns="" xmlns:a16="http://schemas.microsoft.com/office/drawing/2014/main" id="{5463397A-A102-B80E-F38F-31950BE31ABB}"/>
               </a:ext>
             </a:extLst>
           </p:cNvPr>
@@ -33948,7 +33948,7 @@
           <p:cNvPr id="6" name="Espace réservé du contenu 5">
             <a:extLst>
               <a:ext uri="{FF2B5EF4-FFF2-40B4-BE49-F238E27FC236}">
-                <a16:creationId xmlns:a16="http://schemas.microsoft.com/office/drawing/2014/main" xmlns="" id="{2CEF4690-91BC-76C4-E5F4-EEAF8BF2CF1E}"/>
+                <a16:creationId xmlns="" xmlns:a16="http://schemas.microsoft.com/office/drawing/2014/main" id="{2CEF4690-91BC-76C4-E5F4-EEAF8BF2CF1E}"/>
               </a:ext>
             </a:extLst>
           </p:cNvPr>
@@ -33965,15 +33965,28 @@
           <a:lstStyle/>
           <a:p>
             <a:r>
-              <a:rPr lang="fr-FR" dirty="0"/>
-              <a:t>Rapide synthèse</a:t>
+              <a:rPr lang="fr-FR" dirty="0" smtClean="0"/>
+              <a:t>Application limitant le gâchis alimentaire</a:t>
             </a:r>
+            <a:endParaRPr lang="fr-FR" dirty="0" smtClean="0"/>
           </a:p>
           <a:p>
             <a:r>
-              <a:rPr lang="fr-FR" dirty="0"/>
-              <a:t>Perspectives (acquisition de compétences, répartition des rôles)</a:t>
+              <a:rPr lang="fr-FR" dirty="0" smtClean="0"/>
+              <a:t>Point fort : cueillette</a:t>
             </a:r>
+            <a:endParaRPr lang="fr-FR" dirty="0"/>
+          </a:p>
+          <a:p>
+            <a:r>
+              <a:rPr lang="fr-FR" dirty="0" smtClean="0"/>
+              <a:t>Acquisition de </a:t>
+            </a:r>
+            <a:r>
+              <a:rPr lang="fr-FR" smtClean="0"/>
+              <a:t>nouvelles compétences</a:t>
+            </a:r>
+            <a:endParaRPr lang="fr-FR" dirty="0"/>
           </a:p>
         </p:txBody>
       </p:sp>
@@ -33982,7 +33995,7 @@
           <p:cNvPr id="5" name="Espace réservé du numéro de diapositive 4">
             <a:extLst>
               <a:ext uri="{FF2B5EF4-FFF2-40B4-BE49-F238E27FC236}">
-                <a16:creationId xmlns:a16="http://schemas.microsoft.com/office/drawing/2014/main" xmlns="" id="{A60ADAFC-C000-9A3E-BDAA-8FF0BB36311D}"/>
+                <a16:creationId xmlns="" xmlns:a16="http://schemas.microsoft.com/office/drawing/2014/main" id="{A60ADAFC-C000-9A3E-BDAA-8FF0BB36311D}"/>
               </a:ext>
             </a:extLst>
           </p:cNvPr>
@@ -34202,7 +34215,7 @@
           <p:cNvPr id="5" name="Espace réservé du numéro de diapositive 4">
             <a:extLst>
               <a:ext uri="{FF2B5EF4-FFF2-40B4-BE49-F238E27FC236}">
-                <a16:creationId xmlns:a16="http://schemas.microsoft.com/office/drawing/2014/main" xmlns="" id="{3D4AFB18-9052-83B5-D8F2-32B5B8AE40BC}"/>
+                <a16:creationId xmlns="" xmlns:a16="http://schemas.microsoft.com/office/drawing/2014/main" id="{3D4AFB18-9052-83B5-D8F2-32B5B8AE40BC}"/>
               </a:ext>
             </a:extLst>
           </p:cNvPr>
@@ -34319,7 +34332,7 @@
           <p:cNvPr id="6" name="Espace réservé du numéro de diapositive 5">
             <a:extLst>
               <a:ext uri="{FF2B5EF4-FFF2-40B4-BE49-F238E27FC236}">
-                <a16:creationId xmlns:a16="http://schemas.microsoft.com/office/drawing/2014/main" xmlns="" id="{38DBB1A2-8660-AF9D-EEBB-ADF8BFA3B0AF}"/>
+                <a16:creationId xmlns="" xmlns:a16="http://schemas.microsoft.com/office/drawing/2014/main" id="{38DBB1A2-8660-AF9D-EEBB-ADF8BFA3B0AF}"/>
               </a:ext>
             </a:extLst>
           </p:cNvPr>
@@ -34455,7 +34468,7 @@
           <p:cNvPr id="1028" name="Picture 4" descr="Gros Plan Sur Tas De Pomme Pourrie Gâtée | Photo Premium">
             <a:extLst>
               <a:ext uri="{FF2B5EF4-FFF2-40B4-BE49-F238E27FC236}">
-                <a16:creationId xmlns:a16="http://schemas.microsoft.com/office/drawing/2014/main" xmlns="" id="{8EF69DE4-B18E-47BC-238A-09D3D5321882}"/>
+                <a16:creationId xmlns="" xmlns:a16="http://schemas.microsoft.com/office/drawing/2014/main" id="{8EF69DE4-B18E-47BC-238A-09D3D5321882}"/>
               </a:ext>
             </a:extLst>
           </p:cNvPr>
@@ -34502,7 +34515,7 @@
           <p:cNvPr id="5" name="Espace réservé du numéro de diapositive 4">
             <a:extLst>
               <a:ext uri="{FF2B5EF4-FFF2-40B4-BE49-F238E27FC236}">
-                <a16:creationId xmlns:a16="http://schemas.microsoft.com/office/drawing/2014/main" xmlns="" id="{E0F865A0-3351-E4DE-7F04-0CA63FB56039}"/>
+                <a16:creationId xmlns="" xmlns:a16="http://schemas.microsoft.com/office/drawing/2014/main" id="{E0F865A0-3351-E4DE-7F04-0CA63FB56039}"/>
               </a:ext>
             </a:extLst>
           </p:cNvPr>
@@ -35392,7 +35405,7 @@
           <p:cNvPr id="8" name="Espace réservé du numéro de diapositive 7">
             <a:extLst>
               <a:ext uri="{FF2B5EF4-FFF2-40B4-BE49-F238E27FC236}">
-                <a16:creationId xmlns:a16="http://schemas.microsoft.com/office/drawing/2014/main" xmlns="" id="{6189510B-6FC8-50DE-CB06-ED7D680DF1D0}"/>
+                <a16:creationId xmlns="" xmlns:a16="http://schemas.microsoft.com/office/drawing/2014/main" id="{6189510B-6FC8-50DE-CB06-ED7D680DF1D0}"/>
               </a:ext>
             </a:extLst>
           </p:cNvPr>
@@ -36565,7 +36578,7 @@
           <p:cNvPr id="10" name="Espace réservé du numéro de diapositive 9">
             <a:extLst>
               <a:ext uri="{FF2B5EF4-FFF2-40B4-BE49-F238E27FC236}">
-                <a16:creationId xmlns:a16="http://schemas.microsoft.com/office/drawing/2014/main" xmlns="" id="{D2763964-2188-21E5-7C0A-466DEE3D53BC}"/>
+                <a16:creationId xmlns="" xmlns:a16="http://schemas.microsoft.com/office/drawing/2014/main" id="{D2763964-2188-21E5-7C0A-466DEE3D53BC}"/>
               </a:ext>
             </a:extLst>
           </p:cNvPr>
@@ -37021,28 +37034,28 @@
                 <a:gridCol w="2237293">
                   <a:extLst>
                     <a:ext uri="{9D8B030D-6E8A-4147-A177-3AD203B41FA5}">
-                      <a16:colId xmlns:a16="http://schemas.microsoft.com/office/drawing/2014/main" xmlns="" val="20000"/>
+                      <a16:colId xmlns="" xmlns:a16="http://schemas.microsoft.com/office/drawing/2014/main" val="20000"/>
                     </a:ext>
                   </a:extLst>
                 </a:gridCol>
                 <a:gridCol w="2237293">
                   <a:extLst>
                     <a:ext uri="{9D8B030D-6E8A-4147-A177-3AD203B41FA5}">
-                      <a16:colId xmlns:a16="http://schemas.microsoft.com/office/drawing/2014/main" xmlns="" val="20001"/>
+                      <a16:colId xmlns="" xmlns:a16="http://schemas.microsoft.com/office/drawing/2014/main" val="20001"/>
                     </a:ext>
                   </a:extLst>
                 </a:gridCol>
                 <a:gridCol w="2237293">
                   <a:extLst>
                     <a:ext uri="{9D8B030D-6E8A-4147-A177-3AD203B41FA5}">
-                      <a16:colId xmlns:a16="http://schemas.microsoft.com/office/drawing/2014/main" xmlns="" val="20002"/>
+                      <a16:colId xmlns="" xmlns:a16="http://schemas.microsoft.com/office/drawing/2014/main" val="20002"/>
                     </a:ext>
                   </a:extLst>
                 </a:gridCol>
                 <a:gridCol w="2237293">
                   <a:extLst>
                     <a:ext uri="{9D8B030D-6E8A-4147-A177-3AD203B41FA5}">
-                      <a16:colId xmlns:a16="http://schemas.microsoft.com/office/drawing/2014/main" xmlns="" val="20003"/>
+                      <a16:colId xmlns="" xmlns:a16="http://schemas.microsoft.com/office/drawing/2014/main" val="20003"/>
                     </a:ext>
                   </a:extLst>
                 </a:gridCol>
@@ -37102,7 +37115,7 @@
                 </a:tc>
                 <a:extLst>
                   <a:ext uri="{0D108BD9-81ED-4DB2-BD59-A6C34878D82A}">
-                    <a16:rowId xmlns:a16="http://schemas.microsoft.com/office/drawing/2014/main" xmlns="" val="10000"/>
+                    <a16:rowId xmlns="" xmlns:a16="http://schemas.microsoft.com/office/drawing/2014/main" val="10000"/>
                   </a:ext>
                 </a:extLst>
               </a:tr>
@@ -37171,7 +37184,7 @@
                 </a:tc>
                 <a:extLst>
                   <a:ext uri="{0D108BD9-81ED-4DB2-BD59-A6C34878D82A}">
-                    <a16:rowId xmlns:a16="http://schemas.microsoft.com/office/drawing/2014/main" xmlns="" val="10001"/>
+                    <a16:rowId xmlns="" xmlns:a16="http://schemas.microsoft.com/office/drawing/2014/main" val="10001"/>
                   </a:ext>
                 </a:extLst>
               </a:tr>
@@ -37248,7 +37261,7 @@
                 </a:tc>
                 <a:extLst>
                   <a:ext uri="{0D108BD9-81ED-4DB2-BD59-A6C34878D82A}">
-                    <a16:rowId xmlns:a16="http://schemas.microsoft.com/office/drawing/2014/main" xmlns="" val="10002"/>
+                    <a16:rowId xmlns="" xmlns:a16="http://schemas.microsoft.com/office/drawing/2014/main" val="10002"/>
                   </a:ext>
                 </a:extLst>
               </a:tr>
@@ -37314,7 +37327,7 @@
                 </a:tc>
                 <a:extLst>
                   <a:ext uri="{0D108BD9-81ED-4DB2-BD59-A6C34878D82A}">
-                    <a16:rowId xmlns:a16="http://schemas.microsoft.com/office/drawing/2014/main" xmlns="" val="10003"/>
+                    <a16:rowId xmlns="" xmlns:a16="http://schemas.microsoft.com/office/drawing/2014/main" val="10003"/>
                   </a:ext>
                 </a:extLst>
               </a:tr>
@@ -37379,7 +37392,7 @@
                 </a:tc>
                 <a:extLst>
                   <a:ext uri="{0D108BD9-81ED-4DB2-BD59-A6C34878D82A}">
-                    <a16:rowId xmlns:a16="http://schemas.microsoft.com/office/drawing/2014/main" xmlns="" val="10004"/>
+                    <a16:rowId xmlns="" xmlns:a16="http://schemas.microsoft.com/office/drawing/2014/main" val="10004"/>
                   </a:ext>
                 </a:extLst>
               </a:tr>
@@ -37449,7 +37462,7 @@
                 </a:tc>
                 <a:extLst>
                   <a:ext uri="{0D108BD9-81ED-4DB2-BD59-A6C34878D82A}">
-                    <a16:rowId xmlns:a16="http://schemas.microsoft.com/office/drawing/2014/main" xmlns="" val="10005"/>
+                    <a16:rowId xmlns="" xmlns:a16="http://schemas.microsoft.com/office/drawing/2014/main" val="10005"/>
                   </a:ext>
                 </a:extLst>
               </a:tr>
@@ -37518,7 +37531,7 @@
                 </a:tc>
                 <a:extLst>
                   <a:ext uri="{0D108BD9-81ED-4DB2-BD59-A6C34878D82A}">
-                    <a16:rowId xmlns:a16="http://schemas.microsoft.com/office/drawing/2014/main" xmlns="" val="10006"/>
+                    <a16:rowId xmlns="" xmlns:a16="http://schemas.microsoft.com/office/drawing/2014/main" val="10006"/>
                   </a:ext>
                 </a:extLst>
               </a:tr>
@@ -37531,7 +37544,7 @@
           <p:cNvPr id="5" name="Espace réservé du numéro de diapositive 4">
             <a:extLst>
               <a:ext uri="{FF2B5EF4-FFF2-40B4-BE49-F238E27FC236}">
-                <a16:creationId xmlns:a16="http://schemas.microsoft.com/office/drawing/2014/main" xmlns="" id="{726F8C65-41CB-7716-D4C7-40FCAE513AFC}"/>
+                <a16:creationId xmlns="" xmlns:a16="http://schemas.microsoft.com/office/drawing/2014/main" id="{726F8C65-41CB-7716-D4C7-40FCAE513AFC}"/>
               </a:ext>
             </a:extLst>
           </p:cNvPr>
@@ -37597,7 +37610,7 @@
           <p:cNvPr id="10" name="Image 9">
             <a:extLst>
               <a:ext uri="{FF2B5EF4-FFF2-40B4-BE49-F238E27FC236}">
-                <a16:creationId xmlns:a16="http://schemas.microsoft.com/office/drawing/2014/main" xmlns="" id="{542004DD-9C2F-2F0E-305A-F444A54EF624}"/>
+                <a16:creationId xmlns="" xmlns:a16="http://schemas.microsoft.com/office/drawing/2014/main" id="{542004DD-9C2F-2F0E-305A-F444A54EF624}"/>
               </a:ext>
             </a:extLst>
           </p:cNvPr>
@@ -37633,7 +37646,7 @@
           <p:cNvPr id="2" name="Titre 1">
             <a:extLst>
               <a:ext uri="{FF2B5EF4-FFF2-40B4-BE49-F238E27FC236}">
-                <a16:creationId xmlns:a16="http://schemas.microsoft.com/office/drawing/2014/main" xmlns="" id="{1EACF213-D59C-9288-FB5F-62C2400433FB}"/>
+                <a16:creationId xmlns="" xmlns:a16="http://schemas.microsoft.com/office/drawing/2014/main" id="{1EACF213-D59C-9288-FB5F-62C2400433FB}"/>
               </a:ext>
             </a:extLst>
           </p:cNvPr>
@@ -37666,7 +37679,7 @@
           <p:cNvPr id="3" name="Espace réservé du contenu 2">
             <a:extLst>
               <a:ext uri="{FF2B5EF4-FFF2-40B4-BE49-F238E27FC236}">
-                <a16:creationId xmlns:a16="http://schemas.microsoft.com/office/drawing/2014/main" xmlns="" id="{B3955836-2051-F8CE-4A05-238116EE493F}"/>
+                <a16:creationId xmlns="" xmlns:a16="http://schemas.microsoft.com/office/drawing/2014/main" id="{B3955836-2051-F8CE-4A05-238116EE493F}"/>
               </a:ext>
             </a:extLst>
           </p:cNvPr>
@@ -37737,7 +37750,7 @@
           <p:cNvPr id="5" name="Image 4" descr="Une image contenant extérieur, personne, fruit&#10;&#10;Description générée automatiquement">
             <a:extLst>
               <a:ext uri="{FF2B5EF4-FFF2-40B4-BE49-F238E27FC236}">
-                <a16:creationId xmlns:a16="http://schemas.microsoft.com/office/drawing/2014/main" xmlns="" id="{71036AAC-65B4-9AF5-C94F-99DC8E836500}"/>
+                <a16:creationId xmlns="" xmlns:a16="http://schemas.microsoft.com/office/drawing/2014/main" id="{71036AAC-65B4-9AF5-C94F-99DC8E836500}"/>
               </a:ext>
             </a:extLst>
           </p:cNvPr>
@@ -37773,7 +37786,7 @@
           <p:cNvPr id="7" name="Image 6">
             <a:extLst>
               <a:ext uri="{FF2B5EF4-FFF2-40B4-BE49-F238E27FC236}">
-                <a16:creationId xmlns:a16="http://schemas.microsoft.com/office/drawing/2014/main" xmlns="" id="{68AB5712-7E0D-6A56-A47A-33D24F66E6CF}"/>
+                <a16:creationId xmlns="" xmlns:a16="http://schemas.microsoft.com/office/drawing/2014/main" id="{68AB5712-7E0D-6A56-A47A-33D24F66E6CF}"/>
               </a:ext>
             </a:extLst>
           </p:cNvPr>
@@ -37809,7 +37822,7 @@
           <p:cNvPr id="6" name="Espace réservé du contenu 2">
             <a:extLst>
               <a:ext uri="{FF2B5EF4-FFF2-40B4-BE49-F238E27FC236}">
-                <a16:creationId xmlns:a16="http://schemas.microsoft.com/office/drawing/2014/main" xmlns="" id="{A7C7FBA2-3D6B-63A5-BFBD-781828FB0982}"/>
+                <a16:creationId xmlns="" xmlns:a16="http://schemas.microsoft.com/office/drawing/2014/main" id="{A7C7FBA2-3D6B-63A5-BFBD-781828FB0982}"/>
               </a:ext>
             </a:extLst>
           </p:cNvPr>
@@ -38014,7 +38027,7 @@
           <p:cNvPr id="8" name="Espace réservé du contenu 2">
             <a:extLst>
               <a:ext uri="{FF2B5EF4-FFF2-40B4-BE49-F238E27FC236}">
-                <a16:creationId xmlns:a16="http://schemas.microsoft.com/office/drawing/2014/main" xmlns="" id="{77BF3A8B-D029-77BD-A74A-DD8CAD058544}"/>
+                <a16:creationId xmlns="" xmlns:a16="http://schemas.microsoft.com/office/drawing/2014/main" id="{77BF3A8B-D029-77BD-A74A-DD8CAD058544}"/>
               </a:ext>
             </a:extLst>
           </p:cNvPr>
@@ -38219,7 +38232,7 @@
           <p:cNvPr id="12" name="Image 11" descr="Une image contenant carte&#10;&#10;Description générée automatiquement">
             <a:extLst>
               <a:ext uri="{FF2B5EF4-FFF2-40B4-BE49-F238E27FC236}">
-                <a16:creationId xmlns:a16="http://schemas.microsoft.com/office/drawing/2014/main" xmlns="" id="{240E7089-2863-AEE8-D998-4798CDEF6E90}"/>
+                <a16:creationId xmlns="" xmlns:a16="http://schemas.microsoft.com/office/drawing/2014/main" id="{240E7089-2863-AEE8-D998-4798CDEF6E90}"/>
               </a:ext>
             </a:extLst>
           </p:cNvPr>
@@ -38255,7 +38268,7 @@
           <p:cNvPr id="9" name="Espace réservé du numéro de diapositive 8">
             <a:extLst>
               <a:ext uri="{FF2B5EF4-FFF2-40B4-BE49-F238E27FC236}">
-                <a16:creationId xmlns:a16="http://schemas.microsoft.com/office/drawing/2014/main" xmlns="" id="{B487A644-00CC-A3CF-0A6A-1E88C0815F13}"/>
+                <a16:creationId xmlns="" xmlns:a16="http://schemas.microsoft.com/office/drawing/2014/main" id="{B487A644-00CC-A3CF-0A6A-1E88C0815F13}"/>
               </a:ext>
             </a:extLst>
           </p:cNvPr>
@@ -38524,7 +38537,7 @@
           <p:cNvPr id="2" name="Titre 1">
             <a:extLst>
               <a:ext uri="{FF2B5EF4-FFF2-40B4-BE49-F238E27FC236}">
-                <a16:creationId xmlns:a16="http://schemas.microsoft.com/office/drawing/2014/main" xmlns="" id="{1EACF213-D59C-9288-FB5F-62C2400433FB}"/>
+                <a16:creationId xmlns="" xmlns:a16="http://schemas.microsoft.com/office/drawing/2014/main" id="{1EACF213-D59C-9288-FB5F-62C2400433FB}"/>
               </a:ext>
             </a:extLst>
           </p:cNvPr>
@@ -38557,7 +38570,7 @@
           <p:cNvPr id="9" name="Espace réservé du contenu 8">
             <a:extLst>
               <a:ext uri="{FF2B5EF4-FFF2-40B4-BE49-F238E27FC236}">
-                <a16:creationId xmlns:a16="http://schemas.microsoft.com/office/drawing/2014/main" xmlns="" id="{0D71E381-3735-AF25-5B3D-30AF17051F31}"/>
+                <a16:creationId xmlns="" xmlns:a16="http://schemas.microsoft.com/office/drawing/2014/main" id="{0D71E381-3735-AF25-5B3D-30AF17051F31}"/>
               </a:ext>
             </a:extLst>
           </p:cNvPr>
@@ -38598,7 +38611,7 @@
           <p:cNvPr id="16" name="Image 15">
             <a:extLst>
               <a:ext uri="{FF2B5EF4-FFF2-40B4-BE49-F238E27FC236}">
-                <a16:creationId xmlns:a16="http://schemas.microsoft.com/office/drawing/2014/main" xmlns="" id="{9292EFC3-E53A-A88A-A7B6-1D388904C169}"/>
+                <a16:creationId xmlns="" xmlns:a16="http://schemas.microsoft.com/office/drawing/2014/main" id="{9292EFC3-E53A-A88A-A7B6-1D388904C169}"/>
               </a:ext>
             </a:extLst>
           </p:cNvPr>
@@ -38634,7 +38647,7 @@
           <p:cNvPr id="19" name="Espace réservé du contenu 8">
             <a:extLst>
               <a:ext uri="{FF2B5EF4-FFF2-40B4-BE49-F238E27FC236}">
-                <a16:creationId xmlns:a16="http://schemas.microsoft.com/office/drawing/2014/main" xmlns="" id="{21D05938-2221-39D6-ACB4-C4212DF26612}"/>
+                <a16:creationId xmlns="" xmlns:a16="http://schemas.microsoft.com/office/drawing/2014/main" id="{21D05938-2221-39D6-ACB4-C4212DF26612}"/>
               </a:ext>
             </a:extLst>
           </p:cNvPr>
@@ -38840,7 +38853,7 @@
           <p:cNvPr id="20" name="Espace réservé du contenu 8">
             <a:extLst>
               <a:ext uri="{FF2B5EF4-FFF2-40B4-BE49-F238E27FC236}">
-                <a16:creationId xmlns:a16="http://schemas.microsoft.com/office/drawing/2014/main" xmlns="" id="{6FA9E4E7-608A-3992-EEC4-2B3025297EE0}"/>
+                <a16:creationId xmlns="" xmlns:a16="http://schemas.microsoft.com/office/drawing/2014/main" id="{6FA9E4E7-608A-3992-EEC4-2B3025297EE0}"/>
               </a:ext>
             </a:extLst>
           </p:cNvPr>
@@ -39046,7 +39059,7 @@
           <p:cNvPr id="22" name="Image 21" descr="Une image contenant silhouette, crépuscule&#10;&#10;Description générée automatiquement">
             <a:extLst>
               <a:ext uri="{FF2B5EF4-FFF2-40B4-BE49-F238E27FC236}">
-                <a16:creationId xmlns:a16="http://schemas.microsoft.com/office/drawing/2014/main" xmlns="" id="{3E2B26A6-C040-7037-088F-D663A0DAB1C7}"/>
+                <a16:creationId xmlns="" xmlns:a16="http://schemas.microsoft.com/office/drawing/2014/main" id="{3E2B26A6-C040-7037-088F-D663A0DAB1C7}"/>
               </a:ext>
             </a:extLst>
           </p:cNvPr>
@@ -39082,7 +39095,7 @@
           <p:cNvPr id="24" name="Image 23" descr="Une image contenant image&#10;&#10;Description générée automatiquement">
             <a:extLst>
               <a:ext uri="{FF2B5EF4-FFF2-40B4-BE49-F238E27FC236}">
-                <a16:creationId xmlns:a16="http://schemas.microsoft.com/office/drawing/2014/main" xmlns="" id="{2AE3D855-C184-2CAB-3F07-9A992AC80ABD}"/>
+                <a16:creationId xmlns="" xmlns:a16="http://schemas.microsoft.com/office/drawing/2014/main" id="{2AE3D855-C184-2CAB-3F07-9A992AC80ABD}"/>
               </a:ext>
             </a:extLst>
           </p:cNvPr>
@@ -39118,7 +39131,7 @@
           <p:cNvPr id="4" name="Espace réservé du numéro de diapositive 3">
             <a:extLst>
               <a:ext uri="{FF2B5EF4-FFF2-40B4-BE49-F238E27FC236}">
-                <a16:creationId xmlns:a16="http://schemas.microsoft.com/office/drawing/2014/main" xmlns="" id="{C799759F-9CB5-E929-EA7B-702FA086F5DC}"/>
+                <a16:creationId xmlns="" xmlns:a16="http://schemas.microsoft.com/office/drawing/2014/main" id="{C799759F-9CB5-E929-EA7B-702FA086F5DC}"/>
               </a:ext>
             </a:extLst>
           </p:cNvPr>
@@ -39602,7 +39615,7 @@
   <a:extraClrSchemeLst/>
   <a:extLst>
     <a:ext uri="{05A4C25C-085E-4340-85A3-A5531E510DB2}">
-      <thm15:themeFamily xmlns:thm15="http://schemas.microsoft.com/office/thememl/2012/main" xmlns="" name="Wisp" id="{7CB32D59-10C0-40DD-B7BD-2E94284A981C}" vid="{24B1A44C-C006-48B2-A4D7-E5549B3D8CD4}"/>
+      <thm15:themeFamily xmlns="" xmlns:thm15="http://schemas.microsoft.com/office/thememl/2012/main" name="Wisp" id="{7CB32D59-10C0-40DD-B7BD-2E94284A981C}" vid="{24B1A44C-C006-48B2-A4D7-E5549B3D8CD4}"/>
     </a:ext>
   </a:extLst>
 </a:theme>
@@ -40182,7 +40195,7 @@
   <a:extraClrSchemeLst/>
   <a:extLst>
     <a:ext uri="{05A4C25C-085E-4340-85A3-A5531E510DB2}">
-      <thm15:themeFamily xmlns:thm15="http://schemas.microsoft.com/office/thememl/2012/main" xmlns="" name="Office Theme" id="{62F939B6-93AF-4DB8-9C6B-D6C7DFDC589F}" vid="{4A3C46E8-61CC-4603-A589-7422A47A8E4A}"/>
+      <thm15:themeFamily xmlns="" xmlns:thm15="http://schemas.microsoft.com/office/thememl/2012/main" name="Office Theme" id="{62F939B6-93AF-4DB8-9C6B-D6C7DFDC589F}" vid="{4A3C46E8-61CC-4603-A589-7422A47A8E4A}"/>
     </a:ext>
   </a:extLst>
 </a:theme>

--- a/Diapo.pptx
+++ b/Diapo.pptx
@@ -125,7 +125,7 @@
   </p:defaultTextStyle>
   <p:extLst>
     <p:ext uri="{EFAFB233-063F-42B5-8137-9DF3F51BA10A}">
-      <p15:sldGuideLst xmlns="" xmlns:p15="http://schemas.microsoft.com/office/powerpoint/2012/main">
+      <p15:sldGuideLst xmlns:p15="http://schemas.microsoft.com/office/powerpoint/2012/main" xmlns="">
         <p15:guide id="1" orient="horz" pos="2160">
           <p15:clr>
             <a:srgbClr val="A4A3A4"/>
@@ -419,7 +419,7 @@
           <p:cNvPr id="2" name="Espace réservé de l'en-tête 1">
             <a:extLst>
               <a:ext uri="{FF2B5EF4-FFF2-40B4-BE49-F238E27FC236}">
-                <a16:creationId xmlns="" xmlns:a16="http://schemas.microsoft.com/office/drawing/2014/main" id="{E36B3949-00EB-E3BD-35D3-0BEE56598ED8}"/>
+                <a16:creationId xmlns:a16="http://schemas.microsoft.com/office/drawing/2014/main" xmlns="" id="{E36B3949-00EB-E3BD-35D3-0BEE56598ED8}"/>
               </a:ext>
             </a:extLst>
           </p:cNvPr>
@@ -456,7 +456,7 @@
           <p:cNvPr id="3" name="Espace réservé de la date 2">
             <a:extLst>
               <a:ext uri="{FF2B5EF4-FFF2-40B4-BE49-F238E27FC236}">
-                <a16:creationId xmlns="" xmlns:a16="http://schemas.microsoft.com/office/drawing/2014/main" id="{CE2C867B-7B70-F807-5EB0-3A59C61D5D76}"/>
+                <a16:creationId xmlns:a16="http://schemas.microsoft.com/office/drawing/2014/main" xmlns="" id="{CE2C867B-7B70-F807-5EB0-3A59C61D5D76}"/>
               </a:ext>
             </a:extLst>
           </p:cNvPr>
@@ -497,7 +497,7 @@
           <p:cNvPr id="4" name="Espace réservé du pied de page 3">
             <a:extLst>
               <a:ext uri="{FF2B5EF4-FFF2-40B4-BE49-F238E27FC236}">
-                <a16:creationId xmlns="" xmlns:a16="http://schemas.microsoft.com/office/drawing/2014/main" id="{3D14359A-E475-BA79-5C82-D2EB5D8E939A}"/>
+                <a16:creationId xmlns:a16="http://schemas.microsoft.com/office/drawing/2014/main" xmlns="" id="{3D14359A-E475-BA79-5C82-D2EB5D8E939A}"/>
               </a:ext>
             </a:extLst>
           </p:cNvPr>
@@ -534,7 +534,7 @@
           <p:cNvPr id="5" name="Espace réservé du numéro de diapositive 4">
             <a:extLst>
               <a:ext uri="{FF2B5EF4-FFF2-40B4-BE49-F238E27FC236}">
-                <a16:creationId xmlns="" xmlns:a16="http://schemas.microsoft.com/office/drawing/2014/main" id="{DC76065D-0241-640D-BD4C-709B5A2B9740}"/>
+                <a16:creationId xmlns:a16="http://schemas.microsoft.com/office/drawing/2014/main" xmlns="" id="{DC76065D-0241-640D-BD4C-709B5A2B9740}"/>
               </a:ext>
             </a:extLst>
           </p:cNvPr>
@@ -1008,7 +1008,7 @@
           <p:cNvPr id="5" name="Espace réservé du pied de page 4">
             <a:extLst>
               <a:ext uri="{FF2B5EF4-FFF2-40B4-BE49-F238E27FC236}">
-                <a16:creationId xmlns="" xmlns:a16="http://schemas.microsoft.com/office/drawing/2014/main" id="{1C956917-E71F-0283-A9DC-ADC40AA0A9E4}"/>
+                <a16:creationId xmlns:a16="http://schemas.microsoft.com/office/drawing/2014/main" xmlns="" id="{1C956917-E71F-0283-A9DC-ADC40AA0A9E4}"/>
               </a:ext>
             </a:extLst>
           </p:cNvPr>
@@ -1117,7 +1117,7 @@
           <p:cNvPr id="5" name="Espace réservé du pied de page 4">
             <a:extLst>
               <a:ext uri="{FF2B5EF4-FFF2-40B4-BE49-F238E27FC236}">
-                <a16:creationId xmlns="" xmlns:a16="http://schemas.microsoft.com/office/drawing/2014/main" id="{A615E9EC-3214-F00A-8D3B-44B62B285DF5}"/>
+                <a16:creationId xmlns:a16="http://schemas.microsoft.com/office/drawing/2014/main" xmlns="" id="{A615E9EC-3214-F00A-8D3B-44B62B285DF5}"/>
               </a:ext>
             </a:extLst>
           </p:cNvPr>
@@ -8715,10 +8715,10 @@
           <p:cNvPr id="60" name="Group 59">
             <a:extLst>
               <a:ext uri="{FF2B5EF4-FFF2-40B4-BE49-F238E27FC236}">
-                <a16:creationId xmlns="" xmlns:a16="http://schemas.microsoft.com/office/drawing/2014/main" id="{8CD25866-F15D-40A4-AEC5-47C044637AB7}"/>
+                <a16:creationId xmlns:a16="http://schemas.microsoft.com/office/drawing/2014/main" xmlns="" id="{8CD25866-F15D-40A4-AEC5-47C044637AB7}"/>
               </a:ext>
               <a:ext uri="{C183D7F6-B498-43B3-948B-1728B52AA6E4}">
-                <adec:decorative xmlns="" xmlns:adec="http://schemas.microsoft.com/office/drawing/2017/decorative" val="1"/>
+                <adec:decorative xmlns:adec="http://schemas.microsoft.com/office/drawing/2017/decorative" xmlns="" val="1"/>
               </a:ext>
             </a:extLst>
           </p:cNvPr>
@@ -8728,7 +8728,7 @@
           <p:nvPr>
             <p:extLst>
               <p:ext uri="{386F3935-93C4-4BCD-93E2-E3B085C9AB24}">
-                <p16:designElem xmlns="" xmlns:p16="http://schemas.microsoft.com/office/powerpoint/2015/main" val="1"/>
+                <p16:designElem xmlns:p16="http://schemas.microsoft.com/office/powerpoint/2015/main" xmlns="" val="1"/>
               </p:ext>
             </p:extLst>
           </p:nvPr>
@@ -8746,10 +8746,10 @@
             <p:cNvPr id="61" name="Freeform 11">
               <a:extLst>
                 <a:ext uri="{FF2B5EF4-FFF2-40B4-BE49-F238E27FC236}">
-                  <a16:creationId xmlns="" xmlns:a16="http://schemas.microsoft.com/office/drawing/2014/main" id="{DCB8E995-36E8-40B6-82D4-F52DE2987B54}"/>
+                  <a16:creationId xmlns:a16="http://schemas.microsoft.com/office/drawing/2014/main" xmlns="" id="{DCB8E995-36E8-40B6-82D4-F52DE2987B54}"/>
                 </a:ext>
                 <a:ext uri="{C183D7F6-B498-43B3-948B-1728B52AA6E4}">
-                  <adec:decorative xmlns="" xmlns:adec="http://schemas.microsoft.com/office/drawing/2017/decorative" val="1"/>
+                  <adec:decorative xmlns:adec="http://schemas.microsoft.com/office/drawing/2017/decorative" xmlns="" val="1"/>
                 </a:ext>
               </a:extLst>
             </p:cNvPr>
@@ -8757,7 +8757,7 @@
             <p:nvPr>
               <p:extLst>
                 <p:ext uri="{386F3935-93C4-4BCD-93E2-E3B085C9AB24}">
-                  <p16:designElem xmlns="" xmlns:p16="http://schemas.microsoft.com/office/powerpoint/2015/main" val="1"/>
+                  <p16:designElem xmlns:p16="http://schemas.microsoft.com/office/powerpoint/2015/main" xmlns="" val="1"/>
                 </p:ext>
               </p:extLst>
             </p:nvPr>
@@ -8822,10 +8822,10 @@
             <p:cNvPr id="62" name="Freeform 12">
               <a:extLst>
                 <a:ext uri="{FF2B5EF4-FFF2-40B4-BE49-F238E27FC236}">
-                  <a16:creationId xmlns="" xmlns:a16="http://schemas.microsoft.com/office/drawing/2014/main" id="{DF54AEB5-68B5-46AE-B8F0-EEBE5DFED809}"/>
+                  <a16:creationId xmlns:a16="http://schemas.microsoft.com/office/drawing/2014/main" xmlns="" id="{DF54AEB5-68B5-46AE-B8F0-EEBE5DFED809}"/>
                 </a:ext>
                 <a:ext uri="{C183D7F6-B498-43B3-948B-1728B52AA6E4}">
-                  <adec:decorative xmlns="" xmlns:adec="http://schemas.microsoft.com/office/drawing/2017/decorative" val="1"/>
+                  <adec:decorative xmlns:adec="http://schemas.microsoft.com/office/drawing/2017/decorative" xmlns="" val="1"/>
                 </a:ext>
               </a:extLst>
             </p:cNvPr>
@@ -8833,7 +8833,7 @@
             <p:nvPr>
               <p:extLst>
                 <p:ext uri="{386F3935-93C4-4BCD-93E2-E3B085C9AB24}">
-                  <p16:designElem xmlns="" xmlns:p16="http://schemas.microsoft.com/office/powerpoint/2015/main" val="1"/>
+                  <p16:designElem xmlns:p16="http://schemas.microsoft.com/office/powerpoint/2015/main" xmlns="" val="1"/>
                 </p:ext>
               </p:extLst>
             </p:nvPr>
@@ -8903,10 +8903,10 @@
             <p:cNvPr id="63" name="Freeform 13">
               <a:extLst>
                 <a:ext uri="{FF2B5EF4-FFF2-40B4-BE49-F238E27FC236}">
-                  <a16:creationId xmlns="" xmlns:a16="http://schemas.microsoft.com/office/drawing/2014/main" id="{E3F708CB-F094-4EE7-8AD5-A462F1DF8B8D}"/>
+                  <a16:creationId xmlns:a16="http://schemas.microsoft.com/office/drawing/2014/main" xmlns="" id="{E3F708CB-F094-4EE7-8AD5-A462F1DF8B8D}"/>
                 </a:ext>
                 <a:ext uri="{C183D7F6-B498-43B3-948B-1728B52AA6E4}">
-                  <adec:decorative xmlns="" xmlns:adec="http://schemas.microsoft.com/office/drawing/2017/decorative" val="1"/>
+                  <adec:decorative xmlns:adec="http://schemas.microsoft.com/office/drawing/2017/decorative" xmlns="" val="1"/>
                 </a:ext>
               </a:extLst>
             </p:cNvPr>
@@ -8914,7 +8914,7 @@
             <p:nvPr>
               <p:extLst>
                 <p:ext uri="{386F3935-93C4-4BCD-93E2-E3B085C9AB24}">
-                  <p16:designElem xmlns="" xmlns:p16="http://schemas.microsoft.com/office/powerpoint/2015/main" val="1"/>
+                  <p16:designElem xmlns:p16="http://schemas.microsoft.com/office/powerpoint/2015/main" xmlns="" val="1"/>
                 </p:ext>
               </p:extLst>
             </p:nvPr>
@@ -8989,10 +8989,10 @@
             <p:cNvPr id="64" name="Freeform 14">
               <a:extLst>
                 <a:ext uri="{FF2B5EF4-FFF2-40B4-BE49-F238E27FC236}">
-                  <a16:creationId xmlns="" xmlns:a16="http://schemas.microsoft.com/office/drawing/2014/main" id="{ECFCFB22-E8B5-4FAC-A354-E7E0CE6F2B65}"/>
+                  <a16:creationId xmlns:a16="http://schemas.microsoft.com/office/drawing/2014/main" xmlns="" id="{ECFCFB22-E8B5-4FAC-A354-E7E0CE6F2B65}"/>
                 </a:ext>
                 <a:ext uri="{C183D7F6-B498-43B3-948B-1728B52AA6E4}">
-                  <adec:decorative xmlns="" xmlns:adec="http://schemas.microsoft.com/office/drawing/2017/decorative" val="1"/>
+                  <adec:decorative xmlns:adec="http://schemas.microsoft.com/office/drawing/2017/decorative" xmlns="" val="1"/>
                 </a:ext>
               </a:extLst>
             </p:cNvPr>
@@ -9000,7 +9000,7 @@
             <p:nvPr>
               <p:extLst>
                 <p:ext uri="{386F3935-93C4-4BCD-93E2-E3B085C9AB24}">
-                  <p16:designElem xmlns="" xmlns:p16="http://schemas.microsoft.com/office/powerpoint/2015/main" val="1"/>
+                  <p16:designElem xmlns:p16="http://schemas.microsoft.com/office/powerpoint/2015/main" xmlns="" val="1"/>
                 </p:ext>
               </p:extLst>
             </p:nvPr>
@@ -9055,10 +9055,10 @@
             <p:cNvPr id="65" name="Freeform 15">
               <a:extLst>
                 <a:ext uri="{FF2B5EF4-FFF2-40B4-BE49-F238E27FC236}">
-                  <a16:creationId xmlns="" xmlns:a16="http://schemas.microsoft.com/office/drawing/2014/main" id="{ED1DB3B4-A6DC-476F-986E-DF361EE8421D}"/>
+                  <a16:creationId xmlns:a16="http://schemas.microsoft.com/office/drawing/2014/main" xmlns="" id="{ED1DB3B4-A6DC-476F-986E-DF361EE8421D}"/>
                 </a:ext>
                 <a:ext uri="{C183D7F6-B498-43B3-948B-1728B52AA6E4}">
-                  <adec:decorative xmlns="" xmlns:adec="http://schemas.microsoft.com/office/drawing/2017/decorative" val="1"/>
+                  <adec:decorative xmlns:adec="http://schemas.microsoft.com/office/drawing/2017/decorative" xmlns="" val="1"/>
                 </a:ext>
               </a:extLst>
             </p:cNvPr>
@@ -9066,7 +9066,7 @@
             <p:nvPr>
               <p:extLst>
                 <p:ext uri="{386F3935-93C4-4BCD-93E2-E3B085C9AB24}">
-                  <p16:designElem xmlns="" xmlns:p16="http://schemas.microsoft.com/office/powerpoint/2015/main" val="1"/>
+                  <p16:designElem xmlns:p16="http://schemas.microsoft.com/office/powerpoint/2015/main" xmlns="" val="1"/>
                 </p:ext>
               </p:extLst>
             </p:nvPr>
@@ -9156,10 +9156,10 @@
             <p:cNvPr id="66" name="Freeform 16">
               <a:extLst>
                 <a:ext uri="{FF2B5EF4-FFF2-40B4-BE49-F238E27FC236}">
-                  <a16:creationId xmlns="" xmlns:a16="http://schemas.microsoft.com/office/drawing/2014/main" id="{4EE13DFA-3489-4DE6-9154-34D9CB400549}"/>
+                  <a16:creationId xmlns:a16="http://schemas.microsoft.com/office/drawing/2014/main" xmlns="" id="{4EE13DFA-3489-4DE6-9154-34D9CB400549}"/>
                 </a:ext>
                 <a:ext uri="{C183D7F6-B498-43B3-948B-1728B52AA6E4}">
-                  <adec:decorative xmlns="" xmlns:adec="http://schemas.microsoft.com/office/drawing/2017/decorative" val="1"/>
+                  <adec:decorative xmlns:adec="http://schemas.microsoft.com/office/drawing/2017/decorative" xmlns="" val="1"/>
                 </a:ext>
               </a:extLst>
             </p:cNvPr>
@@ -9167,7 +9167,7 @@
             <p:nvPr>
               <p:extLst>
                 <p:ext uri="{386F3935-93C4-4BCD-93E2-E3B085C9AB24}">
-                  <p16:designElem xmlns="" xmlns:p16="http://schemas.microsoft.com/office/powerpoint/2015/main" val="1"/>
+                  <p16:designElem xmlns:p16="http://schemas.microsoft.com/office/powerpoint/2015/main" xmlns="" val="1"/>
                 </p:ext>
               </p:extLst>
             </p:nvPr>
@@ -9252,10 +9252,10 @@
             <p:cNvPr id="67" name="Freeform 17">
               <a:extLst>
                 <a:ext uri="{FF2B5EF4-FFF2-40B4-BE49-F238E27FC236}">
-                  <a16:creationId xmlns="" xmlns:a16="http://schemas.microsoft.com/office/drawing/2014/main" id="{5CD12D51-F9A8-4CC9-B9C9-206EAFD8C166}"/>
+                  <a16:creationId xmlns:a16="http://schemas.microsoft.com/office/drawing/2014/main" xmlns="" id="{5CD12D51-F9A8-4CC9-B9C9-206EAFD8C166}"/>
                 </a:ext>
                 <a:ext uri="{C183D7F6-B498-43B3-948B-1728B52AA6E4}">
-                  <adec:decorative xmlns="" xmlns:adec="http://schemas.microsoft.com/office/drawing/2017/decorative" val="1"/>
+                  <adec:decorative xmlns:adec="http://schemas.microsoft.com/office/drawing/2017/decorative" xmlns="" val="1"/>
                 </a:ext>
               </a:extLst>
             </p:cNvPr>
@@ -9263,7 +9263,7 @@
             <p:nvPr>
               <p:extLst>
                 <p:ext uri="{386F3935-93C4-4BCD-93E2-E3B085C9AB24}">
-                  <p16:designElem xmlns="" xmlns:p16="http://schemas.microsoft.com/office/powerpoint/2015/main" val="1"/>
+                  <p16:designElem xmlns:p16="http://schemas.microsoft.com/office/powerpoint/2015/main" xmlns="" val="1"/>
                 </p:ext>
               </p:extLst>
             </p:nvPr>
@@ -9328,10 +9328,10 @@
             <p:cNvPr id="68" name="Freeform 18">
               <a:extLst>
                 <a:ext uri="{FF2B5EF4-FFF2-40B4-BE49-F238E27FC236}">
-                  <a16:creationId xmlns="" xmlns:a16="http://schemas.microsoft.com/office/drawing/2014/main" id="{266B326C-1178-40F9-A265-6067D363B4B4}"/>
+                  <a16:creationId xmlns:a16="http://schemas.microsoft.com/office/drawing/2014/main" xmlns="" id="{266B326C-1178-40F9-A265-6067D363B4B4}"/>
                 </a:ext>
                 <a:ext uri="{C183D7F6-B498-43B3-948B-1728B52AA6E4}">
-                  <adec:decorative xmlns="" xmlns:adec="http://schemas.microsoft.com/office/drawing/2017/decorative" val="1"/>
+                  <adec:decorative xmlns:adec="http://schemas.microsoft.com/office/drawing/2017/decorative" xmlns="" val="1"/>
                 </a:ext>
               </a:extLst>
             </p:cNvPr>
@@ -9339,7 +9339,7 @@
             <p:nvPr>
               <p:extLst>
                 <p:ext uri="{386F3935-93C4-4BCD-93E2-E3B085C9AB24}">
-                  <p16:designElem xmlns="" xmlns:p16="http://schemas.microsoft.com/office/powerpoint/2015/main" val="1"/>
+                  <p16:designElem xmlns:p16="http://schemas.microsoft.com/office/powerpoint/2015/main" xmlns="" val="1"/>
                 </p:ext>
               </p:extLst>
             </p:nvPr>
@@ -9424,10 +9424,10 @@
             <p:cNvPr id="69" name="Freeform 19">
               <a:extLst>
                 <a:ext uri="{FF2B5EF4-FFF2-40B4-BE49-F238E27FC236}">
-                  <a16:creationId xmlns="" xmlns:a16="http://schemas.microsoft.com/office/drawing/2014/main" id="{12F3B319-F00B-4755-BC54-95511E21DB20}"/>
+                  <a16:creationId xmlns:a16="http://schemas.microsoft.com/office/drawing/2014/main" xmlns="" id="{12F3B319-F00B-4755-BC54-95511E21DB20}"/>
                 </a:ext>
                 <a:ext uri="{C183D7F6-B498-43B3-948B-1728B52AA6E4}">
-                  <adec:decorative xmlns="" xmlns:adec="http://schemas.microsoft.com/office/drawing/2017/decorative" val="1"/>
+                  <adec:decorative xmlns:adec="http://schemas.microsoft.com/office/drawing/2017/decorative" xmlns="" val="1"/>
                 </a:ext>
               </a:extLst>
             </p:cNvPr>
@@ -9435,7 +9435,7 @@
             <p:nvPr>
               <p:extLst>
                 <p:ext uri="{386F3935-93C4-4BCD-93E2-E3B085C9AB24}">
-                  <p16:designElem xmlns="" xmlns:p16="http://schemas.microsoft.com/office/powerpoint/2015/main" val="1"/>
+                  <p16:designElem xmlns:p16="http://schemas.microsoft.com/office/powerpoint/2015/main" xmlns="" val="1"/>
                 </p:ext>
               </p:extLst>
             </p:nvPr>
@@ -9555,10 +9555,10 @@
             <p:cNvPr id="70" name="Freeform 20">
               <a:extLst>
                 <a:ext uri="{FF2B5EF4-FFF2-40B4-BE49-F238E27FC236}">
-                  <a16:creationId xmlns="" xmlns:a16="http://schemas.microsoft.com/office/drawing/2014/main" id="{3079D7BD-8A3F-47F6-8407-D9DA96FF3514}"/>
+                  <a16:creationId xmlns:a16="http://schemas.microsoft.com/office/drawing/2014/main" xmlns="" id="{3079D7BD-8A3F-47F6-8407-D9DA96FF3514}"/>
                 </a:ext>
                 <a:ext uri="{C183D7F6-B498-43B3-948B-1728B52AA6E4}">
-                  <adec:decorative xmlns="" xmlns:adec="http://schemas.microsoft.com/office/drawing/2017/decorative" val="1"/>
+                  <adec:decorative xmlns:adec="http://schemas.microsoft.com/office/drawing/2017/decorative" xmlns="" val="1"/>
                 </a:ext>
               </a:extLst>
             </p:cNvPr>
@@ -9566,7 +9566,7 @@
             <p:nvPr>
               <p:extLst>
                 <p:ext uri="{386F3935-93C4-4BCD-93E2-E3B085C9AB24}">
-                  <p16:designElem xmlns="" xmlns:p16="http://schemas.microsoft.com/office/powerpoint/2015/main" val="1"/>
+                  <p16:designElem xmlns:p16="http://schemas.microsoft.com/office/powerpoint/2015/main" xmlns="" val="1"/>
                 </p:ext>
               </p:extLst>
             </p:nvPr>
@@ -9621,10 +9621,10 @@
             <p:cNvPr id="71" name="Freeform 21">
               <a:extLst>
                 <a:ext uri="{FF2B5EF4-FFF2-40B4-BE49-F238E27FC236}">
-                  <a16:creationId xmlns="" xmlns:a16="http://schemas.microsoft.com/office/drawing/2014/main" id="{1F97C31C-8585-43FB-924B-8ADD6512332E}"/>
+                  <a16:creationId xmlns:a16="http://schemas.microsoft.com/office/drawing/2014/main" xmlns="" id="{1F97C31C-8585-43FB-924B-8ADD6512332E}"/>
                 </a:ext>
                 <a:ext uri="{C183D7F6-B498-43B3-948B-1728B52AA6E4}">
-                  <adec:decorative xmlns="" xmlns:adec="http://schemas.microsoft.com/office/drawing/2017/decorative" val="1"/>
+                  <adec:decorative xmlns:adec="http://schemas.microsoft.com/office/drawing/2017/decorative" xmlns="" val="1"/>
                 </a:ext>
               </a:extLst>
             </p:cNvPr>
@@ -9632,7 +9632,7 @@
             <p:nvPr>
               <p:extLst>
                 <p:ext uri="{386F3935-93C4-4BCD-93E2-E3B085C9AB24}">
-                  <p16:designElem xmlns="" xmlns:p16="http://schemas.microsoft.com/office/powerpoint/2015/main" val="1"/>
+                  <p16:designElem xmlns:p16="http://schemas.microsoft.com/office/powerpoint/2015/main" xmlns="" val="1"/>
                 </p:ext>
               </p:extLst>
             </p:nvPr>
@@ -9697,10 +9697,10 @@
             <p:cNvPr id="72" name="Freeform 22">
               <a:extLst>
                 <a:ext uri="{FF2B5EF4-FFF2-40B4-BE49-F238E27FC236}">
-                  <a16:creationId xmlns="" xmlns:a16="http://schemas.microsoft.com/office/drawing/2014/main" id="{A33E1C89-7E74-49BF-A5D1-9A352ED03E2D}"/>
+                  <a16:creationId xmlns:a16="http://schemas.microsoft.com/office/drawing/2014/main" xmlns="" id="{A33E1C89-7E74-49BF-A5D1-9A352ED03E2D}"/>
                 </a:ext>
                 <a:ext uri="{C183D7F6-B498-43B3-948B-1728B52AA6E4}">
-                  <adec:decorative xmlns="" xmlns:adec="http://schemas.microsoft.com/office/drawing/2017/decorative" val="1"/>
+                  <adec:decorative xmlns:adec="http://schemas.microsoft.com/office/drawing/2017/decorative" xmlns="" val="1"/>
                 </a:ext>
               </a:extLst>
             </p:cNvPr>
@@ -9708,7 +9708,7 @@
             <p:nvPr>
               <p:extLst>
                 <p:ext uri="{386F3935-93C4-4BCD-93E2-E3B085C9AB24}">
-                  <p16:designElem xmlns="" xmlns:p16="http://schemas.microsoft.com/office/powerpoint/2015/main" val="1"/>
+                  <p16:designElem xmlns:p16="http://schemas.microsoft.com/office/powerpoint/2015/main" xmlns="" val="1"/>
                 </p:ext>
               </p:extLst>
             </p:nvPr>
@@ -9784,10 +9784,10 @@
           <p:cNvPr id="74" name="Group 73">
             <a:extLst>
               <a:ext uri="{FF2B5EF4-FFF2-40B4-BE49-F238E27FC236}">
-                <a16:creationId xmlns="" xmlns:a16="http://schemas.microsoft.com/office/drawing/2014/main" id="{0C4A17ED-96AA-44A6-A050-E1A7A1CDD9E7}"/>
+                <a16:creationId xmlns:a16="http://schemas.microsoft.com/office/drawing/2014/main" xmlns="" id="{0C4A17ED-96AA-44A6-A050-E1A7A1CDD9E7}"/>
               </a:ext>
               <a:ext uri="{C183D7F6-B498-43B3-948B-1728B52AA6E4}">
-                <adec:decorative xmlns="" xmlns:adec="http://schemas.microsoft.com/office/drawing/2017/decorative" val="1"/>
+                <adec:decorative xmlns:adec="http://schemas.microsoft.com/office/drawing/2017/decorative" xmlns="" val="1"/>
               </a:ext>
             </a:extLst>
           </p:cNvPr>
@@ -9797,7 +9797,7 @@
           <p:nvPr>
             <p:extLst>
               <p:ext uri="{386F3935-93C4-4BCD-93E2-E3B085C9AB24}">
-                <p16:designElem xmlns="" xmlns:p16="http://schemas.microsoft.com/office/powerpoint/2015/main" val="1"/>
+                <p16:designElem xmlns:p16="http://schemas.microsoft.com/office/powerpoint/2015/main" xmlns="" val="1"/>
               </p:ext>
             </p:extLst>
           </p:nvPr>
@@ -9815,10 +9815,10 @@
             <p:cNvPr id="75" name="Freeform 27">
               <a:extLst>
                 <a:ext uri="{FF2B5EF4-FFF2-40B4-BE49-F238E27FC236}">
-                  <a16:creationId xmlns="" xmlns:a16="http://schemas.microsoft.com/office/drawing/2014/main" id="{FBB2A87E-3E24-4A6F-9FD8-0F1436D4D357}"/>
+                  <a16:creationId xmlns:a16="http://schemas.microsoft.com/office/drawing/2014/main" xmlns="" id="{FBB2A87E-3E24-4A6F-9FD8-0F1436D4D357}"/>
                 </a:ext>
                 <a:ext uri="{C183D7F6-B498-43B3-948B-1728B52AA6E4}">
-                  <adec:decorative xmlns="" xmlns:adec="http://schemas.microsoft.com/office/drawing/2017/decorative" val="1"/>
+                  <adec:decorative xmlns:adec="http://schemas.microsoft.com/office/drawing/2017/decorative" xmlns="" val="1"/>
                 </a:ext>
               </a:extLst>
             </p:cNvPr>
@@ -9826,7 +9826,7 @@
             <p:nvPr>
               <p:extLst>
                 <p:ext uri="{386F3935-93C4-4BCD-93E2-E3B085C9AB24}">
-                  <p16:designElem xmlns="" xmlns:p16="http://schemas.microsoft.com/office/powerpoint/2015/main" val="1"/>
+                  <p16:designElem xmlns:p16="http://schemas.microsoft.com/office/powerpoint/2015/main" xmlns="" val="1"/>
                 </p:ext>
               </p:extLst>
             </p:nvPr>
@@ -9934,10 +9934,10 @@
             <p:cNvPr id="76" name="Freeform 28">
               <a:extLst>
                 <a:ext uri="{FF2B5EF4-FFF2-40B4-BE49-F238E27FC236}">
-                  <a16:creationId xmlns="" xmlns:a16="http://schemas.microsoft.com/office/drawing/2014/main" id="{257F945B-2AA3-4328-BFF5-20DE64011B0A}"/>
+                  <a16:creationId xmlns:a16="http://schemas.microsoft.com/office/drawing/2014/main" xmlns="" id="{257F945B-2AA3-4328-BFF5-20DE64011B0A}"/>
                 </a:ext>
                 <a:ext uri="{C183D7F6-B498-43B3-948B-1728B52AA6E4}">
-                  <adec:decorative xmlns="" xmlns:adec="http://schemas.microsoft.com/office/drawing/2017/decorative" val="1"/>
+                  <adec:decorative xmlns:adec="http://schemas.microsoft.com/office/drawing/2017/decorative" xmlns="" val="1"/>
                 </a:ext>
               </a:extLst>
             </p:cNvPr>
@@ -9945,7 +9945,7 @@
             <p:nvPr>
               <p:extLst>
                 <p:ext uri="{386F3935-93C4-4BCD-93E2-E3B085C9AB24}">
-                  <p16:designElem xmlns="" xmlns:p16="http://schemas.microsoft.com/office/powerpoint/2015/main" val="1"/>
+                  <p16:designElem xmlns:p16="http://schemas.microsoft.com/office/powerpoint/2015/main" xmlns="" val="1"/>
                 </p:ext>
               </p:extLst>
             </p:nvPr>
@@ -10018,10 +10018,10 @@
             <p:cNvPr id="77" name="Freeform 29">
               <a:extLst>
                 <a:ext uri="{FF2B5EF4-FFF2-40B4-BE49-F238E27FC236}">
-                  <a16:creationId xmlns="" xmlns:a16="http://schemas.microsoft.com/office/drawing/2014/main" id="{E1A7230F-6A6F-403C-9D83-7176E285251C}"/>
+                  <a16:creationId xmlns:a16="http://schemas.microsoft.com/office/drawing/2014/main" xmlns="" id="{E1A7230F-6A6F-403C-9D83-7176E285251C}"/>
                 </a:ext>
                 <a:ext uri="{C183D7F6-B498-43B3-948B-1728B52AA6E4}">
-                  <adec:decorative xmlns="" xmlns:adec="http://schemas.microsoft.com/office/drawing/2017/decorative" val="1"/>
+                  <adec:decorative xmlns:adec="http://schemas.microsoft.com/office/drawing/2017/decorative" xmlns="" val="1"/>
                 </a:ext>
               </a:extLst>
             </p:cNvPr>
@@ -10029,7 +10029,7 @@
             <p:nvPr>
               <p:extLst>
                 <p:ext uri="{386F3935-93C4-4BCD-93E2-E3B085C9AB24}">
-                  <p16:designElem xmlns="" xmlns:p16="http://schemas.microsoft.com/office/powerpoint/2015/main" val="1"/>
+                  <p16:designElem xmlns:p16="http://schemas.microsoft.com/office/powerpoint/2015/main" xmlns="" val="1"/>
                 </p:ext>
               </p:extLst>
             </p:nvPr>
@@ -10102,10 +10102,10 @@
             <p:cNvPr id="78" name="Freeform 30">
               <a:extLst>
                 <a:ext uri="{FF2B5EF4-FFF2-40B4-BE49-F238E27FC236}">
-                  <a16:creationId xmlns="" xmlns:a16="http://schemas.microsoft.com/office/drawing/2014/main" id="{E33E315A-9CB0-460E-A8B7-0A064BBFA05F}"/>
+                  <a16:creationId xmlns:a16="http://schemas.microsoft.com/office/drawing/2014/main" xmlns="" id="{E33E315A-9CB0-460E-A8B7-0A064BBFA05F}"/>
                 </a:ext>
                 <a:ext uri="{C183D7F6-B498-43B3-948B-1728B52AA6E4}">
-                  <adec:decorative xmlns="" xmlns:adec="http://schemas.microsoft.com/office/drawing/2017/decorative" val="1"/>
+                  <adec:decorative xmlns:adec="http://schemas.microsoft.com/office/drawing/2017/decorative" xmlns="" val="1"/>
                 </a:ext>
               </a:extLst>
             </p:cNvPr>
@@ -10113,7 +10113,7 @@
             <p:nvPr>
               <p:extLst>
                 <p:ext uri="{386F3935-93C4-4BCD-93E2-E3B085C9AB24}">
-                  <p16:designElem xmlns="" xmlns:p16="http://schemas.microsoft.com/office/powerpoint/2015/main" val="1"/>
+                  <p16:designElem xmlns:p16="http://schemas.microsoft.com/office/powerpoint/2015/main" xmlns="" val="1"/>
                 </p:ext>
               </p:extLst>
             </p:nvPr>
@@ -10201,10 +10201,10 @@
             <p:cNvPr id="79" name="Freeform 31">
               <a:extLst>
                 <a:ext uri="{FF2B5EF4-FFF2-40B4-BE49-F238E27FC236}">
-                  <a16:creationId xmlns="" xmlns:a16="http://schemas.microsoft.com/office/drawing/2014/main" id="{22CAAD33-CFAD-4E61-82AE-0C6F838530D4}"/>
+                  <a16:creationId xmlns:a16="http://schemas.microsoft.com/office/drawing/2014/main" xmlns="" id="{22CAAD33-CFAD-4E61-82AE-0C6F838530D4}"/>
                 </a:ext>
                 <a:ext uri="{C183D7F6-B498-43B3-948B-1728B52AA6E4}">
-                  <adec:decorative xmlns="" xmlns:adec="http://schemas.microsoft.com/office/drawing/2017/decorative" val="1"/>
+                  <adec:decorative xmlns:adec="http://schemas.microsoft.com/office/drawing/2017/decorative" xmlns="" val="1"/>
                 </a:ext>
               </a:extLst>
             </p:cNvPr>
@@ -10212,7 +10212,7 @@
             <p:nvPr>
               <p:extLst>
                 <p:ext uri="{386F3935-93C4-4BCD-93E2-E3B085C9AB24}">
-                  <p16:designElem xmlns="" xmlns:p16="http://schemas.microsoft.com/office/powerpoint/2015/main" val="1"/>
+                  <p16:designElem xmlns:p16="http://schemas.microsoft.com/office/powerpoint/2015/main" xmlns="" val="1"/>
                 </p:ext>
               </p:extLst>
             </p:nvPr>
@@ -10310,10 +10310,10 @@
             <p:cNvPr id="80" name="Freeform 32">
               <a:extLst>
                 <a:ext uri="{FF2B5EF4-FFF2-40B4-BE49-F238E27FC236}">
-                  <a16:creationId xmlns="" xmlns:a16="http://schemas.microsoft.com/office/drawing/2014/main" id="{1A20E13C-2540-4000-A13B-8F781100E380}"/>
+                  <a16:creationId xmlns:a16="http://schemas.microsoft.com/office/drawing/2014/main" xmlns="" id="{1A20E13C-2540-4000-A13B-8F781100E380}"/>
                 </a:ext>
                 <a:ext uri="{C183D7F6-B498-43B3-948B-1728B52AA6E4}">
-                  <adec:decorative xmlns="" xmlns:adec="http://schemas.microsoft.com/office/drawing/2017/decorative" val="1"/>
+                  <adec:decorative xmlns:adec="http://schemas.microsoft.com/office/drawing/2017/decorative" xmlns="" val="1"/>
                 </a:ext>
               </a:extLst>
             </p:cNvPr>
@@ -10321,7 +10321,7 @@
             <p:nvPr>
               <p:extLst>
                 <p:ext uri="{386F3935-93C4-4BCD-93E2-E3B085C9AB24}">
-                  <p16:designElem xmlns="" xmlns:p16="http://schemas.microsoft.com/office/powerpoint/2015/main" val="1"/>
+                  <p16:designElem xmlns:p16="http://schemas.microsoft.com/office/powerpoint/2015/main" xmlns="" val="1"/>
                 </p:ext>
               </p:extLst>
             </p:nvPr>
@@ -10374,10 +10374,10 @@
             <p:cNvPr id="81" name="Freeform 33">
               <a:extLst>
                 <a:ext uri="{FF2B5EF4-FFF2-40B4-BE49-F238E27FC236}">
-                  <a16:creationId xmlns="" xmlns:a16="http://schemas.microsoft.com/office/drawing/2014/main" id="{51EF0A01-E03D-448B-B12E-D5BFC6D0D226}"/>
+                  <a16:creationId xmlns:a16="http://schemas.microsoft.com/office/drawing/2014/main" xmlns="" id="{51EF0A01-E03D-448B-B12E-D5BFC6D0D226}"/>
                 </a:ext>
                 <a:ext uri="{C183D7F6-B498-43B3-948B-1728B52AA6E4}">
-                  <adec:decorative xmlns="" xmlns:adec="http://schemas.microsoft.com/office/drawing/2017/decorative" val="1"/>
+                  <adec:decorative xmlns:adec="http://schemas.microsoft.com/office/drawing/2017/decorative" xmlns="" val="1"/>
                 </a:ext>
               </a:extLst>
             </p:cNvPr>
@@ -10385,7 +10385,7 @@
             <p:nvPr>
               <p:extLst>
                 <p:ext uri="{386F3935-93C4-4BCD-93E2-E3B085C9AB24}">
-                  <p16:designElem xmlns="" xmlns:p16="http://schemas.microsoft.com/office/powerpoint/2015/main" val="1"/>
+                  <p16:designElem xmlns:p16="http://schemas.microsoft.com/office/powerpoint/2015/main" xmlns="" val="1"/>
                 </p:ext>
               </p:extLst>
             </p:nvPr>
@@ -10453,10 +10453,10 @@
             <p:cNvPr id="82" name="Freeform 34">
               <a:extLst>
                 <a:ext uri="{FF2B5EF4-FFF2-40B4-BE49-F238E27FC236}">
-                  <a16:creationId xmlns="" xmlns:a16="http://schemas.microsoft.com/office/drawing/2014/main" id="{58286A03-168E-477B-8876-2C53E4950DB5}"/>
+                  <a16:creationId xmlns:a16="http://schemas.microsoft.com/office/drawing/2014/main" xmlns="" id="{58286A03-168E-477B-8876-2C53E4950DB5}"/>
                 </a:ext>
                 <a:ext uri="{C183D7F6-B498-43B3-948B-1728B52AA6E4}">
-                  <adec:decorative xmlns="" xmlns:adec="http://schemas.microsoft.com/office/drawing/2017/decorative" val="1"/>
+                  <adec:decorative xmlns:adec="http://schemas.microsoft.com/office/drawing/2017/decorative" xmlns="" val="1"/>
                 </a:ext>
               </a:extLst>
             </p:cNvPr>
@@ -10464,7 +10464,7 @@
             <p:nvPr>
               <p:extLst>
                 <p:ext uri="{386F3935-93C4-4BCD-93E2-E3B085C9AB24}">
-                  <p16:designElem xmlns="" xmlns:p16="http://schemas.microsoft.com/office/powerpoint/2015/main" val="1"/>
+                  <p16:designElem xmlns:p16="http://schemas.microsoft.com/office/powerpoint/2015/main" xmlns="" val="1"/>
                 </p:ext>
               </p:extLst>
             </p:nvPr>
@@ -10577,10 +10577,10 @@
             <p:cNvPr id="83" name="Freeform 35">
               <a:extLst>
                 <a:ext uri="{FF2B5EF4-FFF2-40B4-BE49-F238E27FC236}">
-                  <a16:creationId xmlns="" xmlns:a16="http://schemas.microsoft.com/office/drawing/2014/main" id="{3DFFC705-1899-4E4C-AE76-F85BAF2F66EF}"/>
+                  <a16:creationId xmlns:a16="http://schemas.microsoft.com/office/drawing/2014/main" xmlns="" id="{3DFFC705-1899-4E4C-AE76-F85BAF2F66EF}"/>
                 </a:ext>
                 <a:ext uri="{C183D7F6-B498-43B3-948B-1728B52AA6E4}">
-                  <adec:decorative xmlns="" xmlns:adec="http://schemas.microsoft.com/office/drawing/2017/decorative" val="1"/>
+                  <adec:decorative xmlns:adec="http://schemas.microsoft.com/office/drawing/2017/decorative" xmlns="" val="1"/>
                 </a:ext>
               </a:extLst>
             </p:cNvPr>
@@ -10588,7 +10588,7 @@
             <p:nvPr>
               <p:extLst>
                 <p:ext uri="{386F3935-93C4-4BCD-93E2-E3B085C9AB24}">
-                  <p16:designElem xmlns="" xmlns:p16="http://schemas.microsoft.com/office/powerpoint/2015/main" val="1"/>
+                  <p16:designElem xmlns:p16="http://schemas.microsoft.com/office/powerpoint/2015/main" xmlns="" val="1"/>
                 </p:ext>
               </p:extLst>
             </p:nvPr>
@@ -10641,10 +10641,10 @@
             <p:cNvPr id="84" name="Freeform 36">
               <a:extLst>
                 <a:ext uri="{FF2B5EF4-FFF2-40B4-BE49-F238E27FC236}">
-                  <a16:creationId xmlns="" xmlns:a16="http://schemas.microsoft.com/office/drawing/2014/main" id="{01C9598D-BDF6-4A24-83B6-4DCA4D134941}"/>
+                  <a16:creationId xmlns:a16="http://schemas.microsoft.com/office/drawing/2014/main" xmlns="" id="{01C9598D-BDF6-4A24-83B6-4DCA4D134941}"/>
                 </a:ext>
                 <a:ext uri="{C183D7F6-B498-43B3-948B-1728B52AA6E4}">
-                  <adec:decorative xmlns="" xmlns:adec="http://schemas.microsoft.com/office/drawing/2017/decorative" val="1"/>
+                  <adec:decorative xmlns:adec="http://schemas.microsoft.com/office/drawing/2017/decorative" xmlns="" val="1"/>
                 </a:ext>
               </a:extLst>
             </p:cNvPr>
@@ -10652,7 +10652,7 @@
             <p:nvPr>
               <p:extLst>
                 <p:ext uri="{386F3935-93C4-4BCD-93E2-E3B085C9AB24}">
-                  <p16:designElem xmlns="" xmlns:p16="http://schemas.microsoft.com/office/powerpoint/2015/main" val="1"/>
+                  <p16:designElem xmlns:p16="http://schemas.microsoft.com/office/powerpoint/2015/main" xmlns="" val="1"/>
                 </p:ext>
               </p:extLst>
             </p:nvPr>
@@ -10725,10 +10725,10 @@
             <p:cNvPr id="85" name="Freeform 37">
               <a:extLst>
                 <a:ext uri="{FF2B5EF4-FFF2-40B4-BE49-F238E27FC236}">
-                  <a16:creationId xmlns="" xmlns:a16="http://schemas.microsoft.com/office/drawing/2014/main" id="{950C8213-67CD-4DEF-AA44-8BB310139243}"/>
+                  <a16:creationId xmlns:a16="http://schemas.microsoft.com/office/drawing/2014/main" xmlns="" id="{950C8213-67CD-4DEF-AA44-8BB310139243}"/>
                 </a:ext>
                 <a:ext uri="{C183D7F6-B498-43B3-948B-1728B52AA6E4}">
-                  <adec:decorative xmlns="" xmlns:adec="http://schemas.microsoft.com/office/drawing/2017/decorative" val="1"/>
+                  <adec:decorative xmlns:adec="http://schemas.microsoft.com/office/drawing/2017/decorative" xmlns="" val="1"/>
                 </a:ext>
               </a:extLst>
             </p:cNvPr>
@@ -10736,7 +10736,7 @@
             <p:nvPr>
               <p:extLst>
                 <p:ext uri="{386F3935-93C4-4BCD-93E2-E3B085C9AB24}">
-                  <p16:designElem xmlns="" xmlns:p16="http://schemas.microsoft.com/office/powerpoint/2015/main" val="1"/>
+                  <p16:designElem xmlns:p16="http://schemas.microsoft.com/office/powerpoint/2015/main" xmlns="" val="1"/>
                 </p:ext>
               </p:extLst>
             </p:nvPr>
@@ -10804,10 +10804,10 @@
             <p:cNvPr id="86" name="Freeform 38">
               <a:extLst>
                 <a:ext uri="{FF2B5EF4-FFF2-40B4-BE49-F238E27FC236}">
-                  <a16:creationId xmlns="" xmlns:a16="http://schemas.microsoft.com/office/drawing/2014/main" id="{2016FE1D-E3EB-4CF6-809B-159872CC7873}"/>
+                  <a16:creationId xmlns:a16="http://schemas.microsoft.com/office/drawing/2014/main" xmlns="" id="{2016FE1D-E3EB-4CF6-809B-159872CC7873}"/>
                 </a:ext>
                 <a:ext uri="{C183D7F6-B498-43B3-948B-1728B52AA6E4}">
-                  <adec:decorative xmlns="" xmlns:adec="http://schemas.microsoft.com/office/drawing/2017/decorative" val="1"/>
+                  <adec:decorative xmlns:adec="http://schemas.microsoft.com/office/drawing/2017/decorative" xmlns="" val="1"/>
                 </a:ext>
               </a:extLst>
             </p:cNvPr>
@@ -10815,7 +10815,7 @@
             <p:nvPr>
               <p:extLst>
                 <p:ext uri="{386F3935-93C4-4BCD-93E2-E3B085C9AB24}">
-                  <p16:designElem xmlns="" xmlns:p16="http://schemas.microsoft.com/office/powerpoint/2015/main" val="1"/>
+                  <p16:designElem xmlns:p16="http://schemas.microsoft.com/office/powerpoint/2015/main" xmlns="" val="1"/>
                 </p:ext>
               </p:extLst>
             </p:nvPr>
@@ -10889,10 +10889,10 @@
           <p:cNvPr id="88" name="Rectangle 87">
             <a:extLst>
               <a:ext uri="{FF2B5EF4-FFF2-40B4-BE49-F238E27FC236}">
-                <a16:creationId xmlns="" xmlns:a16="http://schemas.microsoft.com/office/drawing/2014/main" id="{CE6C63DC-BAE4-42B6-8FDF-F6467C2D23AC}"/>
+                <a16:creationId xmlns:a16="http://schemas.microsoft.com/office/drawing/2014/main" xmlns="" id="{CE6C63DC-BAE4-42B6-8FDF-F6467C2D23AC}"/>
               </a:ext>
               <a:ext uri="{C183D7F6-B498-43B3-948B-1728B52AA6E4}">
-                <adec:decorative xmlns="" xmlns:adec="http://schemas.microsoft.com/office/drawing/2017/decorative" val="1"/>
+                <adec:decorative xmlns:adec="http://schemas.microsoft.com/office/drawing/2017/decorative" xmlns="" val="1"/>
               </a:ext>
             </a:extLst>
           </p:cNvPr>
@@ -10902,7 +10902,7 @@
           <p:nvPr>
             <p:extLst>
               <p:ext uri="{386F3935-93C4-4BCD-93E2-E3B085C9AB24}">
-                <p16:designElem xmlns="" xmlns:p16="http://schemas.microsoft.com/office/powerpoint/2015/main" val="1"/>
+                <p16:designElem xmlns:p16="http://schemas.microsoft.com/office/powerpoint/2015/main" xmlns="" val="1"/>
               </p:ext>
             </p:extLst>
           </p:nvPr>
@@ -10943,10 +10943,10 @@
           <p:cNvPr id="90" name="Freeform 11">
             <a:extLst>
               <a:ext uri="{FF2B5EF4-FFF2-40B4-BE49-F238E27FC236}">
-                <a16:creationId xmlns="" xmlns:a16="http://schemas.microsoft.com/office/drawing/2014/main" id="{BFE4781A-41C7-4F27-8792-A74EFB8E5CF1}"/>
+                <a16:creationId xmlns:a16="http://schemas.microsoft.com/office/drawing/2014/main" xmlns="" id="{BFE4781A-41C7-4F27-8792-A74EFB8E5CF1}"/>
               </a:ext>
               <a:ext uri="{C183D7F6-B498-43B3-948B-1728B52AA6E4}">
-                <adec:decorative xmlns="" xmlns:adec="http://schemas.microsoft.com/office/drawing/2017/decorative" val="1"/>
+                <adec:decorative xmlns:adec="http://schemas.microsoft.com/office/drawing/2017/decorative" xmlns="" val="1"/>
               </a:ext>
             </a:extLst>
           </p:cNvPr>
@@ -10956,7 +10956,7 @@
           <p:nvPr>
             <p:extLst>
               <p:ext uri="{386F3935-93C4-4BCD-93E2-E3B085C9AB24}">
-                <p16:designElem xmlns="" xmlns:p16="http://schemas.microsoft.com/office/powerpoint/2015/main" val="1"/>
+                <p16:designElem xmlns:p16="http://schemas.microsoft.com/office/powerpoint/2015/main" xmlns="" val="1"/>
               </p:ext>
             </p:extLst>
           </p:nvPr>
@@ -11042,10 +11042,10 @@
           <p:cNvPr id="92" name="Rectangle 91">
             <a:extLst>
               <a:ext uri="{FF2B5EF4-FFF2-40B4-BE49-F238E27FC236}">
-                <a16:creationId xmlns="" xmlns:a16="http://schemas.microsoft.com/office/drawing/2014/main" id="{0A46F010-D160-4609-8979-FFD8C1EA6C43}"/>
+                <a16:creationId xmlns:a16="http://schemas.microsoft.com/office/drawing/2014/main" xmlns="" id="{0A46F010-D160-4609-8979-FFD8C1EA6C43}"/>
               </a:ext>
               <a:ext uri="{C183D7F6-B498-43B3-948B-1728B52AA6E4}">
-                <adec:decorative xmlns="" xmlns:adec="http://schemas.microsoft.com/office/drawing/2017/decorative" val="1"/>
+                <adec:decorative xmlns:adec="http://schemas.microsoft.com/office/drawing/2017/decorative" xmlns="" val="1"/>
               </a:ext>
             </a:extLst>
           </p:cNvPr>
@@ -11055,7 +11055,7 @@
           <p:nvPr>
             <p:extLst>
               <p:ext uri="{386F3935-93C4-4BCD-93E2-E3B085C9AB24}">
-                <p16:designElem xmlns="" xmlns:p16="http://schemas.microsoft.com/office/powerpoint/2015/main" val="1"/>
+                <p16:designElem xmlns:p16="http://schemas.microsoft.com/office/powerpoint/2015/main" xmlns="" val="1"/>
               </p:ext>
             </p:extLst>
           </p:nvPr>
@@ -11128,10 +11128,10 @@
           <p:cNvPr id="94" name="Rectangle 93">
             <a:extLst>
               <a:ext uri="{FF2B5EF4-FFF2-40B4-BE49-F238E27FC236}">
-                <a16:creationId xmlns="" xmlns:a16="http://schemas.microsoft.com/office/drawing/2014/main" id="{81B8C4F6-C3AC-4C94-8EC7-E4F7B7E9CDB6}"/>
+                <a16:creationId xmlns:a16="http://schemas.microsoft.com/office/drawing/2014/main" xmlns="" id="{81B8C4F6-C3AC-4C94-8EC7-E4F7B7E9CDB6}"/>
               </a:ext>
               <a:ext uri="{C183D7F6-B498-43B3-948B-1728B52AA6E4}">
-                <adec:decorative xmlns="" xmlns:adec="http://schemas.microsoft.com/office/drawing/2017/decorative" val="1"/>
+                <adec:decorative xmlns:adec="http://schemas.microsoft.com/office/drawing/2017/decorative" xmlns="" val="1"/>
               </a:ext>
             </a:extLst>
           </p:cNvPr>
@@ -11141,7 +11141,7 @@
           <p:nvPr>
             <p:extLst>
               <p:ext uri="{386F3935-93C4-4BCD-93E2-E3B085C9AB24}">
-                <p16:designElem xmlns="" xmlns:p16="http://schemas.microsoft.com/office/powerpoint/2015/main" val="1"/>
+                <p16:designElem xmlns:p16="http://schemas.microsoft.com/office/powerpoint/2015/main" xmlns="" val="1"/>
               </p:ext>
             </p:extLst>
           </p:nvPr>
@@ -11191,10 +11191,10 @@
           <p:cNvPr id="96" name="Group 95">
             <a:extLst>
               <a:ext uri="{FF2B5EF4-FFF2-40B4-BE49-F238E27FC236}">
-                <a16:creationId xmlns="" xmlns:a16="http://schemas.microsoft.com/office/drawing/2014/main" id="{0B789310-9859-4942-98C8-3D2F12AAAE73}"/>
+                <a16:creationId xmlns:a16="http://schemas.microsoft.com/office/drawing/2014/main" xmlns="" id="{0B789310-9859-4942-98C8-3D2F12AAAE73}"/>
               </a:ext>
               <a:ext uri="{C183D7F6-B498-43B3-948B-1728B52AA6E4}">
-                <adec:decorative xmlns="" xmlns:adec="http://schemas.microsoft.com/office/drawing/2017/decorative" val="1"/>
+                <adec:decorative xmlns:adec="http://schemas.microsoft.com/office/drawing/2017/decorative" xmlns="" val="1"/>
               </a:ext>
             </a:extLst>
           </p:cNvPr>
@@ -11204,7 +11204,7 @@
           <p:nvPr>
             <p:extLst>
               <p:ext uri="{386F3935-93C4-4BCD-93E2-E3B085C9AB24}">
-                <p16:designElem xmlns="" xmlns:p16="http://schemas.microsoft.com/office/powerpoint/2015/main" val="1"/>
+                <p16:designElem xmlns:p16="http://schemas.microsoft.com/office/powerpoint/2015/main" xmlns="" val="1"/>
               </p:ext>
             </p:extLst>
           </p:nvPr>
@@ -11229,10 +11229,10 @@
             <p:cNvPr id="97" name="Freeform 11">
               <a:extLst>
                 <a:ext uri="{FF2B5EF4-FFF2-40B4-BE49-F238E27FC236}">
-                  <a16:creationId xmlns="" xmlns:a16="http://schemas.microsoft.com/office/drawing/2014/main" id="{FE9E5460-2AA9-4786-B69C-23DBEF356809}"/>
+                  <a16:creationId xmlns:a16="http://schemas.microsoft.com/office/drawing/2014/main" xmlns="" id="{FE9E5460-2AA9-4786-B69C-23DBEF356809}"/>
                 </a:ext>
                 <a:ext uri="{C183D7F6-B498-43B3-948B-1728B52AA6E4}">
-                  <adec:decorative xmlns="" xmlns:adec="http://schemas.microsoft.com/office/drawing/2017/decorative" val="1"/>
+                  <adec:decorative xmlns:adec="http://schemas.microsoft.com/office/drawing/2017/decorative" xmlns="" val="1"/>
                 </a:ext>
               </a:extLst>
             </p:cNvPr>
@@ -11240,7 +11240,7 @@
             <p:nvPr>
               <p:extLst>
                 <p:ext uri="{386F3935-93C4-4BCD-93E2-E3B085C9AB24}">
-                  <p16:designElem xmlns="" xmlns:p16="http://schemas.microsoft.com/office/powerpoint/2015/main" val="1"/>
+                  <p16:designElem xmlns:p16="http://schemas.microsoft.com/office/powerpoint/2015/main" xmlns="" val="1"/>
                 </p:ext>
               </p:extLst>
             </p:nvPr>
@@ -11301,10 +11301,10 @@
             <p:cNvPr id="98" name="Freeform 12">
               <a:extLst>
                 <a:ext uri="{FF2B5EF4-FFF2-40B4-BE49-F238E27FC236}">
-                  <a16:creationId xmlns="" xmlns:a16="http://schemas.microsoft.com/office/drawing/2014/main" id="{E344A2AF-3860-4427-B13E-98021C17ABF4}"/>
+                  <a16:creationId xmlns:a16="http://schemas.microsoft.com/office/drawing/2014/main" xmlns="" id="{E344A2AF-3860-4427-B13E-98021C17ABF4}"/>
                 </a:ext>
                 <a:ext uri="{C183D7F6-B498-43B3-948B-1728B52AA6E4}">
-                  <adec:decorative xmlns="" xmlns:adec="http://schemas.microsoft.com/office/drawing/2017/decorative" val="1"/>
+                  <adec:decorative xmlns:adec="http://schemas.microsoft.com/office/drawing/2017/decorative" xmlns="" val="1"/>
                 </a:ext>
               </a:extLst>
             </p:cNvPr>
@@ -11312,7 +11312,7 @@
             <p:nvPr>
               <p:extLst>
                 <p:ext uri="{386F3935-93C4-4BCD-93E2-E3B085C9AB24}">
-                  <p16:designElem xmlns="" xmlns:p16="http://schemas.microsoft.com/office/powerpoint/2015/main" val="1"/>
+                  <p16:designElem xmlns:p16="http://schemas.microsoft.com/office/powerpoint/2015/main" xmlns="" val="1"/>
                 </p:ext>
               </p:extLst>
             </p:nvPr>
@@ -11378,10 +11378,10 @@
             <p:cNvPr id="99" name="Freeform 13">
               <a:extLst>
                 <a:ext uri="{FF2B5EF4-FFF2-40B4-BE49-F238E27FC236}">
-                  <a16:creationId xmlns="" xmlns:a16="http://schemas.microsoft.com/office/drawing/2014/main" id="{DDBDD44E-1DC0-48AB-8FEC-E098D919740C}"/>
+                  <a16:creationId xmlns:a16="http://schemas.microsoft.com/office/drawing/2014/main" xmlns="" id="{DDBDD44E-1DC0-48AB-8FEC-E098D919740C}"/>
                 </a:ext>
                 <a:ext uri="{C183D7F6-B498-43B3-948B-1728B52AA6E4}">
-                  <adec:decorative xmlns="" xmlns:adec="http://schemas.microsoft.com/office/drawing/2017/decorative" val="1"/>
+                  <adec:decorative xmlns:adec="http://schemas.microsoft.com/office/drawing/2017/decorative" xmlns="" val="1"/>
                 </a:ext>
               </a:extLst>
             </p:cNvPr>
@@ -11389,7 +11389,7 @@
             <p:nvPr>
               <p:extLst>
                 <p:ext uri="{386F3935-93C4-4BCD-93E2-E3B085C9AB24}">
-                  <p16:designElem xmlns="" xmlns:p16="http://schemas.microsoft.com/office/powerpoint/2015/main" val="1"/>
+                  <p16:designElem xmlns:p16="http://schemas.microsoft.com/office/powerpoint/2015/main" xmlns="" val="1"/>
                 </p:ext>
               </p:extLst>
             </p:nvPr>
@@ -11460,10 +11460,10 @@
             <p:cNvPr id="100" name="Freeform 14">
               <a:extLst>
                 <a:ext uri="{FF2B5EF4-FFF2-40B4-BE49-F238E27FC236}">
-                  <a16:creationId xmlns="" xmlns:a16="http://schemas.microsoft.com/office/drawing/2014/main" id="{3151FF3E-5E3F-4D82-A684-0003BACEA854}"/>
+                  <a16:creationId xmlns:a16="http://schemas.microsoft.com/office/drawing/2014/main" xmlns="" id="{3151FF3E-5E3F-4D82-A684-0003BACEA854}"/>
                 </a:ext>
                 <a:ext uri="{C183D7F6-B498-43B3-948B-1728B52AA6E4}">
-                  <adec:decorative xmlns="" xmlns:adec="http://schemas.microsoft.com/office/drawing/2017/decorative" val="1"/>
+                  <adec:decorative xmlns:adec="http://schemas.microsoft.com/office/drawing/2017/decorative" xmlns="" val="1"/>
                 </a:ext>
               </a:extLst>
             </p:cNvPr>
@@ -11471,7 +11471,7 @@
             <p:nvPr>
               <p:extLst>
                 <p:ext uri="{386F3935-93C4-4BCD-93E2-E3B085C9AB24}">
-                  <p16:designElem xmlns="" xmlns:p16="http://schemas.microsoft.com/office/powerpoint/2015/main" val="1"/>
+                  <p16:designElem xmlns:p16="http://schemas.microsoft.com/office/powerpoint/2015/main" xmlns="" val="1"/>
                 </p:ext>
               </p:extLst>
             </p:nvPr>
@@ -11522,10 +11522,10 @@
             <p:cNvPr id="101" name="Freeform 15">
               <a:extLst>
                 <a:ext uri="{FF2B5EF4-FFF2-40B4-BE49-F238E27FC236}">
-                  <a16:creationId xmlns="" xmlns:a16="http://schemas.microsoft.com/office/drawing/2014/main" id="{C6CBF27E-7F0C-4489-95A7-82DE1C0460A9}"/>
+                  <a16:creationId xmlns:a16="http://schemas.microsoft.com/office/drawing/2014/main" xmlns="" id="{C6CBF27E-7F0C-4489-95A7-82DE1C0460A9}"/>
                 </a:ext>
                 <a:ext uri="{C183D7F6-B498-43B3-948B-1728B52AA6E4}">
-                  <adec:decorative xmlns="" xmlns:adec="http://schemas.microsoft.com/office/drawing/2017/decorative" val="1"/>
+                  <adec:decorative xmlns:adec="http://schemas.microsoft.com/office/drawing/2017/decorative" xmlns="" val="1"/>
                 </a:ext>
               </a:extLst>
             </p:cNvPr>
@@ -11533,7 +11533,7 @@
             <p:nvPr>
               <p:extLst>
                 <p:ext uri="{386F3935-93C4-4BCD-93E2-E3B085C9AB24}">
-                  <p16:designElem xmlns="" xmlns:p16="http://schemas.microsoft.com/office/powerpoint/2015/main" val="1"/>
+                  <p16:designElem xmlns:p16="http://schemas.microsoft.com/office/powerpoint/2015/main" xmlns="" val="1"/>
                 </p:ext>
               </p:extLst>
             </p:nvPr>
@@ -11619,10 +11619,10 @@
             <p:cNvPr id="102" name="Freeform 16">
               <a:extLst>
                 <a:ext uri="{FF2B5EF4-FFF2-40B4-BE49-F238E27FC236}">
-                  <a16:creationId xmlns="" xmlns:a16="http://schemas.microsoft.com/office/drawing/2014/main" id="{233BE304-221E-425E-A484-4B2E5F405B8F}"/>
+                  <a16:creationId xmlns:a16="http://schemas.microsoft.com/office/drawing/2014/main" xmlns="" id="{233BE304-221E-425E-A484-4B2E5F405B8F}"/>
                 </a:ext>
                 <a:ext uri="{C183D7F6-B498-43B3-948B-1728B52AA6E4}">
-                  <adec:decorative xmlns="" xmlns:adec="http://schemas.microsoft.com/office/drawing/2017/decorative" val="1"/>
+                  <adec:decorative xmlns:adec="http://schemas.microsoft.com/office/drawing/2017/decorative" xmlns="" val="1"/>
                 </a:ext>
               </a:extLst>
             </p:cNvPr>
@@ -11630,7 +11630,7 @@
             <p:nvPr>
               <p:extLst>
                 <p:ext uri="{386F3935-93C4-4BCD-93E2-E3B085C9AB24}">
-                  <p16:designElem xmlns="" xmlns:p16="http://schemas.microsoft.com/office/powerpoint/2015/main" val="1"/>
+                  <p16:designElem xmlns:p16="http://schemas.microsoft.com/office/powerpoint/2015/main" xmlns="" val="1"/>
                 </p:ext>
               </p:extLst>
             </p:nvPr>
@@ -11711,10 +11711,10 @@
             <p:cNvPr id="103" name="Freeform 17">
               <a:extLst>
                 <a:ext uri="{FF2B5EF4-FFF2-40B4-BE49-F238E27FC236}">
-                  <a16:creationId xmlns="" xmlns:a16="http://schemas.microsoft.com/office/drawing/2014/main" id="{10D5734E-EAEA-4A08-86A9-39BD5563EC2D}"/>
+                  <a16:creationId xmlns:a16="http://schemas.microsoft.com/office/drawing/2014/main" xmlns="" id="{10D5734E-EAEA-4A08-86A9-39BD5563EC2D}"/>
                 </a:ext>
                 <a:ext uri="{C183D7F6-B498-43B3-948B-1728B52AA6E4}">
-                  <adec:decorative xmlns="" xmlns:adec="http://schemas.microsoft.com/office/drawing/2017/decorative" val="1"/>
+                  <adec:decorative xmlns:adec="http://schemas.microsoft.com/office/drawing/2017/decorative" xmlns="" val="1"/>
                 </a:ext>
               </a:extLst>
             </p:cNvPr>
@@ -11722,7 +11722,7 @@
             <p:nvPr>
               <p:extLst>
                 <p:ext uri="{386F3935-93C4-4BCD-93E2-E3B085C9AB24}">
-                  <p16:designElem xmlns="" xmlns:p16="http://schemas.microsoft.com/office/powerpoint/2015/main" val="1"/>
+                  <p16:designElem xmlns:p16="http://schemas.microsoft.com/office/powerpoint/2015/main" xmlns="" val="1"/>
                 </p:ext>
               </p:extLst>
             </p:nvPr>
@@ -11783,10 +11783,10 @@
             <p:cNvPr id="104" name="Freeform 18">
               <a:extLst>
                 <a:ext uri="{FF2B5EF4-FFF2-40B4-BE49-F238E27FC236}">
-                  <a16:creationId xmlns="" xmlns:a16="http://schemas.microsoft.com/office/drawing/2014/main" id="{4D47FE86-98D1-4E35-86E4-16E9A19A64E8}"/>
+                  <a16:creationId xmlns:a16="http://schemas.microsoft.com/office/drawing/2014/main" xmlns="" id="{4D47FE86-98D1-4E35-86E4-16E9A19A64E8}"/>
                 </a:ext>
                 <a:ext uri="{C183D7F6-B498-43B3-948B-1728B52AA6E4}">
-                  <adec:decorative xmlns="" xmlns:adec="http://schemas.microsoft.com/office/drawing/2017/decorative" val="1"/>
+                  <adec:decorative xmlns:adec="http://schemas.microsoft.com/office/drawing/2017/decorative" xmlns="" val="1"/>
                 </a:ext>
               </a:extLst>
             </p:cNvPr>
@@ -11794,7 +11794,7 @@
             <p:nvPr>
               <p:extLst>
                 <p:ext uri="{386F3935-93C4-4BCD-93E2-E3B085C9AB24}">
-                  <p16:designElem xmlns="" xmlns:p16="http://schemas.microsoft.com/office/powerpoint/2015/main" val="1"/>
+                  <p16:designElem xmlns:p16="http://schemas.microsoft.com/office/powerpoint/2015/main" xmlns="" val="1"/>
                 </p:ext>
               </p:extLst>
             </p:nvPr>
@@ -11875,10 +11875,10 @@
             <p:cNvPr id="105" name="Freeform 19">
               <a:extLst>
                 <a:ext uri="{FF2B5EF4-FFF2-40B4-BE49-F238E27FC236}">
-                  <a16:creationId xmlns="" xmlns:a16="http://schemas.microsoft.com/office/drawing/2014/main" id="{F00661F9-B224-4DB1-8EFB-ABF9402BDEF6}"/>
+                  <a16:creationId xmlns:a16="http://schemas.microsoft.com/office/drawing/2014/main" xmlns="" id="{F00661F9-B224-4DB1-8EFB-ABF9402BDEF6}"/>
                 </a:ext>
                 <a:ext uri="{C183D7F6-B498-43B3-948B-1728B52AA6E4}">
-                  <adec:decorative xmlns="" xmlns:adec="http://schemas.microsoft.com/office/drawing/2017/decorative" val="1"/>
+                  <adec:decorative xmlns:adec="http://schemas.microsoft.com/office/drawing/2017/decorative" xmlns="" val="1"/>
                 </a:ext>
               </a:extLst>
             </p:cNvPr>
@@ -11886,7 +11886,7 @@
             <p:nvPr>
               <p:extLst>
                 <p:ext uri="{386F3935-93C4-4BCD-93E2-E3B085C9AB24}">
-                  <p16:designElem xmlns="" xmlns:p16="http://schemas.microsoft.com/office/powerpoint/2015/main" val="1"/>
+                  <p16:designElem xmlns:p16="http://schemas.microsoft.com/office/powerpoint/2015/main" xmlns="" val="1"/>
                 </p:ext>
               </p:extLst>
             </p:nvPr>
@@ -12002,10 +12002,10 @@
             <p:cNvPr id="106" name="Freeform 20">
               <a:extLst>
                 <a:ext uri="{FF2B5EF4-FFF2-40B4-BE49-F238E27FC236}">
-                  <a16:creationId xmlns="" xmlns:a16="http://schemas.microsoft.com/office/drawing/2014/main" id="{679DCB4E-8D36-4B7A-AF0C-8399F113AE93}"/>
+                  <a16:creationId xmlns:a16="http://schemas.microsoft.com/office/drawing/2014/main" xmlns="" id="{679DCB4E-8D36-4B7A-AF0C-8399F113AE93}"/>
                 </a:ext>
                 <a:ext uri="{C183D7F6-B498-43B3-948B-1728B52AA6E4}">
-                  <adec:decorative xmlns="" xmlns:adec="http://schemas.microsoft.com/office/drawing/2017/decorative" val="1"/>
+                  <adec:decorative xmlns:adec="http://schemas.microsoft.com/office/drawing/2017/decorative" xmlns="" val="1"/>
                 </a:ext>
               </a:extLst>
             </p:cNvPr>
@@ -12013,7 +12013,7 @@
             <p:nvPr>
               <p:extLst>
                 <p:ext uri="{386F3935-93C4-4BCD-93E2-E3B085C9AB24}">
-                  <p16:designElem xmlns="" xmlns:p16="http://schemas.microsoft.com/office/powerpoint/2015/main" val="1"/>
+                  <p16:designElem xmlns:p16="http://schemas.microsoft.com/office/powerpoint/2015/main" xmlns="" val="1"/>
                 </p:ext>
               </p:extLst>
             </p:nvPr>
@@ -12064,10 +12064,10 @@
             <p:cNvPr id="107" name="Freeform 21">
               <a:extLst>
                 <a:ext uri="{FF2B5EF4-FFF2-40B4-BE49-F238E27FC236}">
-                  <a16:creationId xmlns="" xmlns:a16="http://schemas.microsoft.com/office/drawing/2014/main" id="{4FAD51F6-D24C-4FD6-BEAE-41F0E5A8253C}"/>
+                  <a16:creationId xmlns:a16="http://schemas.microsoft.com/office/drawing/2014/main" xmlns="" id="{4FAD51F6-D24C-4FD6-BEAE-41F0E5A8253C}"/>
                 </a:ext>
                 <a:ext uri="{C183D7F6-B498-43B3-948B-1728B52AA6E4}">
-                  <adec:decorative xmlns="" xmlns:adec="http://schemas.microsoft.com/office/drawing/2017/decorative" val="1"/>
+                  <adec:decorative xmlns:adec="http://schemas.microsoft.com/office/drawing/2017/decorative" xmlns="" val="1"/>
                 </a:ext>
               </a:extLst>
             </p:cNvPr>
@@ -12075,7 +12075,7 @@
             <p:nvPr>
               <p:extLst>
                 <p:ext uri="{386F3935-93C4-4BCD-93E2-E3B085C9AB24}">
-                  <p16:designElem xmlns="" xmlns:p16="http://schemas.microsoft.com/office/powerpoint/2015/main" val="1"/>
+                  <p16:designElem xmlns:p16="http://schemas.microsoft.com/office/powerpoint/2015/main" xmlns="" val="1"/>
                 </p:ext>
               </p:extLst>
             </p:nvPr>
@@ -12136,10 +12136,10 @@
             <p:cNvPr id="108" name="Freeform 22">
               <a:extLst>
                 <a:ext uri="{FF2B5EF4-FFF2-40B4-BE49-F238E27FC236}">
-                  <a16:creationId xmlns="" xmlns:a16="http://schemas.microsoft.com/office/drawing/2014/main" id="{87AC773F-6D31-458A-9DD7-76566C8A9CAA}"/>
+                  <a16:creationId xmlns:a16="http://schemas.microsoft.com/office/drawing/2014/main" xmlns="" id="{87AC773F-6D31-458A-9DD7-76566C8A9CAA}"/>
                 </a:ext>
                 <a:ext uri="{C183D7F6-B498-43B3-948B-1728B52AA6E4}">
-                  <adec:decorative xmlns="" xmlns:adec="http://schemas.microsoft.com/office/drawing/2017/decorative" val="1"/>
+                  <adec:decorative xmlns:adec="http://schemas.microsoft.com/office/drawing/2017/decorative" xmlns="" val="1"/>
                 </a:ext>
               </a:extLst>
             </p:cNvPr>
@@ -12147,7 +12147,7 @@
             <p:nvPr>
               <p:extLst>
                 <p:ext uri="{386F3935-93C4-4BCD-93E2-E3B085C9AB24}">
-                  <p16:designElem xmlns="" xmlns:p16="http://schemas.microsoft.com/office/powerpoint/2015/main" val="1"/>
+                  <p16:designElem xmlns:p16="http://schemas.microsoft.com/office/powerpoint/2015/main" xmlns="" val="1"/>
                 </p:ext>
               </p:extLst>
             </p:nvPr>
@@ -12219,10 +12219,10 @@
           <p:cNvPr id="110" name="Group 109">
             <a:extLst>
               <a:ext uri="{FF2B5EF4-FFF2-40B4-BE49-F238E27FC236}">
-                <a16:creationId xmlns="" xmlns:a16="http://schemas.microsoft.com/office/drawing/2014/main" id="{6F1CEC7A-E419-4950-AA57-B00546C29CAF}"/>
+                <a16:creationId xmlns:a16="http://schemas.microsoft.com/office/drawing/2014/main" xmlns="" id="{6F1CEC7A-E419-4950-AA57-B00546C29CAF}"/>
               </a:ext>
               <a:ext uri="{C183D7F6-B498-43B3-948B-1728B52AA6E4}">
-                <adec:decorative xmlns="" xmlns:adec="http://schemas.microsoft.com/office/drawing/2017/decorative" val="1"/>
+                <adec:decorative xmlns:adec="http://schemas.microsoft.com/office/drawing/2017/decorative" xmlns="" val="1"/>
               </a:ext>
             </a:extLst>
           </p:cNvPr>
@@ -12232,7 +12232,7 @@
           <p:nvPr>
             <p:extLst>
               <p:ext uri="{386F3935-93C4-4BCD-93E2-E3B085C9AB24}">
-                <p16:designElem xmlns="" xmlns:p16="http://schemas.microsoft.com/office/powerpoint/2015/main" val="1"/>
+                <p16:designElem xmlns:p16="http://schemas.microsoft.com/office/powerpoint/2015/main" xmlns="" val="1"/>
               </p:ext>
             </p:extLst>
           </p:nvPr>
@@ -12256,10 +12256,10 @@
             <p:cNvPr id="111" name="Freeform 27">
               <a:extLst>
                 <a:ext uri="{FF2B5EF4-FFF2-40B4-BE49-F238E27FC236}">
-                  <a16:creationId xmlns="" xmlns:a16="http://schemas.microsoft.com/office/drawing/2014/main" id="{7AE7DCD1-5235-45E8-B229-15A3E3962E71}"/>
+                  <a16:creationId xmlns:a16="http://schemas.microsoft.com/office/drawing/2014/main" xmlns="" id="{7AE7DCD1-5235-45E8-B229-15A3E3962E71}"/>
                 </a:ext>
                 <a:ext uri="{C183D7F6-B498-43B3-948B-1728B52AA6E4}">
-                  <adec:decorative xmlns="" xmlns:adec="http://schemas.microsoft.com/office/drawing/2017/decorative" val="1"/>
+                  <adec:decorative xmlns:adec="http://schemas.microsoft.com/office/drawing/2017/decorative" xmlns="" val="1"/>
                 </a:ext>
               </a:extLst>
             </p:cNvPr>
@@ -12267,7 +12267,7 @@
             <p:nvPr>
               <p:extLst>
                 <p:ext uri="{386F3935-93C4-4BCD-93E2-E3B085C9AB24}">
-                  <p16:designElem xmlns="" xmlns:p16="http://schemas.microsoft.com/office/powerpoint/2015/main" val="1"/>
+                  <p16:designElem xmlns:p16="http://schemas.microsoft.com/office/powerpoint/2015/main" xmlns="" val="1"/>
                 </p:ext>
               </p:extLst>
             </p:nvPr>
@@ -12373,10 +12373,10 @@
             <p:cNvPr id="112" name="Freeform 28">
               <a:extLst>
                 <a:ext uri="{FF2B5EF4-FFF2-40B4-BE49-F238E27FC236}">
-                  <a16:creationId xmlns="" xmlns:a16="http://schemas.microsoft.com/office/drawing/2014/main" id="{C82E58C3-65A5-4079-BF94-E675AA410CD8}"/>
+                  <a16:creationId xmlns:a16="http://schemas.microsoft.com/office/drawing/2014/main" xmlns="" id="{C82E58C3-65A5-4079-BF94-E675AA410CD8}"/>
                 </a:ext>
                 <a:ext uri="{C183D7F6-B498-43B3-948B-1728B52AA6E4}">
-                  <adec:decorative xmlns="" xmlns:adec="http://schemas.microsoft.com/office/drawing/2017/decorative" val="1"/>
+                  <adec:decorative xmlns:adec="http://schemas.microsoft.com/office/drawing/2017/decorative" xmlns="" val="1"/>
                 </a:ext>
               </a:extLst>
             </p:cNvPr>
@@ -12384,7 +12384,7 @@
             <p:nvPr>
               <p:extLst>
                 <p:ext uri="{386F3935-93C4-4BCD-93E2-E3B085C9AB24}">
-                  <p16:designElem xmlns="" xmlns:p16="http://schemas.microsoft.com/office/powerpoint/2015/main" val="1"/>
+                  <p16:designElem xmlns:p16="http://schemas.microsoft.com/office/powerpoint/2015/main" xmlns="" val="1"/>
                 </p:ext>
               </p:extLst>
             </p:nvPr>
@@ -12455,10 +12455,10 @@
             <p:cNvPr id="113" name="Freeform 29">
               <a:extLst>
                 <a:ext uri="{FF2B5EF4-FFF2-40B4-BE49-F238E27FC236}">
-                  <a16:creationId xmlns="" xmlns:a16="http://schemas.microsoft.com/office/drawing/2014/main" id="{7AABE1FA-6DC8-4A47-AC5C-F05B9C111C20}"/>
+                  <a16:creationId xmlns:a16="http://schemas.microsoft.com/office/drawing/2014/main" xmlns="" id="{7AABE1FA-6DC8-4A47-AC5C-F05B9C111C20}"/>
                 </a:ext>
                 <a:ext uri="{C183D7F6-B498-43B3-948B-1728B52AA6E4}">
-                  <adec:decorative xmlns="" xmlns:adec="http://schemas.microsoft.com/office/drawing/2017/decorative" val="1"/>
+                  <adec:decorative xmlns:adec="http://schemas.microsoft.com/office/drawing/2017/decorative" xmlns="" val="1"/>
                 </a:ext>
               </a:extLst>
             </p:cNvPr>
@@ -12466,7 +12466,7 @@
             <p:nvPr>
               <p:extLst>
                 <p:ext uri="{386F3935-93C4-4BCD-93E2-E3B085C9AB24}">
-                  <p16:designElem xmlns="" xmlns:p16="http://schemas.microsoft.com/office/powerpoint/2015/main" val="1"/>
+                  <p16:designElem xmlns:p16="http://schemas.microsoft.com/office/powerpoint/2015/main" xmlns="" val="1"/>
                 </p:ext>
               </p:extLst>
             </p:nvPr>
@@ -12537,10 +12537,10 @@
             <p:cNvPr id="114" name="Freeform 30">
               <a:extLst>
                 <a:ext uri="{FF2B5EF4-FFF2-40B4-BE49-F238E27FC236}">
-                  <a16:creationId xmlns="" xmlns:a16="http://schemas.microsoft.com/office/drawing/2014/main" id="{17BB7298-8900-4C67-B800-BD241F0199B7}"/>
+                  <a16:creationId xmlns:a16="http://schemas.microsoft.com/office/drawing/2014/main" xmlns="" id="{17BB7298-8900-4C67-B800-BD241F0199B7}"/>
                 </a:ext>
                 <a:ext uri="{C183D7F6-B498-43B3-948B-1728B52AA6E4}">
-                  <adec:decorative xmlns="" xmlns:adec="http://schemas.microsoft.com/office/drawing/2017/decorative" val="1"/>
+                  <adec:decorative xmlns:adec="http://schemas.microsoft.com/office/drawing/2017/decorative" xmlns="" val="1"/>
                 </a:ext>
               </a:extLst>
             </p:cNvPr>
@@ -12548,7 +12548,7 @@
             <p:nvPr>
               <p:extLst>
                 <p:ext uri="{386F3935-93C4-4BCD-93E2-E3B085C9AB24}">
-                  <p16:designElem xmlns="" xmlns:p16="http://schemas.microsoft.com/office/powerpoint/2015/main" val="1"/>
+                  <p16:designElem xmlns:p16="http://schemas.microsoft.com/office/powerpoint/2015/main" xmlns="" val="1"/>
                 </p:ext>
               </p:extLst>
             </p:nvPr>
@@ -12634,10 +12634,10 @@
             <p:cNvPr id="115" name="Freeform 31">
               <a:extLst>
                 <a:ext uri="{FF2B5EF4-FFF2-40B4-BE49-F238E27FC236}">
-                  <a16:creationId xmlns="" xmlns:a16="http://schemas.microsoft.com/office/drawing/2014/main" id="{EE3442F8-53C2-490C-94EF-E423ECB957FD}"/>
+                  <a16:creationId xmlns:a16="http://schemas.microsoft.com/office/drawing/2014/main" xmlns="" id="{EE3442F8-53C2-490C-94EF-E423ECB957FD}"/>
                 </a:ext>
                 <a:ext uri="{C183D7F6-B498-43B3-948B-1728B52AA6E4}">
-                  <adec:decorative xmlns="" xmlns:adec="http://schemas.microsoft.com/office/drawing/2017/decorative" val="1"/>
+                  <adec:decorative xmlns:adec="http://schemas.microsoft.com/office/drawing/2017/decorative" xmlns="" val="1"/>
                 </a:ext>
               </a:extLst>
             </p:cNvPr>
@@ -12645,7 +12645,7 @@
             <p:nvPr>
               <p:extLst>
                 <p:ext uri="{386F3935-93C4-4BCD-93E2-E3B085C9AB24}">
-                  <p16:designElem xmlns="" xmlns:p16="http://schemas.microsoft.com/office/powerpoint/2015/main" val="1"/>
+                  <p16:designElem xmlns:p16="http://schemas.microsoft.com/office/powerpoint/2015/main" xmlns="" val="1"/>
                 </p:ext>
               </p:extLst>
             </p:nvPr>
@@ -12741,10 +12741,10 @@
             <p:cNvPr id="116" name="Freeform 32">
               <a:extLst>
                 <a:ext uri="{FF2B5EF4-FFF2-40B4-BE49-F238E27FC236}">
-                  <a16:creationId xmlns="" xmlns:a16="http://schemas.microsoft.com/office/drawing/2014/main" id="{3DBEA916-8B10-493A-8CBF-9B5FA2A4A027}"/>
+                  <a16:creationId xmlns:a16="http://schemas.microsoft.com/office/drawing/2014/main" xmlns="" id="{3DBEA916-8B10-493A-8CBF-9B5FA2A4A027}"/>
                 </a:ext>
                 <a:ext uri="{C183D7F6-B498-43B3-948B-1728B52AA6E4}">
-                  <adec:decorative xmlns="" xmlns:adec="http://schemas.microsoft.com/office/drawing/2017/decorative" val="1"/>
+                  <adec:decorative xmlns:adec="http://schemas.microsoft.com/office/drawing/2017/decorative" xmlns="" val="1"/>
                 </a:ext>
               </a:extLst>
             </p:cNvPr>
@@ -12752,7 +12752,7 @@
             <p:nvPr>
               <p:extLst>
                 <p:ext uri="{386F3935-93C4-4BCD-93E2-E3B085C9AB24}">
-                  <p16:designElem xmlns="" xmlns:p16="http://schemas.microsoft.com/office/powerpoint/2015/main" val="1"/>
+                  <p16:designElem xmlns:p16="http://schemas.microsoft.com/office/powerpoint/2015/main" xmlns="" val="1"/>
                 </p:ext>
               </p:extLst>
             </p:nvPr>
@@ -12803,10 +12803,10 @@
             <p:cNvPr id="117" name="Freeform 33">
               <a:extLst>
                 <a:ext uri="{FF2B5EF4-FFF2-40B4-BE49-F238E27FC236}">
-                  <a16:creationId xmlns="" xmlns:a16="http://schemas.microsoft.com/office/drawing/2014/main" id="{248DB27B-F9EA-4F81-A746-7D57B768E0A5}"/>
+                  <a16:creationId xmlns:a16="http://schemas.microsoft.com/office/drawing/2014/main" xmlns="" id="{248DB27B-F9EA-4F81-A746-7D57B768E0A5}"/>
                 </a:ext>
                 <a:ext uri="{C183D7F6-B498-43B3-948B-1728B52AA6E4}">
-                  <adec:decorative xmlns="" xmlns:adec="http://schemas.microsoft.com/office/drawing/2017/decorative" val="1"/>
+                  <adec:decorative xmlns:adec="http://schemas.microsoft.com/office/drawing/2017/decorative" xmlns="" val="1"/>
                 </a:ext>
               </a:extLst>
             </p:cNvPr>
@@ -12814,7 +12814,7 @@
             <p:nvPr>
               <p:extLst>
                 <p:ext uri="{386F3935-93C4-4BCD-93E2-E3B085C9AB24}">
-                  <p16:designElem xmlns="" xmlns:p16="http://schemas.microsoft.com/office/powerpoint/2015/main" val="1"/>
+                  <p16:designElem xmlns:p16="http://schemas.microsoft.com/office/powerpoint/2015/main" xmlns="" val="1"/>
                 </p:ext>
               </p:extLst>
             </p:nvPr>
@@ -12880,10 +12880,10 @@
             <p:cNvPr id="118" name="Freeform 34">
               <a:extLst>
                 <a:ext uri="{FF2B5EF4-FFF2-40B4-BE49-F238E27FC236}">
-                  <a16:creationId xmlns="" xmlns:a16="http://schemas.microsoft.com/office/drawing/2014/main" id="{998E5C90-2A81-4013-AE09-2023B4407C85}"/>
+                  <a16:creationId xmlns:a16="http://schemas.microsoft.com/office/drawing/2014/main" xmlns="" id="{998E5C90-2A81-4013-AE09-2023B4407C85}"/>
                 </a:ext>
                 <a:ext uri="{C183D7F6-B498-43B3-948B-1728B52AA6E4}">
-                  <adec:decorative xmlns="" xmlns:adec="http://schemas.microsoft.com/office/drawing/2017/decorative" val="1"/>
+                  <adec:decorative xmlns:adec="http://schemas.microsoft.com/office/drawing/2017/decorative" xmlns="" val="1"/>
                 </a:ext>
               </a:extLst>
             </p:cNvPr>
@@ -12891,7 +12891,7 @@
             <p:nvPr>
               <p:extLst>
                 <p:ext uri="{386F3935-93C4-4BCD-93E2-E3B085C9AB24}">
-                  <p16:designElem xmlns="" xmlns:p16="http://schemas.microsoft.com/office/powerpoint/2015/main" val="1"/>
+                  <p16:designElem xmlns:p16="http://schemas.microsoft.com/office/powerpoint/2015/main" xmlns="" val="1"/>
                 </p:ext>
               </p:extLst>
             </p:nvPr>
@@ -13002,10 +13002,10 @@
             <p:cNvPr id="119" name="Freeform 35">
               <a:extLst>
                 <a:ext uri="{FF2B5EF4-FFF2-40B4-BE49-F238E27FC236}">
-                  <a16:creationId xmlns="" xmlns:a16="http://schemas.microsoft.com/office/drawing/2014/main" id="{86A8318B-7607-4519-8EEB-C7DD50965317}"/>
+                  <a16:creationId xmlns:a16="http://schemas.microsoft.com/office/drawing/2014/main" xmlns="" id="{86A8318B-7607-4519-8EEB-C7DD50965317}"/>
                 </a:ext>
                 <a:ext uri="{C183D7F6-B498-43B3-948B-1728B52AA6E4}">
-                  <adec:decorative xmlns="" xmlns:adec="http://schemas.microsoft.com/office/drawing/2017/decorative" val="1"/>
+                  <adec:decorative xmlns:adec="http://schemas.microsoft.com/office/drawing/2017/decorative" xmlns="" val="1"/>
                 </a:ext>
               </a:extLst>
             </p:cNvPr>
@@ -13013,7 +13013,7 @@
             <p:nvPr>
               <p:extLst>
                 <p:ext uri="{386F3935-93C4-4BCD-93E2-E3B085C9AB24}">
-                  <p16:designElem xmlns="" xmlns:p16="http://schemas.microsoft.com/office/powerpoint/2015/main" val="1"/>
+                  <p16:designElem xmlns:p16="http://schemas.microsoft.com/office/powerpoint/2015/main" xmlns="" val="1"/>
                 </p:ext>
               </p:extLst>
             </p:nvPr>
@@ -13064,10 +13064,10 @@
             <p:cNvPr id="120" name="Freeform 36">
               <a:extLst>
                 <a:ext uri="{FF2B5EF4-FFF2-40B4-BE49-F238E27FC236}">
-                  <a16:creationId xmlns="" xmlns:a16="http://schemas.microsoft.com/office/drawing/2014/main" id="{5009FB1B-4865-45DB-8727-F012E3ACA55A}"/>
+                  <a16:creationId xmlns:a16="http://schemas.microsoft.com/office/drawing/2014/main" xmlns="" id="{5009FB1B-4865-45DB-8727-F012E3ACA55A}"/>
                 </a:ext>
                 <a:ext uri="{C183D7F6-B498-43B3-948B-1728B52AA6E4}">
-                  <adec:decorative xmlns="" xmlns:adec="http://schemas.microsoft.com/office/drawing/2017/decorative" val="1"/>
+                  <adec:decorative xmlns:adec="http://schemas.microsoft.com/office/drawing/2017/decorative" xmlns="" val="1"/>
                 </a:ext>
               </a:extLst>
             </p:cNvPr>
@@ -13075,7 +13075,7 @@
             <p:nvPr>
               <p:extLst>
                 <p:ext uri="{386F3935-93C4-4BCD-93E2-E3B085C9AB24}">
-                  <p16:designElem xmlns="" xmlns:p16="http://schemas.microsoft.com/office/powerpoint/2015/main" val="1"/>
+                  <p16:designElem xmlns:p16="http://schemas.microsoft.com/office/powerpoint/2015/main" xmlns="" val="1"/>
                 </p:ext>
               </p:extLst>
             </p:nvPr>
@@ -13146,10 +13146,10 @@
             <p:cNvPr id="121" name="Freeform 37">
               <a:extLst>
                 <a:ext uri="{FF2B5EF4-FFF2-40B4-BE49-F238E27FC236}">
-                  <a16:creationId xmlns="" xmlns:a16="http://schemas.microsoft.com/office/drawing/2014/main" id="{5B209B64-3A98-4B1A-857A-2368AFED67CD}"/>
+                  <a16:creationId xmlns:a16="http://schemas.microsoft.com/office/drawing/2014/main" xmlns="" id="{5B209B64-3A98-4B1A-857A-2368AFED67CD}"/>
                 </a:ext>
                 <a:ext uri="{C183D7F6-B498-43B3-948B-1728B52AA6E4}">
-                  <adec:decorative xmlns="" xmlns:adec="http://schemas.microsoft.com/office/drawing/2017/decorative" val="1"/>
+                  <adec:decorative xmlns:adec="http://schemas.microsoft.com/office/drawing/2017/decorative" xmlns="" val="1"/>
                 </a:ext>
               </a:extLst>
             </p:cNvPr>
@@ -13157,7 +13157,7 @@
             <p:nvPr>
               <p:extLst>
                 <p:ext uri="{386F3935-93C4-4BCD-93E2-E3B085C9AB24}">
-                  <p16:designElem xmlns="" xmlns:p16="http://schemas.microsoft.com/office/powerpoint/2015/main" val="1"/>
+                  <p16:designElem xmlns:p16="http://schemas.microsoft.com/office/powerpoint/2015/main" xmlns="" val="1"/>
                 </p:ext>
               </p:extLst>
             </p:nvPr>
@@ -13223,10 +13223,10 @@
             <p:cNvPr id="122" name="Freeform 38">
               <a:extLst>
                 <a:ext uri="{FF2B5EF4-FFF2-40B4-BE49-F238E27FC236}">
-                  <a16:creationId xmlns="" xmlns:a16="http://schemas.microsoft.com/office/drawing/2014/main" id="{EB3B5D03-7AE3-411C-A820-6844E7D0C614}"/>
+                  <a16:creationId xmlns:a16="http://schemas.microsoft.com/office/drawing/2014/main" xmlns="" id="{EB3B5D03-7AE3-411C-A820-6844E7D0C614}"/>
                 </a:ext>
                 <a:ext uri="{C183D7F6-B498-43B3-948B-1728B52AA6E4}">
-                  <adec:decorative xmlns="" xmlns:adec="http://schemas.microsoft.com/office/drawing/2017/decorative" val="1"/>
+                  <adec:decorative xmlns:adec="http://schemas.microsoft.com/office/drawing/2017/decorative" xmlns="" val="1"/>
                 </a:ext>
               </a:extLst>
             </p:cNvPr>
@@ -13234,7 +13234,7 @@
             <p:nvPr>
               <p:extLst>
                 <p:ext uri="{386F3935-93C4-4BCD-93E2-E3B085C9AB24}">
-                  <p16:designElem xmlns="" xmlns:p16="http://schemas.microsoft.com/office/powerpoint/2015/main" val="1"/>
+                  <p16:designElem xmlns:p16="http://schemas.microsoft.com/office/powerpoint/2015/main" xmlns="" val="1"/>
                 </p:ext>
               </p:extLst>
             </p:nvPr>
@@ -13306,10 +13306,10 @@
           <p:cNvPr id="124" name="Freeform 11">
             <a:extLst>
               <a:ext uri="{FF2B5EF4-FFF2-40B4-BE49-F238E27FC236}">
-                <a16:creationId xmlns="" xmlns:a16="http://schemas.microsoft.com/office/drawing/2014/main" id="{91328346-8BAD-4616-B50B-5CFDA5648D6A}"/>
+                <a16:creationId xmlns:a16="http://schemas.microsoft.com/office/drawing/2014/main" xmlns="" id="{91328346-8BAD-4616-B50B-5CFDA5648D6A}"/>
               </a:ext>
               <a:ext uri="{C183D7F6-B498-43B3-948B-1728B52AA6E4}">
-                <adec:decorative xmlns="" xmlns:adec="http://schemas.microsoft.com/office/drawing/2017/decorative" val="1"/>
+                <adec:decorative xmlns:adec="http://schemas.microsoft.com/office/drawing/2017/decorative" xmlns="" val="1"/>
               </a:ext>
             </a:extLst>
           </p:cNvPr>
@@ -13319,7 +13319,7 @@
           <p:nvPr>
             <p:extLst>
               <p:ext uri="{386F3935-93C4-4BCD-93E2-E3B085C9AB24}">
-                <p16:designElem xmlns="" xmlns:p16="http://schemas.microsoft.com/office/powerpoint/2015/main" val="1"/>
+                <p16:designElem xmlns:p16="http://schemas.microsoft.com/office/powerpoint/2015/main" xmlns="" val="1"/>
               </p:ext>
             </p:extLst>
           </p:nvPr>
@@ -13689,7 +13689,7 @@
           <p:cNvPr id="129" name="Espace réservé du numéro de diapositive 128">
             <a:extLst>
               <a:ext uri="{FF2B5EF4-FFF2-40B4-BE49-F238E27FC236}">
-                <a16:creationId xmlns="" xmlns:a16="http://schemas.microsoft.com/office/drawing/2014/main" id="{7E44094E-2B07-E6EC-A12B-60B066F8A738}"/>
+                <a16:creationId xmlns:a16="http://schemas.microsoft.com/office/drawing/2014/main" xmlns="" id="{7E44094E-2B07-E6EC-A12B-60B066F8A738}"/>
               </a:ext>
             </a:extLst>
           </p:cNvPr>
@@ -13760,7 +13760,7 @@
           <p:cNvPr id="2" name="Titre 1">
             <a:extLst>
               <a:ext uri="{FF2B5EF4-FFF2-40B4-BE49-F238E27FC236}">
-                <a16:creationId xmlns="" xmlns:a16="http://schemas.microsoft.com/office/drawing/2014/main" id="{7CBDACE7-3AA8-7FDF-6BCF-5D8E38B1130D}"/>
+                <a16:creationId xmlns:a16="http://schemas.microsoft.com/office/drawing/2014/main" xmlns="" id="{7CBDACE7-3AA8-7FDF-6BCF-5D8E38B1130D}"/>
               </a:ext>
             </a:extLst>
           </p:cNvPr>
@@ -13793,7 +13793,7 @@
           <p:cNvPr id="4" name="AutoShape 3">
             <a:extLst>
               <a:ext uri="{FF2B5EF4-FFF2-40B4-BE49-F238E27FC236}">
-                <a16:creationId xmlns="" xmlns:a16="http://schemas.microsoft.com/office/drawing/2014/main" id="{10469CB7-604C-90CF-12F2-43A4676F6A12}"/>
+                <a16:creationId xmlns:a16="http://schemas.microsoft.com/office/drawing/2014/main" xmlns="" id="{10469CB7-604C-90CF-12F2-43A4676F6A12}"/>
               </a:ext>
             </a:extLst>
           </p:cNvPr>
@@ -13851,7 +13851,7 @@
           <p:cNvPr id="5" name="Rectangle 5">
             <a:extLst>
               <a:ext uri="{FF2B5EF4-FFF2-40B4-BE49-F238E27FC236}">
-                <a16:creationId xmlns="" xmlns:a16="http://schemas.microsoft.com/office/drawing/2014/main" id="{00031F71-5717-8B24-E4E1-A1D5449A7F13}"/>
+                <a16:creationId xmlns:a16="http://schemas.microsoft.com/office/drawing/2014/main" xmlns="" id="{00031F71-5717-8B24-E4E1-A1D5449A7F13}"/>
               </a:ext>
             </a:extLst>
           </p:cNvPr>
@@ -13907,7 +13907,7 @@
           <p:cNvPr id="6" name="Rectangle 6">
             <a:extLst>
               <a:ext uri="{FF2B5EF4-FFF2-40B4-BE49-F238E27FC236}">
-                <a16:creationId xmlns="" xmlns:a16="http://schemas.microsoft.com/office/drawing/2014/main" id="{F72DD6BD-2A64-78DD-606F-A0BCD27E2519}"/>
+                <a16:creationId xmlns:a16="http://schemas.microsoft.com/office/drawing/2014/main" xmlns="" id="{F72DD6BD-2A64-78DD-606F-A0BCD27E2519}"/>
               </a:ext>
             </a:extLst>
           </p:cNvPr>
@@ -13963,7 +13963,7 @@
           <p:cNvPr id="7" name="Rectangle 7">
             <a:extLst>
               <a:ext uri="{FF2B5EF4-FFF2-40B4-BE49-F238E27FC236}">
-                <a16:creationId xmlns="" xmlns:a16="http://schemas.microsoft.com/office/drawing/2014/main" id="{38F0CF07-2A05-3AF4-3899-F57928E4A930}"/>
+                <a16:creationId xmlns:a16="http://schemas.microsoft.com/office/drawing/2014/main" xmlns="" id="{38F0CF07-2A05-3AF4-3899-F57928E4A930}"/>
               </a:ext>
             </a:extLst>
           </p:cNvPr>
@@ -14019,7 +14019,7 @@
           <p:cNvPr id="8" name="Rectangle 8">
             <a:extLst>
               <a:ext uri="{FF2B5EF4-FFF2-40B4-BE49-F238E27FC236}">
-                <a16:creationId xmlns="" xmlns:a16="http://schemas.microsoft.com/office/drawing/2014/main" id="{CD89BC00-3646-DD41-F177-0E34085DD6E5}"/>
+                <a16:creationId xmlns:a16="http://schemas.microsoft.com/office/drawing/2014/main" xmlns="" id="{CD89BC00-3646-DD41-F177-0E34085DD6E5}"/>
               </a:ext>
             </a:extLst>
           </p:cNvPr>
@@ -14075,7 +14075,7 @@
           <p:cNvPr id="9" name="Rectangle 9">
             <a:extLst>
               <a:ext uri="{FF2B5EF4-FFF2-40B4-BE49-F238E27FC236}">
-                <a16:creationId xmlns="" xmlns:a16="http://schemas.microsoft.com/office/drawing/2014/main" id="{EA5850C7-8921-D8B1-DBFA-308591470F80}"/>
+                <a16:creationId xmlns:a16="http://schemas.microsoft.com/office/drawing/2014/main" xmlns="" id="{EA5850C7-8921-D8B1-DBFA-308591470F80}"/>
               </a:ext>
             </a:extLst>
           </p:cNvPr>
@@ -14131,7 +14131,7 @@
           <p:cNvPr id="10" name="Rectangle 10">
             <a:extLst>
               <a:ext uri="{FF2B5EF4-FFF2-40B4-BE49-F238E27FC236}">
-                <a16:creationId xmlns="" xmlns:a16="http://schemas.microsoft.com/office/drawing/2014/main" id="{347474F9-DF40-6A4B-5B2B-386A15B1FAE2}"/>
+                <a16:creationId xmlns:a16="http://schemas.microsoft.com/office/drawing/2014/main" xmlns="" id="{347474F9-DF40-6A4B-5B2B-386A15B1FAE2}"/>
               </a:ext>
             </a:extLst>
           </p:cNvPr>
@@ -14187,7 +14187,7 @@
           <p:cNvPr id="11" name="Rectangle 11">
             <a:extLst>
               <a:ext uri="{FF2B5EF4-FFF2-40B4-BE49-F238E27FC236}">
-                <a16:creationId xmlns="" xmlns:a16="http://schemas.microsoft.com/office/drawing/2014/main" id="{517F2A90-84F8-318A-613A-C7DDD2D72774}"/>
+                <a16:creationId xmlns:a16="http://schemas.microsoft.com/office/drawing/2014/main" xmlns="" id="{517F2A90-84F8-318A-613A-C7DDD2D72774}"/>
               </a:ext>
             </a:extLst>
           </p:cNvPr>
@@ -14243,7 +14243,7 @@
           <p:cNvPr id="12" name="Rectangle 12">
             <a:extLst>
               <a:ext uri="{FF2B5EF4-FFF2-40B4-BE49-F238E27FC236}">
-                <a16:creationId xmlns="" xmlns:a16="http://schemas.microsoft.com/office/drawing/2014/main" id="{1DB4EB6B-572E-B1D0-09D7-64EF2FF9EC11}"/>
+                <a16:creationId xmlns:a16="http://schemas.microsoft.com/office/drawing/2014/main" xmlns="" id="{1DB4EB6B-572E-B1D0-09D7-64EF2FF9EC11}"/>
               </a:ext>
             </a:extLst>
           </p:cNvPr>
@@ -14299,7 +14299,7 @@
           <p:cNvPr id="13" name="Rectangle 13">
             <a:extLst>
               <a:ext uri="{FF2B5EF4-FFF2-40B4-BE49-F238E27FC236}">
-                <a16:creationId xmlns="" xmlns:a16="http://schemas.microsoft.com/office/drawing/2014/main" id="{8F5A7D96-49A1-2338-E57B-3A48827D4343}"/>
+                <a16:creationId xmlns:a16="http://schemas.microsoft.com/office/drawing/2014/main" xmlns="" id="{8F5A7D96-49A1-2338-E57B-3A48827D4343}"/>
               </a:ext>
             </a:extLst>
           </p:cNvPr>
@@ -14355,7 +14355,7 @@
           <p:cNvPr id="14" name="Rectangle 14">
             <a:extLst>
               <a:ext uri="{FF2B5EF4-FFF2-40B4-BE49-F238E27FC236}">
-                <a16:creationId xmlns="" xmlns:a16="http://schemas.microsoft.com/office/drawing/2014/main" id="{16C0339A-5911-7E02-7606-D0EFD26BFF3C}"/>
+                <a16:creationId xmlns:a16="http://schemas.microsoft.com/office/drawing/2014/main" xmlns="" id="{16C0339A-5911-7E02-7606-D0EFD26BFF3C}"/>
               </a:ext>
             </a:extLst>
           </p:cNvPr>
@@ -14411,7 +14411,7 @@
           <p:cNvPr id="15" name="Rectangle 15">
             <a:extLst>
               <a:ext uri="{FF2B5EF4-FFF2-40B4-BE49-F238E27FC236}">
-                <a16:creationId xmlns="" xmlns:a16="http://schemas.microsoft.com/office/drawing/2014/main" id="{AC3C82EC-B04D-93EA-0506-498814622FFB}"/>
+                <a16:creationId xmlns:a16="http://schemas.microsoft.com/office/drawing/2014/main" xmlns="" id="{AC3C82EC-B04D-93EA-0506-498814622FFB}"/>
               </a:ext>
             </a:extLst>
           </p:cNvPr>
@@ -14467,7 +14467,7 @@
           <p:cNvPr id="16" name="Rectangle 16">
             <a:extLst>
               <a:ext uri="{FF2B5EF4-FFF2-40B4-BE49-F238E27FC236}">
-                <a16:creationId xmlns="" xmlns:a16="http://schemas.microsoft.com/office/drawing/2014/main" id="{79AD10F1-B6F0-FB04-1529-34100D60867C}"/>
+                <a16:creationId xmlns:a16="http://schemas.microsoft.com/office/drawing/2014/main" xmlns="" id="{79AD10F1-B6F0-FB04-1529-34100D60867C}"/>
               </a:ext>
             </a:extLst>
           </p:cNvPr>
@@ -14523,7 +14523,7 @@
           <p:cNvPr id="17" name="Rectangle 17">
             <a:extLst>
               <a:ext uri="{FF2B5EF4-FFF2-40B4-BE49-F238E27FC236}">
-                <a16:creationId xmlns="" xmlns:a16="http://schemas.microsoft.com/office/drawing/2014/main" id="{C995C87D-FF31-B2B4-0BBA-9CEB6399E53D}"/>
+                <a16:creationId xmlns:a16="http://schemas.microsoft.com/office/drawing/2014/main" xmlns="" id="{C995C87D-FF31-B2B4-0BBA-9CEB6399E53D}"/>
               </a:ext>
             </a:extLst>
           </p:cNvPr>
@@ -14579,7 +14579,7 @@
           <p:cNvPr id="18" name="Rectangle 18">
             <a:extLst>
               <a:ext uri="{FF2B5EF4-FFF2-40B4-BE49-F238E27FC236}">
-                <a16:creationId xmlns="" xmlns:a16="http://schemas.microsoft.com/office/drawing/2014/main" id="{FF9180DF-0895-C6BD-00BE-BDB18CA4D976}"/>
+                <a16:creationId xmlns:a16="http://schemas.microsoft.com/office/drawing/2014/main" xmlns="" id="{FF9180DF-0895-C6BD-00BE-BDB18CA4D976}"/>
               </a:ext>
             </a:extLst>
           </p:cNvPr>
@@ -14635,7 +14635,7 @@
           <p:cNvPr id="19" name="Rectangle 19">
             <a:extLst>
               <a:ext uri="{FF2B5EF4-FFF2-40B4-BE49-F238E27FC236}">
-                <a16:creationId xmlns="" xmlns:a16="http://schemas.microsoft.com/office/drawing/2014/main" id="{5205990D-9F60-2789-CC57-8CACCABC8B5D}"/>
+                <a16:creationId xmlns:a16="http://schemas.microsoft.com/office/drawing/2014/main" xmlns="" id="{5205990D-9F60-2789-CC57-8CACCABC8B5D}"/>
               </a:ext>
             </a:extLst>
           </p:cNvPr>
@@ -14691,7 +14691,7 @@
           <p:cNvPr id="20" name="Rectangle 20">
             <a:extLst>
               <a:ext uri="{FF2B5EF4-FFF2-40B4-BE49-F238E27FC236}">
-                <a16:creationId xmlns="" xmlns:a16="http://schemas.microsoft.com/office/drawing/2014/main" id="{22CDCA76-9C23-10A9-185B-E51842E0DCA7}"/>
+                <a16:creationId xmlns:a16="http://schemas.microsoft.com/office/drawing/2014/main" xmlns="" id="{22CDCA76-9C23-10A9-185B-E51842E0DCA7}"/>
               </a:ext>
             </a:extLst>
           </p:cNvPr>
@@ -14747,7 +14747,7 @@
           <p:cNvPr id="21" name="Rectangle 21">
             <a:extLst>
               <a:ext uri="{FF2B5EF4-FFF2-40B4-BE49-F238E27FC236}">
-                <a16:creationId xmlns="" xmlns:a16="http://schemas.microsoft.com/office/drawing/2014/main" id="{EA340C5F-1D73-A7CF-618C-2692CC8A973A}"/>
+                <a16:creationId xmlns:a16="http://schemas.microsoft.com/office/drawing/2014/main" xmlns="" id="{EA340C5F-1D73-A7CF-618C-2692CC8A973A}"/>
               </a:ext>
             </a:extLst>
           </p:cNvPr>
@@ -14803,7 +14803,7 @@
           <p:cNvPr id="22" name="Rectangle 22">
             <a:extLst>
               <a:ext uri="{FF2B5EF4-FFF2-40B4-BE49-F238E27FC236}">
-                <a16:creationId xmlns="" xmlns:a16="http://schemas.microsoft.com/office/drawing/2014/main" id="{42B851CC-5661-7DFE-45B5-F9FCA54FFE4B}"/>
+                <a16:creationId xmlns:a16="http://schemas.microsoft.com/office/drawing/2014/main" xmlns="" id="{42B851CC-5661-7DFE-45B5-F9FCA54FFE4B}"/>
               </a:ext>
             </a:extLst>
           </p:cNvPr>
@@ -14859,7 +14859,7 @@
           <p:cNvPr id="23" name="Rectangle 23">
             <a:extLst>
               <a:ext uri="{FF2B5EF4-FFF2-40B4-BE49-F238E27FC236}">
-                <a16:creationId xmlns="" xmlns:a16="http://schemas.microsoft.com/office/drawing/2014/main" id="{36A57846-AEF1-F97D-07FF-A8E6EBD05633}"/>
+                <a16:creationId xmlns:a16="http://schemas.microsoft.com/office/drawing/2014/main" xmlns="" id="{36A57846-AEF1-F97D-07FF-A8E6EBD05633}"/>
               </a:ext>
             </a:extLst>
           </p:cNvPr>
@@ -14915,7 +14915,7 @@
           <p:cNvPr id="24" name="Rectangle 24">
             <a:extLst>
               <a:ext uri="{FF2B5EF4-FFF2-40B4-BE49-F238E27FC236}">
-                <a16:creationId xmlns="" xmlns:a16="http://schemas.microsoft.com/office/drawing/2014/main" id="{980052A7-2CD8-9E8D-8E4A-7AF1D7B370FD}"/>
+                <a16:creationId xmlns:a16="http://schemas.microsoft.com/office/drawing/2014/main" xmlns="" id="{980052A7-2CD8-9E8D-8E4A-7AF1D7B370FD}"/>
               </a:ext>
             </a:extLst>
           </p:cNvPr>
@@ -14971,7 +14971,7 @@
           <p:cNvPr id="25" name="Line 25">
             <a:extLst>
               <a:ext uri="{FF2B5EF4-FFF2-40B4-BE49-F238E27FC236}">
-                <a16:creationId xmlns="" xmlns:a16="http://schemas.microsoft.com/office/drawing/2014/main" id="{A0DFDF0B-C9F8-0C42-E0AD-9A0C68382C0A}"/>
+                <a16:creationId xmlns:a16="http://schemas.microsoft.com/office/drawing/2014/main" xmlns="" id="{A0DFDF0B-C9F8-0C42-E0AD-9A0C68382C0A}"/>
               </a:ext>
             </a:extLst>
           </p:cNvPr>
@@ -15026,7 +15026,7 @@
           <p:cNvPr id="26" name="Line 26">
             <a:extLst>
               <a:ext uri="{FF2B5EF4-FFF2-40B4-BE49-F238E27FC236}">
-                <a16:creationId xmlns="" xmlns:a16="http://schemas.microsoft.com/office/drawing/2014/main" id="{EC5EB631-85D7-CEBD-58CB-2B7DBC0D76B0}"/>
+                <a16:creationId xmlns:a16="http://schemas.microsoft.com/office/drawing/2014/main" xmlns="" id="{EC5EB631-85D7-CEBD-58CB-2B7DBC0D76B0}"/>
               </a:ext>
             </a:extLst>
           </p:cNvPr>
@@ -15081,7 +15081,7 @@
           <p:cNvPr id="27" name="Line 27">
             <a:extLst>
               <a:ext uri="{FF2B5EF4-FFF2-40B4-BE49-F238E27FC236}">
-                <a16:creationId xmlns="" xmlns:a16="http://schemas.microsoft.com/office/drawing/2014/main" id="{8ADC1C19-EC3F-69D5-F3F3-3FD62BF50E6D}"/>
+                <a16:creationId xmlns:a16="http://schemas.microsoft.com/office/drawing/2014/main" xmlns="" id="{8ADC1C19-EC3F-69D5-F3F3-3FD62BF50E6D}"/>
               </a:ext>
             </a:extLst>
           </p:cNvPr>
@@ -15136,7 +15136,7 @@
           <p:cNvPr id="28" name="Line 28">
             <a:extLst>
               <a:ext uri="{FF2B5EF4-FFF2-40B4-BE49-F238E27FC236}">
-                <a16:creationId xmlns="" xmlns:a16="http://schemas.microsoft.com/office/drawing/2014/main" id="{ED815FF3-9F56-CBA7-4A68-684F38163D8E}"/>
+                <a16:creationId xmlns:a16="http://schemas.microsoft.com/office/drawing/2014/main" xmlns="" id="{ED815FF3-9F56-CBA7-4A68-684F38163D8E}"/>
               </a:ext>
             </a:extLst>
           </p:cNvPr>
@@ -15191,7 +15191,7 @@
           <p:cNvPr id="29" name="Line 29">
             <a:extLst>
               <a:ext uri="{FF2B5EF4-FFF2-40B4-BE49-F238E27FC236}">
-                <a16:creationId xmlns="" xmlns:a16="http://schemas.microsoft.com/office/drawing/2014/main" id="{C1ECB917-BE92-5B67-58C5-BE197D53853B}"/>
+                <a16:creationId xmlns:a16="http://schemas.microsoft.com/office/drawing/2014/main" xmlns="" id="{C1ECB917-BE92-5B67-58C5-BE197D53853B}"/>
               </a:ext>
             </a:extLst>
           </p:cNvPr>
@@ -15246,7 +15246,7 @@
           <p:cNvPr id="30" name="Line 30">
             <a:extLst>
               <a:ext uri="{FF2B5EF4-FFF2-40B4-BE49-F238E27FC236}">
-                <a16:creationId xmlns="" xmlns:a16="http://schemas.microsoft.com/office/drawing/2014/main" id="{1D467F1B-88C0-3085-0047-E359E26DD978}"/>
+                <a16:creationId xmlns:a16="http://schemas.microsoft.com/office/drawing/2014/main" xmlns="" id="{1D467F1B-88C0-3085-0047-E359E26DD978}"/>
               </a:ext>
             </a:extLst>
           </p:cNvPr>
@@ -15301,7 +15301,7 @@
           <p:cNvPr id="31" name="Line 31">
             <a:extLst>
               <a:ext uri="{FF2B5EF4-FFF2-40B4-BE49-F238E27FC236}">
-                <a16:creationId xmlns="" xmlns:a16="http://schemas.microsoft.com/office/drawing/2014/main" id="{06440AE0-803C-5BCE-A7BF-E8839E768EB5}"/>
+                <a16:creationId xmlns:a16="http://schemas.microsoft.com/office/drawing/2014/main" xmlns="" id="{06440AE0-803C-5BCE-A7BF-E8839E768EB5}"/>
               </a:ext>
             </a:extLst>
           </p:cNvPr>
@@ -15356,7 +15356,7 @@
           <p:cNvPr id="32" name="Line 32">
             <a:extLst>
               <a:ext uri="{FF2B5EF4-FFF2-40B4-BE49-F238E27FC236}">
-                <a16:creationId xmlns="" xmlns:a16="http://schemas.microsoft.com/office/drawing/2014/main" id="{A6854ECB-7246-FDF0-1506-C539346342EA}"/>
+                <a16:creationId xmlns:a16="http://schemas.microsoft.com/office/drawing/2014/main" xmlns="" id="{A6854ECB-7246-FDF0-1506-C539346342EA}"/>
               </a:ext>
             </a:extLst>
           </p:cNvPr>
@@ -15411,7 +15411,7 @@
           <p:cNvPr id="33" name="Line 33">
             <a:extLst>
               <a:ext uri="{FF2B5EF4-FFF2-40B4-BE49-F238E27FC236}">
-                <a16:creationId xmlns="" xmlns:a16="http://schemas.microsoft.com/office/drawing/2014/main" id="{2722E451-C6A9-FDEB-2D0D-BD8B3877E4F9}"/>
+                <a16:creationId xmlns:a16="http://schemas.microsoft.com/office/drawing/2014/main" xmlns="" id="{2722E451-C6A9-FDEB-2D0D-BD8B3877E4F9}"/>
               </a:ext>
             </a:extLst>
           </p:cNvPr>
@@ -15466,7 +15466,7 @@
           <p:cNvPr id="34" name="Line 34">
             <a:extLst>
               <a:ext uri="{FF2B5EF4-FFF2-40B4-BE49-F238E27FC236}">
-                <a16:creationId xmlns="" xmlns:a16="http://schemas.microsoft.com/office/drawing/2014/main" id="{3FE288E1-F2FE-E597-AA97-1000C57D05BB}"/>
+                <a16:creationId xmlns:a16="http://schemas.microsoft.com/office/drawing/2014/main" xmlns="" id="{3FE288E1-F2FE-E597-AA97-1000C57D05BB}"/>
               </a:ext>
             </a:extLst>
           </p:cNvPr>
@@ -15521,7 +15521,7 @@
           <p:cNvPr id="35" name="Line 35">
             <a:extLst>
               <a:ext uri="{FF2B5EF4-FFF2-40B4-BE49-F238E27FC236}">
-                <a16:creationId xmlns="" xmlns:a16="http://schemas.microsoft.com/office/drawing/2014/main" id="{803C202D-7689-8520-7CFF-7A880894F512}"/>
+                <a16:creationId xmlns:a16="http://schemas.microsoft.com/office/drawing/2014/main" xmlns="" id="{803C202D-7689-8520-7CFF-7A880894F512}"/>
               </a:ext>
             </a:extLst>
           </p:cNvPr>
@@ -15576,7 +15576,7 @@
           <p:cNvPr id="36" name="Rectangle 36">
             <a:extLst>
               <a:ext uri="{FF2B5EF4-FFF2-40B4-BE49-F238E27FC236}">
-                <a16:creationId xmlns="" xmlns:a16="http://schemas.microsoft.com/office/drawing/2014/main" id="{841A0462-B29D-A304-DFD8-F632C3A91C5B}"/>
+                <a16:creationId xmlns:a16="http://schemas.microsoft.com/office/drawing/2014/main" xmlns="" id="{841A0462-B29D-A304-DFD8-F632C3A91C5B}"/>
               </a:ext>
             </a:extLst>
           </p:cNvPr>
@@ -15802,7 +15802,7 @@
           <p:cNvPr id="37" name="Rectangle 37">
             <a:extLst>
               <a:ext uri="{FF2B5EF4-FFF2-40B4-BE49-F238E27FC236}">
-                <a16:creationId xmlns="" xmlns:a16="http://schemas.microsoft.com/office/drawing/2014/main" id="{18ED6A4E-748C-AE58-B37E-CE24B441E253}"/>
+                <a16:creationId xmlns:a16="http://schemas.microsoft.com/office/drawing/2014/main" xmlns="" id="{18ED6A4E-748C-AE58-B37E-CE24B441E253}"/>
               </a:ext>
             </a:extLst>
           </p:cNvPr>
@@ -16028,7 +16028,7 @@
           <p:cNvPr id="38" name="Rectangle 38">
             <a:extLst>
               <a:ext uri="{FF2B5EF4-FFF2-40B4-BE49-F238E27FC236}">
-                <a16:creationId xmlns="" xmlns:a16="http://schemas.microsoft.com/office/drawing/2014/main" id="{18D5EB12-1559-28BE-0E22-8D9733A9F896}"/>
+                <a16:creationId xmlns:a16="http://schemas.microsoft.com/office/drawing/2014/main" xmlns="" id="{18D5EB12-1559-28BE-0E22-8D9733A9F896}"/>
               </a:ext>
             </a:extLst>
           </p:cNvPr>
@@ -16254,7 +16254,7 @@
           <p:cNvPr id="39" name="Rectangle 39">
             <a:extLst>
               <a:ext uri="{FF2B5EF4-FFF2-40B4-BE49-F238E27FC236}">
-                <a16:creationId xmlns="" xmlns:a16="http://schemas.microsoft.com/office/drawing/2014/main" id="{7D632E20-0EA2-DC64-0622-1A49BE461866}"/>
+                <a16:creationId xmlns:a16="http://schemas.microsoft.com/office/drawing/2014/main" xmlns="" id="{7D632E20-0EA2-DC64-0622-1A49BE461866}"/>
               </a:ext>
             </a:extLst>
           </p:cNvPr>
@@ -16480,7 +16480,7 @@
           <p:cNvPr id="40" name="Rectangle 40">
             <a:extLst>
               <a:ext uri="{FF2B5EF4-FFF2-40B4-BE49-F238E27FC236}">
-                <a16:creationId xmlns="" xmlns:a16="http://schemas.microsoft.com/office/drawing/2014/main" id="{16E15568-1A3F-AC0F-9A41-0205201C2C21}"/>
+                <a16:creationId xmlns:a16="http://schemas.microsoft.com/office/drawing/2014/main" xmlns="" id="{16E15568-1A3F-AC0F-9A41-0205201C2C21}"/>
               </a:ext>
             </a:extLst>
           </p:cNvPr>
@@ -16706,7 +16706,7 @@
           <p:cNvPr id="41" name="Rectangle 41">
             <a:extLst>
               <a:ext uri="{FF2B5EF4-FFF2-40B4-BE49-F238E27FC236}">
-                <a16:creationId xmlns="" xmlns:a16="http://schemas.microsoft.com/office/drawing/2014/main" id="{B33610D1-D7C9-0CEA-13A9-2A8460686F95}"/>
+                <a16:creationId xmlns:a16="http://schemas.microsoft.com/office/drawing/2014/main" xmlns="" id="{B33610D1-D7C9-0CEA-13A9-2A8460686F95}"/>
               </a:ext>
             </a:extLst>
           </p:cNvPr>
@@ -16932,7 +16932,7 @@
           <p:cNvPr id="42" name="Rectangle 42">
             <a:extLst>
               <a:ext uri="{FF2B5EF4-FFF2-40B4-BE49-F238E27FC236}">
-                <a16:creationId xmlns="" xmlns:a16="http://schemas.microsoft.com/office/drawing/2014/main" id="{F030AE62-20A4-29F2-8C05-C455E1346CB9}"/>
+                <a16:creationId xmlns:a16="http://schemas.microsoft.com/office/drawing/2014/main" xmlns="" id="{F030AE62-20A4-29F2-8C05-C455E1346CB9}"/>
               </a:ext>
             </a:extLst>
           </p:cNvPr>
@@ -17158,7 +17158,7 @@
           <p:cNvPr id="43" name="Rectangle 43">
             <a:extLst>
               <a:ext uri="{FF2B5EF4-FFF2-40B4-BE49-F238E27FC236}">
-                <a16:creationId xmlns="" xmlns:a16="http://schemas.microsoft.com/office/drawing/2014/main" id="{050BDD1C-FFA8-0C73-BCDF-D72F9D380F98}"/>
+                <a16:creationId xmlns:a16="http://schemas.microsoft.com/office/drawing/2014/main" xmlns="" id="{050BDD1C-FFA8-0C73-BCDF-D72F9D380F98}"/>
               </a:ext>
             </a:extLst>
           </p:cNvPr>
@@ -17384,7 +17384,7 @@
           <p:cNvPr id="44" name="Rectangle 44">
             <a:extLst>
               <a:ext uri="{FF2B5EF4-FFF2-40B4-BE49-F238E27FC236}">
-                <a16:creationId xmlns="" xmlns:a16="http://schemas.microsoft.com/office/drawing/2014/main" id="{8F077F8B-0AAB-E1AE-4932-BFEC8159D05F}"/>
+                <a16:creationId xmlns:a16="http://schemas.microsoft.com/office/drawing/2014/main" xmlns="" id="{8F077F8B-0AAB-E1AE-4932-BFEC8159D05F}"/>
               </a:ext>
             </a:extLst>
           </p:cNvPr>
@@ -17610,7 +17610,7 @@
           <p:cNvPr id="45" name="Rectangle 45">
             <a:extLst>
               <a:ext uri="{FF2B5EF4-FFF2-40B4-BE49-F238E27FC236}">
-                <a16:creationId xmlns="" xmlns:a16="http://schemas.microsoft.com/office/drawing/2014/main" id="{3B84226F-CC10-0361-3278-C3DE4F68BE27}"/>
+                <a16:creationId xmlns:a16="http://schemas.microsoft.com/office/drawing/2014/main" xmlns="" id="{3B84226F-CC10-0361-3278-C3DE4F68BE27}"/>
               </a:ext>
             </a:extLst>
           </p:cNvPr>
@@ -17836,7 +17836,7 @@
           <p:cNvPr id="46" name="Rectangle 46">
             <a:extLst>
               <a:ext uri="{FF2B5EF4-FFF2-40B4-BE49-F238E27FC236}">
-                <a16:creationId xmlns="" xmlns:a16="http://schemas.microsoft.com/office/drawing/2014/main" id="{CDFE15B2-CEF5-C741-5137-BFB81C943103}"/>
+                <a16:creationId xmlns:a16="http://schemas.microsoft.com/office/drawing/2014/main" xmlns="" id="{CDFE15B2-CEF5-C741-5137-BFB81C943103}"/>
               </a:ext>
             </a:extLst>
           </p:cNvPr>
@@ -18062,7 +18062,7 @@
           <p:cNvPr id="47" name="Rectangle 47">
             <a:extLst>
               <a:ext uri="{FF2B5EF4-FFF2-40B4-BE49-F238E27FC236}">
-                <a16:creationId xmlns="" xmlns:a16="http://schemas.microsoft.com/office/drawing/2014/main" id="{617766F4-50F5-83E3-3073-2A6EAFEE8AE3}"/>
+                <a16:creationId xmlns:a16="http://schemas.microsoft.com/office/drawing/2014/main" xmlns="" id="{617766F4-50F5-83E3-3073-2A6EAFEE8AE3}"/>
               </a:ext>
             </a:extLst>
           </p:cNvPr>
@@ -18288,7 +18288,7 @@
           <p:cNvPr id="48" name="Rectangle 48">
             <a:extLst>
               <a:ext uri="{FF2B5EF4-FFF2-40B4-BE49-F238E27FC236}">
-                <a16:creationId xmlns="" xmlns:a16="http://schemas.microsoft.com/office/drawing/2014/main" id="{D61FDC93-350D-44A7-DCFC-6A8F11E869B2}"/>
+                <a16:creationId xmlns:a16="http://schemas.microsoft.com/office/drawing/2014/main" xmlns="" id="{D61FDC93-350D-44A7-DCFC-6A8F11E869B2}"/>
               </a:ext>
             </a:extLst>
           </p:cNvPr>
@@ -18514,7 +18514,7 @@
           <p:cNvPr id="49" name="Rectangle 49">
             <a:extLst>
               <a:ext uri="{FF2B5EF4-FFF2-40B4-BE49-F238E27FC236}">
-                <a16:creationId xmlns="" xmlns:a16="http://schemas.microsoft.com/office/drawing/2014/main" id="{7EE1451A-E3ED-C688-E2E6-352E4B79844F}"/>
+                <a16:creationId xmlns:a16="http://schemas.microsoft.com/office/drawing/2014/main" xmlns="" id="{7EE1451A-E3ED-C688-E2E6-352E4B79844F}"/>
               </a:ext>
             </a:extLst>
           </p:cNvPr>
@@ -18740,7 +18740,7 @@
           <p:cNvPr id="50" name="Rectangle 50">
             <a:extLst>
               <a:ext uri="{FF2B5EF4-FFF2-40B4-BE49-F238E27FC236}">
-                <a16:creationId xmlns="" xmlns:a16="http://schemas.microsoft.com/office/drawing/2014/main" id="{9A5A8A76-CAE3-04A1-10E7-779DE9D691DC}"/>
+                <a16:creationId xmlns:a16="http://schemas.microsoft.com/office/drawing/2014/main" xmlns="" id="{9A5A8A76-CAE3-04A1-10E7-779DE9D691DC}"/>
               </a:ext>
             </a:extLst>
           </p:cNvPr>
@@ -18966,7 +18966,7 @@
           <p:cNvPr id="51" name="Rectangle 51">
             <a:extLst>
               <a:ext uri="{FF2B5EF4-FFF2-40B4-BE49-F238E27FC236}">
-                <a16:creationId xmlns="" xmlns:a16="http://schemas.microsoft.com/office/drawing/2014/main" id="{7D139177-4308-F2D8-9D5A-C14685641951}"/>
+                <a16:creationId xmlns:a16="http://schemas.microsoft.com/office/drawing/2014/main" xmlns="" id="{7D139177-4308-F2D8-9D5A-C14685641951}"/>
               </a:ext>
             </a:extLst>
           </p:cNvPr>
@@ -19192,7 +19192,7 @@
           <p:cNvPr id="52" name="Rectangle 52">
             <a:extLst>
               <a:ext uri="{FF2B5EF4-FFF2-40B4-BE49-F238E27FC236}">
-                <a16:creationId xmlns="" xmlns:a16="http://schemas.microsoft.com/office/drawing/2014/main" id="{F3874594-7444-EB55-E4D9-826E9850B818}"/>
+                <a16:creationId xmlns:a16="http://schemas.microsoft.com/office/drawing/2014/main" xmlns="" id="{F3874594-7444-EB55-E4D9-826E9850B818}"/>
               </a:ext>
             </a:extLst>
           </p:cNvPr>
@@ -19418,7 +19418,7 @@
           <p:cNvPr id="53" name="Rectangle 53">
             <a:extLst>
               <a:ext uri="{FF2B5EF4-FFF2-40B4-BE49-F238E27FC236}">
-                <a16:creationId xmlns="" xmlns:a16="http://schemas.microsoft.com/office/drawing/2014/main" id="{2475B466-F711-36B0-CEC5-ADC802C5F30A}"/>
+                <a16:creationId xmlns:a16="http://schemas.microsoft.com/office/drawing/2014/main" xmlns="" id="{2475B466-F711-36B0-CEC5-ADC802C5F30A}"/>
               </a:ext>
             </a:extLst>
           </p:cNvPr>
@@ -19644,7 +19644,7 @@
           <p:cNvPr id="54" name="Rectangle 54">
             <a:extLst>
               <a:ext uri="{FF2B5EF4-FFF2-40B4-BE49-F238E27FC236}">
-                <a16:creationId xmlns="" xmlns:a16="http://schemas.microsoft.com/office/drawing/2014/main" id="{95B36D0D-A629-944C-D4C6-EE04BCF19D97}"/>
+                <a16:creationId xmlns:a16="http://schemas.microsoft.com/office/drawing/2014/main" xmlns="" id="{95B36D0D-A629-944C-D4C6-EE04BCF19D97}"/>
               </a:ext>
             </a:extLst>
           </p:cNvPr>
@@ -19870,7 +19870,7 @@
           <p:cNvPr id="55" name="Rectangle 55">
             <a:extLst>
               <a:ext uri="{FF2B5EF4-FFF2-40B4-BE49-F238E27FC236}">
-                <a16:creationId xmlns="" xmlns:a16="http://schemas.microsoft.com/office/drawing/2014/main" id="{86418825-8C80-9F21-4916-FC0D68E30A38}"/>
+                <a16:creationId xmlns:a16="http://schemas.microsoft.com/office/drawing/2014/main" xmlns="" id="{86418825-8C80-9F21-4916-FC0D68E30A38}"/>
               </a:ext>
             </a:extLst>
           </p:cNvPr>
@@ -20096,7 +20096,7 @@
           <p:cNvPr id="56" name="Rectangle 56">
             <a:extLst>
               <a:ext uri="{FF2B5EF4-FFF2-40B4-BE49-F238E27FC236}">
-                <a16:creationId xmlns="" xmlns:a16="http://schemas.microsoft.com/office/drawing/2014/main" id="{6E5FC783-3F75-71BD-1B09-293BA4D79A0A}"/>
+                <a16:creationId xmlns:a16="http://schemas.microsoft.com/office/drawing/2014/main" xmlns="" id="{6E5FC783-3F75-71BD-1B09-293BA4D79A0A}"/>
               </a:ext>
             </a:extLst>
           </p:cNvPr>
@@ -20322,7 +20322,7 @@
           <p:cNvPr id="57" name="Rectangle 57">
             <a:extLst>
               <a:ext uri="{FF2B5EF4-FFF2-40B4-BE49-F238E27FC236}">
-                <a16:creationId xmlns="" xmlns:a16="http://schemas.microsoft.com/office/drawing/2014/main" id="{E3222FBD-0EA2-A4AE-E06A-9C34C13D37BA}"/>
+                <a16:creationId xmlns:a16="http://schemas.microsoft.com/office/drawing/2014/main" xmlns="" id="{E3222FBD-0EA2-A4AE-E06A-9C34C13D37BA}"/>
               </a:ext>
             </a:extLst>
           </p:cNvPr>
@@ -20548,7 +20548,7 @@
           <p:cNvPr id="58" name="Rectangle 58">
             <a:extLst>
               <a:ext uri="{FF2B5EF4-FFF2-40B4-BE49-F238E27FC236}">
-                <a16:creationId xmlns="" xmlns:a16="http://schemas.microsoft.com/office/drawing/2014/main" id="{2F144DE1-C712-20ED-7B77-B69C79259D71}"/>
+                <a16:creationId xmlns:a16="http://schemas.microsoft.com/office/drawing/2014/main" xmlns="" id="{2F144DE1-C712-20ED-7B77-B69C79259D71}"/>
               </a:ext>
             </a:extLst>
           </p:cNvPr>
@@ -20774,7 +20774,7 @@
           <p:cNvPr id="59" name="Rectangle 59">
             <a:extLst>
               <a:ext uri="{FF2B5EF4-FFF2-40B4-BE49-F238E27FC236}">
-                <a16:creationId xmlns="" xmlns:a16="http://schemas.microsoft.com/office/drawing/2014/main" id="{2AC0C376-4B5D-5ADA-6DB6-EEE80B05BFAF}"/>
+                <a16:creationId xmlns:a16="http://schemas.microsoft.com/office/drawing/2014/main" xmlns="" id="{2AC0C376-4B5D-5ADA-6DB6-EEE80B05BFAF}"/>
               </a:ext>
             </a:extLst>
           </p:cNvPr>
@@ -21000,7 +21000,7 @@
           <p:cNvPr id="60" name="Rectangle 60">
             <a:extLst>
               <a:ext uri="{FF2B5EF4-FFF2-40B4-BE49-F238E27FC236}">
-                <a16:creationId xmlns="" xmlns:a16="http://schemas.microsoft.com/office/drawing/2014/main" id="{525CD9B7-0B7A-5BD4-A5DD-2441D4DCA4E9}"/>
+                <a16:creationId xmlns:a16="http://schemas.microsoft.com/office/drawing/2014/main" xmlns="" id="{525CD9B7-0B7A-5BD4-A5DD-2441D4DCA4E9}"/>
               </a:ext>
             </a:extLst>
           </p:cNvPr>
@@ -21226,7 +21226,7 @@
           <p:cNvPr id="61" name="Rectangle 61">
             <a:extLst>
               <a:ext uri="{FF2B5EF4-FFF2-40B4-BE49-F238E27FC236}">
-                <a16:creationId xmlns="" xmlns:a16="http://schemas.microsoft.com/office/drawing/2014/main" id="{44B6777C-1931-8AA4-A7DC-A274F27CA26E}"/>
+                <a16:creationId xmlns:a16="http://schemas.microsoft.com/office/drawing/2014/main" xmlns="" id="{44B6777C-1931-8AA4-A7DC-A274F27CA26E}"/>
               </a:ext>
             </a:extLst>
           </p:cNvPr>
@@ -21452,7 +21452,7 @@
           <p:cNvPr id="62" name="Rectangle 62">
             <a:extLst>
               <a:ext uri="{FF2B5EF4-FFF2-40B4-BE49-F238E27FC236}">
-                <a16:creationId xmlns="" xmlns:a16="http://schemas.microsoft.com/office/drawing/2014/main" id="{30226D12-4527-451A-90BF-002D13705F34}"/>
+                <a16:creationId xmlns:a16="http://schemas.microsoft.com/office/drawing/2014/main" xmlns="" id="{30226D12-4527-451A-90BF-002D13705F34}"/>
               </a:ext>
             </a:extLst>
           </p:cNvPr>
@@ -21678,7 +21678,7 @@
           <p:cNvPr id="63" name="Rectangle 63">
             <a:extLst>
               <a:ext uri="{FF2B5EF4-FFF2-40B4-BE49-F238E27FC236}">
-                <a16:creationId xmlns="" xmlns:a16="http://schemas.microsoft.com/office/drawing/2014/main" id="{1B53DB6D-BA2F-EB88-E76D-B467DA7AAF53}"/>
+                <a16:creationId xmlns:a16="http://schemas.microsoft.com/office/drawing/2014/main" xmlns="" id="{1B53DB6D-BA2F-EB88-E76D-B467DA7AAF53}"/>
               </a:ext>
             </a:extLst>
           </p:cNvPr>
@@ -21904,7 +21904,7 @@
           <p:cNvPr id="64" name="Rectangle 64">
             <a:extLst>
               <a:ext uri="{FF2B5EF4-FFF2-40B4-BE49-F238E27FC236}">
-                <a16:creationId xmlns="" xmlns:a16="http://schemas.microsoft.com/office/drawing/2014/main" id="{BA539829-F727-9792-CB52-1FA73E7F0949}"/>
+                <a16:creationId xmlns:a16="http://schemas.microsoft.com/office/drawing/2014/main" xmlns="" id="{BA539829-F727-9792-CB52-1FA73E7F0949}"/>
               </a:ext>
             </a:extLst>
           </p:cNvPr>
@@ -22130,7 +22130,7 @@
           <p:cNvPr id="65" name="Rectangle 65">
             <a:extLst>
               <a:ext uri="{FF2B5EF4-FFF2-40B4-BE49-F238E27FC236}">
-                <a16:creationId xmlns="" xmlns:a16="http://schemas.microsoft.com/office/drawing/2014/main" id="{A2368D3C-7FBD-D123-7C89-B0470C28140A}"/>
+                <a16:creationId xmlns:a16="http://schemas.microsoft.com/office/drawing/2014/main" xmlns="" id="{A2368D3C-7FBD-D123-7C89-B0470C28140A}"/>
               </a:ext>
             </a:extLst>
           </p:cNvPr>
@@ -22356,7 +22356,7 @@
           <p:cNvPr id="66" name="Rectangle 66">
             <a:extLst>
               <a:ext uri="{FF2B5EF4-FFF2-40B4-BE49-F238E27FC236}">
-                <a16:creationId xmlns="" xmlns:a16="http://schemas.microsoft.com/office/drawing/2014/main" id="{B3F71307-A2CF-12D3-2943-917AC894C79D}"/>
+                <a16:creationId xmlns:a16="http://schemas.microsoft.com/office/drawing/2014/main" xmlns="" id="{B3F71307-A2CF-12D3-2943-917AC894C79D}"/>
               </a:ext>
             </a:extLst>
           </p:cNvPr>
@@ -22582,7 +22582,7 @@
           <p:cNvPr id="67" name="Rectangle 67">
             <a:extLst>
               <a:ext uri="{FF2B5EF4-FFF2-40B4-BE49-F238E27FC236}">
-                <a16:creationId xmlns="" xmlns:a16="http://schemas.microsoft.com/office/drawing/2014/main" id="{BFD0A606-8669-FF6E-B6BE-5391C7D23B88}"/>
+                <a16:creationId xmlns:a16="http://schemas.microsoft.com/office/drawing/2014/main" xmlns="" id="{BFD0A606-8669-FF6E-B6BE-5391C7D23B88}"/>
               </a:ext>
             </a:extLst>
           </p:cNvPr>
@@ -22808,7 +22808,7 @@
           <p:cNvPr id="68" name="Rectangle 68">
             <a:extLst>
               <a:ext uri="{FF2B5EF4-FFF2-40B4-BE49-F238E27FC236}">
-                <a16:creationId xmlns="" xmlns:a16="http://schemas.microsoft.com/office/drawing/2014/main" id="{DD79E703-4A9B-85A5-3C4C-F56D4F316EAA}"/>
+                <a16:creationId xmlns:a16="http://schemas.microsoft.com/office/drawing/2014/main" xmlns="" id="{DD79E703-4A9B-85A5-3C4C-F56D4F316EAA}"/>
               </a:ext>
             </a:extLst>
           </p:cNvPr>
@@ -23034,7 +23034,7 @@
           <p:cNvPr id="70" name="Espace réservé du numéro de diapositive 69">
             <a:extLst>
               <a:ext uri="{FF2B5EF4-FFF2-40B4-BE49-F238E27FC236}">
-                <a16:creationId xmlns="" xmlns:a16="http://schemas.microsoft.com/office/drawing/2014/main" id="{FF3B1220-767F-6D49-EE32-BA8D48AA6AB4}"/>
+                <a16:creationId xmlns:a16="http://schemas.microsoft.com/office/drawing/2014/main" xmlns="" id="{FF3B1220-767F-6D49-EE32-BA8D48AA6AB4}"/>
               </a:ext>
             </a:extLst>
           </p:cNvPr>
@@ -24009,7 +24009,7 @@
           <p:cNvPr id="2" name="Titre 1">
             <a:extLst>
               <a:ext uri="{FF2B5EF4-FFF2-40B4-BE49-F238E27FC236}">
-                <a16:creationId xmlns="" xmlns:a16="http://schemas.microsoft.com/office/drawing/2014/main" id="{4F696841-9266-CE2F-8987-C8128F4D1250}"/>
+                <a16:creationId xmlns:a16="http://schemas.microsoft.com/office/drawing/2014/main" xmlns="" id="{4F696841-9266-CE2F-8987-C8128F4D1250}"/>
               </a:ext>
             </a:extLst>
           </p:cNvPr>
@@ -24047,7 +24047,7 @@
           <p:cNvPr id="1026" name="Picture 2">
             <a:extLst>
               <a:ext uri="{FF2B5EF4-FFF2-40B4-BE49-F238E27FC236}">
-                <a16:creationId xmlns="" xmlns:a16="http://schemas.microsoft.com/office/drawing/2014/main" id="{E2C296D3-84C9-8771-9B72-70D7B0764A15}"/>
+                <a16:creationId xmlns:a16="http://schemas.microsoft.com/office/drawing/2014/main" xmlns="" id="{E2C296D3-84C9-8771-9B72-70D7B0764A15}"/>
               </a:ext>
             </a:extLst>
           </p:cNvPr>
@@ -24094,7 +24094,7 @@
           <p:cNvPr id="6" name="Rectangle 5">
             <a:extLst>
               <a:ext uri="{FF2B5EF4-FFF2-40B4-BE49-F238E27FC236}">
-                <a16:creationId xmlns="" xmlns:a16="http://schemas.microsoft.com/office/drawing/2014/main" id="{2C1D15D3-15AA-3532-B8C5-6A7D20CCFFF0}"/>
+                <a16:creationId xmlns:a16="http://schemas.microsoft.com/office/drawing/2014/main" xmlns="" id="{2C1D15D3-15AA-3532-B8C5-6A7D20CCFFF0}"/>
               </a:ext>
             </a:extLst>
           </p:cNvPr>
@@ -24146,7 +24146,7 @@
           <p:cNvPr id="8" name="Espace réservé du numéro de diapositive 7">
             <a:extLst>
               <a:ext uri="{FF2B5EF4-FFF2-40B4-BE49-F238E27FC236}">
-                <a16:creationId xmlns="" xmlns:a16="http://schemas.microsoft.com/office/drawing/2014/main" id="{02A5D419-072A-9418-1A76-2BC15D8299B5}"/>
+                <a16:creationId xmlns:a16="http://schemas.microsoft.com/office/drawing/2014/main" xmlns="" id="{02A5D419-072A-9418-1A76-2BC15D8299B5}"/>
               </a:ext>
             </a:extLst>
           </p:cNvPr>
@@ -24175,7 +24175,7 @@
           <p:cNvPr id="10" name="Rectangle 9">
             <a:extLst>
               <a:ext uri="{FF2B5EF4-FFF2-40B4-BE49-F238E27FC236}">
-                <a16:creationId xmlns="" xmlns:a16="http://schemas.microsoft.com/office/drawing/2014/main" id="{8B9B95E0-882D-21BE-B426-5B84E890E18A}"/>
+                <a16:creationId xmlns:a16="http://schemas.microsoft.com/office/drawing/2014/main" xmlns="" id="{8B9B95E0-882D-21BE-B426-5B84E890E18A}"/>
               </a:ext>
             </a:extLst>
           </p:cNvPr>
@@ -24227,7 +24227,7 @@
           <p:cNvPr id="11" name="Rectangle 10">
             <a:extLst>
               <a:ext uri="{FF2B5EF4-FFF2-40B4-BE49-F238E27FC236}">
-                <a16:creationId xmlns="" xmlns:a16="http://schemas.microsoft.com/office/drawing/2014/main" id="{AF0C9413-F8A5-83E6-7526-6644E0748C7C}"/>
+                <a16:creationId xmlns:a16="http://schemas.microsoft.com/office/drawing/2014/main" xmlns="" id="{AF0C9413-F8A5-83E6-7526-6644E0748C7C}"/>
               </a:ext>
             </a:extLst>
           </p:cNvPr>
@@ -24283,7 +24283,7 @@
           <p:cNvPr id="12" name="Rectangle 11">
             <a:extLst>
               <a:ext uri="{FF2B5EF4-FFF2-40B4-BE49-F238E27FC236}">
-                <a16:creationId xmlns="" xmlns:a16="http://schemas.microsoft.com/office/drawing/2014/main" id="{53D5AB21-4ABC-4C07-2292-48169D16B564}"/>
+                <a16:creationId xmlns:a16="http://schemas.microsoft.com/office/drawing/2014/main" xmlns="" id="{53D5AB21-4ABC-4C07-2292-48169D16B564}"/>
               </a:ext>
             </a:extLst>
           </p:cNvPr>
@@ -24335,7 +24335,7 @@
           <p:cNvPr id="9" name="Image 8">
             <a:extLst>
               <a:ext uri="{FF2B5EF4-FFF2-40B4-BE49-F238E27FC236}">
-                <a16:creationId xmlns="" xmlns:a16="http://schemas.microsoft.com/office/drawing/2014/main" id="{79747306-4086-9F4F-26B3-9C44C2079074}"/>
+                <a16:creationId xmlns:a16="http://schemas.microsoft.com/office/drawing/2014/main" xmlns="" id="{79747306-4086-9F4F-26B3-9C44C2079074}"/>
               </a:ext>
             </a:extLst>
           </p:cNvPr>
@@ -24637,7 +24637,7 @@
           <p:cNvPr id="66" name="AutoShape 59">
             <a:extLst>
               <a:ext uri="{FF2B5EF4-FFF2-40B4-BE49-F238E27FC236}">
-                <a16:creationId xmlns="" xmlns:a16="http://schemas.microsoft.com/office/drawing/2014/main" id="{328EAD5B-0BCB-D51E-171D-6C7679226DE8}"/>
+                <a16:creationId xmlns:a16="http://schemas.microsoft.com/office/drawing/2014/main" xmlns="" id="{328EAD5B-0BCB-D51E-171D-6C7679226DE8}"/>
               </a:ext>
             </a:extLst>
           </p:cNvPr>
@@ -24695,7 +24695,7 @@
           <p:cNvPr id="67" name="Rectangle 61">
             <a:extLst>
               <a:ext uri="{FF2B5EF4-FFF2-40B4-BE49-F238E27FC236}">
-                <a16:creationId xmlns="" xmlns:a16="http://schemas.microsoft.com/office/drawing/2014/main" id="{A7667E63-E101-1986-BAA7-D445881191BA}"/>
+                <a16:creationId xmlns:a16="http://schemas.microsoft.com/office/drawing/2014/main" xmlns="" id="{A7667E63-E101-1986-BAA7-D445881191BA}"/>
               </a:ext>
             </a:extLst>
           </p:cNvPr>
@@ -24751,7 +24751,7 @@
           <p:cNvPr id="68" name="Rectangle 62">
             <a:extLst>
               <a:ext uri="{FF2B5EF4-FFF2-40B4-BE49-F238E27FC236}">
-                <a16:creationId xmlns="" xmlns:a16="http://schemas.microsoft.com/office/drawing/2014/main" id="{488A1AB3-84BA-0638-2DD8-DD5A0BB617AB}"/>
+                <a16:creationId xmlns:a16="http://schemas.microsoft.com/office/drawing/2014/main" xmlns="" id="{488A1AB3-84BA-0638-2DD8-DD5A0BB617AB}"/>
               </a:ext>
             </a:extLst>
           </p:cNvPr>
@@ -24807,7 +24807,7 @@
           <p:cNvPr id="69" name="Rectangle 63">
             <a:extLst>
               <a:ext uri="{FF2B5EF4-FFF2-40B4-BE49-F238E27FC236}">
-                <a16:creationId xmlns="" xmlns:a16="http://schemas.microsoft.com/office/drawing/2014/main" id="{6237F1DA-6540-F088-E02C-DC80E8E2E3D3}"/>
+                <a16:creationId xmlns:a16="http://schemas.microsoft.com/office/drawing/2014/main" xmlns="" id="{6237F1DA-6540-F088-E02C-DC80E8E2E3D3}"/>
               </a:ext>
             </a:extLst>
           </p:cNvPr>
@@ -24863,7 +24863,7 @@
           <p:cNvPr id="70" name="Rectangle 64">
             <a:extLst>
               <a:ext uri="{FF2B5EF4-FFF2-40B4-BE49-F238E27FC236}">
-                <a16:creationId xmlns="" xmlns:a16="http://schemas.microsoft.com/office/drawing/2014/main" id="{7D9F8FF3-0561-713C-350C-DEF38E8886E9}"/>
+                <a16:creationId xmlns:a16="http://schemas.microsoft.com/office/drawing/2014/main" xmlns="" id="{7D9F8FF3-0561-713C-350C-DEF38E8886E9}"/>
               </a:ext>
             </a:extLst>
           </p:cNvPr>
@@ -24919,7 +24919,7 @@
           <p:cNvPr id="71" name="Rectangle 65">
             <a:extLst>
               <a:ext uri="{FF2B5EF4-FFF2-40B4-BE49-F238E27FC236}">
-                <a16:creationId xmlns="" xmlns:a16="http://schemas.microsoft.com/office/drawing/2014/main" id="{8BE07972-7774-CA24-BFEB-BF3282419DCB}"/>
+                <a16:creationId xmlns:a16="http://schemas.microsoft.com/office/drawing/2014/main" xmlns="" id="{8BE07972-7774-CA24-BFEB-BF3282419DCB}"/>
               </a:ext>
             </a:extLst>
           </p:cNvPr>
@@ -24975,7 +24975,7 @@
           <p:cNvPr id="72" name="Rectangle 66">
             <a:extLst>
               <a:ext uri="{FF2B5EF4-FFF2-40B4-BE49-F238E27FC236}">
-                <a16:creationId xmlns="" xmlns:a16="http://schemas.microsoft.com/office/drawing/2014/main" id="{B54F3E10-DFFF-D839-E9BA-22D002F213BD}"/>
+                <a16:creationId xmlns:a16="http://schemas.microsoft.com/office/drawing/2014/main" xmlns="" id="{B54F3E10-DFFF-D839-E9BA-22D002F213BD}"/>
               </a:ext>
             </a:extLst>
           </p:cNvPr>
@@ -25031,7 +25031,7 @@
           <p:cNvPr id="73" name="Rectangle 67">
             <a:extLst>
               <a:ext uri="{FF2B5EF4-FFF2-40B4-BE49-F238E27FC236}">
-                <a16:creationId xmlns="" xmlns:a16="http://schemas.microsoft.com/office/drawing/2014/main" id="{89347AE9-A862-31CE-A788-D5397F539D3D}"/>
+                <a16:creationId xmlns:a16="http://schemas.microsoft.com/office/drawing/2014/main" xmlns="" id="{89347AE9-A862-31CE-A788-D5397F539D3D}"/>
               </a:ext>
             </a:extLst>
           </p:cNvPr>
@@ -25087,7 +25087,7 @@
           <p:cNvPr id="74" name="Rectangle 68">
             <a:extLst>
               <a:ext uri="{FF2B5EF4-FFF2-40B4-BE49-F238E27FC236}">
-                <a16:creationId xmlns="" xmlns:a16="http://schemas.microsoft.com/office/drawing/2014/main" id="{1B61DA60-D159-F4B8-F1B9-77C2726744ED}"/>
+                <a16:creationId xmlns:a16="http://schemas.microsoft.com/office/drawing/2014/main" xmlns="" id="{1B61DA60-D159-F4B8-F1B9-77C2726744ED}"/>
               </a:ext>
             </a:extLst>
           </p:cNvPr>
@@ -25143,7 +25143,7 @@
           <p:cNvPr id="75" name="Rectangle 69">
             <a:extLst>
               <a:ext uri="{FF2B5EF4-FFF2-40B4-BE49-F238E27FC236}">
-                <a16:creationId xmlns="" xmlns:a16="http://schemas.microsoft.com/office/drawing/2014/main" id="{EF8F4C7B-8CE8-4A57-FB13-65942865977A}"/>
+                <a16:creationId xmlns:a16="http://schemas.microsoft.com/office/drawing/2014/main" xmlns="" id="{EF8F4C7B-8CE8-4A57-FB13-65942865977A}"/>
               </a:ext>
             </a:extLst>
           </p:cNvPr>
@@ -25199,7 +25199,7 @@
           <p:cNvPr id="76" name="Rectangle 70">
             <a:extLst>
               <a:ext uri="{FF2B5EF4-FFF2-40B4-BE49-F238E27FC236}">
-                <a16:creationId xmlns="" xmlns:a16="http://schemas.microsoft.com/office/drawing/2014/main" id="{6C6E703C-AC32-3558-850D-6B8567106C4B}"/>
+                <a16:creationId xmlns:a16="http://schemas.microsoft.com/office/drawing/2014/main" xmlns="" id="{6C6E703C-AC32-3558-850D-6B8567106C4B}"/>
               </a:ext>
             </a:extLst>
           </p:cNvPr>
@@ -25255,7 +25255,7 @@
           <p:cNvPr id="77" name="Rectangle 71">
             <a:extLst>
               <a:ext uri="{FF2B5EF4-FFF2-40B4-BE49-F238E27FC236}">
-                <a16:creationId xmlns="" xmlns:a16="http://schemas.microsoft.com/office/drawing/2014/main" id="{0533F202-A55E-B82C-781C-327DB8C96B29}"/>
+                <a16:creationId xmlns:a16="http://schemas.microsoft.com/office/drawing/2014/main" xmlns="" id="{0533F202-A55E-B82C-781C-327DB8C96B29}"/>
               </a:ext>
             </a:extLst>
           </p:cNvPr>
@@ -25311,7 +25311,7 @@
           <p:cNvPr id="78" name="Rectangle 72">
             <a:extLst>
               <a:ext uri="{FF2B5EF4-FFF2-40B4-BE49-F238E27FC236}">
-                <a16:creationId xmlns="" xmlns:a16="http://schemas.microsoft.com/office/drawing/2014/main" id="{470577BF-FEF3-C239-DF36-5FF931A24131}"/>
+                <a16:creationId xmlns:a16="http://schemas.microsoft.com/office/drawing/2014/main" xmlns="" id="{470577BF-FEF3-C239-DF36-5FF931A24131}"/>
               </a:ext>
             </a:extLst>
           </p:cNvPr>
@@ -25367,7 +25367,7 @@
           <p:cNvPr id="79" name="Rectangle 73">
             <a:extLst>
               <a:ext uri="{FF2B5EF4-FFF2-40B4-BE49-F238E27FC236}">
-                <a16:creationId xmlns="" xmlns:a16="http://schemas.microsoft.com/office/drawing/2014/main" id="{9060B2F1-8AEE-D98B-7115-09C61D5EC329}"/>
+                <a16:creationId xmlns:a16="http://schemas.microsoft.com/office/drawing/2014/main" xmlns="" id="{9060B2F1-8AEE-D98B-7115-09C61D5EC329}"/>
               </a:ext>
             </a:extLst>
           </p:cNvPr>
@@ -25423,7 +25423,7 @@
           <p:cNvPr id="80" name="Rectangle 74">
             <a:extLst>
               <a:ext uri="{FF2B5EF4-FFF2-40B4-BE49-F238E27FC236}">
-                <a16:creationId xmlns="" xmlns:a16="http://schemas.microsoft.com/office/drawing/2014/main" id="{7C2F0E00-455F-C405-9AE4-A0E334820FBA}"/>
+                <a16:creationId xmlns:a16="http://schemas.microsoft.com/office/drawing/2014/main" xmlns="" id="{7C2F0E00-455F-C405-9AE4-A0E334820FBA}"/>
               </a:ext>
             </a:extLst>
           </p:cNvPr>
@@ -25479,7 +25479,7 @@
           <p:cNvPr id="81" name="Rectangle 75">
             <a:extLst>
               <a:ext uri="{FF2B5EF4-FFF2-40B4-BE49-F238E27FC236}">
-                <a16:creationId xmlns="" xmlns:a16="http://schemas.microsoft.com/office/drawing/2014/main" id="{CB315A45-0E9E-FFFC-7711-3A2341A78099}"/>
+                <a16:creationId xmlns:a16="http://schemas.microsoft.com/office/drawing/2014/main" xmlns="" id="{CB315A45-0E9E-FFFC-7711-3A2341A78099}"/>
               </a:ext>
             </a:extLst>
           </p:cNvPr>
@@ -25535,7 +25535,7 @@
           <p:cNvPr id="82" name="Line 76">
             <a:extLst>
               <a:ext uri="{FF2B5EF4-FFF2-40B4-BE49-F238E27FC236}">
-                <a16:creationId xmlns="" xmlns:a16="http://schemas.microsoft.com/office/drawing/2014/main" id="{858A4811-66DA-EF1E-5752-EE5227D5CC5C}"/>
+                <a16:creationId xmlns:a16="http://schemas.microsoft.com/office/drawing/2014/main" xmlns="" id="{858A4811-66DA-EF1E-5752-EE5227D5CC5C}"/>
               </a:ext>
             </a:extLst>
           </p:cNvPr>
@@ -25590,7 +25590,7 @@
           <p:cNvPr id="83" name="Line 77">
             <a:extLst>
               <a:ext uri="{FF2B5EF4-FFF2-40B4-BE49-F238E27FC236}">
-                <a16:creationId xmlns="" xmlns:a16="http://schemas.microsoft.com/office/drawing/2014/main" id="{997E6F7D-2110-D555-D86A-2980142CF7A2}"/>
+                <a16:creationId xmlns:a16="http://schemas.microsoft.com/office/drawing/2014/main" xmlns="" id="{997E6F7D-2110-D555-D86A-2980142CF7A2}"/>
               </a:ext>
             </a:extLst>
           </p:cNvPr>
@@ -25645,7 +25645,7 @@
           <p:cNvPr id="84" name="Line 78">
             <a:extLst>
               <a:ext uri="{FF2B5EF4-FFF2-40B4-BE49-F238E27FC236}">
-                <a16:creationId xmlns="" xmlns:a16="http://schemas.microsoft.com/office/drawing/2014/main" id="{24D60790-B91D-8A4B-7146-2DDA7132B6EF}"/>
+                <a16:creationId xmlns:a16="http://schemas.microsoft.com/office/drawing/2014/main" xmlns="" id="{24D60790-B91D-8A4B-7146-2DDA7132B6EF}"/>
               </a:ext>
             </a:extLst>
           </p:cNvPr>
@@ -25700,7 +25700,7 @@
           <p:cNvPr id="85" name="Line 79">
             <a:extLst>
               <a:ext uri="{FF2B5EF4-FFF2-40B4-BE49-F238E27FC236}">
-                <a16:creationId xmlns="" xmlns:a16="http://schemas.microsoft.com/office/drawing/2014/main" id="{70F5E73A-F8C4-898C-6860-E5C91AC696E6}"/>
+                <a16:creationId xmlns:a16="http://schemas.microsoft.com/office/drawing/2014/main" xmlns="" id="{70F5E73A-F8C4-898C-6860-E5C91AC696E6}"/>
               </a:ext>
             </a:extLst>
           </p:cNvPr>
@@ -25755,7 +25755,7 @@
           <p:cNvPr id="86" name="Line 80">
             <a:extLst>
               <a:ext uri="{FF2B5EF4-FFF2-40B4-BE49-F238E27FC236}">
-                <a16:creationId xmlns="" xmlns:a16="http://schemas.microsoft.com/office/drawing/2014/main" id="{E4E6C09E-CC5E-CFAC-E10C-66FF679E4E79}"/>
+                <a16:creationId xmlns:a16="http://schemas.microsoft.com/office/drawing/2014/main" xmlns="" id="{E4E6C09E-CC5E-CFAC-E10C-66FF679E4E79}"/>
               </a:ext>
             </a:extLst>
           </p:cNvPr>
@@ -25810,7 +25810,7 @@
           <p:cNvPr id="87" name="Line 81">
             <a:extLst>
               <a:ext uri="{FF2B5EF4-FFF2-40B4-BE49-F238E27FC236}">
-                <a16:creationId xmlns="" xmlns:a16="http://schemas.microsoft.com/office/drawing/2014/main" id="{ACED7780-A470-F114-7DFE-D9474A6E870E}"/>
+                <a16:creationId xmlns:a16="http://schemas.microsoft.com/office/drawing/2014/main" xmlns="" id="{ACED7780-A470-F114-7DFE-D9474A6E870E}"/>
               </a:ext>
             </a:extLst>
           </p:cNvPr>
@@ -25865,7 +25865,7 @@
           <p:cNvPr id="88" name="Line 82">
             <a:extLst>
               <a:ext uri="{FF2B5EF4-FFF2-40B4-BE49-F238E27FC236}">
-                <a16:creationId xmlns="" xmlns:a16="http://schemas.microsoft.com/office/drawing/2014/main" id="{A3B1D088-0301-73EE-905E-2B67B7C27B93}"/>
+                <a16:creationId xmlns:a16="http://schemas.microsoft.com/office/drawing/2014/main" xmlns="" id="{A3B1D088-0301-73EE-905E-2B67B7C27B93}"/>
               </a:ext>
             </a:extLst>
           </p:cNvPr>
@@ -25920,7 +25920,7 @@
           <p:cNvPr id="89" name="Line 83">
             <a:extLst>
               <a:ext uri="{FF2B5EF4-FFF2-40B4-BE49-F238E27FC236}">
-                <a16:creationId xmlns="" xmlns:a16="http://schemas.microsoft.com/office/drawing/2014/main" id="{D0947412-2227-01E7-8F2F-8281D6D1CBD7}"/>
+                <a16:creationId xmlns:a16="http://schemas.microsoft.com/office/drawing/2014/main" xmlns="" id="{D0947412-2227-01E7-8F2F-8281D6D1CBD7}"/>
               </a:ext>
             </a:extLst>
           </p:cNvPr>
@@ -25975,7 +25975,7 @@
           <p:cNvPr id="90" name="Line 84">
             <a:extLst>
               <a:ext uri="{FF2B5EF4-FFF2-40B4-BE49-F238E27FC236}">
-                <a16:creationId xmlns="" xmlns:a16="http://schemas.microsoft.com/office/drawing/2014/main" id="{CFADFE3D-5CE8-43C8-2375-9BF0C98EB81B}"/>
+                <a16:creationId xmlns:a16="http://schemas.microsoft.com/office/drawing/2014/main" xmlns="" id="{CFADFE3D-5CE8-43C8-2375-9BF0C98EB81B}"/>
               </a:ext>
             </a:extLst>
           </p:cNvPr>
@@ -26030,7 +26030,7 @@
           <p:cNvPr id="91" name="Line 85">
             <a:extLst>
               <a:ext uri="{FF2B5EF4-FFF2-40B4-BE49-F238E27FC236}">
-                <a16:creationId xmlns="" xmlns:a16="http://schemas.microsoft.com/office/drawing/2014/main" id="{51E0284D-398F-F855-B2A9-1E468B79C1DB}"/>
+                <a16:creationId xmlns:a16="http://schemas.microsoft.com/office/drawing/2014/main" xmlns="" id="{51E0284D-398F-F855-B2A9-1E468B79C1DB}"/>
               </a:ext>
             </a:extLst>
           </p:cNvPr>
@@ -26085,7 +26085,7 @@
           <p:cNvPr id="92" name="Rectangle 86">
             <a:extLst>
               <a:ext uri="{FF2B5EF4-FFF2-40B4-BE49-F238E27FC236}">
-                <a16:creationId xmlns="" xmlns:a16="http://schemas.microsoft.com/office/drawing/2014/main" id="{1AF1259C-CB9A-5FD8-B895-9F24FE316E85}"/>
+                <a16:creationId xmlns:a16="http://schemas.microsoft.com/office/drawing/2014/main" xmlns="" id="{1AF1259C-CB9A-5FD8-B895-9F24FE316E85}"/>
               </a:ext>
             </a:extLst>
           </p:cNvPr>
@@ -26311,7 +26311,7 @@
           <p:cNvPr id="93" name="Rectangle 87">
             <a:extLst>
               <a:ext uri="{FF2B5EF4-FFF2-40B4-BE49-F238E27FC236}">
-                <a16:creationId xmlns="" xmlns:a16="http://schemas.microsoft.com/office/drawing/2014/main" id="{0679AA1F-02D0-EB3B-E3E8-FCD13D7074AF}"/>
+                <a16:creationId xmlns:a16="http://schemas.microsoft.com/office/drawing/2014/main" xmlns="" id="{0679AA1F-02D0-EB3B-E3E8-FCD13D7074AF}"/>
               </a:ext>
             </a:extLst>
           </p:cNvPr>
@@ -26537,7 +26537,7 @@
           <p:cNvPr id="94" name="Rectangle 88">
             <a:extLst>
               <a:ext uri="{FF2B5EF4-FFF2-40B4-BE49-F238E27FC236}">
-                <a16:creationId xmlns="" xmlns:a16="http://schemas.microsoft.com/office/drawing/2014/main" id="{4373468E-F1D0-7D0F-D423-017C61A05B9F}"/>
+                <a16:creationId xmlns:a16="http://schemas.microsoft.com/office/drawing/2014/main" xmlns="" id="{4373468E-F1D0-7D0F-D423-017C61A05B9F}"/>
               </a:ext>
             </a:extLst>
           </p:cNvPr>
@@ -26763,7 +26763,7 @@
           <p:cNvPr id="95" name="Rectangle 89">
             <a:extLst>
               <a:ext uri="{FF2B5EF4-FFF2-40B4-BE49-F238E27FC236}">
-                <a16:creationId xmlns="" xmlns:a16="http://schemas.microsoft.com/office/drawing/2014/main" id="{A90D0ADD-0514-54C2-9B83-49CC33074B84}"/>
+                <a16:creationId xmlns:a16="http://schemas.microsoft.com/office/drawing/2014/main" xmlns="" id="{A90D0ADD-0514-54C2-9B83-49CC33074B84}"/>
               </a:ext>
             </a:extLst>
           </p:cNvPr>
@@ -26989,7 +26989,7 @@
           <p:cNvPr id="96" name="Rectangle 90">
             <a:extLst>
               <a:ext uri="{FF2B5EF4-FFF2-40B4-BE49-F238E27FC236}">
-                <a16:creationId xmlns="" xmlns:a16="http://schemas.microsoft.com/office/drawing/2014/main" id="{DCC79845-EA16-500F-3DBA-72281498D784}"/>
+                <a16:creationId xmlns:a16="http://schemas.microsoft.com/office/drawing/2014/main" xmlns="" id="{DCC79845-EA16-500F-3DBA-72281498D784}"/>
               </a:ext>
             </a:extLst>
           </p:cNvPr>
@@ -27215,7 +27215,7 @@
           <p:cNvPr id="97" name="Rectangle 91">
             <a:extLst>
               <a:ext uri="{FF2B5EF4-FFF2-40B4-BE49-F238E27FC236}">
-                <a16:creationId xmlns="" xmlns:a16="http://schemas.microsoft.com/office/drawing/2014/main" id="{24639B2F-D365-EED8-B81C-FA9934B63188}"/>
+                <a16:creationId xmlns:a16="http://schemas.microsoft.com/office/drawing/2014/main" xmlns="" id="{24639B2F-D365-EED8-B81C-FA9934B63188}"/>
               </a:ext>
             </a:extLst>
           </p:cNvPr>
@@ -27441,7 +27441,7 @@
           <p:cNvPr id="98" name="Rectangle 92">
             <a:extLst>
               <a:ext uri="{FF2B5EF4-FFF2-40B4-BE49-F238E27FC236}">
-                <a16:creationId xmlns="" xmlns:a16="http://schemas.microsoft.com/office/drawing/2014/main" id="{9AB0216C-0886-387C-5BE7-F1B7540A20E1}"/>
+                <a16:creationId xmlns:a16="http://schemas.microsoft.com/office/drawing/2014/main" xmlns="" id="{9AB0216C-0886-387C-5BE7-F1B7540A20E1}"/>
               </a:ext>
             </a:extLst>
           </p:cNvPr>
@@ -27667,7 +27667,7 @@
           <p:cNvPr id="99" name="Rectangle 93">
             <a:extLst>
               <a:ext uri="{FF2B5EF4-FFF2-40B4-BE49-F238E27FC236}">
-                <a16:creationId xmlns="" xmlns:a16="http://schemas.microsoft.com/office/drawing/2014/main" id="{FBAEB285-2DE4-C91C-862E-5F347CF46E0A}"/>
+                <a16:creationId xmlns:a16="http://schemas.microsoft.com/office/drawing/2014/main" xmlns="" id="{FBAEB285-2DE4-C91C-862E-5F347CF46E0A}"/>
               </a:ext>
             </a:extLst>
           </p:cNvPr>
@@ -27893,7 +27893,7 @@
           <p:cNvPr id="100" name="Rectangle 94">
             <a:extLst>
               <a:ext uri="{FF2B5EF4-FFF2-40B4-BE49-F238E27FC236}">
-                <a16:creationId xmlns="" xmlns:a16="http://schemas.microsoft.com/office/drawing/2014/main" id="{D005F907-8EE4-94B5-4DA3-4BA314A9AA38}"/>
+                <a16:creationId xmlns:a16="http://schemas.microsoft.com/office/drawing/2014/main" xmlns="" id="{D005F907-8EE4-94B5-4DA3-4BA314A9AA38}"/>
               </a:ext>
             </a:extLst>
           </p:cNvPr>
@@ -28119,7 +28119,7 @@
           <p:cNvPr id="101" name="Rectangle 95">
             <a:extLst>
               <a:ext uri="{FF2B5EF4-FFF2-40B4-BE49-F238E27FC236}">
-                <a16:creationId xmlns="" xmlns:a16="http://schemas.microsoft.com/office/drawing/2014/main" id="{FE51D623-C738-F773-7E38-40903B9C8999}"/>
+                <a16:creationId xmlns:a16="http://schemas.microsoft.com/office/drawing/2014/main" xmlns="" id="{FE51D623-C738-F773-7E38-40903B9C8999}"/>
               </a:ext>
             </a:extLst>
           </p:cNvPr>
@@ -28345,7 +28345,7 @@
           <p:cNvPr id="102" name="Rectangle 96">
             <a:extLst>
               <a:ext uri="{FF2B5EF4-FFF2-40B4-BE49-F238E27FC236}">
-                <a16:creationId xmlns="" xmlns:a16="http://schemas.microsoft.com/office/drawing/2014/main" id="{40DB685D-4FEE-6507-9CD0-10069CCA397C}"/>
+                <a16:creationId xmlns:a16="http://schemas.microsoft.com/office/drawing/2014/main" xmlns="" id="{40DB685D-4FEE-6507-9CD0-10069CCA397C}"/>
               </a:ext>
             </a:extLst>
           </p:cNvPr>
@@ -28571,7 +28571,7 @@
           <p:cNvPr id="103" name="Rectangle 97">
             <a:extLst>
               <a:ext uri="{FF2B5EF4-FFF2-40B4-BE49-F238E27FC236}">
-                <a16:creationId xmlns="" xmlns:a16="http://schemas.microsoft.com/office/drawing/2014/main" id="{287466FA-92AC-8ABC-F517-B12745606F7B}"/>
+                <a16:creationId xmlns:a16="http://schemas.microsoft.com/office/drawing/2014/main" xmlns="" id="{287466FA-92AC-8ABC-F517-B12745606F7B}"/>
               </a:ext>
             </a:extLst>
           </p:cNvPr>
@@ -28797,7 +28797,7 @@
           <p:cNvPr id="104" name="Rectangle 98">
             <a:extLst>
               <a:ext uri="{FF2B5EF4-FFF2-40B4-BE49-F238E27FC236}">
-                <a16:creationId xmlns="" xmlns:a16="http://schemas.microsoft.com/office/drawing/2014/main" id="{35891FE3-C362-C292-14E5-2C3F6AFFAC1C}"/>
+                <a16:creationId xmlns:a16="http://schemas.microsoft.com/office/drawing/2014/main" xmlns="" id="{35891FE3-C362-C292-14E5-2C3F6AFFAC1C}"/>
               </a:ext>
             </a:extLst>
           </p:cNvPr>
@@ -29023,7 +29023,7 @@
           <p:cNvPr id="105" name="Rectangle 99">
             <a:extLst>
               <a:ext uri="{FF2B5EF4-FFF2-40B4-BE49-F238E27FC236}">
-                <a16:creationId xmlns="" xmlns:a16="http://schemas.microsoft.com/office/drawing/2014/main" id="{C28A3F7C-9C24-8316-5E48-2E924CE23D19}"/>
+                <a16:creationId xmlns:a16="http://schemas.microsoft.com/office/drawing/2014/main" xmlns="" id="{C28A3F7C-9C24-8316-5E48-2E924CE23D19}"/>
               </a:ext>
             </a:extLst>
           </p:cNvPr>
@@ -29249,7 +29249,7 @@
           <p:cNvPr id="106" name="Rectangle 100">
             <a:extLst>
               <a:ext uri="{FF2B5EF4-FFF2-40B4-BE49-F238E27FC236}">
-                <a16:creationId xmlns="" xmlns:a16="http://schemas.microsoft.com/office/drawing/2014/main" id="{55C89E1E-97AC-8D59-977B-CC142C02636E}"/>
+                <a16:creationId xmlns:a16="http://schemas.microsoft.com/office/drawing/2014/main" xmlns="" id="{55C89E1E-97AC-8D59-977B-CC142C02636E}"/>
               </a:ext>
             </a:extLst>
           </p:cNvPr>
@@ -29475,7 +29475,7 @@
           <p:cNvPr id="107" name="Rectangle 101">
             <a:extLst>
               <a:ext uri="{FF2B5EF4-FFF2-40B4-BE49-F238E27FC236}">
-                <a16:creationId xmlns="" xmlns:a16="http://schemas.microsoft.com/office/drawing/2014/main" id="{A68D4416-D072-40CC-BD1C-DE94672D0B6B}"/>
+                <a16:creationId xmlns:a16="http://schemas.microsoft.com/office/drawing/2014/main" xmlns="" id="{A68D4416-D072-40CC-BD1C-DE94672D0B6B}"/>
               </a:ext>
             </a:extLst>
           </p:cNvPr>
@@ -29701,7 +29701,7 @@
           <p:cNvPr id="108" name="Rectangle 102">
             <a:extLst>
               <a:ext uri="{FF2B5EF4-FFF2-40B4-BE49-F238E27FC236}">
-                <a16:creationId xmlns="" xmlns:a16="http://schemas.microsoft.com/office/drawing/2014/main" id="{4867D1E7-64C2-4EBE-9597-89792330D76C}"/>
+                <a16:creationId xmlns:a16="http://schemas.microsoft.com/office/drawing/2014/main" xmlns="" id="{4867D1E7-64C2-4EBE-9597-89792330D76C}"/>
               </a:ext>
             </a:extLst>
           </p:cNvPr>
@@ -29927,7 +29927,7 @@
           <p:cNvPr id="109" name="Rectangle 103">
             <a:extLst>
               <a:ext uri="{FF2B5EF4-FFF2-40B4-BE49-F238E27FC236}">
-                <a16:creationId xmlns="" xmlns:a16="http://schemas.microsoft.com/office/drawing/2014/main" id="{6D6C62FC-DAB1-BBDB-1AC9-2738D77B9229}"/>
+                <a16:creationId xmlns:a16="http://schemas.microsoft.com/office/drawing/2014/main" xmlns="" id="{6D6C62FC-DAB1-BBDB-1AC9-2738D77B9229}"/>
               </a:ext>
             </a:extLst>
           </p:cNvPr>
@@ -30153,7 +30153,7 @@
           <p:cNvPr id="110" name="Rectangle 104">
             <a:extLst>
               <a:ext uri="{FF2B5EF4-FFF2-40B4-BE49-F238E27FC236}">
-                <a16:creationId xmlns="" xmlns:a16="http://schemas.microsoft.com/office/drawing/2014/main" id="{87906244-576F-15F7-2B6C-7BFDBC76F249}"/>
+                <a16:creationId xmlns:a16="http://schemas.microsoft.com/office/drawing/2014/main" xmlns="" id="{87906244-576F-15F7-2B6C-7BFDBC76F249}"/>
               </a:ext>
             </a:extLst>
           </p:cNvPr>
@@ -30379,7 +30379,7 @@
           <p:cNvPr id="111" name="Rectangle 105">
             <a:extLst>
               <a:ext uri="{FF2B5EF4-FFF2-40B4-BE49-F238E27FC236}">
-                <a16:creationId xmlns="" xmlns:a16="http://schemas.microsoft.com/office/drawing/2014/main" id="{9BDAA546-E069-E729-159A-F8FD66373BCF}"/>
+                <a16:creationId xmlns:a16="http://schemas.microsoft.com/office/drawing/2014/main" xmlns="" id="{9BDAA546-E069-E729-159A-F8FD66373BCF}"/>
               </a:ext>
             </a:extLst>
           </p:cNvPr>
@@ -30605,7 +30605,7 @@
           <p:cNvPr id="112" name="Rectangle 106">
             <a:extLst>
               <a:ext uri="{FF2B5EF4-FFF2-40B4-BE49-F238E27FC236}">
-                <a16:creationId xmlns="" xmlns:a16="http://schemas.microsoft.com/office/drawing/2014/main" id="{204E0D30-6267-4509-1AF5-C6B6EBB3B55E}"/>
+                <a16:creationId xmlns:a16="http://schemas.microsoft.com/office/drawing/2014/main" xmlns="" id="{204E0D30-6267-4509-1AF5-C6B6EBB3B55E}"/>
               </a:ext>
             </a:extLst>
           </p:cNvPr>
@@ -30831,7 +30831,7 @@
           <p:cNvPr id="113" name="Rectangle 107">
             <a:extLst>
               <a:ext uri="{FF2B5EF4-FFF2-40B4-BE49-F238E27FC236}">
-                <a16:creationId xmlns="" xmlns:a16="http://schemas.microsoft.com/office/drawing/2014/main" id="{A329D5A7-5689-6638-8363-E2D249A370A5}"/>
+                <a16:creationId xmlns:a16="http://schemas.microsoft.com/office/drawing/2014/main" xmlns="" id="{A329D5A7-5689-6638-8363-E2D249A370A5}"/>
               </a:ext>
             </a:extLst>
           </p:cNvPr>
@@ -31057,7 +31057,7 @@
           <p:cNvPr id="114" name="Rectangle 108">
             <a:extLst>
               <a:ext uri="{FF2B5EF4-FFF2-40B4-BE49-F238E27FC236}">
-                <a16:creationId xmlns="" xmlns:a16="http://schemas.microsoft.com/office/drawing/2014/main" id="{6D75DD75-4A7B-6E11-8B56-66D55ABFDB69}"/>
+                <a16:creationId xmlns:a16="http://schemas.microsoft.com/office/drawing/2014/main" xmlns="" id="{6D75DD75-4A7B-6E11-8B56-66D55ABFDB69}"/>
               </a:ext>
             </a:extLst>
           </p:cNvPr>
@@ -31283,7 +31283,7 @@
           <p:cNvPr id="115" name="Rectangle 109">
             <a:extLst>
               <a:ext uri="{FF2B5EF4-FFF2-40B4-BE49-F238E27FC236}">
-                <a16:creationId xmlns="" xmlns:a16="http://schemas.microsoft.com/office/drawing/2014/main" id="{BAFA532E-C3B2-DD8D-2230-9C02C319A75F}"/>
+                <a16:creationId xmlns:a16="http://schemas.microsoft.com/office/drawing/2014/main" xmlns="" id="{BAFA532E-C3B2-DD8D-2230-9C02C319A75F}"/>
               </a:ext>
             </a:extLst>
           </p:cNvPr>
@@ -31509,7 +31509,7 @@
           <p:cNvPr id="116" name="Rectangle 110">
             <a:extLst>
               <a:ext uri="{FF2B5EF4-FFF2-40B4-BE49-F238E27FC236}">
-                <a16:creationId xmlns="" xmlns:a16="http://schemas.microsoft.com/office/drawing/2014/main" id="{500F727A-1616-FF1F-0F60-3541C10739FA}"/>
+                <a16:creationId xmlns:a16="http://schemas.microsoft.com/office/drawing/2014/main" xmlns="" id="{500F727A-1616-FF1F-0F60-3541C10739FA}"/>
               </a:ext>
             </a:extLst>
           </p:cNvPr>
@@ -31735,7 +31735,7 @@
           <p:cNvPr id="117" name="Rectangle 111">
             <a:extLst>
               <a:ext uri="{FF2B5EF4-FFF2-40B4-BE49-F238E27FC236}">
-                <a16:creationId xmlns="" xmlns:a16="http://schemas.microsoft.com/office/drawing/2014/main" id="{A585B43E-704B-9FAB-4A58-ACE530BD3941}"/>
+                <a16:creationId xmlns:a16="http://schemas.microsoft.com/office/drawing/2014/main" xmlns="" id="{A585B43E-704B-9FAB-4A58-ACE530BD3941}"/>
               </a:ext>
             </a:extLst>
           </p:cNvPr>
@@ -31961,7 +31961,7 @@
           <p:cNvPr id="118" name="Rectangle 112">
             <a:extLst>
               <a:ext uri="{FF2B5EF4-FFF2-40B4-BE49-F238E27FC236}">
-                <a16:creationId xmlns="" xmlns:a16="http://schemas.microsoft.com/office/drawing/2014/main" id="{2282AC02-63C1-A289-E468-0D7B92EEC919}"/>
+                <a16:creationId xmlns:a16="http://schemas.microsoft.com/office/drawing/2014/main" xmlns="" id="{2282AC02-63C1-A289-E468-0D7B92EEC919}"/>
               </a:ext>
             </a:extLst>
           </p:cNvPr>
@@ -32187,7 +32187,7 @@
           <p:cNvPr id="119" name="Rectangle 113">
             <a:extLst>
               <a:ext uri="{FF2B5EF4-FFF2-40B4-BE49-F238E27FC236}">
-                <a16:creationId xmlns="" xmlns:a16="http://schemas.microsoft.com/office/drawing/2014/main" id="{8F9AA65F-179F-B25C-D0A0-682E6C22C518}"/>
+                <a16:creationId xmlns:a16="http://schemas.microsoft.com/office/drawing/2014/main" xmlns="" id="{8F9AA65F-179F-B25C-D0A0-682E6C22C518}"/>
               </a:ext>
             </a:extLst>
           </p:cNvPr>
@@ -32413,7 +32413,7 @@
           <p:cNvPr id="120" name="Rectangle 114">
             <a:extLst>
               <a:ext uri="{FF2B5EF4-FFF2-40B4-BE49-F238E27FC236}">
-                <a16:creationId xmlns="" xmlns:a16="http://schemas.microsoft.com/office/drawing/2014/main" id="{16CA7217-C049-29CA-F3B0-53F707B28E5C}"/>
+                <a16:creationId xmlns:a16="http://schemas.microsoft.com/office/drawing/2014/main" xmlns="" id="{16CA7217-C049-29CA-F3B0-53F707B28E5C}"/>
               </a:ext>
             </a:extLst>
           </p:cNvPr>
@@ -32639,7 +32639,7 @@
           <p:cNvPr id="7" name="Espace réservé du numéro de diapositive 6">
             <a:extLst>
               <a:ext uri="{FF2B5EF4-FFF2-40B4-BE49-F238E27FC236}">
-                <a16:creationId xmlns="" xmlns:a16="http://schemas.microsoft.com/office/drawing/2014/main" id="{94AA9E33-0C7E-C64C-EA36-51E37CEBC9D6}"/>
+                <a16:creationId xmlns:a16="http://schemas.microsoft.com/office/drawing/2014/main" xmlns="" id="{94AA9E33-0C7E-C64C-EA36-51E37CEBC9D6}"/>
               </a:ext>
             </a:extLst>
           </p:cNvPr>
@@ -33556,7 +33556,7 @@
           <p:cNvPr id="54" name="Tableau 53">
             <a:extLst>
               <a:ext uri="{FF2B5EF4-FFF2-40B4-BE49-F238E27FC236}">
-                <a16:creationId xmlns="" xmlns:a16="http://schemas.microsoft.com/office/drawing/2014/main" id="{995B0A0C-53A2-5AD4-55DC-67E950F4E862}"/>
+                <a16:creationId xmlns:a16="http://schemas.microsoft.com/office/drawing/2014/main" xmlns="" id="{995B0A0C-53A2-5AD4-55DC-67E950F4E862}"/>
               </a:ext>
             </a:extLst>
           </p:cNvPr>
@@ -33585,21 +33585,21 @@
                 <a:gridCol w="2520281">
                   <a:extLst>
                     <a:ext uri="{9D8B030D-6E8A-4147-A177-3AD203B41FA5}">
-                      <a16:colId xmlns="" xmlns:a16="http://schemas.microsoft.com/office/drawing/2014/main" val="20000"/>
+                      <a16:colId xmlns:a16="http://schemas.microsoft.com/office/drawing/2014/main" xmlns="" val="20000"/>
                     </a:ext>
                   </a:extLst>
                 </a:gridCol>
                 <a:gridCol w="4464496">
                   <a:extLst>
                     <a:ext uri="{9D8B030D-6E8A-4147-A177-3AD203B41FA5}">
-                      <a16:colId xmlns="" xmlns:a16="http://schemas.microsoft.com/office/drawing/2014/main" val="20001"/>
+                      <a16:colId xmlns:a16="http://schemas.microsoft.com/office/drawing/2014/main" xmlns="" val="20001"/>
                     </a:ext>
                   </a:extLst>
                 </a:gridCol>
                 <a:gridCol w="1440159">
                   <a:extLst>
                     <a:ext uri="{9D8B030D-6E8A-4147-A177-3AD203B41FA5}">
-                      <a16:colId xmlns="" xmlns:a16="http://schemas.microsoft.com/office/drawing/2014/main" val="20002"/>
+                      <a16:colId xmlns:a16="http://schemas.microsoft.com/office/drawing/2014/main" xmlns="" val="20002"/>
                     </a:ext>
                   </a:extLst>
                 </a:gridCol>
@@ -33655,7 +33655,7 @@
                 </a:tc>
                 <a:extLst>
                   <a:ext uri="{0D108BD9-81ED-4DB2-BD59-A6C34878D82A}">
-                    <a16:rowId xmlns="" xmlns:a16="http://schemas.microsoft.com/office/drawing/2014/main" val="10000"/>
+                    <a16:rowId xmlns:a16="http://schemas.microsoft.com/office/drawing/2014/main" xmlns="" val="10000"/>
                   </a:ext>
                 </a:extLst>
               </a:tr>
@@ -33707,7 +33707,7 @@
                 </a:tc>
                 <a:extLst>
                   <a:ext uri="{0D108BD9-81ED-4DB2-BD59-A6C34878D82A}">
-                    <a16:rowId xmlns="" xmlns:a16="http://schemas.microsoft.com/office/drawing/2014/main" val="10001"/>
+                    <a16:rowId xmlns:a16="http://schemas.microsoft.com/office/drawing/2014/main" xmlns="" val="10001"/>
                   </a:ext>
                 </a:extLst>
               </a:tr>
@@ -33781,7 +33781,7 @@
                 </a:tc>
                 <a:extLst>
                   <a:ext uri="{0D108BD9-81ED-4DB2-BD59-A6C34878D82A}">
-                    <a16:rowId xmlns="" xmlns:a16="http://schemas.microsoft.com/office/drawing/2014/main" val="10002"/>
+                    <a16:rowId xmlns:a16="http://schemas.microsoft.com/office/drawing/2014/main" xmlns="" val="10002"/>
                   </a:ext>
                 </a:extLst>
               </a:tr>
@@ -33844,7 +33844,7 @@
                 </a:tc>
                 <a:extLst>
                   <a:ext uri="{0D108BD9-81ED-4DB2-BD59-A6C34878D82A}">
-                    <a16:rowId xmlns="" xmlns:a16="http://schemas.microsoft.com/office/drawing/2014/main" val="10003"/>
+                    <a16:rowId xmlns:a16="http://schemas.microsoft.com/office/drawing/2014/main" xmlns="" val="10003"/>
                   </a:ext>
                 </a:extLst>
               </a:tr>
@@ -33857,7 +33857,7 @@
           <p:cNvPr id="56" name="Espace réservé du numéro de diapositive 55">
             <a:extLst>
               <a:ext uri="{FF2B5EF4-FFF2-40B4-BE49-F238E27FC236}">
-                <a16:creationId xmlns="" xmlns:a16="http://schemas.microsoft.com/office/drawing/2014/main" id="{5463397A-A102-B80E-F38F-31950BE31ABB}"/>
+                <a16:creationId xmlns:a16="http://schemas.microsoft.com/office/drawing/2014/main" xmlns="" id="{5463397A-A102-B80E-F38F-31950BE31ABB}"/>
               </a:ext>
             </a:extLst>
           </p:cNvPr>
@@ -33948,7 +33948,7 @@
           <p:cNvPr id="6" name="Espace réservé du contenu 5">
             <a:extLst>
               <a:ext uri="{FF2B5EF4-FFF2-40B4-BE49-F238E27FC236}">
-                <a16:creationId xmlns="" xmlns:a16="http://schemas.microsoft.com/office/drawing/2014/main" id="{2CEF4690-91BC-76C4-E5F4-EEAF8BF2CF1E}"/>
+                <a16:creationId xmlns:a16="http://schemas.microsoft.com/office/drawing/2014/main" xmlns="" id="{2CEF4690-91BC-76C4-E5F4-EEAF8BF2CF1E}"/>
               </a:ext>
             </a:extLst>
           </p:cNvPr>
@@ -33968,7 +33968,6 @@
               <a:rPr lang="fr-FR" dirty="0" smtClean="0"/>
               <a:t>Application limitant le gâchis alimentaire</a:t>
             </a:r>
-            <a:endParaRPr lang="fr-FR" dirty="0" smtClean="0"/>
           </a:p>
           <a:p>
             <a:r>
@@ -33995,7 +33994,7 @@
           <p:cNvPr id="5" name="Espace réservé du numéro de diapositive 4">
             <a:extLst>
               <a:ext uri="{FF2B5EF4-FFF2-40B4-BE49-F238E27FC236}">
-                <a16:creationId xmlns="" xmlns:a16="http://schemas.microsoft.com/office/drawing/2014/main" id="{A60ADAFC-C000-9A3E-BDAA-8FF0BB36311D}"/>
+                <a16:creationId xmlns:a16="http://schemas.microsoft.com/office/drawing/2014/main" xmlns="" id="{A60ADAFC-C000-9A3E-BDAA-8FF0BB36311D}"/>
               </a:ext>
             </a:extLst>
           </p:cNvPr>
@@ -34215,7 +34214,7 @@
           <p:cNvPr id="5" name="Espace réservé du numéro de diapositive 4">
             <a:extLst>
               <a:ext uri="{FF2B5EF4-FFF2-40B4-BE49-F238E27FC236}">
-                <a16:creationId xmlns="" xmlns:a16="http://schemas.microsoft.com/office/drawing/2014/main" id="{3D4AFB18-9052-83B5-D8F2-32B5B8AE40BC}"/>
+                <a16:creationId xmlns:a16="http://schemas.microsoft.com/office/drawing/2014/main" xmlns="" id="{3D4AFB18-9052-83B5-D8F2-32B5B8AE40BC}"/>
               </a:ext>
             </a:extLst>
           </p:cNvPr>
@@ -34332,7 +34331,7 @@
           <p:cNvPr id="6" name="Espace réservé du numéro de diapositive 5">
             <a:extLst>
               <a:ext uri="{FF2B5EF4-FFF2-40B4-BE49-F238E27FC236}">
-                <a16:creationId xmlns="" xmlns:a16="http://schemas.microsoft.com/office/drawing/2014/main" id="{38DBB1A2-8660-AF9D-EEBB-ADF8BFA3B0AF}"/>
+                <a16:creationId xmlns:a16="http://schemas.microsoft.com/office/drawing/2014/main" xmlns="" id="{38DBB1A2-8660-AF9D-EEBB-ADF8BFA3B0AF}"/>
               </a:ext>
             </a:extLst>
           </p:cNvPr>
@@ -34353,6 +34352,36 @@
               <a:t>3</a:t>
             </a:fld>
             <a:endParaRPr lang="fr-FR"/>
+          </a:p>
+        </p:txBody>
+      </p:sp>
+      <p:sp>
+        <p:nvSpPr>
+          <p:cNvPr id="3" name="ZoneTexte 2"/>
+          <p:cNvSpPr txBox="1"/>
+          <p:nvPr/>
+        </p:nvSpPr>
+        <p:spPr>
+          <a:xfrm>
+            <a:off x="6012160" y="6237312"/>
+            <a:ext cx="2952328" cy="276999"/>
+          </a:xfrm>
+          <a:prstGeom prst="rect">
+            <a:avLst/>
+          </a:prstGeom>
+          <a:noFill/>
+        </p:spPr>
+        <p:txBody>
+          <a:bodyPr wrap="square" rtlCol="0">
+            <a:spAutoFit/>
+          </a:bodyPr>
+          <a:lstStyle/>
+          <a:p>
+            <a:r>
+              <a:rPr lang="fr-FR" sz="1200" dirty="0" smtClean="0"/>
+              <a:t>ADEME, France Environnement, 2016</a:t>
+            </a:r>
+            <a:endParaRPr lang="fr-FR" sz="1200" dirty="0"/>
           </a:p>
         </p:txBody>
       </p:sp>
@@ -34468,7 +34497,7 @@
           <p:cNvPr id="1028" name="Picture 4" descr="Gros Plan Sur Tas De Pomme Pourrie Gâtée | Photo Premium">
             <a:extLst>
               <a:ext uri="{FF2B5EF4-FFF2-40B4-BE49-F238E27FC236}">
-                <a16:creationId xmlns="" xmlns:a16="http://schemas.microsoft.com/office/drawing/2014/main" id="{8EF69DE4-B18E-47BC-238A-09D3D5321882}"/>
+                <a16:creationId xmlns:a16="http://schemas.microsoft.com/office/drawing/2014/main" xmlns="" id="{8EF69DE4-B18E-47BC-238A-09D3D5321882}"/>
               </a:ext>
             </a:extLst>
           </p:cNvPr>
@@ -34515,7 +34544,7 @@
           <p:cNvPr id="5" name="Espace réservé du numéro de diapositive 4">
             <a:extLst>
               <a:ext uri="{FF2B5EF4-FFF2-40B4-BE49-F238E27FC236}">
-                <a16:creationId xmlns="" xmlns:a16="http://schemas.microsoft.com/office/drawing/2014/main" id="{E0F865A0-3351-E4DE-7F04-0CA63FB56039}"/>
+                <a16:creationId xmlns:a16="http://schemas.microsoft.com/office/drawing/2014/main" xmlns="" id="{E0F865A0-3351-E4DE-7F04-0CA63FB56039}"/>
               </a:ext>
             </a:extLst>
           </p:cNvPr>
@@ -35405,7 +35434,7 @@
           <p:cNvPr id="8" name="Espace réservé du numéro de diapositive 7">
             <a:extLst>
               <a:ext uri="{FF2B5EF4-FFF2-40B4-BE49-F238E27FC236}">
-                <a16:creationId xmlns="" xmlns:a16="http://schemas.microsoft.com/office/drawing/2014/main" id="{6189510B-6FC8-50DE-CB06-ED7D680DF1D0}"/>
+                <a16:creationId xmlns:a16="http://schemas.microsoft.com/office/drawing/2014/main" xmlns="" id="{6189510B-6FC8-50DE-CB06-ED7D680DF1D0}"/>
               </a:ext>
             </a:extLst>
           </p:cNvPr>
@@ -36578,7 +36607,7 @@
           <p:cNvPr id="10" name="Espace réservé du numéro de diapositive 9">
             <a:extLst>
               <a:ext uri="{FF2B5EF4-FFF2-40B4-BE49-F238E27FC236}">
-                <a16:creationId xmlns="" xmlns:a16="http://schemas.microsoft.com/office/drawing/2014/main" id="{D2763964-2188-21E5-7C0A-466DEE3D53BC}"/>
+                <a16:creationId xmlns:a16="http://schemas.microsoft.com/office/drawing/2014/main" xmlns="" id="{D2763964-2188-21E5-7C0A-466DEE3D53BC}"/>
               </a:ext>
             </a:extLst>
           </p:cNvPr>
@@ -37034,28 +37063,28 @@
                 <a:gridCol w="2237293">
                   <a:extLst>
                     <a:ext uri="{9D8B030D-6E8A-4147-A177-3AD203B41FA5}">
-                      <a16:colId xmlns="" xmlns:a16="http://schemas.microsoft.com/office/drawing/2014/main" val="20000"/>
+                      <a16:colId xmlns:a16="http://schemas.microsoft.com/office/drawing/2014/main" xmlns="" val="20000"/>
                     </a:ext>
                   </a:extLst>
                 </a:gridCol>
                 <a:gridCol w="2237293">
                   <a:extLst>
                     <a:ext uri="{9D8B030D-6E8A-4147-A177-3AD203B41FA5}">
-                      <a16:colId xmlns="" xmlns:a16="http://schemas.microsoft.com/office/drawing/2014/main" val="20001"/>
+                      <a16:colId xmlns:a16="http://schemas.microsoft.com/office/drawing/2014/main" xmlns="" val="20001"/>
                     </a:ext>
                   </a:extLst>
                 </a:gridCol>
                 <a:gridCol w="2237293">
                   <a:extLst>
                     <a:ext uri="{9D8B030D-6E8A-4147-A177-3AD203B41FA5}">
-                      <a16:colId xmlns="" xmlns:a16="http://schemas.microsoft.com/office/drawing/2014/main" val="20002"/>
+                      <a16:colId xmlns:a16="http://schemas.microsoft.com/office/drawing/2014/main" xmlns="" val="20002"/>
                     </a:ext>
                   </a:extLst>
                 </a:gridCol>
                 <a:gridCol w="2237293">
                   <a:extLst>
                     <a:ext uri="{9D8B030D-6E8A-4147-A177-3AD203B41FA5}">
-                      <a16:colId xmlns="" xmlns:a16="http://schemas.microsoft.com/office/drawing/2014/main" val="20003"/>
+                      <a16:colId xmlns:a16="http://schemas.microsoft.com/office/drawing/2014/main" xmlns="" val="20003"/>
                     </a:ext>
                   </a:extLst>
                 </a:gridCol>
@@ -37115,7 +37144,7 @@
                 </a:tc>
                 <a:extLst>
                   <a:ext uri="{0D108BD9-81ED-4DB2-BD59-A6C34878D82A}">
-                    <a16:rowId xmlns="" xmlns:a16="http://schemas.microsoft.com/office/drawing/2014/main" val="10000"/>
+                    <a16:rowId xmlns:a16="http://schemas.microsoft.com/office/drawing/2014/main" xmlns="" val="10000"/>
                   </a:ext>
                 </a:extLst>
               </a:tr>
@@ -37184,7 +37213,7 @@
                 </a:tc>
                 <a:extLst>
                   <a:ext uri="{0D108BD9-81ED-4DB2-BD59-A6C34878D82A}">
-                    <a16:rowId xmlns="" xmlns:a16="http://schemas.microsoft.com/office/drawing/2014/main" val="10001"/>
+                    <a16:rowId xmlns:a16="http://schemas.microsoft.com/office/drawing/2014/main" xmlns="" val="10001"/>
                   </a:ext>
                 </a:extLst>
               </a:tr>
@@ -37261,7 +37290,7 @@
                 </a:tc>
                 <a:extLst>
                   <a:ext uri="{0D108BD9-81ED-4DB2-BD59-A6C34878D82A}">
-                    <a16:rowId xmlns="" xmlns:a16="http://schemas.microsoft.com/office/drawing/2014/main" val="10002"/>
+                    <a16:rowId xmlns:a16="http://schemas.microsoft.com/office/drawing/2014/main" xmlns="" val="10002"/>
                   </a:ext>
                 </a:extLst>
               </a:tr>
@@ -37327,7 +37356,7 @@
                 </a:tc>
                 <a:extLst>
                   <a:ext uri="{0D108BD9-81ED-4DB2-BD59-A6C34878D82A}">
-                    <a16:rowId xmlns="" xmlns:a16="http://schemas.microsoft.com/office/drawing/2014/main" val="10003"/>
+                    <a16:rowId xmlns:a16="http://schemas.microsoft.com/office/drawing/2014/main" xmlns="" val="10003"/>
                   </a:ext>
                 </a:extLst>
               </a:tr>
@@ -37392,7 +37421,7 @@
                 </a:tc>
                 <a:extLst>
                   <a:ext uri="{0D108BD9-81ED-4DB2-BD59-A6C34878D82A}">
-                    <a16:rowId xmlns="" xmlns:a16="http://schemas.microsoft.com/office/drawing/2014/main" val="10004"/>
+                    <a16:rowId xmlns:a16="http://schemas.microsoft.com/office/drawing/2014/main" xmlns="" val="10004"/>
                   </a:ext>
                 </a:extLst>
               </a:tr>
@@ -37462,7 +37491,7 @@
                 </a:tc>
                 <a:extLst>
                   <a:ext uri="{0D108BD9-81ED-4DB2-BD59-A6C34878D82A}">
-                    <a16:rowId xmlns="" xmlns:a16="http://schemas.microsoft.com/office/drawing/2014/main" val="10005"/>
+                    <a16:rowId xmlns:a16="http://schemas.microsoft.com/office/drawing/2014/main" xmlns="" val="10005"/>
                   </a:ext>
                 </a:extLst>
               </a:tr>
@@ -37531,7 +37560,7 @@
                 </a:tc>
                 <a:extLst>
                   <a:ext uri="{0D108BD9-81ED-4DB2-BD59-A6C34878D82A}">
-                    <a16:rowId xmlns="" xmlns:a16="http://schemas.microsoft.com/office/drawing/2014/main" val="10006"/>
+                    <a16:rowId xmlns:a16="http://schemas.microsoft.com/office/drawing/2014/main" xmlns="" val="10006"/>
                   </a:ext>
                 </a:extLst>
               </a:tr>
@@ -37544,7 +37573,7 @@
           <p:cNvPr id="5" name="Espace réservé du numéro de diapositive 4">
             <a:extLst>
               <a:ext uri="{FF2B5EF4-FFF2-40B4-BE49-F238E27FC236}">
-                <a16:creationId xmlns="" xmlns:a16="http://schemas.microsoft.com/office/drawing/2014/main" id="{726F8C65-41CB-7716-D4C7-40FCAE513AFC}"/>
+                <a16:creationId xmlns:a16="http://schemas.microsoft.com/office/drawing/2014/main" xmlns="" id="{726F8C65-41CB-7716-D4C7-40FCAE513AFC}"/>
               </a:ext>
             </a:extLst>
           </p:cNvPr>
@@ -37610,7 +37639,7 @@
           <p:cNvPr id="10" name="Image 9">
             <a:extLst>
               <a:ext uri="{FF2B5EF4-FFF2-40B4-BE49-F238E27FC236}">
-                <a16:creationId xmlns="" xmlns:a16="http://schemas.microsoft.com/office/drawing/2014/main" id="{542004DD-9C2F-2F0E-305A-F444A54EF624}"/>
+                <a16:creationId xmlns:a16="http://schemas.microsoft.com/office/drawing/2014/main" xmlns="" id="{542004DD-9C2F-2F0E-305A-F444A54EF624}"/>
               </a:ext>
             </a:extLst>
           </p:cNvPr>
@@ -37646,7 +37675,7 @@
           <p:cNvPr id="2" name="Titre 1">
             <a:extLst>
               <a:ext uri="{FF2B5EF4-FFF2-40B4-BE49-F238E27FC236}">
-                <a16:creationId xmlns="" xmlns:a16="http://schemas.microsoft.com/office/drawing/2014/main" id="{1EACF213-D59C-9288-FB5F-62C2400433FB}"/>
+                <a16:creationId xmlns:a16="http://schemas.microsoft.com/office/drawing/2014/main" xmlns="" id="{1EACF213-D59C-9288-FB5F-62C2400433FB}"/>
               </a:ext>
             </a:extLst>
           </p:cNvPr>
@@ -37679,7 +37708,7 @@
           <p:cNvPr id="3" name="Espace réservé du contenu 2">
             <a:extLst>
               <a:ext uri="{FF2B5EF4-FFF2-40B4-BE49-F238E27FC236}">
-                <a16:creationId xmlns="" xmlns:a16="http://schemas.microsoft.com/office/drawing/2014/main" id="{B3955836-2051-F8CE-4A05-238116EE493F}"/>
+                <a16:creationId xmlns:a16="http://schemas.microsoft.com/office/drawing/2014/main" xmlns="" id="{B3955836-2051-F8CE-4A05-238116EE493F}"/>
               </a:ext>
             </a:extLst>
           </p:cNvPr>
@@ -37750,7 +37779,7 @@
           <p:cNvPr id="5" name="Image 4" descr="Une image contenant extérieur, personne, fruit&#10;&#10;Description générée automatiquement">
             <a:extLst>
               <a:ext uri="{FF2B5EF4-FFF2-40B4-BE49-F238E27FC236}">
-                <a16:creationId xmlns="" xmlns:a16="http://schemas.microsoft.com/office/drawing/2014/main" id="{71036AAC-65B4-9AF5-C94F-99DC8E836500}"/>
+                <a16:creationId xmlns:a16="http://schemas.microsoft.com/office/drawing/2014/main" xmlns="" id="{71036AAC-65B4-9AF5-C94F-99DC8E836500}"/>
               </a:ext>
             </a:extLst>
           </p:cNvPr>
@@ -37786,7 +37815,7 @@
           <p:cNvPr id="7" name="Image 6">
             <a:extLst>
               <a:ext uri="{FF2B5EF4-FFF2-40B4-BE49-F238E27FC236}">
-                <a16:creationId xmlns="" xmlns:a16="http://schemas.microsoft.com/office/drawing/2014/main" id="{68AB5712-7E0D-6A56-A47A-33D24F66E6CF}"/>
+                <a16:creationId xmlns:a16="http://schemas.microsoft.com/office/drawing/2014/main" xmlns="" id="{68AB5712-7E0D-6A56-A47A-33D24F66E6CF}"/>
               </a:ext>
             </a:extLst>
           </p:cNvPr>
@@ -37822,7 +37851,7 @@
           <p:cNvPr id="6" name="Espace réservé du contenu 2">
             <a:extLst>
               <a:ext uri="{FF2B5EF4-FFF2-40B4-BE49-F238E27FC236}">
-                <a16:creationId xmlns="" xmlns:a16="http://schemas.microsoft.com/office/drawing/2014/main" id="{A7C7FBA2-3D6B-63A5-BFBD-781828FB0982}"/>
+                <a16:creationId xmlns:a16="http://schemas.microsoft.com/office/drawing/2014/main" xmlns="" id="{A7C7FBA2-3D6B-63A5-BFBD-781828FB0982}"/>
               </a:ext>
             </a:extLst>
           </p:cNvPr>
@@ -38027,7 +38056,7 @@
           <p:cNvPr id="8" name="Espace réservé du contenu 2">
             <a:extLst>
               <a:ext uri="{FF2B5EF4-FFF2-40B4-BE49-F238E27FC236}">
-                <a16:creationId xmlns="" xmlns:a16="http://schemas.microsoft.com/office/drawing/2014/main" id="{77BF3A8B-D029-77BD-A74A-DD8CAD058544}"/>
+                <a16:creationId xmlns:a16="http://schemas.microsoft.com/office/drawing/2014/main" xmlns="" id="{77BF3A8B-D029-77BD-A74A-DD8CAD058544}"/>
               </a:ext>
             </a:extLst>
           </p:cNvPr>
@@ -38232,7 +38261,7 @@
           <p:cNvPr id="12" name="Image 11" descr="Une image contenant carte&#10;&#10;Description générée automatiquement">
             <a:extLst>
               <a:ext uri="{FF2B5EF4-FFF2-40B4-BE49-F238E27FC236}">
-                <a16:creationId xmlns="" xmlns:a16="http://schemas.microsoft.com/office/drawing/2014/main" id="{240E7089-2863-AEE8-D998-4798CDEF6E90}"/>
+                <a16:creationId xmlns:a16="http://schemas.microsoft.com/office/drawing/2014/main" xmlns="" id="{240E7089-2863-AEE8-D998-4798CDEF6E90}"/>
               </a:ext>
             </a:extLst>
           </p:cNvPr>
@@ -38268,7 +38297,7 @@
           <p:cNvPr id="9" name="Espace réservé du numéro de diapositive 8">
             <a:extLst>
               <a:ext uri="{FF2B5EF4-FFF2-40B4-BE49-F238E27FC236}">
-                <a16:creationId xmlns="" xmlns:a16="http://schemas.microsoft.com/office/drawing/2014/main" id="{B487A644-00CC-A3CF-0A6A-1E88C0815F13}"/>
+                <a16:creationId xmlns:a16="http://schemas.microsoft.com/office/drawing/2014/main" xmlns="" id="{B487A644-00CC-A3CF-0A6A-1E88C0815F13}"/>
               </a:ext>
             </a:extLst>
           </p:cNvPr>
@@ -38537,7 +38566,7 @@
           <p:cNvPr id="2" name="Titre 1">
             <a:extLst>
               <a:ext uri="{FF2B5EF4-FFF2-40B4-BE49-F238E27FC236}">
-                <a16:creationId xmlns="" xmlns:a16="http://schemas.microsoft.com/office/drawing/2014/main" id="{1EACF213-D59C-9288-FB5F-62C2400433FB}"/>
+                <a16:creationId xmlns:a16="http://schemas.microsoft.com/office/drawing/2014/main" xmlns="" id="{1EACF213-D59C-9288-FB5F-62C2400433FB}"/>
               </a:ext>
             </a:extLst>
           </p:cNvPr>
@@ -38570,7 +38599,7 @@
           <p:cNvPr id="9" name="Espace réservé du contenu 8">
             <a:extLst>
               <a:ext uri="{FF2B5EF4-FFF2-40B4-BE49-F238E27FC236}">
-                <a16:creationId xmlns="" xmlns:a16="http://schemas.microsoft.com/office/drawing/2014/main" id="{0D71E381-3735-AF25-5B3D-30AF17051F31}"/>
+                <a16:creationId xmlns:a16="http://schemas.microsoft.com/office/drawing/2014/main" xmlns="" id="{0D71E381-3735-AF25-5B3D-30AF17051F31}"/>
               </a:ext>
             </a:extLst>
           </p:cNvPr>
@@ -38611,7 +38640,7 @@
           <p:cNvPr id="16" name="Image 15">
             <a:extLst>
               <a:ext uri="{FF2B5EF4-FFF2-40B4-BE49-F238E27FC236}">
-                <a16:creationId xmlns="" xmlns:a16="http://schemas.microsoft.com/office/drawing/2014/main" id="{9292EFC3-E53A-A88A-A7B6-1D388904C169}"/>
+                <a16:creationId xmlns:a16="http://schemas.microsoft.com/office/drawing/2014/main" xmlns="" id="{9292EFC3-E53A-A88A-A7B6-1D388904C169}"/>
               </a:ext>
             </a:extLst>
           </p:cNvPr>
@@ -38647,7 +38676,7 @@
           <p:cNvPr id="19" name="Espace réservé du contenu 8">
             <a:extLst>
               <a:ext uri="{FF2B5EF4-FFF2-40B4-BE49-F238E27FC236}">
-                <a16:creationId xmlns="" xmlns:a16="http://schemas.microsoft.com/office/drawing/2014/main" id="{21D05938-2221-39D6-ACB4-C4212DF26612}"/>
+                <a16:creationId xmlns:a16="http://schemas.microsoft.com/office/drawing/2014/main" xmlns="" id="{21D05938-2221-39D6-ACB4-C4212DF26612}"/>
               </a:ext>
             </a:extLst>
           </p:cNvPr>
@@ -38853,7 +38882,7 @@
           <p:cNvPr id="20" name="Espace réservé du contenu 8">
             <a:extLst>
               <a:ext uri="{FF2B5EF4-FFF2-40B4-BE49-F238E27FC236}">
-                <a16:creationId xmlns="" xmlns:a16="http://schemas.microsoft.com/office/drawing/2014/main" id="{6FA9E4E7-608A-3992-EEC4-2B3025297EE0}"/>
+                <a16:creationId xmlns:a16="http://schemas.microsoft.com/office/drawing/2014/main" xmlns="" id="{6FA9E4E7-608A-3992-EEC4-2B3025297EE0}"/>
               </a:ext>
             </a:extLst>
           </p:cNvPr>
@@ -39059,7 +39088,7 @@
           <p:cNvPr id="22" name="Image 21" descr="Une image contenant silhouette, crépuscule&#10;&#10;Description générée automatiquement">
             <a:extLst>
               <a:ext uri="{FF2B5EF4-FFF2-40B4-BE49-F238E27FC236}">
-                <a16:creationId xmlns="" xmlns:a16="http://schemas.microsoft.com/office/drawing/2014/main" id="{3E2B26A6-C040-7037-088F-D663A0DAB1C7}"/>
+                <a16:creationId xmlns:a16="http://schemas.microsoft.com/office/drawing/2014/main" xmlns="" id="{3E2B26A6-C040-7037-088F-D663A0DAB1C7}"/>
               </a:ext>
             </a:extLst>
           </p:cNvPr>
@@ -39095,7 +39124,7 @@
           <p:cNvPr id="24" name="Image 23" descr="Une image contenant image&#10;&#10;Description générée automatiquement">
             <a:extLst>
               <a:ext uri="{FF2B5EF4-FFF2-40B4-BE49-F238E27FC236}">
-                <a16:creationId xmlns="" xmlns:a16="http://schemas.microsoft.com/office/drawing/2014/main" id="{2AE3D855-C184-2CAB-3F07-9A992AC80ABD}"/>
+                <a16:creationId xmlns:a16="http://schemas.microsoft.com/office/drawing/2014/main" xmlns="" id="{2AE3D855-C184-2CAB-3F07-9A992AC80ABD}"/>
               </a:ext>
             </a:extLst>
           </p:cNvPr>
@@ -39131,7 +39160,7 @@
           <p:cNvPr id="4" name="Espace réservé du numéro de diapositive 3">
             <a:extLst>
               <a:ext uri="{FF2B5EF4-FFF2-40B4-BE49-F238E27FC236}">
-                <a16:creationId xmlns="" xmlns:a16="http://schemas.microsoft.com/office/drawing/2014/main" id="{C799759F-9CB5-E929-EA7B-702FA086F5DC}"/>
+                <a16:creationId xmlns:a16="http://schemas.microsoft.com/office/drawing/2014/main" xmlns="" id="{C799759F-9CB5-E929-EA7B-702FA086F5DC}"/>
               </a:ext>
             </a:extLst>
           </p:cNvPr>
@@ -39615,7 +39644,7 @@
   <a:extraClrSchemeLst/>
   <a:extLst>
     <a:ext uri="{05A4C25C-085E-4340-85A3-A5531E510DB2}">
-      <thm15:themeFamily xmlns="" xmlns:thm15="http://schemas.microsoft.com/office/thememl/2012/main" name="Wisp" id="{7CB32D59-10C0-40DD-B7BD-2E94284A981C}" vid="{24B1A44C-C006-48B2-A4D7-E5549B3D8CD4}"/>
+      <thm15:themeFamily xmlns:thm15="http://schemas.microsoft.com/office/thememl/2012/main" xmlns="" name="Wisp" id="{7CB32D59-10C0-40DD-B7BD-2E94284A981C}" vid="{24B1A44C-C006-48B2-A4D7-E5549B3D8CD4}"/>
     </a:ext>
   </a:extLst>
 </a:theme>
@@ -40195,7 +40224,7 @@
   <a:extraClrSchemeLst/>
   <a:extLst>
     <a:ext uri="{05A4C25C-085E-4340-85A3-A5531E510DB2}">
-      <thm15:themeFamily xmlns="" xmlns:thm15="http://schemas.microsoft.com/office/thememl/2012/main" name="Office Theme" id="{62F939B6-93AF-4DB8-9C6B-D6C7DFDC589F}" vid="{4A3C46E8-61CC-4603-A589-7422A47A8E4A}"/>
+      <thm15:themeFamily xmlns:thm15="http://schemas.microsoft.com/office/thememl/2012/main" xmlns="" name="Office Theme" id="{62F939B6-93AF-4DB8-9C6B-D6C7DFDC589F}" vid="{4A3C46E8-61CC-4603-A589-7422A47A8E4A}"/>
     </a:ext>
   </a:extLst>
 </a:theme>

--- a/Diapo.pptx
+++ b/Diapo.pptx
@@ -157,21 +157,35 @@
   </mc:AlternateContent>
   <c:chart>
     <c:title>
+      <c:tx>
+        <c:rich>
+          <a:bodyPr/>
+          <a:lstStyle/>
+          <a:p>
+            <a:pPr>
+              <a:defRPr>
+                <a:latin typeface="Cambria" panose="02040503050406030204" pitchFamily="18" charset="0"/>
+                <a:ea typeface="Cambria" panose="02040503050406030204" pitchFamily="18" charset="0"/>
+              </a:defRPr>
+            </a:pPr>
+            <a:r>
+              <a:rPr lang="fr-FR" dirty="0"/>
+              <a:t>Pertes </a:t>
+            </a:r>
+            <a:r>
+              <a:rPr lang="fr-FR" dirty="0" smtClean="0"/>
+              <a:t>alimentaires : 10 millions de </a:t>
+            </a:r>
+            <a:r>
+              <a:rPr lang="fr-FR" smtClean="0"/>
+              <a:t>tonnes par an</a:t>
+            </a:r>
+            <a:endParaRPr lang="fr-FR"/>
+          </a:p>
+        </c:rich>
+      </c:tx>
       <c:layout/>
       <c:overlay val="0"/>
-      <c:txPr>
-        <a:bodyPr/>
-        <a:lstStyle/>
-        <a:p>
-          <a:pPr>
-            <a:defRPr>
-              <a:latin typeface="Cambria" panose="02040503050406030204" pitchFamily="18" charset="0"/>
-              <a:ea typeface="Cambria" panose="02040503050406030204" pitchFamily="18" charset="0"/>
-            </a:defRPr>
-          </a:pPr>
-          <a:endParaRPr lang="fr-FR"/>
-        </a:p>
-      </c:txPr>
     </c:title>
     <c:autoTitleDeleted val="0"/>
     <c:plotArea>
@@ -34311,7 +34325,7 @@
             <p:ph idx="1"/>
             <p:extLst>
               <p:ext uri="{D42A27DB-BD31-4B8C-83A1-F6EECF244321}">
-                <p14:modId xmlns:p14="http://schemas.microsoft.com/office/powerpoint/2010/main" val="2943465942"/>
+                <p14:modId xmlns:p14="http://schemas.microsoft.com/office/powerpoint/2010/main" val="3669781304"/>
               </p:ext>
             </p:extLst>
           </p:nvPr>

--- a/Diapo.pptx
+++ b/Diapo.pptx
@@ -174,13 +174,9 @@
             </a:r>
             <a:r>
               <a:rPr lang="fr-FR" dirty="0" smtClean="0"/>
-              <a:t>alimentaires : 10 millions de </a:t>
+              <a:t>alimentaires : 10 millions de tonnes par an</a:t>
             </a:r>
-            <a:r>
-              <a:rPr lang="fr-FR" smtClean="0"/>
-              <a:t>tonnes par an</a:t>
-            </a:r>
-            <a:endParaRPr lang="fr-FR"/>
+            <a:endParaRPr lang="fr-FR" dirty="0"/>
           </a:p>
         </c:rich>
       </c:tx>
@@ -34377,8 +34373,8 @@
         </p:nvSpPr>
         <p:spPr>
           <a:xfrm>
-            <a:off x="6012160" y="6237312"/>
-            <a:ext cx="2952328" cy="276999"/>
+            <a:off x="5436096" y="6375811"/>
+            <a:ext cx="3528392" cy="276999"/>
           </a:xfrm>
           <a:prstGeom prst="rect">
             <a:avLst/>
@@ -34393,7 +34389,7 @@
           <a:p>
             <a:r>
               <a:rPr lang="fr-FR" sz="1200" dirty="0" smtClean="0"/>
-              <a:t>ADEME, France Environnement, 2016</a:t>
+              <a:t>ADEME, France Nature Environnement, 2016</a:t>
             </a:r>
             <a:endParaRPr lang="fr-FR" sz="1200" dirty="0"/>
           </a:p>

--- a/Diapo.pptx
+++ b/Diapo.pptx
@@ -34373,8 +34373,8 @@
         </p:nvSpPr>
         <p:spPr>
           <a:xfrm>
-            <a:off x="5436096" y="6375811"/>
-            <a:ext cx="3528392" cy="276999"/>
+            <a:off x="4788024" y="6514310"/>
+            <a:ext cx="4248472" cy="276999"/>
           </a:xfrm>
           <a:prstGeom prst="rect">
             <a:avLst/>
@@ -34389,7 +34389,15 @@
           <a:p>
             <a:r>
               <a:rPr lang="fr-FR" sz="1200" dirty="0" smtClean="0"/>
-              <a:t>ADEME, France Nature Environnement, 2016</a:t>
+              <a:t>ADEME, France Nature Environnement </a:t>
+            </a:r>
+            <a:r>
+              <a:rPr lang="fr-FR" sz="1200" dirty="0" err="1" smtClean="0"/>
+              <a:t>Verdicité</a:t>
+            </a:r>
+            <a:r>
+              <a:rPr lang="fr-FR" sz="1200" dirty="0" smtClean="0"/>
+              <a:t>, 2016</a:t>
             </a:r>
             <a:endParaRPr lang="fr-FR" sz="1200" dirty="0"/>
           </a:p>

--- a/Diapo.pptx
+++ b/Diapo.pptx
@@ -24716,7 +24716,7 @@
         </p:nvSpPr>
         <p:spPr bwMode="auto">
           <a:xfrm>
-            <a:off x="341277" y="1905000"/>
+            <a:off x="339689" y="2391406"/>
             <a:ext cx="2519362" cy="366713"/>
           </a:xfrm>
           <a:prstGeom prst="rect">
@@ -24772,7 +24772,7 @@
         </p:nvSpPr>
         <p:spPr bwMode="auto">
           <a:xfrm>
-            <a:off x="2862227" y="1905000"/>
+            <a:off x="2860639" y="2391406"/>
             <a:ext cx="4464050" cy="366713"/>
           </a:xfrm>
           <a:prstGeom prst="rect">
@@ -24828,7 +24828,7 @@
         </p:nvSpPr>
         <p:spPr bwMode="auto">
           <a:xfrm>
-            <a:off x="7326277" y="1905000"/>
+            <a:off x="7324689" y="2391406"/>
             <a:ext cx="1439862" cy="366713"/>
           </a:xfrm>
           <a:prstGeom prst="rect">
@@ -24884,7 +24884,7 @@
         </p:nvSpPr>
         <p:spPr bwMode="auto">
           <a:xfrm>
-            <a:off x="341277" y="2271712"/>
+            <a:off x="339689" y="2758118"/>
             <a:ext cx="2519362" cy="639763"/>
           </a:xfrm>
           <a:prstGeom prst="rect">
@@ -24940,7 +24940,7 @@
         </p:nvSpPr>
         <p:spPr bwMode="auto">
           <a:xfrm>
-            <a:off x="2862227" y="2271712"/>
+            <a:off x="2860639" y="2758118"/>
             <a:ext cx="4464050" cy="639763"/>
           </a:xfrm>
           <a:prstGeom prst="rect">
@@ -24996,7 +24996,7 @@
         </p:nvSpPr>
         <p:spPr bwMode="auto">
           <a:xfrm>
-            <a:off x="7326277" y="2271712"/>
+            <a:off x="7324689" y="2758118"/>
             <a:ext cx="1439862" cy="639763"/>
           </a:xfrm>
           <a:prstGeom prst="rect">
@@ -25052,7 +25052,7 @@
         </p:nvSpPr>
         <p:spPr bwMode="auto">
           <a:xfrm>
-            <a:off x="341277" y="2911475"/>
+            <a:off x="339689" y="3397881"/>
             <a:ext cx="2519362" cy="914400"/>
           </a:xfrm>
           <a:prstGeom prst="rect">
@@ -25108,7 +25108,7 @@
         </p:nvSpPr>
         <p:spPr bwMode="auto">
           <a:xfrm>
-            <a:off x="2862227" y="2911475"/>
+            <a:off x="2860639" y="3397881"/>
             <a:ext cx="4464050" cy="914400"/>
           </a:xfrm>
           <a:prstGeom prst="rect">
@@ -25164,7 +25164,7 @@
         </p:nvSpPr>
         <p:spPr bwMode="auto">
           <a:xfrm>
-            <a:off x="7326277" y="2911475"/>
+            <a:off x="7324689" y="3397881"/>
             <a:ext cx="1439862" cy="914400"/>
           </a:xfrm>
           <a:prstGeom prst="rect">
@@ -25220,7 +25220,7 @@
         </p:nvSpPr>
         <p:spPr bwMode="auto">
           <a:xfrm>
-            <a:off x="341277" y="3825875"/>
+            <a:off x="339689" y="4312281"/>
             <a:ext cx="2519362" cy="639763"/>
           </a:xfrm>
           <a:prstGeom prst="rect">
@@ -25276,7 +25276,7 @@
         </p:nvSpPr>
         <p:spPr bwMode="auto">
           <a:xfrm>
-            <a:off x="2862227" y="3825875"/>
+            <a:off x="2860639" y="4312281"/>
             <a:ext cx="4464050" cy="639763"/>
           </a:xfrm>
           <a:prstGeom prst="rect">
@@ -25332,7 +25332,7 @@
         </p:nvSpPr>
         <p:spPr bwMode="auto">
           <a:xfrm>
-            <a:off x="7326277" y="3825875"/>
+            <a:off x="7324689" y="4312281"/>
             <a:ext cx="1439862" cy="639763"/>
           </a:xfrm>
           <a:prstGeom prst="rect">
@@ -25388,8 +25388,8 @@
         </p:nvSpPr>
         <p:spPr bwMode="auto">
           <a:xfrm>
-            <a:off x="341277" y="4465637"/>
-            <a:ext cx="2519362" cy="1882775"/>
+            <a:off x="339689" y="4952043"/>
+            <a:ext cx="2519362" cy="691555"/>
           </a:xfrm>
           <a:prstGeom prst="rect">
             <a:avLst/>
@@ -25444,8 +25444,8 @@
         </p:nvSpPr>
         <p:spPr bwMode="auto">
           <a:xfrm>
-            <a:off x="2862227" y="4465637"/>
-            <a:ext cx="4464050" cy="1882775"/>
+            <a:off x="2860639" y="4952043"/>
+            <a:ext cx="4464050" cy="691555"/>
           </a:xfrm>
           <a:prstGeom prst="rect">
             <a:avLst/>
@@ -25500,8 +25500,8 @@
         </p:nvSpPr>
         <p:spPr bwMode="auto">
           <a:xfrm>
-            <a:off x="7326277" y="4465637"/>
-            <a:ext cx="1439862" cy="1882775"/>
+            <a:off x="7324689" y="4952043"/>
+            <a:ext cx="1439862" cy="691555"/>
           </a:xfrm>
           <a:prstGeom prst="rect">
             <a:avLst/>
@@ -25556,8 +25556,8 @@
         </p:nvSpPr>
         <p:spPr bwMode="auto">
           <a:xfrm>
-            <a:off x="2860640" y="1898650"/>
-            <a:ext cx="0" cy="4456113"/>
+            <a:off x="2859051" y="2385057"/>
+            <a:ext cx="1587" cy="3258542"/>
           </a:xfrm>
           <a:prstGeom prst="line">
             <a:avLst/>
@@ -25611,8 +25611,8 @@
         </p:nvSpPr>
         <p:spPr bwMode="auto">
           <a:xfrm>
-            <a:off x="7326277" y="1898650"/>
-            <a:ext cx="0" cy="4456113"/>
+            <a:off x="7324689" y="2385057"/>
+            <a:ext cx="0" cy="3258542"/>
           </a:xfrm>
           <a:prstGeom prst="line">
             <a:avLst/>
@@ -25666,7 +25666,7 @@
         </p:nvSpPr>
         <p:spPr bwMode="auto">
           <a:xfrm>
-            <a:off x="334927" y="2271712"/>
+            <a:off x="333339" y="2758118"/>
             <a:ext cx="8439150" cy="0"/>
           </a:xfrm>
           <a:prstGeom prst="line">
@@ -25721,7 +25721,7 @@
         </p:nvSpPr>
         <p:spPr bwMode="auto">
           <a:xfrm>
-            <a:off x="334927" y="2911475"/>
+            <a:off x="333339" y="3397881"/>
             <a:ext cx="8439150" cy="0"/>
           </a:xfrm>
           <a:prstGeom prst="line">
@@ -25776,7 +25776,7 @@
         </p:nvSpPr>
         <p:spPr bwMode="auto">
           <a:xfrm>
-            <a:off x="334927" y="3825875"/>
+            <a:off x="333339" y="4312281"/>
             <a:ext cx="8439150" cy="0"/>
           </a:xfrm>
           <a:prstGeom prst="line">
@@ -25831,7 +25831,7 @@
         </p:nvSpPr>
         <p:spPr bwMode="auto">
           <a:xfrm>
-            <a:off x="334927" y="4465637"/>
+            <a:off x="333339" y="4952043"/>
             <a:ext cx="8439150" cy="0"/>
           </a:xfrm>
           <a:prstGeom prst="line">
@@ -25886,8 +25886,8 @@
         </p:nvSpPr>
         <p:spPr bwMode="auto">
           <a:xfrm>
-            <a:off x="341277" y="1898650"/>
-            <a:ext cx="0" cy="4456113"/>
+            <a:off x="339689" y="2385057"/>
+            <a:ext cx="0" cy="3258542"/>
           </a:xfrm>
           <a:prstGeom prst="line">
             <a:avLst/>
@@ -25940,9 +25940,9 @@
           <p:nvPr/>
         </p:nvSpPr>
         <p:spPr bwMode="auto">
-          <a:xfrm>
-            <a:off x="8766140" y="1898650"/>
-            <a:ext cx="0" cy="4456113"/>
+          <a:xfrm flipH="1">
+            <a:off x="8764551" y="2385056"/>
+            <a:ext cx="1" cy="3258543"/>
           </a:xfrm>
           <a:prstGeom prst="line">
             <a:avLst/>
@@ -25996,7 +25996,7 @@
         </p:nvSpPr>
         <p:spPr bwMode="auto">
           <a:xfrm>
-            <a:off x="334927" y="1905000"/>
+            <a:off x="333339" y="2391406"/>
             <a:ext cx="8439150" cy="0"/>
           </a:xfrm>
           <a:prstGeom prst="line">
@@ -26050,9 +26050,9 @@
           <p:nvPr/>
         </p:nvSpPr>
         <p:spPr bwMode="auto">
-          <a:xfrm>
-            <a:off x="334927" y="6348412"/>
-            <a:ext cx="8439150" cy="0"/>
+          <a:xfrm flipV="1">
+            <a:off x="339689" y="5643598"/>
+            <a:ext cx="8424862" cy="0"/>
           </a:xfrm>
           <a:prstGeom prst="line">
             <a:avLst/>
@@ -26106,7 +26106,7 @@
         </p:nvSpPr>
         <p:spPr bwMode="auto">
           <a:xfrm>
-            <a:off x="433352" y="1954212"/>
+            <a:off x="431764" y="2440618"/>
             <a:ext cx="543418" cy="276999"/>
           </a:xfrm>
           <a:prstGeom prst="rect">
@@ -26332,7 +26332,7 @@
         </p:nvSpPr>
         <p:spPr bwMode="auto">
           <a:xfrm>
-            <a:off x="2954302" y="1954212"/>
+            <a:off x="2952714" y="2440618"/>
             <a:ext cx="1242328" cy="276999"/>
           </a:xfrm>
           <a:prstGeom prst="rect">
@@ -26558,7 +26558,7 @@
         </p:nvSpPr>
         <p:spPr bwMode="auto">
           <a:xfrm>
-            <a:off x="7418352" y="1954212"/>
+            <a:off x="7416764" y="2440618"/>
             <a:ext cx="488980" cy="276999"/>
           </a:xfrm>
           <a:prstGeom prst="rect">
@@ -26784,7 +26784,7 @@
         </p:nvSpPr>
         <p:spPr bwMode="auto">
           <a:xfrm>
-            <a:off x="433352" y="2314575"/>
+            <a:off x="431764" y="2800981"/>
             <a:ext cx="1933671" cy="276999"/>
           </a:xfrm>
           <a:prstGeom prst="rect">
@@ -27010,7 +27010,7 @@
         </p:nvSpPr>
         <p:spPr bwMode="auto">
           <a:xfrm>
-            <a:off x="433352" y="2589212"/>
+            <a:off x="431764" y="3075618"/>
             <a:ext cx="1536511" cy="276999"/>
           </a:xfrm>
           <a:prstGeom prst="rect">
@@ -27236,7 +27236,7 @@
         </p:nvSpPr>
         <p:spPr bwMode="auto">
           <a:xfrm>
-            <a:off x="2954302" y="2314575"/>
+            <a:off x="2952714" y="2800981"/>
             <a:ext cx="2594556" cy="276999"/>
           </a:xfrm>
           <a:prstGeom prst="rect">
@@ -27462,7 +27462,7 @@
         </p:nvSpPr>
         <p:spPr bwMode="auto">
           <a:xfrm>
-            <a:off x="5580112" y="2314575"/>
+            <a:off x="5578524" y="2800981"/>
             <a:ext cx="226024" cy="276999"/>
           </a:xfrm>
           <a:prstGeom prst="rect">
@@ -27688,7 +27688,7 @@
         </p:nvSpPr>
         <p:spPr bwMode="auto">
           <a:xfrm>
-            <a:off x="2954302" y="2589212"/>
+            <a:off x="2952714" y="3075618"/>
             <a:ext cx="1120050" cy="276999"/>
           </a:xfrm>
           <a:prstGeom prst="rect">
@@ -27914,7 +27914,7 @@
         </p:nvSpPr>
         <p:spPr bwMode="auto">
           <a:xfrm>
-            <a:off x="7418352" y="2314575"/>
+            <a:off x="7416764" y="2800981"/>
             <a:ext cx="997068" cy="276999"/>
           </a:xfrm>
           <a:prstGeom prst="rect">
@@ -28140,7 +28140,7 @@
         </p:nvSpPr>
         <p:spPr bwMode="auto">
           <a:xfrm>
-            <a:off x="433352" y="2954337"/>
+            <a:off x="431764" y="3440743"/>
             <a:ext cx="1797223" cy="276999"/>
           </a:xfrm>
           <a:prstGeom prst="rect">
@@ -28366,7 +28366,7 @@
         </p:nvSpPr>
         <p:spPr bwMode="auto">
           <a:xfrm>
-            <a:off x="433352" y="3228975"/>
+            <a:off x="431764" y="3715381"/>
             <a:ext cx="1311256" cy="276999"/>
           </a:xfrm>
           <a:prstGeom prst="rect">
@@ -28592,7 +28592,7 @@
         </p:nvSpPr>
         <p:spPr bwMode="auto">
           <a:xfrm>
-            <a:off x="1750716" y="3230156"/>
+            <a:off x="1749128" y="3716562"/>
             <a:ext cx="830356" cy="276999"/>
           </a:xfrm>
           <a:prstGeom prst="rect">
@@ -28818,7 +28818,7 @@
         </p:nvSpPr>
         <p:spPr bwMode="auto">
           <a:xfrm>
-            <a:off x="2954302" y="2954337"/>
+            <a:off x="2952714" y="3440743"/>
             <a:ext cx="3083986" cy="276999"/>
           </a:xfrm>
           <a:prstGeom prst="rect">
@@ -29044,7 +29044,7 @@
         </p:nvSpPr>
         <p:spPr bwMode="auto">
           <a:xfrm>
-            <a:off x="2954302" y="3228975"/>
+            <a:off x="2952714" y="3715381"/>
             <a:ext cx="2900153" cy="276999"/>
           </a:xfrm>
           <a:prstGeom prst="rect">
@@ -29270,7 +29270,7 @@
         </p:nvSpPr>
         <p:spPr bwMode="auto">
           <a:xfrm>
-            <a:off x="2954302" y="3503612"/>
+            <a:off x="2952714" y="3990018"/>
             <a:ext cx="1134926" cy="276999"/>
           </a:xfrm>
           <a:prstGeom prst="rect">
@@ -29496,7 +29496,7 @@
         </p:nvSpPr>
         <p:spPr bwMode="auto">
           <a:xfrm>
-            <a:off x="433352" y="3868737"/>
+            <a:off x="431764" y="4355143"/>
             <a:ext cx="2051331" cy="276999"/>
           </a:xfrm>
           <a:prstGeom prst="rect">
@@ -29722,7 +29722,7 @@
         </p:nvSpPr>
         <p:spPr bwMode="auto">
           <a:xfrm>
-            <a:off x="433352" y="4143375"/>
+            <a:off x="431764" y="4629781"/>
             <a:ext cx="1276055" cy="276999"/>
           </a:xfrm>
           <a:prstGeom prst="rect">
@@ -29948,7 +29948,7 @@
         </p:nvSpPr>
         <p:spPr bwMode="auto">
           <a:xfrm>
-            <a:off x="2954302" y="3868737"/>
+            <a:off x="2952714" y="4355143"/>
             <a:ext cx="1093889" cy="276999"/>
           </a:xfrm>
           <a:prstGeom prst="rect">
@@ -30174,7 +30174,7 @@
         </p:nvSpPr>
         <p:spPr bwMode="auto">
           <a:xfrm>
-            <a:off x="4094590" y="3868737"/>
+            <a:off x="4093002" y="4355143"/>
             <a:ext cx="2349618" cy="276999"/>
           </a:xfrm>
           <a:prstGeom prst="rect">
@@ -30400,7 +30400,7 @@
         </p:nvSpPr>
         <p:spPr bwMode="auto">
           <a:xfrm>
-            <a:off x="433352" y="4510087"/>
+            <a:off x="431764" y="4996493"/>
             <a:ext cx="742639" cy="276999"/>
           </a:xfrm>
           <a:prstGeom prst="rect">
@@ -30626,7 +30626,7 @@
         </p:nvSpPr>
         <p:spPr bwMode="auto">
           <a:xfrm>
-            <a:off x="1187624" y="4510087"/>
+            <a:off x="1186036" y="4996493"/>
             <a:ext cx="1257395" cy="276999"/>
           </a:xfrm>
           <a:prstGeom prst="rect">
@@ -30852,7 +30852,7 @@
         </p:nvSpPr>
         <p:spPr bwMode="auto">
           <a:xfrm>
-            <a:off x="433352" y="4783137"/>
+            <a:off x="431764" y="5269543"/>
             <a:ext cx="1114088" cy="276999"/>
           </a:xfrm>
           <a:prstGeom prst="rect">
@@ -31078,7 +31078,7 @@
         </p:nvSpPr>
         <p:spPr bwMode="auto">
           <a:xfrm>
-            <a:off x="2954302" y="4510087"/>
+            <a:off x="2952714" y="4996493"/>
             <a:ext cx="1581202" cy="276999"/>
           </a:xfrm>
           <a:prstGeom prst="rect">
@@ -31304,7 +31304,7 @@
         </p:nvSpPr>
         <p:spPr bwMode="auto">
           <a:xfrm>
-            <a:off x="4572000" y="4510087"/>
+            <a:off x="4570412" y="4996493"/>
             <a:ext cx="1920590" cy="276999"/>
           </a:xfrm>
           <a:prstGeom prst="rect">
@@ -31530,8 +31530,8 @@
         </p:nvSpPr>
         <p:spPr bwMode="auto">
           <a:xfrm>
-            <a:off x="2954302" y="4783137"/>
-            <a:ext cx="3941144" cy="276999"/>
+            <a:off x="2952714" y="5269543"/>
+            <a:ext cx="2073645" cy="276999"/>
           </a:xfrm>
           <a:prstGeom prst="rect">
             <a:avLst/>
@@ -31724,911 +31724,7 @@
                 <a:latin typeface="Cambria" panose="02040503050406030204" pitchFamily="18" charset="0"/>
                 <a:ea typeface="Cambria" panose="02040503050406030204" pitchFamily="18" charset="0"/>
               </a:rPr>
-              <a:t>entre les utilisateurs (messagerie) pour </a:t>
-            </a:r>
-            <a:endParaRPr kumimoji="0" lang="fr-FR" altLang="fr-FR" sz="1800" b="0" i="0" u="none" strike="noStrike" cap="none" normalizeH="0" baseline="0" dirty="0">
-              <a:ln>
-                <a:noFill/>
-              </a:ln>
-              <a:solidFill>
-                <a:schemeClr val="tx1"/>
-              </a:solidFill>
-              <a:effectLst/>
-              <a:latin typeface="Cambria" panose="02040503050406030204" pitchFamily="18" charset="0"/>
-              <a:ea typeface="Cambria" panose="02040503050406030204" pitchFamily="18" charset="0"/>
-            </a:endParaRPr>
-          </a:p>
-        </p:txBody>
-      </p:sp>
-      <p:sp>
-        <p:nvSpPr>
-          <p:cNvPr id="117" name="Rectangle 111">
-            <a:extLst>
-              <a:ext uri="{FF2B5EF4-FFF2-40B4-BE49-F238E27FC236}">
-                <a16:creationId xmlns:a16="http://schemas.microsoft.com/office/drawing/2014/main" xmlns="" id="{A585B43E-704B-9FAB-4A58-ACE530BD3941}"/>
-              </a:ext>
-            </a:extLst>
-          </p:cNvPr>
-          <p:cNvSpPr>
-            <a:spLocks noChangeArrowheads="1"/>
-          </p:cNvSpPr>
-          <p:nvPr/>
-        </p:nvSpPr>
-        <p:spPr bwMode="auto">
-          <a:xfrm>
-            <a:off x="2954302" y="5057775"/>
-            <a:ext cx="3435171" cy="276999"/>
-          </a:xfrm>
-          <a:prstGeom prst="rect">
-            <a:avLst/>
-          </a:prstGeom>
-          <a:noFill/>
-          <a:ln>
-            <a:noFill/>
-          </a:ln>
-          <a:extLst>
-            <a:ext uri="{909E8E84-426E-40DD-AFC4-6F175D3DCCD1}">
-              <a14:hiddenFill xmlns:a14="http://schemas.microsoft.com/office/drawing/2010/main">
-                <a:solidFill>
-                  <a:srgbClr val="FFFFFF"/>
-                </a:solidFill>
-              </a14:hiddenFill>
-            </a:ext>
-            <a:ext uri="{91240B29-F687-4F45-9708-019B960494DF}">
-              <a14:hiddenLine xmlns:a14="http://schemas.microsoft.com/office/drawing/2010/main" w="9525">
-                <a:solidFill>
-                  <a:srgbClr val="000000"/>
-                </a:solidFill>
-                <a:miter lim="800000"/>
-                <a:headEnd/>
-                <a:tailEnd/>
-              </a14:hiddenLine>
-            </a:ext>
-          </a:extLst>
-        </p:spPr>
-        <p:txBody>
-          <a:bodyPr vert="horz" wrap="none" lIns="0" tIns="0" rIns="0" bIns="0" numCol="1" anchor="t" anchorCtr="0" compatLnSpc="1">
-            <a:prstTxWarp prst="textNoShape">
-              <a:avLst/>
-            </a:prstTxWarp>
-            <a:spAutoFit/>
-          </a:bodyPr>
-          <a:lstStyle>
-            <a:lvl1pPr eaLnBrk="0" fontAlgn="base" hangingPunct="0">
-              <a:spcBef>
-                <a:spcPct val="0"/>
-              </a:spcBef>
-              <a:spcAft>
-                <a:spcPct val="0"/>
-              </a:spcAft>
-              <a:defRPr>
-                <a:solidFill>
-                  <a:schemeClr val="tx1"/>
-                </a:solidFill>
-                <a:latin typeface="Arial" panose="020B0604020202020204" pitchFamily="34" charset="0"/>
-              </a:defRPr>
-            </a:lvl1pPr>
-            <a:lvl2pPr eaLnBrk="0" fontAlgn="base" hangingPunct="0">
-              <a:spcBef>
-                <a:spcPct val="0"/>
-              </a:spcBef>
-              <a:spcAft>
-                <a:spcPct val="0"/>
-              </a:spcAft>
-              <a:defRPr>
-                <a:solidFill>
-                  <a:schemeClr val="tx1"/>
-                </a:solidFill>
-                <a:latin typeface="Arial" panose="020B0604020202020204" pitchFamily="34" charset="0"/>
-              </a:defRPr>
-            </a:lvl2pPr>
-            <a:lvl3pPr eaLnBrk="0" fontAlgn="base" hangingPunct="0">
-              <a:spcBef>
-                <a:spcPct val="0"/>
-              </a:spcBef>
-              <a:spcAft>
-                <a:spcPct val="0"/>
-              </a:spcAft>
-              <a:defRPr>
-                <a:solidFill>
-                  <a:schemeClr val="tx1"/>
-                </a:solidFill>
-                <a:latin typeface="Arial" panose="020B0604020202020204" pitchFamily="34" charset="0"/>
-              </a:defRPr>
-            </a:lvl3pPr>
-            <a:lvl4pPr eaLnBrk="0" fontAlgn="base" hangingPunct="0">
-              <a:spcBef>
-                <a:spcPct val="0"/>
-              </a:spcBef>
-              <a:spcAft>
-                <a:spcPct val="0"/>
-              </a:spcAft>
-              <a:defRPr>
-                <a:solidFill>
-                  <a:schemeClr val="tx1"/>
-                </a:solidFill>
-                <a:latin typeface="Arial" panose="020B0604020202020204" pitchFamily="34" charset="0"/>
-              </a:defRPr>
-            </a:lvl4pPr>
-            <a:lvl5pPr eaLnBrk="0" fontAlgn="base" hangingPunct="0">
-              <a:spcBef>
-                <a:spcPct val="0"/>
-              </a:spcBef>
-              <a:spcAft>
-                <a:spcPct val="0"/>
-              </a:spcAft>
-              <a:defRPr>
-                <a:solidFill>
-                  <a:schemeClr val="tx1"/>
-                </a:solidFill>
-                <a:latin typeface="Arial" panose="020B0604020202020204" pitchFamily="34" charset="0"/>
-              </a:defRPr>
-            </a:lvl5pPr>
-            <a:lvl6pPr eaLnBrk="0" fontAlgn="base" hangingPunct="0">
-              <a:spcBef>
-                <a:spcPct val="0"/>
-              </a:spcBef>
-              <a:spcAft>
-                <a:spcPct val="0"/>
-              </a:spcAft>
-              <a:defRPr>
-                <a:solidFill>
-                  <a:schemeClr val="tx1"/>
-                </a:solidFill>
-                <a:latin typeface="Arial" panose="020B0604020202020204" pitchFamily="34" charset="0"/>
-              </a:defRPr>
-            </a:lvl6pPr>
-            <a:lvl7pPr eaLnBrk="0" fontAlgn="base" hangingPunct="0">
-              <a:spcBef>
-                <a:spcPct val="0"/>
-              </a:spcBef>
-              <a:spcAft>
-                <a:spcPct val="0"/>
-              </a:spcAft>
-              <a:defRPr>
-                <a:solidFill>
-                  <a:schemeClr val="tx1"/>
-                </a:solidFill>
-                <a:latin typeface="Arial" panose="020B0604020202020204" pitchFamily="34" charset="0"/>
-              </a:defRPr>
-            </a:lvl7pPr>
-            <a:lvl8pPr eaLnBrk="0" fontAlgn="base" hangingPunct="0">
-              <a:spcBef>
-                <a:spcPct val="0"/>
-              </a:spcBef>
-              <a:spcAft>
-                <a:spcPct val="0"/>
-              </a:spcAft>
-              <a:defRPr>
-                <a:solidFill>
-                  <a:schemeClr val="tx1"/>
-                </a:solidFill>
-                <a:latin typeface="Arial" panose="020B0604020202020204" pitchFamily="34" charset="0"/>
-              </a:defRPr>
-            </a:lvl8pPr>
-            <a:lvl9pPr eaLnBrk="0" fontAlgn="base" hangingPunct="0">
-              <a:spcBef>
-                <a:spcPct val="0"/>
-              </a:spcBef>
-              <a:spcAft>
-                <a:spcPct val="0"/>
-              </a:spcAft>
-              <a:defRPr>
-                <a:solidFill>
-                  <a:schemeClr val="tx1"/>
-                </a:solidFill>
-                <a:latin typeface="Arial" panose="020B0604020202020204" pitchFamily="34" charset="0"/>
-              </a:defRPr>
-            </a:lvl9pPr>
-          </a:lstStyle>
-          <a:p>
-            <a:pPr marL="0" marR="0" lvl="0" indent="0" algn="l" defTabSz="914400" rtl="0" eaLnBrk="0" fontAlgn="base" latinLnBrk="0" hangingPunct="0">
-              <a:lnSpc>
-                <a:spcPct val="100000"/>
-              </a:lnSpc>
-              <a:spcBef>
-                <a:spcPct val="0"/>
-              </a:spcBef>
-              <a:spcAft>
-                <a:spcPct val="0"/>
-              </a:spcAft>
-              <a:buClrTx/>
-              <a:buSzTx/>
-              <a:buFontTx/>
-              <a:buNone/>
-              <a:tabLst/>
-            </a:pPr>
-            <a:r>
-              <a:rPr kumimoji="0" lang="fr-FR" altLang="fr-FR" sz="1800" b="0" i="0" u="none" strike="noStrike" cap="none" normalizeH="0" baseline="0" dirty="0">
-                <a:ln>
-                  <a:noFill/>
-                </a:ln>
-                <a:solidFill>
-                  <a:srgbClr val="000000"/>
-                </a:solidFill>
-                <a:effectLst/>
-                <a:latin typeface="Cambria" panose="02040503050406030204" pitchFamily="18" charset="0"/>
-                <a:ea typeface="Cambria" panose="02040503050406030204" pitchFamily="18" charset="0"/>
-              </a:rPr>
-              <a:t>obtenir plus d’informations sur un </a:t>
-            </a:r>
-            <a:endParaRPr kumimoji="0" lang="fr-FR" altLang="fr-FR" sz="1800" b="0" i="0" u="none" strike="noStrike" cap="none" normalizeH="0" baseline="0" dirty="0">
-              <a:ln>
-                <a:noFill/>
-              </a:ln>
-              <a:solidFill>
-                <a:schemeClr val="tx1"/>
-              </a:solidFill>
-              <a:effectLst/>
-              <a:latin typeface="Cambria" panose="02040503050406030204" pitchFamily="18" charset="0"/>
-              <a:ea typeface="Cambria" panose="02040503050406030204" pitchFamily="18" charset="0"/>
-            </a:endParaRPr>
-          </a:p>
-        </p:txBody>
-      </p:sp>
-      <p:sp>
-        <p:nvSpPr>
-          <p:cNvPr id="118" name="Rectangle 112">
-            <a:extLst>
-              <a:ext uri="{FF2B5EF4-FFF2-40B4-BE49-F238E27FC236}">
-                <a16:creationId xmlns:a16="http://schemas.microsoft.com/office/drawing/2014/main" xmlns="" id="{2282AC02-63C1-A289-E468-0D7B92EEC919}"/>
-              </a:ext>
-            </a:extLst>
-          </p:cNvPr>
-          <p:cNvSpPr>
-            <a:spLocks noChangeArrowheads="1"/>
-          </p:cNvSpPr>
-          <p:nvPr/>
-        </p:nvSpPr>
-        <p:spPr bwMode="auto">
-          <a:xfrm>
-            <a:off x="2954302" y="5332412"/>
-            <a:ext cx="3391634" cy="276999"/>
-          </a:xfrm>
-          <a:prstGeom prst="rect">
-            <a:avLst/>
-          </a:prstGeom>
-          <a:noFill/>
-          <a:ln>
-            <a:noFill/>
-          </a:ln>
-          <a:extLst>
-            <a:ext uri="{909E8E84-426E-40DD-AFC4-6F175D3DCCD1}">
-              <a14:hiddenFill xmlns:a14="http://schemas.microsoft.com/office/drawing/2010/main">
-                <a:solidFill>
-                  <a:srgbClr val="FFFFFF"/>
-                </a:solidFill>
-              </a14:hiddenFill>
-            </a:ext>
-            <a:ext uri="{91240B29-F687-4F45-9708-019B960494DF}">
-              <a14:hiddenLine xmlns:a14="http://schemas.microsoft.com/office/drawing/2010/main" w="9525">
-                <a:solidFill>
-                  <a:srgbClr val="000000"/>
-                </a:solidFill>
-                <a:miter lim="800000"/>
-                <a:headEnd/>
-                <a:tailEnd/>
-              </a14:hiddenLine>
-            </a:ext>
-          </a:extLst>
-        </p:spPr>
-        <p:txBody>
-          <a:bodyPr vert="horz" wrap="none" lIns="0" tIns="0" rIns="0" bIns="0" numCol="1" anchor="t" anchorCtr="0" compatLnSpc="1">
-            <a:prstTxWarp prst="textNoShape">
-              <a:avLst/>
-            </a:prstTxWarp>
-            <a:spAutoFit/>
-          </a:bodyPr>
-          <a:lstStyle>
-            <a:lvl1pPr eaLnBrk="0" fontAlgn="base" hangingPunct="0">
-              <a:spcBef>
-                <a:spcPct val="0"/>
-              </a:spcBef>
-              <a:spcAft>
-                <a:spcPct val="0"/>
-              </a:spcAft>
-              <a:defRPr>
-                <a:solidFill>
-                  <a:schemeClr val="tx1"/>
-                </a:solidFill>
-                <a:latin typeface="Arial" panose="020B0604020202020204" pitchFamily="34" charset="0"/>
-              </a:defRPr>
-            </a:lvl1pPr>
-            <a:lvl2pPr eaLnBrk="0" fontAlgn="base" hangingPunct="0">
-              <a:spcBef>
-                <a:spcPct val="0"/>
-              </a:spcBef>
-              <a:spcAft>
-                <a:spcPct val="0"/>
-              </a:spcAft>
-              <a:defRPr>
-                <a:solidFill>
-                  <a:schemeClr val="tx1"/>
-                </a:solidFill>
-                <a:latin typeface="Arial" panose="020B0604020202020204" pitchFamily="34" charset="0"/>
-              </a:defRPr>
-            </a:lvl2pPr>
-            <a:lvl3pPr eaLnBrk="0" fontAlgn="base" hangingPunct="0">
-              <a:spcBef>
-                <a:spcPct val="0"/>
-              </a:spcBef>
-              <a:spcAft>
-                <a:spcPct val="0"/>
-              </a:spcAft>
-              <a:defRPr>
-                <a:solidFill>
-                  <a:schemeClr val="tx1"/>
-                </a:solidFill>
-                <a:latin typeface="Arial" panose="020B0604020202020204" pitchFamily="34" charset="0"/>
-              </a:defRPr>
-            </a:lvl3pPr>
-            <a:lvl4pPr eaLnBrk="0" fontAlgn="base" hangingPunct="0">
-              <a:spcBef>
-                <a:spcPct val="0"/>
-              </a:spcBef>
-              <a:spcAft>
-                <a:spcPct val="0"/>
-              </a:spcAft>
-              <a:defRPr>
-                <a:solidFill>
-                  <a:schemeClr val="tx1"/>
-                </a:solidFill>
-                <a:latin typeface="Arial" panose="020B0604020202020204" pitchFamily="34" charset="0"/>
-              </a:defRPr>
-            </a:lvl4pPr>
-            <a:lvl5pPr eaLnBrk="0" fontAlgn="base" hangingPunct="0">
-              <a:spcBef>
-                <a:spcPct val="0"/>
-              </a:spcBef>
-              <a:spcAft>
-                <a:spcPct val="0"/>
-              </a:spcAft>
-              <a:defRPr>
-                <a:solidFill>
-                  <a:schemeClr val="tx1"/>
-                </a:solidFill>
-                <a:latin typeface="Arial" panose="020B0604020202020204" pitchFamily="34" charset="0"/>
-              </a:defRPr>
-            </a:lvl5pPr>
-            <a:lvl6pPr eaLnBrk="0" fontAlgn="base" hangingPunct="0">
-              <a:spcBef>
-                <a:spcPct val="0"/>
-              </a:spcBef>
-              <a:spcAft>
-                <a:spcPct val="0"/>
-              </a:spcAft>
-              <a:defRPr>
-                <a:solidFill>
-                  <a:schemeClr val="tx1"/>
-                </a:solidFill>
-                <a:latin typeface="Arial" panose="020B0604020202020204" pitchFamily="34" charset="0"/>
-              </a:defRPr>
-            </a:lvl6pPr>
-            <a:lvl7pPr eaLnBrk="0" fontAlgn="base" hangingPunct="0">
-              <a:spcBef>
-                <a:spcPct val="0"/>
-              </a:spcBef>
-              <a:spcAft>
-                <a:spcPct val="0"/>
-              </a:spcAft>
-              <a:defRPr>
-                <a:solidFill>
-                  <a:schemeClr val="tx1"/>
-                </a:solidFill>
-                <a:latin typeface="Arial" panose="020B0604020202020204" pitchFamily="34" charset="0"/>
-              </a:defRPr>
-            </a:lvl7pPr>
-            <a:lvl8pPr eaLnBrk="0" fontAlgn="base" hangingPunct="0">
-              <a:spcBef>
-                <a:spcPct val="0"/>
-              </a:spcBef>
-              <a:spcAft>
-                <a:spcPct val="0"/>
-              </a:spcAft>
-              <a:defRPr>
-                <a:solidFill>
-                  <a:schemeClr val="tx1"/>
-                </a:solidFill>
-                <a:latin typeface="Arial" panose="020B0604020202020204" pitchFamily="34" charset="0"/>
-              </a:defRPr>
-            </a:lvl8pPr>
-            <a:lvl9pPr eaLnBrk="0" fontAlgn="base" hangingPunct="0">
-              <a:spcBef>
-                <a:spcPct val="0"/>
-              </a:spcBef>
-              <a:spcAft>
-                <a:spcPct val="0"/>
-              </a:spcAft>
-              <a:defRPr>
-                <a:solidFill>
-                  <a:schemeClr val="tx1"/>
-                </a:solidFill>
-                <a:latin typeface="Arial" panose="020B0604020202020204" pitchFamily="34" charset="0"/>
-              </a:defRPr>
-            </a:lvl9pPr>
-          </a:lstStyle>
-          <a:p>
-            <a:pPr marL="0" marR="0" lvl="0" indent="0" algn="l" defTabSz="914400" rtl="0" eaLnBrk="0" fontAlgn="base" latinLnBrk="0" hangingPunct="0">
-              <a:lnSpc>
-                <a:spcPct val="100000"/>
-              </a:lnSpc>
-              <a:spcBef>
-                <a:spcPct val="0"/>
-              </a:spcBef>
-              <a:spcAft>
-                <a:spcPct val="0"/>
-              </a:spcAft>
-              <a:buClrTx/>
-              <a:buSzTx/>
-              <a:buFontTx/>
-              <a:buNone/>
-              <a:tabLst/>
-            </a:pPr>
-            <a:r>
-              <a:rPr kumimoji="0" lang="fr-FR" altLang="fr-FR" sz="1800" b="0" i="0" u="none" strike="noStrike" cap="none" normalizeH="0" baseline="0">
-                <a:ln>
-                  <a:noFill/>
-                </a:ln>
-                <a:solidFill>
-                  <a:srgbClr val="000000"/>
-                </a:solidFill>
-                <a:effectLst/>
-                <a:latin typeface="Cambria" panose="02040503050406030204" pitchFamily="18" charset="0"/>
-                <a:ea typeface="Cambria" panose="02040503050406030204" pitchFamily="18" charset="0"/>
-              </a:rPr>
-              <a:t>produit en vente ou les conditions </a:t>
-            </a:r>
-            <a:endParaRPr kumimoji="0" lang="fr-FR" altLang="fr-FR" sz="1800" b="0" i="0" u="none" strike="noStrike" cap="none" normalizeH="0" baseline="0">
-              <a:ln>
-                <a:noFill/>
-              </a:ln>
-              <a:solidFill>
-                <a:schemeClr val="tx1"/>
-              </a:solidFill>
-              <a:effectLst/>
-              <a:latin typeface="Cambria" panose="02040503050406030204" pitchFamily="18" charset="0"/>
-              <a:ea typeface="Cambria" panose="02040503050406030204" pitchFamily="18" charset="0"/>
-            </a:endParaRPr>
-          </a:p>
-        </p:txBody>
-      </p:sp>
-      <p:sp>
-        <p:nvSpPr>
-          <p:cNvPr id="119" name="Rectangle 113">
-            <a:extLst>
-              <a:ext uri="{FF2B5EF4-FFF2-40B4-BE49-F238E27FC236}">
-                <a16:creationId xmlns:a16="http://schemas.microsoft.com/office/drawing/2014/main" xmlns="" id="{8F9AA65F-179F-B25C-D0A0-682E6C22C518}"/>
-              </a:ext>
-            </a:extLst>
-          </p:cNvPr>
-          <p:cNvSpPr>
-            <a:spLocks noChangeArrowheads="1"/>
-          </p:cNvSpPr>
-          <p:nvPr/>
-        </p:nvSpPr>
-        <p:spPr bwMode="auto">
-          <a:xfrm>
-            <a:off x="2954302" y="5607050"/>
-            <a:ext cx="912109" cy="276999"/>
-          </a:xfrm>
-          <a:prstGeom prst="rect">
-            <a:avLst/>
-          </a:prstGeom>
-          <a:noFill/>
-          <a:ln>
-            <a:noFill/>
-          </a:ln>
-          <a:extLst>
-            <a:ext uri="{909E8E84-426E-40DD-AFC4-6F175D3DCCD1}">
-              <a14:hiddenFill xmlns:a14="http://schemas.microsoft.com/office/drawing/2010/main">
-                <a:solidFill>
-                  <a:srgbClr val="FFFFFF"/>
-                </a:solidFill>
-              </a14:hiddenFill>
-            </a:ext>
-            <a:ext uri="{91240B29-F687-4F45-9708-019B960494DF}">
-              <a14:hiddenLine xmlns:a14="http://schemas.microsoft.com/office/drawing/2010/main" w="9525">
-                <a:solidFill>
-                  <a:srgbClr val="000000"/>
-                </a:solidFill>
-                <a:miter lim="800000"/>
-                <a:headEnd/>
-                <a:tailEnd/>
-              </a14:hiddenLine>
-            </a:ext>
-          </a:extLst>
-        </p:spPr>
-        <p:txBody>
-          <a:bodyPr vert="horz" wrap="none" lIns="0" tIns="0" rIns="0" bIns="0" numCol="1" anchor="t" anchorCtr="0" compatLnSpc="1">
-            <a:prstTxWarp prst="textNoShape">
-              <a:avLst/>
-            </a:prstTxWarp>
-            <a:spAutoFit/>
-          </a:bodyPr>
-          <a:lstStyle>
-            <a:lvl1pPr eaLnBrk="0" fontAlgn="base" hangingPunct="0">
-              <a:spcBef>
-                <a:spcPct val="0"/>
-              </a:spcBef>
-              <a:spcAft>
-                <a:spcPct val="0"/>
-              </a:spcAft>
-              <a:defRPr>
-                <a:solidFill>
-                  <a:schemeClr val="tx1"/>
-                </a:solidFill>
-                <a:latin typeface="Arial" panose="020B0604020202020204" pitchFamily="34" charset="0"/>
-              </a:defRPr>
-            </a:lvl1pPr>
-            <a:lvl2pPr eaLnBrk="0" fontAlgn="base" hangingPunct="0">
-              <a:spcBef>
-                <a:spcPct val="0"/>
-              </a:spcBef>
-              <a:spcAft>
-                <a:spcPct val="0"/>
-              </a:spcAft>
-              <a:defRPr>
-                <a:solidFill>
-                  <a:schemeClr val="tx1"/>
-                </a:solidFill>
-                <a:latin typeface="Arial" panose="020B0604020202020204" pitchFamily="34" charset="0"/>
-              </a:defRPr>
-            </a:lvl2pPr>
-            <a:lvl3pPr eaLnBrk="0" fontAlgn="base" hangingPunct="0">
-              <a:spcBef>
-                <a:spcPct val="0"/>
-              </a:spcBef>
-              <a:spcAft>
-                <a:spcPct val="0"/>
-              </a:spcAft>
-              <a:defRPr>
-                <a:solidFill>
-                  <a:schemeClr val="tx1"/>
-                </a:solidFill>
-                <a:latin typeface="Arial" panose="020B0604020202020204" pitchFamily="34" charset="0"/>
-              </a:defRPr>
-            </a:lvl3pPr>
-            <a:lvl4pPr eaLnBrk="0" fontAlgn="base" hangingPunct="0">
-              <a:spcBef>
-                <a:spcPct val="0"/>
-              </a:spcBef>
-              <a:spcAft>
-                <a:spcPct val="0"/>
-              </a:spcAft>
-              <a:defRPr>
-                <a:solidFill>
-                  <a:schemeClr val="tx1"/>
-                </a:solidFill>
-                <a:latin typeface="Arial" panose="020B0604020202020204" pitchFamily="34" charset="0"/>
-              </a:defRPr>
-            </a:lvl4pPr>
-            <a:lvl5pPr eaLnBrk="0" fontAlgn="base" hangingPunct="0">
-              <a:spcBef>
-                <a:spcPct val="0"/>
-              </a:spcBef>
-              <a:spcAft>
-                <a:spcPct val="0"/>
-              </a:spcAft>
-              <a:defRPr>
-                <a:solidFill>
-                  <a:schemeClr val="tx1"/>
-                </a:solidFill>
-                <a:latin typeface="Arial" panose="020B0604020202020204" pitchFamily="34" charset="0"/>
-              </a:defRPr>
-            </a:lvl5pPr>
-            <a:lvl6pPr eaLnBrk="0" fontAlgn="base" hangingPunct="0">
-              <a:spcBef>
-                <a:spcPct val="0"/>
-              </a:spcBef>
-              <a:spcAft>
-                <a:spcPct val="0"/>
-              </a:spcAft>
-              <a:defRPr>
-                <a:solidFill>
-                  <a:schemeClr val="tx1"/>
-                </a:solidFill>
-                <a:latin typeface="Arial" panose="020B0604020202020204" pitchFamily="34" charset="0"/>
-              </a:defRPr>
-            </a:lvl6pPr>
-            <a:lvl7pPr eaLnBrk="0" fontAlgn="base" hangingPunct="0">
-              <a:spcBef>
-                <a:spcPct val="0"/>
-              </a:spcBef>
-              <a:spcAft>
-                <a:spcPct val="0"/>
-              </a:spcAft>
-              <a:defRPr>
-                <a:solidFill>
-                  <a:schemeClr val="tx1"/>
-                </a:solidFill>
-                <a:latin typeface="Arial" panose="020B0604020202020204" pitchFamily="34" charset="0"/>
-              </a:defRPr>
-            </a:lvl7pPr>
-            <a:lvl8pPr eaLnBrk="0" fontAlgn="base" hangingPunct="0">
-              <a:spcBef>
-                <a:spcPct val="0"/>
-              </a:spcBef>
-              <a:spcAft>
-                <a:spcPct val="0"/>
-              </a:spcAft>
-              <a:defRPr>
-                <a:solidFill>
-                  <a:schemeClr val="tx1"/>
-                </a:solidFill>
-                <a:latin typeface="Arial" panose="020B0604020202020204" pitchFamily="34" charset="0"/>
-              </a:defRPr>
-            </a:lvl8pPr>
-            <a:lvl9pPr eaLnBrk="0" fontAlgn="base" hangingPunct="0">
-              <a:spcBef>
-                <a:spcPct val="0"/>
-              </a:spcBef>
-              <a:spcAft>
-                <a:spcPct val="0"/>
-              </a:spcAft>
-              <a:defRPr>
-                <a:solidFill>
-                  <a:schemeClr val="tx1"/>
-                </a:solidFill>
-                <a:latin typeface="Arial" panose="020B0604020202020204" pitchFamily="34" charset="0"/>
-              </a:defRPr>
-            </a:lvl9pPr>
-          </a:lstStyle>
-          <a:p>
-            <a:pPr marL="0" marR="0" lvl="0" indent="0" algn="l" defTabSz="914400" rtl="0" eaLnBrk="0" fontAlgn="base" latinLnBrk="0" hangingPunct="0">
-              <a:lnSpc>
-                <a:spcPct val="100000"/>
-              </a:lnSpc>
-              <a:spcBef>
-                <a:spcPct val="0"/>
-              </a:spcBef>
-              <a:spcAft>
-                <a:spcPct val="0"/>
-              </a:spcAft>
-              <a:buClrTx/>
-              <a:buSzTx/>
-              <a:buFontTx/>
-              <a:buNone/>
-              <a:tabLst/>
-            </a:pPr>
-            <a:r>
-              <a:rPr kumimoji="0" lang="fr-FR" altLang="fr-FR" sz="1800" b="0" i="0" u="none" strike="noStrike" cap="none" normalizeH="0" baseline="0">
-                <a:ln>
-                  <a:noFill/>
-                </a:ln>
-                <a:solidFill>
-                  <a:srgbClr val="000000"/>
-                </a:solidFill>
-                <a:effectLst/>
-                <a:latin typeface="Cambria" panose="02040503050406030204" pitchFamily="18" charset="0"/>
-                <a:ea typeface="Cambria" panose="02040503050406030204" pitchFamily="18" charset="0"/>
-              </a:rPr>
-              <a:t>d’accueil </a:t>
-            </a:r>
-            <a:endParaRPr kumimoji="0" lang="fr-FR" altLang="fr-FR" sz="1800" b="0" i="0" u="none" strike="noStrike" cap="none" normalizeH="0" baseline="0">
-              <a:ln>
-                <a:noFill/>
-              </a:ln>
-              <a:solidFill>
-                <a:schemeClr val="tx1"/>
-              </a:solidFill>
-              <a:effectLst/>
-              <a:latin typeface="Cambria" panose="02040503050406030204" pitchFamily="18" charset="0"/>
-              <a:ea typeface="Cambria" panose="02040503050406030204" pitchFamily="18" charset="0"/>
-            </a:endParaRPr>
-          </a:p>
-        </p:txBody>
-      </p:sp>
-      <p:sp>
-        <p:nvSpPr>
-          <p:cNvPr id="120" name="Rectangle 114">
-            <a:extLst>
-              <a:ext uri="{FF2B5EF4-FFF2-40B4-BE49-F238E27FC236}">
-                <a16:creationId xmlns:a16="http://schemas.microsoft.com/office/drawing/2014/main" xmlns="" id="{16CA7217-C049-29CA-F3B0-53F707B28E5C}"/>
-              </a:ext>
-            </a:extLst>
-          </p:cNvPr>
-          <p:cNvSpPr>
-            <a:spLocks noChangeArrowheads="1"/>
-          </p:cNvSpPr>
-          <p:nvPr/>
-        </p:nvSpPr>
-        <p:spPr bwMode="auto">
-          <a:xfrm>
-            <a:off x="3851920" y="5607050"/>
-            <a:ext cx="1855829" cy="276999"/>
-          </a:xfrm>
-          <a:prstGeom prst="rect">
-            <a:avLst/>
-          </a:prstGeom>
-          <a:noFill/>
-          <a:ln>
-            <a:noFill/>
-          </a:ln>
-          <a:extLst>
-            <a:ext uri="{909E8E84-426E-40DD-AFC4-6F175D3DCCD1}">
-              <a14:hiddenFill xmlns:a14="http://schemas.microsoft.com/office/drawing/2010/main">
-                <a:solidFill>
-                  <a:srgbClr val="FFFFFF"/>
-                </a:solidFill>
-              </a14:hiddenFill>
-            </a:ext>
-            <a:ext uri="{91240B29-F687-4F45-9708-019B960494DF}">
-              <a14:hiddenLine xmlns:a14="http://schemas.microsoft.com/office/drawing/2010/main" w="9525">
-                <a:solidFill>
-                  <a:srgbClr val="000000"/>
-                </a:solidFill>
-                <a:miter lim="800000"/>
-                <a:headEnd/>
-                <a:tailEnd/>
-              </a14:hiddenLine>
-            </a:ext>
-          </a:extLst>
-        </p:spPr>
-        <p:txBody>
-          <a:bodyPr vert="horz" wrap="none" lIns="0" tIns="0" rIns="0" bIns="0" numCol="1" anchor="t" anchorCtr="0" compatLnSpc="1">
-            <a:prstTxWarp prst="textNoShape">
-              <a:avLst/>
-            </a:prstTxWarp>
-            <a:spAutoFit/>
-          </a:bodyPr>
-          <a:lstStyle>
-            <a:lvl1pPr eaLnBrk="0" fontAlgn="base" hangingPunct="0">
-              <a:spcBef>
-                <a:spcPct val="0"/>
-              </a:spcBef>
-              <a:spcAft>
-                <a:spcPct val="0"/>
-              </a:spcAft>
-              <a:defRPr>
-                <a:solidFill>
-                  <a:schemeClr val="tx1"/>
-                </a:solidFill>
-                <a:latin typeface="Arial" panose="020B0604020202020204" pitchFamily="34" charset="0"/>
-              </a:defRPr>
-            </a:lvl1pPr>
-            <a:lvl2pPr eaLnBrk="0" fontAlgn="base" hangingPunct="0">
-              <a:spcBef>
-                <a:spcPct val="0"/>
-              </a:spcBef>
-              <a:spcAft>
-                <a:spcPct val="0"/>
-              </a:spcAft>
-              <a:defRPr>
-                <a:solidFill>
-                  <a:schemeClr val="tx1"/>
-                </a:solidFill>
-                <a:latin typeface="Arial" panose="020B0604020202020204" pitchFamily="34" charset="0"/>
-              </a:defRPr>
-            </a:lvl2pPr>
-            <a:lvl3pPr eaLnBrk="0" fontAlgn="base" hangingPunct="0">
-              <a:spcBef>
-                <a:spcPct val="0"/>
-              </a:spcBef>
-              <a:spcAft>
-                <a:spcPct val="0"/>
-              </a:spcAft>
-              <a:defRPr>
-                <a:solidFill>
-                  <a:schemeClr val="tx1"/>
-                </a:solidFill>
-                <a:latin typeface="Arial" panose="020B0604020202020204" pitchFamily="34" charset="0"/>
-              </a:defRPr>
-            </a:lvl3pPr>
-            <a:lvl4pPr eaLnBrk="0" fontAlgn="base" hangingPunct="0">
-              <a:spcBef>
-                <a:spcPct val="0"/>
-              </a:spcBef>
-              <a:spcAft>
-                <a:spcPct val="0"/>
-              </a:spcAft>
-              <a:defRPr>
-                <a:solidFill>
-                  <a:schemeClr val="tx1"/>
-                </a:solidFill>
-                <a:latin typeface="Arial" panose="020B0604020202020204" pitchFamily="34" charset="0"/>
-              </a:defRPr>
-            </a:lvl4pPr>
-            <a:lvl5pPr eaLnBrk="0" fontAlgn="base" hangingPunct="0">
-              <a:spcBef>
-                <a:spcPct val="0"/>
-              </a:spcBef>
-              <a:spcAft>
-                <a:spcPct val="0"/>
-              </a:spcAft>
-              <a:defRPr>
-                <a:solidFill>
-                  <a:schemeClr val="tx1"/>
-                </a:solidFill>
-                <a:latin typeface="Arial" panose="020B0604020202020204" pitchFamily="34" charset="0"/>
-              </a:defRPr>
-            </a:lvl5pPr>
-            <a:lvl6pPr eaLnBrk="0" fontAlgn="base" hangingPunct="0">
-              <a:spcBef>
-                <a:spcPct val="0"/>
-              </a:spcBef>
-              <a:spcAft>
-                <a:spcPct val="0"/>
-              </a:spcAft>
-              <a:defRPr>
-                <a:solidFill>
-                  <a:schemeClr val="tx1"/>
-                </a:solidFill>
-                <a:latin typeface="Arial" panose="020B0604020202020204" pitchFamily="34" charset="0"/>
-              </a:defRPr>
-            </a:lvl6pPr>
-            <a:lvl7pPr eaLnBrk="0" fontAlgn="base" hangingPunct="0">
-              <a:spcBef>
-                <a:spcPct val="0"/>
-              </a:spcBef>
-              <a:spcAft>
-                <a:spcPct val="0"/>
-              </a:spcAft>
-              <a:defRPr>
-                <a:solidFill>
-                  <a:schemeClr val="tx1"/>
-                </a:solidFill>
-                <a:latin typeface="Arial" panose="020B0604020202020204" pitchFamily="34" charset="0"/>
-              </a:defRPr>
-            </a:lvl7pPr>
-            <a:lvl8pPr eaLnBrk="0" fontAlgn="base" hangingPunct="0">
-              <a:spcBef>
-                <a:spcPct val="0"/>
-              </a:spcBef>
-              <a:spcAft>
-                <a:spcPct val="0"/>
-              </a:spcAft>
-              <a:defRPr>
-                <a:solidFill>
-                  <a:schemeClr val="tx1"/>
-                </a:solidFill>
-                <a:latin typeface="Arial" panose="020B0604020202020204" pitchFamily="34" charset="0"/>
-              </a:defRPr>
-            </a:lvl8pPr>
-            <a:lvl9pPr eaLnBrk="0" fontAlgn="base" hangingPunct="0">
-              <a:spcBef>
-                <a:spcPct val="0"/>
-              </a:spcBef>
-              <a:spcAft>
-                <a:spcPct val="0"/>
-              </a:spcAft>
-              <a:defRPr>
-                <a:solidFill>
-                  <a:schemeClr val="tx1"/>
-                </a:solidFill>
-                <a:latin typeface="Arial" panose="020B0604020202020204" pitchFamily="34" charset="0"/>
-              </a:defRPr>
-            </a:lvl9pPr>
-          </a:lstStyle>
-          <a:p>
-            <a:pPr marL="0" marR="0" lvl="0" indent="0" algn="l" defTabSz="914400" rtl="0" eaLnBrk="0" fontAlgn="base" latinLnBrk="0" hangingPunct="0">
-              <a:lnSpc>
-                <a:spcPct val="100000"/>
-              </a:lnSpc>
-              <a:spcBef>
-                <a:spcPct val="0"/>
-              </a:spcBef>
-              <a:spcAft>
-                <a:spcPct val="0"/>
-              </a:spcAft>
-              <a:buClrTx/>
-              <a:buSzTx/>
-              <a:buFontTx/>
-              <a:buNone/>
-              <a:tabLst/>
-            </a:pPr>
-            <a:r>
-              <a:rPr kumimoji="0" lang="fr-FR" altLang="fr-FR" sz="1800" b="0" i="0" u="none" strike="noStrike" cap="none" normalizeH="0" baseline="0" dirty="0">
-                <a:ln>
-                  <a:noFill/>
-                </a:ln>
-                <a:solidFill>
-                  <a:srgbClr val="000000"/>
-                </a:solidFill>
-                <a:effectLst/>
-                <a:latin typeface="Cambria" panose="02040503050406030204" pitchFamily="18" charset="0"/>
-                <a:ea typeface="Cambria" panose="02040503050406030204" pitchFamily="18" charset="0"/>
-              </a:rPr>
-              <a:t>pour une cueillette</a:t>
+              <a:t>entre les utilisateurs </a:t>
             </a:r>
             <a:endParaRPr kumimoji="0" lang="fr-FR" altLang="fr-FR" sz="1800" b="0" i="0" u="none" strike="noStrike" cap="none" normalizeH="0" baseline="0" dirty="0">
               <a:ln>
@@ -33351,114 +32447,6 @@
                                   </p:childTnLst>
                                 </p:cTn>
                               </p:par>
-                              <p:par>
-                                <p:cTn id="55" presetID="1" presetClass="entr" presetSubtype="0" fill="hold" grpId="0" nodeType="withEffect">
-                                  <p:stCondLst>
-                                    <p:cond delay="0"/>
-                                  </p:stCondLst>
-                                  <p:childTnLst>
-                                    <p:set>
-                                      <p:cBhvr>
-                                        <p:cTn id="56" dur="1" fill="hold">
-                                          <p:stCondLst>
-                                            <p:cond delay="0"/>
-                                          </p:stCondLst>
-                                        </p:cTn>
-                                        <p:tgtEl>
-                                          <p:spTgt spid="117"/>
-                                        </p:tgtEl>
-                                        <p:attrNameLst>
-                                          <p:attrName>style.visibility</p:attrName>
-                                        </p:attrNameLst>
-                                      </p:cBhvr>
-                                      <p:to>
-                                        <p:strVal val="visible"/>
-                                      </p:to>
-                                    </p:set>
-                                  </p:childTnLst>
-                                </p:cTn>
-                              </p:par>
-                              <p:par>
-                                <p:cTn id="57" presetID="1" presetClass="entr" presetSubtype="0" fill="hold" grpId="0" nodeType="withEffect">
-                                  <p:stCondLst>
-                                    <p:cond delay="0"/>
-                                  </p:stCondLst>
-                                  <p:childTnLst>
-                                    <p:set>
-                                      <p:cBhvr>
-                                        <p:cTn id="58" dur="1" fill="hold">
-                                          <p:stCondLst>
-                                            <p:cond delay="0"/>
-                                          </p:stCondLst>
-                                        </p:cTn>
-                                        <p:tgtEl>
-                                          <p:spTgt spid="118"/>
-                                        </p:tgtEl>
-                                        <p:attrNameLst>
-                                          <p:attrName>style.visibility</p:attrName>
-                                        </p:attrNameLst>
-                                      </p:cBhvr>
-                                      <p:to>
-                                        <p:strVal val="visible"/>
-                                      </p:to>
-                                    </p:set>
-                                  </p:childTnLst>
-                                </p:cTn>
-                              </p:par>
-                              <p:par>
-                                <p:cTn id="59" presetID="1" presetClass="entr" presetSubtype="0" fill="hold" grpId="0" nodeType="withEffect">
-                                  <p:stCondLst>
-                                    <p:cond delay="0"/>
-                                  </p:stCondLst>
-                                  <p:childTnLst>
-                                    <p:set>
-                                      <p:cBhvr>
-                                        <p:cTn id="60" dur="1" fill="hold">
-                                          <p:stCondLst>
-                                            <p:cond delay="0"/>
-                                          </p:stCondLst>
-                                        </p:cTn>
-                                        <p:tgtEl>
-                                          <p:spTgt spid="120"/>
-                                        </p:tgtEl>
-                                        <p:attrNameLst>
-                                          <p:attrName>style.visibility</p:attrName>
-                                        </p:attrNameLst>
-                                      </p:cBhvr>
-                                      <p:to>
-                                        <p:strVal val="visible"/>
-                                      </p:to>
-                                    </p:set>
-                                  </p:childTnLst>
-                                </p:cTn>
-                              </p:par>
-                              <p:par>
-                                <p:cTn id="61" presetID="1" presetClass="entr" presetSubtype="0" fill="hold" grpId="0" nodeType="withEffect">
-                                  <p:stCondLst>
-                                    <p:cond delay="0"/>
-                                  </p:stCondLst>
-                                  <p:childTnLst>
-                                    <p:set>
-                                      <p:cBhvr>
-                                        <p:cTn id="62" dur="1" fill="hold">
-                                          <p:stCondLst>
-                                            <p:cond delay="0"/>
-                                          </p:stCondLst>
-                                        </p:cTn>
-                                        <p:tgtEl>
-                                          <p:spTgt spid="119"/>
-                                        </p:tgtEl>
-                                        <p:attrNameLst>
-                                          <p:attrName>style.visibility</p:attrName>
-                                        </p:attrNameLst>
-                                      </p:cBhvr>
-                                      <p:to>
-                                        <p:strVal val="visible"/>
-                                      </p:to>
-                                    </p:set>
-                                  </p:childTnLst>
-                                </p:cTn>
-                              </p:par>
                             </p:childTnLst>
                           </p:cTn>
                         </p:par>
@@ -33509,10 +32497,6 @@
       <p:bldP spid="114" grpId="0"/>
       <p:bldP spid="115" grpId="0"/>
       <p:bldP spid="116" grpId="0"/>
-      <p:bldP spid="117" grpId="0"/>
-      <p:bldP spid="118" grpId="0"/>
-      <p:bldP spid="119" grpId="0"/>
-      <p:bldP spid="120" grpId="0"/>
     </p:bldLst>
   </p:timing>
 </p:sld>
